--- a/docs/source/TP1/TP1_20161027_introR.pptx
+++ b/docs/source/TP1/TP1_20161027_introR.pptx
@@ -7,23 +7,23 @@
   <p:sldIdLst>
     <p:sldId id="256" r:id="rId2"/>
     <p:sldId id="257" r:id="rId3"/>
-    <p:sldId id="272" r:id="rId4"/>
-    <p:sldId id="259" r:id="rId5"/>
-    <p:sldId id="260" r:id="rId6"/>
-    <p:sldId id="262" r:id="rId7"/>
-    <p:sldId id="263" r:id="rId8"/>
-    <p:sldId id="264" r:id="rId9"/>
-    <p:sldId id="265" r:id="rId10"/>
-    <p:sldId id="266" r:id="rId11"/>
-    <p:sldId id="267" r:id="rId12"/>
-    <p:sldId id="268" r:id="rId13"/>
-    <p:sldId id="270" r:id="rId14"/>
-    <p:sldId id="269" r:id="rId15"/>
-    <p:sldId id="271" r:id="rId16"/>
-    <p:sldId id="275" r:id="rId17"/>
-    <p:sldId id="273" r:id="rId18"/>
-    <p:sldId id="261" r:id="rId19"/>
-    <p:sldId id="274" r:id="rId20"/>
+    <p:sldId id="276" r:id="rId4"/>
+    <p:sldId id="277" r:id="rId5"/>
+    <p:sldId id="278" r:id="rId6"/>
+    <p:sldId id="259" r:id="rId7"/>
+    <p:sldId id="280" r:id="rId8"/>
+    <p:sldId id="281" r:id="rId9"/>
+    <p:sldId id="282" r:id="rId10"/>
+    <p:sldId id="283" r:id="rId11"/>
+    <p:sldId id="285" r:id="rId12"/>
+    <p:sldId id="286" r:id="rId13"/>
+    <p:sldId id="287" r:id="rId14"/>
+    <p:sldId id="290" r:id="rId15"/>
+    <p:sldId id="291" r:id="rId16"/>
+    <p:sldId id="270" r:id="rId17"/>
+    <p:sldId id="269" r:id="rId18"/>
+    <p:sldId id="284" r:id="rId19"/>
+    <p:sldId id="273" r:id="rId20"/>
   </p:sldIdLst>
   <p:sldSz cx="9144000" cy="6858000" type="screen4x3"/>
   <p:notesSz cx="6858000" cy="9144000"/>
@@ -306,7 +306,7 @@
           <a:p>
             <a:fld id="{E330F08A-8E59-6B4E-A444-1A1858DF76C2}" type="datetimeFigureOut">
               <a:rPr lang="fr-FR" smtClean="0"/>
-              <a:t>10/10/2016</a:t>
+              <a:t>17/10/2016</a:t>
             </a:fld>
             <a:endParaRPr lang="fr-FR"/>
           </a:p>
@@ -476,7 +476,7 @@
           <a:p>
             <a:fld id="{E330F08A-8E59-6B4E-A444-1A1858DF76C2}" type="datetimeFigureOut">
               <a:rPr lang="fr-FR" smtClean="0"/>
-              <a:t>10/10/2016</a:t>
+              <a:t>17/10/2016</a:t>
             </a:fld>
             <a:endParaRPr lang="fr-FR"/>
           </a:p>
@@ -656,7 +656,7 @@
           <a:p>
             <a:fld id="{E330F08A-8E59-6B4E-A444-1A1858DF76C2}" type="datetimeFigureOut">
               <a:rPr lang="fr-FR" smtClean="0"/>
-              <a:t>10/10/2016</a:t>
+              <a:t>17/10/2016</a:t>
             </a:fld>
             <a:endParaRPr lang="fr-FR"/>
           </a:p>
@@ -826,7 +826,7 @@
           <a:p>
             <a:fld id="{E330F08A-8E59-6B4E-A444-1A1858DF76C2}" type="datetimeFigureOut">
               <a:rPr lang="fr-FR" smtClean="0"/>
-              <a:t>10/10/2016</a:t>
+              <a:t>17/10/2016</a:t>
             </a:fld>
             <a:endParaRPr lang="fr-FR"/>
           </a:p>
@@ -1072,7 +1072,7 @@
           <a:p>
             <a:fld id="{E330F08A-8E59-6B4E-A444-1A1858DF76C2}" type="datetimeFigureOut">
               <a:rPr lang="fr-FR" smtClean="0"/>
-              <a:t>10/10/2016</a:t>
+              <a:t>17/10/2016</a:t>
             </a:fld>
             <a:endParaRPr lang="fr-FR"/>
           </a:p>
@@ -1360,7 +1360,7 @@
           <a:p>
             <a:fld id="{E330F08A-8E59-6B4E-A444-1A1858DF76C2}" type="datetimeFigureOut">
               <a:rPr lang="fr-FR" smtClean="0"/>
-              <a:t>10/10/2016</a:t>
+              <a:t>17/10/2016</a:t>
             </a:fld>
             <a:endParaRPr lang="fr-FR"/>
           </a:p>
@@ -1782,7 +1782,7 @@
           <a:p>
             <a:fld id="{E330F08A-8E59-6B4E-A444-1A1858DF76C2}" type="datetimeFigureOut">
               <a:rPr lang="fr-FR" smtClean="0"/>
-              <a:t>10/10/2016</a:t>
+              <a:t>17/10/2016</a:t>
             </a:fld>
             <a:endParaRPr lang="fr-FR"/>
           </a:p>
@@ -1900,7 +1900,7 @@
           <a:p>
             <a:fld id="{E330F08A-8E59-6B4E-A444-1A1858DF76C2}" type="datetimeFigureOut">
               <a:rPr lang="fr-FR" smtClean="0"/>
-              <a:t>10/10/2016</a:t>
+              <a:t>17/10/2016</a:t>
             </a:fld>
             <a:endParaRPr lang="fr-FR"/>
           </a:p>
@@ -1995,7 +1995,7 @@
           <a:p>
             <a:fld id="{E330F08A-8E59-6B4E-A444-1A1858DF76C2}" type="datetimeFigureOut">
               <a:rPr lang="fr-FR" smtClean="0"/>
-              <a:t>10/10/2016</a:t>
+              <a:t>17/10/2016</a:t>
             </a:fld>
             <a:endParaRPr lang="fr-FR"/>
           </a:p>
@@ -2272,7 +2272,7 @@
           <a:p>
             <a:fld id="{E330F08A-8E59-6B4E-A444-1A1858DF76C2}" type="datetimeFigureOut">
               <a:rPr lang="fr-FR" smtClean="0"/>
-              <a:t>10/10/2016</a:t>
+              <a:t>17/10/2016</a:t>
             </a:fld>
             <a:endParaRPr lang="fr-FR"/>
           </a:p>
@@ -2525,7 +2525,7 @@
           <a:p>
             <a:fld id="{E330F08A-8E59-6B4E-A444-1A1858DF76C2}" type="datetimeFigureOut">
               <a:rPr lang="fr-FR" smtClean="0"/>
-              <a:t>10/10/2016</a:t>
+              <a:t>17/10/2016</a:t>
             </a:fld>
             <a:endParaRPr lang="fr-FR"/>
           </a:p>
@@ -2738,7 +2738,7 @@
           <a:p>
             <a:fld id="{E330F08A-8E59-6B4E-A444-1A1858DF76C2}" type="datetimeFigureOut">
               <a:rPr lang="fr-FR" smtClean="0"/>
-              <a:t>10/10/2016</a:t>
+              <a:t>17/10/2016</a:t>
             </a:fld>
             <a:endParaRPr lang="fr-FR"/>
           </a:p>
@@ -3123,12 +3123,21 @@
             <p:ph type="ctrTitle"/>
           </p:nvPr>
         </p:nvSpPr>
-        <p:spPr/>
-        <p:txBody>
-          <a:bodyPr/>
-          <a:lstStyle/>
-          <a:p>
-            <a:endParaRPr lang="fr-FR"/>
+        <p:spPr>
+          <a:xfrm>
+            <a:off x="0" y="2130425"/>
+            <a:ext cx="9144000" cy="1470025"/>
+          </a:xfrm>
+        </p:spPr>
+        <p:txBody>
+          <a:bodyPr/>
+          <a:lstStyle/>
+          <a:p>
+            <a:r>
+              <a:rPr lang="fr-FR" dirty="0" smtClean="0"/>
+              <a:t>Initiation à R</a:t>
+            </a:r>
+            <a:endParaRPr lang="fr-FR" dirty="0"/>
           </a:p>
         </p:txBody>
       </p:sp>
@@ -3142,12 +3151,96 @@
             <p:ph type="subTitle" idx="1"/>
           </p:nvPr>
         </p:nvSpPr>
-        <p:spPr/>
-        <p:txBody>
-          <a:bodyPr/>
-          <a:lstStyle/>
-          <a:p>
-            <a:endParaRPr lang="fr-FR"/>
+        <p:spPr>
+          <a:xfrm>
+            <a:off x="0" y="3886200"/>
+            <a:ext cx="9144000" cy="969108"/>
+          </a:xfrm>
+        </p:spPr>
+        <p:txBody>
+          <a:bodyPr>
+            <a:normAutofit/>
+          </a:bodyPr>
+          <a:lstStyle/>
+          <a:p>
+            <a:r>
+              <a:rPr lang="fr-FR" sz="2000" dirty="0" smtClean="0"/>
+              <a:t>J. </a:t>
+            </a:r>
+            <a:r>
+              <a:rPr lang="fr-FR" sz="2000" dirty="0" err="1" smtClean="0"/>
+              <a:t>Guégan</a:t>
+            </a:r>
+            <a:r>
+              <a:rPr lang="fr-FR" sz="2000" dirty="0" smtClean="0"/>
+              <a:t> – </a:t>
+            </a:r>
+            <a:r>
+              <a:rPr lang="fr-FR" sz="2000" dirty="0" smtClean="0">
+                <a:hlinkClick r:id="rId2"/>
+              </a:rPr>
+              <a:t>j.guegan-ihu@icm-institut.com</a:t>
+            </a:r>
+            <a:endParaRPr lang="fr-FR" sz="2000" dirty="0" smtClean="0"/>
+          </a:p>
+          <a:p>
+            <a:r>
+              <a:rPr lang="fr-FR" sz="2000" dirty="0" err="1" smtClean="0"/>
+              <a:t>G.Meurice</a:t>
+            </a:r>
+            <a:r>
+              <a:rPr lang="fr-FR" sz="2000" dirty="0" smtClean="0"/>
+              <a:t> – </a:t>
+            </a:r>
+            <a:r>
+              <a:rPr lang="fr-FR" sz="2000" dirty="0" smtClean="0">
+                <a:hlinkClick r:id="rId3"/>
+              </a:rPr>
+              <a:t>guillaume.meurice@gustavroussy.fr</a:t>
+            </a:r>
+            <a:endParaRPr lang="fr-FR" sz="2000" dirty="0" smtClean="0"/>
+          </a:p>
+          <a:p>
+            <a:endParaRPr lang="fr-FR" sz="2000" dirty="0"/>
+          </a:p>
+        </p:txBody>
+      </p:sp>
+      <p:sp>
+        <p:nvSpPr>
+          <p:cNvPr id="4" name="ZoneTexte 3"/>
+          <p:cNvSpPr txBox="1"/>
+          <p:nvPr/>
+        </p:nvSpPr>
+        <p:spPr>
+          <a:xfrm>
+            <a:off x="0" y="5773615"/>
+            <a:ext cx="9144000" cy="369332"/>
+          </a:xfrm>
+          <a:prstGeom prst="rect">
+            <a:avLst/>
+          </a:prstGeom>
+          <a:noFill/>
+        </p:spPr>
+        <p:txBody>
+          <a:bodyPr wrap="square" rtlCol="0">
+            <a:spAutoFit/>
+          </a:bodyPr>
+          <a:lstStyle/>
+          <a:p>
+            <a:pPr algn="ctr"/>
+            <a:r>
+              <a:rPr lang="fr-FR" dirty="0" smtClean="0"/>
+              <a:t>Central </a:t>
+            </a:r>
+            <a:r>
+              <a:rPr lang="fr-FR" dirty="0" err="1" smtClean="0"/>
+              <a:t>Supelec</a:t>
+            </a:r>
+            <a:r>
+              <a:rPr lang="fr-FR" dirty="0" smtClean="0"/>
+              <a:t> – 27 octobre 2016</a:t>
+            </a:r>
+            <a:endParaRPr lang="fr-FR" dirty="0"/>
           </a:p>
         </p:txBody>
       </p:sp>
@@ -3197,36 +3290,131 @@
           <a:lstStyle/>
           <a:p>
             <a:r>
+              <a:rPr lang="fr-FR" dirty="0" smtClean="0"/>
+              <a:t>Les types de valeurs</a:t>
+            </a:r>
+            <a:endParaRPr lang="fr-FR" dirty="0"/>
+          </a:p>
+        </p:txBody>
+      </p:sp>
+      <p:sp>
+        <p:nvSpPr>
+          <p:cNvPr id="3" name="Espace réservé du contenu 2"/>
+          <p:cNvSpPr>
+            <a:spLocks noGrp="1"/>
+          </p:cNvSpPr>
+          <p:nvPr>
+            <p:ph idx="1"/>
+          </p:nvPr>
+        </p:nvSpPr>
+        <p:spPr>
+          <a:xfrm>
+            <a:off x="457200" y="1600200"/>
+            <a:ext cx="8229600" cy="5257800"/>
+          </a:xfrm>
+        </p:spPr>
+        <p:txBody>
+          <a:bodyPr>
+            <a:normAutofit/>
+          </a:bodyPr>
+          <a:lstStyle/>
+          <a:p>
+            <a:r>
               <a:rPr lang="fr-FR" dirty="0" err="1" smtClean="0"/>
-              <a:t>Dataframe</a:t>
+              <a:t>Character</a:t>
             </a:r>
             <a:endParaRPr lang="fr-FR" dirty="0"/>
           </a:p>
-        </p:txBody>
-      </p:sp>
-      <p:sp>
-        <p:nvSpPr>
-          <p:cNvPr id="3" name="Espace réservé du contenu 2"/>
-          <p:cNvSpPr>
-            <a:spLocks noGrp="1"/>
-          </p:cNvSpPr>
-          <p:nvPr>
-            <p:ph idx="1"/>
-          </p:nvPr>
-        </p:nvSpPr>
-        <p:spPr/>
-        <p:txBody>
-          <a:bodyPr/>
-          <a:lstStyle/>
-          <a:p>
-            <a:endParaRPr lang="fr-FR"/>
-          </a:p>
-        </p:txBody>
-      </p:sp>
+          <a:p>
+            <a:r>
+              <a:rPr lang="fr-FR" dirty="0" smtClean="0"/>
+              <a:t>Double</a:t>
+            </a:r>
+          </a:p>
+          <a:p>
+            <a:r>
+              <a:rPr lang="fr-FR" dirty="0" err="1" smtClean="0"/>
+              <a:t>Integer</a:t>
+            </a:r>
+            <a:endParaRPr lang="fr-FR" dirty="0"/>
+          </a:p>
+          <a:p>
+            <a:r>
+              <a:rPr lang="fr-FR" dirty="0" err="1" smtClean="0"/>
+              <a:t>Logical</a:t>
+            </a:r>
+            <a:endParaRPr lang="fr-FR" dirty="0" smtClean="0"/>
+          </a:p>
+          <a:p>
+            <a:pPr marL="0" indent="0">
+              <a:buNone/>
+            </a:pPr>
+            <a:endParaRPr lang="fr-FR" dirty="0"/>
+          </a:p>
+          <a:p>
+            <a:pPr marL="0" indent="0">
+              <a:buNone/>
+            </a:pPr>
+            <a:endParaRPr lang="fr-FR" dirty="0"/>
+          </a:p>
+          <a:p>
+            <a:endParaRPr lang="fr-FR" dirty="0"/>
+          </a:p>
+          <a:p>
+            <a:r>
+              <a:rPr lang="fr-FR" dirty="0" smtClean="0"/>
+              <a:t>Valeurs </a:t>
+            </a:r>
+            <a:r>
+              <a:rPr lang="fr-FR" dirty="0"/>
+              <a:t>particulières </a:t>
+            </a:r>
+            <a:r>
+              <a:rPr lang="fr-FR" dirty="0" smtClean="0"/>
+              <a:t>: NA,+</a:t>
+            </a:r>
+            <a:r>
+              <a:rPr lang="fr-FR" dirty="0" err="1" smtClean="0"/>
+              <a:t>Inf,NaN</a:t>
+            </a:r>
+            <a:endParaRPr lang="fr-FR" dirty="0"/>
+          </a:p>
+        </p:txBody>
+      </p:sp>
+      <p:pic>
+        <p:nvPicPr>
+          <p:cNvPr id="5" name="Image 4" descr="Capture d’écran 2016-10-17 à 22.03.26.png"/>
+          <p:cNvPicPr>
+            <a:picLocks noChangeAspect="1"/>
+          </p:cNvPicPr>
+          <p:nvPr/>
+        </p:nvPicPr>
+        <p:blipFill>
+          <a:blip r:embed="rId2">
+            <a:extLst>
+              <a:ext uri="{28A0092B-C50C-407E-A947-70E740481C1C}">
+                <a14:useLocalDpi xmlns:a14="http://schemas.microsoft.com/office/drawing/2010/main" val="0"/>
+              </a:ext>
+            </a:extLst>
+          </a:blip>
+          <a:stretch>
+            <a:fillRect/>
+          </a:stretch>
+        </p:blipFill>
+        <p:spPr>
+          <a:xfrm>
+            <a:off x="2872154" y="986699"/>
+            <a:ext cx="6345115" cy="5236307"/>
+          </a:xfrm>
+          <a:prstGeom prst="rect">
+            <a:avLst/>
+          </a:prstGeom>
+        </p:spPr>
+      </p:pic>
     </p:spTree>
     <p:extLst>
       <p:ext uri="{BB962C8B-B14F-4D97-AF65-F5344CB8AC3E}">
-        <p14:creationId xmlns:p14="http://schemas.microsoft.com/office/powerpoint/2010/main" val="152058204"/>
+        <p14:creationId xmlns:p14="http://schemas.microsoft.com/office/powerpoint/2010/main" val="4226703063"/>
       </p:ext>
     </p:extLst>
   </p:cSld>
@@ -3270,7 +3458,11 @@
           <a:p>
             <a:r>
               <a:rPr lang="fr-FR" dirty="0" smtClean="0"/>
-              <a:t>Listes</a:t>
+              <a:t>Les classes d’</a:t>
+            </a:r>
+            <a:r>
+              <a:rPr lang="fr-FR" dirty="0" err="1" smtClean="0"/>
+              <a:t>objects</a:t>
             </a:r>
             <a:endParaRPr lang="fr-FR" dirty="0"/>
           </a:p>
@@ -3278,7 +3470,7 @@
       </p:sp>
       <p:sp>
         <p:nvSpPr>
-          <p:cNvPr id="3" name="Espace réservé du contenu 2"/>
+          <p:cNvPr id="6" name="Espace réservé du contenu 5"/>
           <p:cNvSpPr>
             <a:spLocks noGrp="1"/>
           </p:cNvSpPr>
@@ -3291,14 +3483,58 @@
           <a:bodyPr/>
           <a:lstStyle/>
           <a:p>
-            <a:endParaRPr lang="fr-FR"/>
-          </a:p>
-        </p:txBody>
-      </p:sp>
+            <a:r>
+              <a:rPr lang="fr-FR" dirty="0" smtClean="0"/>
+              <a:t>Vecteur : </a:t>
+            </a:r>
+          </a:p>
+          <a:p>
+            <a:pPr lvl="1"/>
+            <a:r>
+              <a:rPr lang="fr-FR" dirty="0" smtClean="0"/>
+              <a:t>tout les éléments sont de même nature</a:t>
+            </a:r>
+          </a:p>
+          <a:p>
+            <a:pPr lvl="1"/>
+            <a:endParaRPr lang="fr-FR" dirty="0"/>
+          </a:p>
+        </p:txBody>
+      </p:sp>
+      <p:pic>
+        <p:nvPicPr>
+          <p:cNvPr id="7" name="Image 6" descr="Capture d’écran 2016-10-17 à 22.08.37.png"/>
+          <p:cNvPicPr>
+            <a:picLocks noChangeAspect="1"/>
+          </p:cNvPicPr>
+          <p:nvPr/>
+        </p:nvPicPr>
+        <p:blipFill>
+          <a:blip r:embed="rId2">
+            <a:extLst>
+              <a:ext uri="{28A0092B-C50C-407E-A947-70E740481C1C}">
+                <a14:useLocalDpi xmlns:a14="http://schemas.microsoft.com/office/drawing/2010/main" val="0"/>
+              </a:ext>
+            </a:extLst>
+          </a:blip>
+          <a:stretch>
+            <a:fillRect/>
+          </a:stretch>
+        </p:blipFill>
+        <p:spPr>
+          <a:xfrm>
+            <a:off x="1992923" y="2502765"/>
+            <a:ext cx="4659923" cy="4499678"/>
+          </a:xfrm>
+          <a:prstGeom prst="rect">
+            <a:avLst/>
+          </a:prstGeom>
+        </p:spPr>
+      </p:pic>
     </p:spTree>
     <p:extLst>
       <p:ext uri="{BB962C8B-B14F-4D97-AF65-F5344CB8AC3E}">
-        <p14:creationId xmlns:p14="http://schemas.microsoft.com/office/powerpoint/2010/main" val="152058204"/>
+        <p14:creationId xmlns:p14="http://schemas.microsoft.com/office/powerpoint/2010/main" val="2378012399"/>
       </p:ext>
     </p:extLst>
   </p:cSld>
@@ -3342,7 +3578,11 @@
           <a:p>
             <a:r>
               <a:rPr lang="fr-FR" dirty="0" smtClean="0"/>
-              <a:t>Bloc de code</a:t>
+              <a:t>Les classes d’</a:t>
+            </a:r>
+            <a:r>
+              <a:rPr lang="fr-FR" dirty="0" err="1" smtClean="0"/>
+              <a:t>objects</a:t>
             </a:r>
             <a:endParaRPr lang="fr-FR" dirty="0"/>
           </a:p>
@@ -3350,7 +3590,7 @@
       </p:sp>
       <p:sp>
         <p:nvSpPr>
-          <p:cNvPr id="3" name="Espace réservé du contenu 2"/>
+          <p:cNvPr id="6" name="Espace réservé du contenu 5"/>
           <p:cNvSpPr>
             <a:spLocks noGrp="1"/>
           </p:cNvSpPr>
@@ -3363,14 +3603,58 @@
           <a:bodyPr/>
           <a:lstStyle/>
           <a:p>
-            <a:endParaRPr lang="fr-FR"/>
-          </a:p>
-        </p:txBody>
-      </p:sp>
+            <a:r>
+              <a:rPr lang="fr-FR" dirty="0" smtClean="0"/>
+              <a:t>Facteur :</a:t>
+            </a:r>
+          </a:p>
+          <a:p>
+            <a:pPr lvl="1"/>
+            <a:r>
+              <a:rPr lang="fr-FR" dirty="0" smtClean="0"/>
+              <a:t>Numérique ou caractère</a:t>
+            </a:r>
+          </a:p>
+          <a:p>
+            <a:pPr lvl="1"/>
+            <a:endParaRPr lang="fr-FR" dirty="0"/>
+          </a:p>
+        </p:txBody>
+      </p:sp>
+      <p:pic>
+        <p:nvPicPr>
+          <p:cNvPr id="3" name="Image 2" descr="Capture d’écran 2016-10-17 à 22.11.13.png"/>
+          <p:cNvPicPr>
+            <a:picLocks noChangeAspect="1"/>
+          </p:cNvPicPr>
+          <p:nvPr/>
+        </p:nvPicPr>
+        <p:blipFill>
+          <a:blip r:embed="rId2">
+            <a:extLst>
+              <a:ext uri="{28A0092B-C50C-407E-A947-70E740481C1C}">
+                <a14:useLocalDpi xmlns:a14="http://schemas.microsoft.com/office/drawing/2010/main" val="0"/>
+              </a:ext>
+            </a:extLst>
+          </a:blip>
+          <a:stretch>
+            <a:fillRect/>
+          </a:stretch>
+        </p:blipFill>
+        <p:spPr>
+          <a:xfrm>
+            <a:off x="3536462" y="2588846"/>
+            <a:ext cx="4755055" cy="4591538"/>
+          </a:xfrm>
+          <a:prstGeom prst="rect">
+            <a:avLst/>
+          </a:prstGeom>
+        </p:spPr>
+      </p:pic>
     </p:spTree>
     <p:extLst>
       <p:ext uri="{BB962C8B-B14F-4D97-AF65-F5344CB8AC3E}">
-        <p14:creationId xmlns:p14="http://schemas.microsoft.com/office/powerpoint/2010/main" val="1894432500"/>
+        <p14:creationId xmlns:p14="http://schemas.microsoft.com/office/powerpoint/2010/main" val="3920475195"/>
       </p:ext>
     </p:extLst>
   </p:cSld>
@@ -3414,7 +3698,11 @@
           <a:p>
             <a:r>
               <a:rPr lang="fr-FR" dirty="0" smtClean="0"/>
-              <a:t>Structure algorithmiques</a:t>
+              <a:t>Les classes d’</a:t>
+            </a:r>
+            <a:r>
+              <a:rPr lang="fr-FR" dirty="0" err="1" smtClean="0"/>
+              <a:t>objects</a:t>
             </a:r>
             <a:endParaRPr lang="fr-FR" dirty="0"/>
           </a:p>
@@ -3422,7 +3710,7 @@
       </p:sp>
       <p:sp>
         <p:nvSpPr>
-          <p:cNvPr id="3" name="Espace réservé du contenu 2"/>
+          <p:cNvPr id="6" name="Espace réservé du contenu 5"/>
           <p:cNvSpPr>
             <a:spLocks noGrp="1"/>
           </p:cNvSpPr>
@@ -3437,42 +3725,85 @@
           <a:p>
             <a:r>
               <a:rPr lang="fr-FR" dirty="0" smtClean="0"/>
-              <a:t>Conditionnel</a:t>
+              <a:t>Matrices :</a:t>
             </a:r>
           </a:p>
           <a:p>
             <a:pPr lvl="1"/>
             <a:r>
-              <a:rPr lang="fr-FR" dirty="0" smtClean="0"/>
-              <a:t>If</a:t>
-            </a:r>
-          </a:p>
-          <a:p>
-            <a:pPr lvl="1"/>
+              <a:rPr lang="fr-FR" dirty="0"/>
+              <a:t>tout les éléments sont de même </a:t>
+            </a:r>
+            <a:r>
+              <a:rPr lang="fr-FR" dirty="0" smtClean="0"/>
+              <a:t>nature </a:t>
+            </a:r>
+          </a:p>
+        </p:txBody>
+      </p:sp>
+      <p:pic>
+        <p:nvPicPr>
+          <p:cNvPr id="3" name="Image 2" descr="Capture d’écran 2016-10-17 à 22.15.35.png"/>
+          <p:cNvPicPr>
+            <a:picLocks noChangeAspect="1"/>
+          </p:cNvPicPr>
+          <p:nvPr/>
+        </p:nvPicPr>
+        <p:blipFill>
+          <a:blip r:embed="rId2">
+            <a:extLst>
+              <a:ext uri="{28A0092B-C50C-407E-A947-70E740481C1C}">
+                <a14:useLocalDpi xmlns:a14="http://schemas.microsoft.com/office/drawing/2010/main" val="0"/>
+              </a:ext>
+            </a:extLst>
+          </a:blip>
+          <a:stretch>
+            <a:fillRect/>
+          </a:stretch>
+        </p:blipFill>
+        <p:spPr>
+          <a:xfrm>
+            <a:off x="1103923" y="2486409"/>
+            <a:ext cx="6355372" cy="4449743"/>
+          </a:xfrm>
+          <a:prstGeom prst="rect">
+            <a:avLst/>
+          </a:prstGeom>
+        </p:spPr>
+      </p:pic>
+      <p:sp>
+        <p:nvSpPr>
+          <p:cNvPr id="4" name="ZoneTexte 3"/>
+          <p:cNvSpPr txBox="1"/>
+          <p:nvPr/>
+        </p:nvSpPr>
+        <p:spPr>
+          <a:xfrm>
+            <a:off x="102399" y="6273745"/>
+            <a:ext cx="8692666" cy="369332"/>
+          </a:xfrm>
+          <a:prstGeom prst="rect">
+            <a:avLst/>
+          </a:prstGeom>
+          <a:noFill/>
+        </p:spPr>
+        <p:txBody>
+          <a:bodyPr wrap="none" rtlCol="0">
+            <a:spAutoFit/>
+          </a:bodyPr>
+          <a:lstStyle/>
+          <a:p>
+            <a:r>
+              <a:rPr lang="fr-FR" dirty="0" smtClean="0"/>
+              <a:t>NB : on trouve aussi des « </a:t>
+            </a:r>
             <a:r>
               <a:rPr lang="fr-FR" dirty="0" err="1" smtClean="0"/>
-              <a:t>switch</a:t>
-            </a:r>
-            <a:endParaRPr lang="fr-FR" dirty="0" smtClean="0"/>
-          </a:p>
-          <a:p>
-            <a:r>
-              <a:rPr lang="fr-FR" dirty="0" smtClean="0"/>
-              <a:t>Boucles</a:t>
-            </a:r>
-          </a:p>
-          <a:p>
-            <a:pPr lvl="1"/>
-            <a:r>
-              <a:rPr lang="fr-FR" dirty="0" smtClean="0"/>
-              <a:t>For </a:t>
-            </a:r>
-          </a:p>
-          <a:p>
-            <a:pPr lvl="1"/>
-            <a:r>
-              <a:rPr lang="fr-FR" dirty="0" err="1" smtClean="0"/>
-              <a:t>while</a:t>
+              <a:t>arrays</a:t>
+            </a:r>
+            <a:r>
+              <a:rPr lang="fr-FR" dirty="0" smtClean="0"/>
+              <a:t> », qui sont une généralisation à n-dimension des matrices</a:t>
             </a:r>
             <a:endParaRPr lang="fr-FR" dirty="0"/>
           </a:p>
@@ -3481,7 +3812,7 @@
     </p:spTree>
     <p:extLst>
       <p:ext uri="{BB962C8B-B14F-4D97-AF65-F5344CB8AC3E}">
-        <p14:creationId xmlns:p14="http://schemas.microsoft.com/office/powerpoint/2010/main" val="2184499534"/>
+        <p14:creationId xmlns:p14="http://schemas.microsoft.com/office/powerpoint/2010/main" val="3920475195"/>
       </p:ext>
     </p:extLst>
   </p:cSld>
@@ -3525,7 +3856,11 @@
           <a:p>
             <a:r>
               <a:rPr lang="fr-FR" dirty="0" smtClean="0"/>
-              <a:t>Fonctions</a:t>
+              <a:t>Les classes d’</a:t>
+            </a:r>
+            <a:r>
+              <a:rPr lang="fr-FR" dirty="0" err="1" smtClean="0"/>
+              <a:t>objects</a:t>
             </a:r>
             <a:endParaRPr lang="fr-FR" dirty="0"/>
           </a:p>
@@ -3533,7 +3868,7 @@
       </p:sp>
       <p:sp>
         <p:nvSpPr>
-          <p:cNvPr id="3" name="Espace réservé du contenu 2"/>
+          <p:cNvPr id="6" name="Espace réservé du contenu 5"/>
           <p:cNvSpPr>
             <a:spLocks noGrp="1"/>
           </p:cNvSpPr>
@@ -3546,14 +3881,105 @@
           <a:bodyPr/>
           <a:lstStyle/>
           <a:p>
-            <a:endParaRPr lang="fr-FR"/>
-          </a:p>
-        </p:txBody>
-      </p:sp>
+            <a:r>
+              <a:rPr lang="fr-FR" dirty="0" smtClean="0"/>
+              <a:t>Tableau de données (</a:t>
+            </a:r>
+            <a:r>
+              <a:rPr lang="fr-FR" dirty="0" err="1" smtClean="0"/>
+              <a:t>data.frame</a:t>
+            </a:r>
+            <a:r>
+              <a:rPr lang="fr-FR" dirty="0" smtClean="0"/>
+              <a:t>) :</a:t>
+            </a:r>
+          </a:p>
+          <a:p>
+            <a:pPr lvl="1"/>
+            <a:r>
+              <a:rPr lang="fr-FR" dirty="0" smtClean="0"/>
+              <a:t>structure spéciale </a:t>
+            </a:r>
+            <a:r>
+              <a:rPr lang="fr-FR" dirty="0"/>
+              <a:t>pour les jeux de </a:t>
+            </a:r>
+            <a:r>
+              <a:rPr lang="fr-FR" dirty="0" smtClean="0"/>
+              <a:t>données </a:t>
+            </a:r>
+            <a:r>
+              <a:rPr lang="fr-FR" dirty="0"/>
+              <a:t>de type </a:t>
+            </a:r>
+            <a:r>
+              <a:rPr lang="fr-FR" i="1" dirty="0"/>
+              <a:t>Individus </a:t>
+            </a:r>
+            <a:r>
+              <a:rPr lang="fr-FR" dirty="0"/>
+              <a:t>× </a:t>
+            </a:r>
+            <a:r>
+              <a:rPr lang="fr-FR" i="1" dirty="0" smtClean="0"/>
+              <a:t>Variables</a:t>
+            </a:r>
+          </a:p>
+          <a:p>
+            <a:pPr lvl="1"/>
+            <a:r>
+              <a:rPr lang="fr-FR" dirty="0" smtClean="0"/>
+              <a:t>Les colonnes peuvent être de nature différentes</a:t>
+            </a:r>
+          </a:p>
+          <a:p>
+            <a:pPr lvl="1"/>
+            <a:r>
+              <a:rPr lang="fr-FR" dirty="0" smtClean="0"/>
+              <a:t>Les colonnes doivent être de même taille</a:t>
+            </a:r>
+            <a:r>
+              <a:rPr lang="fr-FR" i="1" dirty="0" smtClean="0"/>
+              <a:t> </a:t>
+            </a:r>
+            <a:endParaRPr lang="fr-FR" dirty="0"/>
+          </a:p>
+        </p:txBody>
+      </p:sp>
+      <p:pic>
+        <p:nvPicPr>
+          <p:cNvPr id="4" name="Image 3" descr="Capture d’écran 2016-10-17 à 22.23.09.png"/>
+          <p:cNvPicPr>
+            <a:picLocks noChangeAspect="1"/>
+          </p:cNvPicPr>
+          <p:nvPr/>
+        </p:nvPicPr>
+        <p:blipFill>
+          <a:blip r:embed="rId2">
+            <a:extLst>
+              <a:ext uri="{28A0092B-C50C-407E-A947-70E740481C1C}">
+                <a14:useLocalDpi xmlns:a14="http://schemas.microsoft.com/office/drawing/2010/main" val="0"/>
+              </a:ext>
+            </a:extLst>
+          </a:blip>
+          <a:stretch>
+            <a:fillRect/>
+          </a:stretch>
+        </p:blipFill>
+        <p:spPr>
+          <a:xfrm>
+            <a:off x="4629791" y="3956538"/>
+            <a:ext cx="3965666" cy="3409461"/>
+          </a:xfrm>
+          <a:prstGeom prst="rect">
+            <a:avLst/>
+          </a:prstGeom>
+        </p:spPr>
+      </p:pic>
     </p:spTree>
     <p:extLst>
       <p:ext uri="{BB962C8B-B14F-4D97-AF65-F5344CB8AC3E}">
-        <p14:creationId xmlns:p14="http://schemas.microsoft.com/office/powerpoint/2010/main" val="2082255176"/>
+        <p14:creationId xmlns:p14="http://schemas.microsoft.com/office/powerpoint/2010/main" val="2472231991"/>
       </p:ext>
     </p:extLst>
   </p:cSld>
@@ -3595,13 +4021,21 @@
           <a:bodyPr/>
           <a:lstStyle/>
           <a:p>
-            <a:endParaRPr lang="fr-FR"/>
-          </a:p>
-        </p:txBody>
-      </p:sp>
-      <p:sp>
-        <p:nvSpPr>
-          <p:cNvPr id="3" name="Espace réservé du contenu 2"/>
+            <a:r>
+              <a:rPr lang="fr-FR" dirty="0" smtClean="0"/>
+              <a:t>Les classes d’</a:t>
+            </a:r>
+            <a:r>
+              <a:rPr lang="fr-FR" dirty="0" err="1" smtClean="0"/>
+              <a:t>objects</a:t>
+            </a:r>
+            <a:endParaRPr lang="fr-FR" dirty="0"/>
+          </a:p>
+        </p:txBody>
+      </p:sp>
+      <p:sp>
+        <p:nvSpPr>
+          <p:cNvPr id="6" name="Espace réservé du contenu 5"/>
           <p:cNvSpPr>
             <a:spLocks noGrp="1"/>
           </p:cNvSpPr>
@@ -3616,16 +4050,53 @@
           <a:p>
             <a:r>
               <a:rPr lang="fr-FR" dirty="0" smtClean="0"/>
-              <a:t>TP1</a:t>
-            </a:r>
-            <a:endParaRPr lang="fr-FR" dirty="0"/>
-          </a:p>
-        </p:txBody>
-      </p:sp>
+              <a:t>Liste : </a:t>
+            </a:r>
+            <a:r>
+              <a:rPr lang="fr-FR" dirty="0" err="1" smtClean="0"/>
+              <a:t>object</a:t>
+            </a:r>
+            <a:r>
+              <a:rPr lang="fr-FR" dirty="0" smtClean="0"/>
+              <a:t> « fourre-tout » :  </a:t>
+            </a:r>
+          </a:p>
+        </p:txBody>
+      </p:sp>
+      <p:pic>
+        <p:nvPicPr>
+          <p:cNvPr id="3" name="Image 2" descr="Capture d’écran 2016-10-17 à 22.28.12.png"/>
+          <p:cNvPicPr>
+            <a:picLocks noChangeAspect="1"/>
+          </p:cNvPicPr>
+          <p:nvPr/>
+        </p:nvPicPr>
+        <p:blipFill>
+          <a:blip r:embed="rId2">
+            <a:extLst>
+              <a:ext uri="{28A0092B-C50C-407E-A947-70E740481C1C}">
+                <a14:useLocalDpi xmlns:a14="http://schemas.microsoft.com/office/drawing/2010/main" val="0"/>
+              </a:ext>
+            </a:extLst>
+          </a:blip>
+          <a:stretch>
+            <a:fillRect/>
+          </a:stretch>
+        </p:blipFill>
+        <p:spPr>
+          <a:xfrm>
+            <a:off x="1602154" y="2042310"/>
+            <a:ext cx="5502044" cy="5079460"/>
+          </a:xfrm>
+          <a:prstGeom prst="rect">
+            <a:avLst/>
+          </a:prstGeom>
+        </p:spPr>
+      </p:pic>
     </p:spTree>
     <p:extLst>
       <p:ext uri="{BB962C8B-B14F-4D97-AF65-F5344CB8AC3E}">
-        <p14:creationId xmlns:p14="http://schemas.microsoft.com/office/powerpoint/2010/main" val="3509124467"/>
+        <p14:creationId xmlns:p14="http://schemas.microsoft.com/office/powerpoint/2010/main" val="1405600416"/>
       </p:ext>
     </p:extLst>
   </p:cSld>
@@ -3669,69 +4140,82 @@
           <a:p>
             <a:r>
               <a:rPr lang="fr-FR" dirty="0" smtClean="0"/>
-              <a:t>Se </a:t>
+              <a:t>Structure algorithmiques</a:t>
+            </a:r>
+            <a:endParaRPr lang="fr-FR" dirty="0"/>
+          </a:p>
+        </p:txBody>
+      </p:sp>
+      <p:sp>
+        <p:nvSpPr>
+          <p:cNvPr id="3" name="Espace réservé du contenu 2"/>
+          <p:cNvSpPr>
+            <a:spLocks noGrp="1"/>
+          </p:cNvSpPr>
+          <p:nvPr>
+            <p:ph idx="1"/>
+          </p:nvPr>
+        </p:nvSpPr>
+        <p:spPr/>
+        <p:txBody>
+          <a:bodyPr/>
+          <a:lstStyle/>
+          <a:p>
+            <a:r>
+              <a:rPr lang="fr-FR" dirty="0" smtClean="0"/>
+              <a:t>Conditionnel</a:t>
+            </a:r>
+          </a:p>
+          <a:p>
+            <a:pPr lvl="1"/>
+            <a:r>
+              <a:rPr lang="fr-FR" dirty="0" smtClean="0"/>
+              <a:t>If / </a:t>
             </a:r>
             <a:r>
               <a:rPr lang="fr-FR" dirty="0" err="1" smtClean="0"/>
-              <a:t>deplacer</a:t>
-            </a:r>
-            <a:r>
-              <a:rPr lang="fr-FR" dirty="0" smtClean="0"/>
-              <a:t> dans R</a:t>
-            </a:r>
-            <a:endParaRPr lang="fr-FR" dirty="0"/>
-          </a:p>
-        </p:txBody>
-      </p:sp>
-      <p:sp>
-        <p:nvSpPr>
-          <p:cNvPr id="3" name="Espace réservé du contenu 2"/>
-          <p:cNvSpPr>
-            <a:spLocks noGrp="1"/>
-          </p:cNvSpPr>
-          <p:nvPr>
-            <p:ph idx="1"/>
-          </p:nvPr>
-        </p:nvSpPr>
-        <p:spPr/>
-        <p:txBody>
-          <a:bodyPr/>
-          <a:lstStyle/>
-          <a:p>
+              <a:t>else</a:t>
+            </a:r>
+            <a:endParaRPr lang="fr-FR" dirty="0" smtClean="0"/>
+          </a:p>
+          <a:p>
+            <a:pPr lvl="1"/>
+            <a:r>
+              <a:rPr lang="fr-FR" dirty="0" err="1"/>
+              <a:t>s</a:t>
+            </a:r>
             <a:r>
               <a:rPr lang="fr-FR" dirty="0" err="1" smtClean="0"/>
-              <a:t>Getwd</a:t>
+              <a:t>witch</a:t>
             </a:r>
             <a:endParaRPr lang="fr-FR" dirty="0" smtClean="0"/>
           </a:p>
           <a:p>
+            <a:pPr lvl="1"/>
+            <a:endParaRPr lang="fr-FR" dirty="0" smtClean="0"/>
+          </a:p>
+          <a:p>
+            <a:r>
+              <a:rPr lang="fr-FR" dirty="0" smtClean="0"/>
+              <a:t>Boucles</a:t>
+            </a:r>
+          </a:p>
+          <a:p>
+            <a:pPr lvl="1"/>
+            <a:r>
+              <a:rPr lang="fr-FR" dirty="0"/>
+              <a:t>f</a:t>
+            </a:r>
+            <a:r>
+              <a:rPr lang="fr-FR" dirty="0" smtClean="0"/>
+              <a:t>or </a:t>
+            </a:r>
+          </a:p>
+          <a:p>
+            <a:pPr lvl="1"/>
             <a:r>
               <a:rPr lang="fr-FR" dirty="0" err="1" smtClean="0"/>
-              <a:t>Setwd</a:t>
-            </a:r>
-            <a:r>
-              <a:rPr lang="fr-FR" dirty="0" smtClean="0"/>
-              <a:t>()</a:t>
-            </a:r>
-          </a:p>
-          <a:p>
-            <a:r>
-              <a:rPr lang="fr-FR" dirty="0" err="1" smtClean="0"/>
-              <a:t>Dir</a:t>
-            </a:r>
-            <a:r>
-              <a:rPr lang="fr-FR" dirty="0" smtClean="0"/>
-              <a:t>()</a:t>
-            </a:r>
-          </a:p>
-          <a:p>
-            <a:r>
-              <a:rPr lang="fr-FR" dirty="0" err="1" smtClean="0"/>
-              <a:t>Ls</a:t>
-            </a:r>
-            <a:r>
-              <a:rPr lang="fr-FR" dirty="0" smtClean="0"/>
-              <a:t>()</a:t>
+              <a:t>while</a:t>
             </a:r>
             <a:endParaRPr lang="fr-FR" dirty="0"/>
           </a:p>
@@ -3740,7 +4224,7 @@
     </p:spTree>
     <p:extLst>
       <p:ext uri="{BB962C8B-B14F-4D97-AF65-F5344CB8AC3E}">
-        <p14:creationId xmlns:p14="http://schemas.microsoft.com/office/powerpoint/2010/main" val="1862273286"/>
+        <p14:creationId xmlns:p14="http://schemas.microsoft.com/office/powerpoint/2010/main" val="2184499534"/>
       </p:ext>
     </p:extLst>
   </p:cSld>
@@ -3784,15 +4268,722 @@
           <a:p>
             <a:r>
               <a:rPr lang="fr-FR" dirty="0" smtClean="0"/>
+              <a:t>Fonctions</a:t>
+            </a:r>
+            <a:endParaRPr lang="fr-FR" dirty="0"/>
+          </a:p>
+        </p:txBody>
+      </p:sp>
+      <p:grpSp>
+        <p:nvGrpSpPr>
+          <p:cNvPr id="18" name="Grouper 17"/>
+          <p:cNvGrpSpPr/>
+          <p:nvPr/>
+        </p:nvGrpSpPr>
+        <p:grpSpPr>
+          <a:xfrm>
+            <a:off x="809807" y="2795899"/>
+            <a:ext cx="7876993" cy="3741669"/>
+            <a:chOff x="1062893" y="1662668"/>
+            <a:chExt cx="7876993" cy="3741669"/>
+          </a:xfrm>
+        </p:grpSpPr>
+        <p:sp>
+          <p:nvSpPr>
+            <p:cNvPr id="4" name="Espace réservé du contenu 2"/>
+            <p:cNvSpPr txBox="1">
+              <a:spLocks/>
+            </p:cNvSpPr>
+            <p:nvPr/>
+          </p:nvSpPr>
+          <p:spPr>
+            <a:xfrm>
+              <a:off x="1062893" y="2543483"/>
+              <a:ext cx="5931876" cy="2302056"/>
+            </a:xfrm>
+            <a:prstGeom prst="rect">
+              <a:avLst/>
+            </a:prstGeom>
+            <a:solidFill>
+              <a:schemeClr val="bg1">
+                <a:lumMod val="95000"/>
+              </a:schemeClr>
+            </a:solidFill>
+          </p:spPr>
+          <p:txBody>
+            <a:bodyPr vert="horz" lIns="91440" tIns="45720" rIns="91440" bIns="45720" rtlCol="0">
+              <a:noAutofit/>
+            </a:bodyPr>
+            <a:lstStyle>
+              <a:lvl1pPr marL="342900" indent="-342900" algn="l" defTabSz="457200" rtl="0" eaLnBrk="1" latinLnBrk="0" hangingPunct="1">
+                <a:spcBef>
+                  <a:spcPct val="20000"/>
+                </a:spcBef>
+                <a:buFont typeface="Arial"/>
+                <a:buChar char="•"/>
+                <a:defRPr sz="3200" kern="1200">
+                  <a:solidFill>
+                    <a:schemeClr val="tx1"/>
+                  </a:solidFill>
+                  <a:latin typeface="+mn-lt"/>
+                  <a:ea typeface="+mn-ea"/>
+                  <a:cs typeface="+mn-cs"/>
+                </a:defRPr>
+              </a:lvl1pPr>
+              <a:lvl2pPr marL="742950" indent="-285750" algn="l" defTabSz="457200" rtl="0" eaLnBrk="1" latinLnBrk="0" hangingPunct="1">
+                <a:spcBef>
+                  <a:spcPct val="20000"/>
+                </a:spcBef>
+                <a:buFont typeface="Arial"/>
+                <a:buChar char="–"/>
+                <a:defRPr sz="2800" kern="1200">
+                  <a:solidFill>
+                    <a:schemeClr val="tx1"/>
+                  </a:solidFill>
+                  <a:latin typeface="+mn-lt"/>
+                  <a:ea typeface="+mn-ea"/>
+                  <a:cs typeface="+mn-cs"/>
+                </a:defRPr>
+              </a:lvl2pPr>
+              <a:lvl3pPr marL="1143000" indent="-228600" algn="l" defTabSz="457200" rtl="0" eaLnBrk="1" latinLnBrk="0" hangingPunct="1">
+                <a:spcBef>
+                  <a:spcPct val="20000"/>
+                </a:spcBef>
+                <a:buFont typeface="Arial"/>
+                <a:buChar char="•"/>
+                <a:defRPr sz="2400" kern="1200">
+                  <a:solidFill>
+                    <a:schemeClr val="tx1"/>
+                  </a:solidFill>
+                  <a:latin typeface="+mn-lt"/>
+                  <a:ea typeface="+mn-ea"/>
+                  <a:cs typeface="+mn-cs"/>
+                </a:defRPr>
+              </a:lvl3pPr>
+              <a:lvl4pPr marL="1600200" indent="-228600" algn="l" defTabSz="457200" rtl="0" eaLnBrk="1" latinLnBrk="0" hangingPunct="1">
+                <a:spcBef>
+                  <a:spcPct val="20000"/>
+                </a:spcBef>
+                <a:buFont typeface="Arial"/>
+                <a:buChar char="–"/>
+                <a:defRPr sz="2000" kern="1200">
+                  <a:solidFill>
+                    <a:schemeClr val="tx1"/>
+                  </a:solidFill>
+                  <a:latin typeface="+mn-lt"/>
+                  <a:ea typeface="+mn-ea"/>
+                  <a:cs typeface="+mn-cs"/>
+                </a:defRPr>
+              </a:lvl4pPr>
+              <a:lvl5pPr marL="2057400" indent="-228600" algn="l" defTabSz="457200" rtl="0" eaLnBrk="1" latinLnBrk="0" hangingPunct="1">
+                <a:spcBef>
+                  <a:spcPct val="20000"/>
+                </a:spcBef>
+                <a:buFont typeface="Arial"/>
+                <a:buChar char="»"/>
+                <a:defRPr sz="2000" kern="1200">
+                  <a:solidFill>
+                    <a:schemeClr val="tx1"/>
+                  </a:solidFill>
+                  <a:latin typeface="+mn-lt"/>
+                  <a:ea typeface="+mn-ea"/>
+                  <a:cs typeface="+mn-cs"/>
+                </a:defRPr>
+              </a:lvl5pPr>
+              <a:lvl6pPr marL="2514600" indent="-228600" algn="l" defTabSz="457200" rtl="0" eaLnBrk="1" latinLnBrk="0" hangingPunct="1">
+                <a:spcBef>
+                  <a:spcPct val="20000"/>
+                </a:spcBef>
+                <a:buFont typeface="Arial"/>
+                <a:buChar char="•"/>
+                <a:defRPr sz="2000" kern="1200">
+                  <a:solidFill>
+                    <a:schemeClr val="tx1"/>
+                  </a:solidFill>
+                  <a:latin typeface="+mn-lt"/>
+                  <a:ea typeface="+mn-ea"/>
+                  <a:cs typeface="+mn-cs"/>
+                </a:defRPr>
+              </a:lvl6pPr>
+              <a:lvl7pPr marL="2971800" indent="-228600" algn="l" defTabSz="457200" rtl="0" eaLnBrk="1" latinLnBrk="0" hangingPunct="1">
+                <a:spcBef>
+                  <a:spcPct val="20000"/>
+                </a:spcBef>
+                <a:buFont typeface="Arial"/>
+                <a:buChar char="•"/>
+                <a:defRPr sz="2000" kern="1200">
+                  <a:solidFill>
+                    <a:schemeClr val="tx1"/>
+                  </a:solidFill>
+                  <a:latin typeface="+mn-lt"/>
+                  <a:ea typeface="+mn-ea"/>
+                  <a:cs typeface="+mn-cs"/>
+                </a:defRPr>
+              </a:lvl7pPr>
+              <a:lvl8pPr marL="3429000" indent="-228600" algn="l" defTabSz="457200" rtl="0" eaLnBrk="1" latinLnBrk="0" hangingPunct="1">
+                <a:spcBef>
+                  <a:spcPct val="20000"/>
+                </a:spcBef>
+                <a:buFont typeface="Arial"/>
+                <a:buChar char="•"/>
+                <a:defRPr sz="2000" kern="1200">
+                  <a:solidFill>
+                    <a:schemeClr val="tx1"/>
+                  </a:solidFill>
+                  <a:latin typeface="+mn-lt"/>
+                  <a:ea typeface="+mn-ea"/>
+                  <a:cs typeface="+mn-cs"/>
+                </a:defRPr>
+              </a:lvl8pPr>
+              <a:lvl9pPr marL="3886200" indent="-228600" algn="l" defTabSz="457200" rtl="0" eaLnBrk="1" latinLnBrk="0" hangingPunct="1">
+                <a:spcBef>
+                  <a:spcPct val="20000"/>
+                </a:spcBef>
+                <a:buFont typeface="Arial"/>
+                <a:buChar char="•"/>
+                <a:defRPr sz="2000" kern="1200">
+                  <a:solidFill>
+                    <a:schemeClr val="tx1"/>
+                  </a:solidFill>
+                  <a:latin typeface="+mn-lt"/>
+                  <a:ea typeface="+mn-ea"/>
+                  <a:cs typeface="+mn-cs"/>
+                </a:defRPr>
+              </a:lvl9pPr>
+            </a:lstStyle>
+            <a:p>
+              <a:pPr marL="0" indent="0">
+                <a:buFont typeface="Arial"/>
+                <a:buNone/>
+              </a:pPr>
+              <a:r>
+                <a:rPr lang="fr-FR" sz="2400" dirty="0" err="1" smtClean="0">
+                  <a:latin typeface="Monaco"/>
+                  <a:cs typeface="Monaco"/>
+                </a:rPr>
+                <a:t>Monexemple</a:t>
+              </a:r>
+              <a:r>
+                <a:rPr lang="fr-FR" sz="2400" dirty="0" smtClean="0">
+                  <a:latin typeface="Monaco"/>
+                  <a:cs typeface="Monaco"/>
+                </a:rPr>
+                <a:t> &lt;- </a:t>
+              </a:r>
+              <a:r>
+                <a:rPr lang="fr-FR" sz="2400" b="1" dirty="0" err="1" smtClean="0">
+                  <a:latin typeface="Monaco"/>
+                  <a:cs typeface="Monaco"/>
+                </a:rPr>
+                <a:t>function</a:t>
+              </a:r>
+              <a:r>
+                <a:rPr lang="fr-FR" sz="2400" dirty="0" smtClean="0">
+                  <a:latin typeface="Monaco"/>
+                  <a:cs typeface="Monaco"/>
+                </a:rPr>
+                <a:t>(A,B){</a:t>
+              </a:r>
+            </a:p>
+            <a:p>
+              <a:pPr marL="0" indent="0">
+                <a:buFont typeface="Arial"/>
+                <a:buNone/>
+              </a:pPr>
+              <a:r>
+                <a:rPr lang="fr-FR" sz="2400" dirty="0" smtClean="0">
+                  <a:latin typeface="Monaco"/>
+                  <a:cs typeface="Monaco"/>
+                </a:rPr>
+                <a:t>	out&lt;-(A+B)^2	</a:t>
+              </a:r>
+            </a:p>
+            <a:p>
+              <a:pPr marL="0" indent="0">
+                <a:buFont typeface="Arial"/>
+                <a:buNone/>
+              </a:pPr>
+              <a:r>
+                <a:rPr lang="fr-FR" sz="2400" dirty="0" smtClean="0">
+                  <a:latin typeface="Monaco"/>
+                  <a:cs typeface="Monaco"/>
+                </a:rPr>
+                <a:t>	out&lt;-out + A</a:t>
+              </a:r>
+            </a:p>
+            <a:p>
+              <a:pPr marL="0" indent="0">
+                <a:buFont typeface="Arial"/>
+                <a:buNone/>
+              </a:pPr>
+              <a:r>
+                <a:rPr lang="fr-FR" sz="2400" b="1" dirty="0" smtClean="0">
+                  <a:latin typeface="Monaco"/>
+                  <a:cs typeface="Monaco"/>
+                </a:rPr>
+                <a:t>	return</a:t>
+              </a:r>
+              <a:r>
+                <a:rPr lang="fr-FR" sz="2400" dirty="0" smtClean="0">
+                  <a:latin typeface="Monaco"/>
+                  <a:cs typeface="Monaco"/>
+                </a:rPr>
+                <a:t>(out)</a:t>
+              </a:r>
+            </a:p>
+            <a:p>
+              <a:pPr marL="0" indent="0">
+                <a:buFont typeface="Arial"/>
+                <a:buNone/>
+              </a:pPr>
+              <a:r>
+                <a:rPr lang="fr-FR" sz="2400" dirty="0" smtClean="0">
+                  <a:latin typeface="Monaco"/>
+                  <a:cs typeface="Monaco"/>
+                </a:rPr>
+                <a:t>}</a:t>
+              </a:r>
+              <a:endParaRPr lang="fr-FR" sz="2400" dirty="0">
+                <a:latin typeface="Monaco"/>
+                <a:cs typeface="Monaco"/>
+              </a:endParaRPr>
+            </a:p>
+          </p:txBody>
+        </p:sp>
+        <p:sp>
+          <p:nvSpPr>
+            <p:cNvPr id="5" name="ZoneTexte 4"/>
+            <p:cNvSpPr txBox="1"/>
+            <p:nvPr/>
+          </p:nvSpPr>
+          <p:spPr>
+            <a:xfrm>
+              <a:off x="1342157" y="1662668"/>
+              <a:ext cx="1978689" cy="369332"/>
+            </a:xfrm>
+            <a:prstGeom prst="rect">
+              <a:avLst/>
+            </a:prstGeom>
+            <a:noFill/>
+          </p:spPr>
+          <p:txBody>
+            <a:bodyPr wrap="none" rtlCol="0">
+              <a:spAutoFit/>
+            </a:bodyPr>
+            <a:lstStyle/>
+            <a:p>
+              <a:r>
+                <a:rPr lang="fr-FR" dirty="0" smtClean="0"/>
+                <a:t>Nom de la fonction</a:t>
+              </a:r>
+              <a:endParaRPr lang="fr-FR" dirty="0"/>
+            </a:p>
+          </p:txBody>
+        </p:sp>
+        <p:sp>
+          <p:nvSpPr>
+            <p:cNvPr id="6" name="ZoneTexte 5"/>
+            <p:cNvSpPr txBox="1"/>
+            <p:nvPr/>
+          </p:nvSpPr>
+          <p:spPr>
+            <a:xfrm>
+              <a:off x="1547294" y="5035005"/>
+              <a:ext cx="3373715" cy="369332"/>
+            </a:xfrm>
+            <a:prstGeom prst="rect">
+              <a:avLst/>
+            </a:prstGeom>
+            <a:noFill/>
+          </p:spPr>
+          <p:txBody>
+            <a:bodyPr wrap="none" rtlCol="0">
+              <a:spAutoFit/>
+            </a:bodyPr>
+            <a:lstStyle/>
+            <a:p>
+              <a:r>
+                <a:rPr lang="fr-FR" dirty="0" smtClean="0"/>
+                <a:t>Variable retournée par la fonction</a:t>
+              </a:r>
+              <a:endParaRPr lang="fr-FR" dirty="0"/>
+            </a:p>
+          </p:txBody>
+        </p:sp>
+        <p:sp>
+          <p:nvSpPr>
+            <p:cNvPr id="7" name="ZoneTexte 6"/>
+            <p:cNvSpPr txBox="1"/>
+            <p:nvPr/>
+          </p:nvSpPr>
+          <p:spPr>
+            <a:xfrm>
+              <a:off x="5054604" y="1662668"/>
+              <a:ext cx="1274708" cy="369332"/>
+            </a:xfrm>
+            <a:prstGeom prst="rect">
+              <a:avLst/>
+            </a:prstGeom>
+            <a:noFill/>
+          </p:spPr>
+          <p:txBody>
+            <a:bodyPr wrap="none" rtlCol="0">
+              <a:spAutoFit/>
+            </a:bodyPr>
+            <a:lstStyle/>
+            <a:p>
+              <a:r>
+                <a:rPr lang="fr-FR" dirty="0" err="1" smtClean="0"/>
+                <a:t>parametres</a:t>
+              </a:r>
+              <a:endParaRPr lang="fr-FR" dirty="0"/>
+            </a:p>
+          </p:txBody>
+        </p:sp>
+        <p:cxnSp>
+          <p:nvCxnSpPr>
+            <p:cNvPr id="9" name="Connecteur droit avec flèche 8"/>
+            <p:cNvCxnSpPr/>
+            <p:nvPr/>
+          </p:nvCxnSpPr>
+          <p:spPr>
+            <a:xfrm flipH="1">
+              <a:off x="5656385" y="2032000"/>
+              <a:ext cx="19538" cy="674077"/>
+            </a:xfrm>
+            <a:prstGeom prst="straightConnector1">
+              <a:avLst/>
+            </a:prstGeom>
+            <a:ln>
+              <a:tailEnd type="arrow"/>
+            </a:ln>
+          </p:spPr>
+          <p:style>
+            <a:lnRef idx="2">
+              <a:schemeClr val="accent1"/>
+            </a:lnRef>
+            <a:fillRef idx="0">
+              <a:schemeClr val="accent1"/>
+            </a:fillRef>
+            <a:effectRef idx="1">
+              <a:schemeClr val="accent1"/>
+            </a:effectRef>
+            <a:fontRef idx="minor">
+              <a:schemeClr val="tx1"/>
+            </a:fontRef>
+          </p:style>
+        </p:cxnSp>
+        <p:cxnSp>
+          <p:nvCxnSpPr>
+            <p:cNvPr id="10" name="Connecteur droit avec flèche 9"/>
+            <p:cNvCxnSpPr/>
+            <p:nvPr/>
+          </p:nvCxnSpPr>
+          <p:spPr>
+            <a:xfrm flipH="1">
+              <a:off x="2145324" y="2032000"/>
+              <a:ext cx="19538" cy="674077"/>
+            </a:xfrm>
+            <a:prstGeom prst="straightConnector1">
+              <a:avLst/>
+            </a:prstGeom>
+            <a:ln>
+              <a:tailEnd type="arrow"/>
+            </a:ln>
+          </p:spPr>
+          <p:style>
+            <a:lnRef idx="2">
+              <a:schemeClr val="accent1"/>
+            </a:lnRef>
+            <a:fillRef idx="0">
+              <a:schemeClr val="accent1"/>
+            </a:fillRef>
+            <a:effectRef idx="1">
+              <a:schemeClr val="accent1"/>
+            </a:effectRef>
+            <a:fontRef idx="minor">
+              <a:schemeClr val="tx1"/>
+            </a:fontRef>
+          </p:style>
+        </p:cxnSp>
+        <p:cxnSp>
+          <p:nvCxnSpPr>
+            <p:cNvPr id="11" name="Connecteur droit avec flèche 10"/>
+            <p:cNvCxnSpPr>
+              <a:stCxn id="6" idx="0"/>
+            </p:cNvCxnSpPr>
+            <p:nvPr/>
+          </p:nvCxnSpPr>
+          <p:spPr>
+            <a:xfrm flipV="1">
+              <a:off x="3234152" y="4275015"/>
+              <a:ext cx="0" cy="759990"/>
+            </a:xfrm>
+            <a:prstGeom prst="straightConnector1">
+              <a:avLst/>
+            </a:prstGeom>
+            <a:ln>
+              <a:tailEnd type="arrow"/>
+            </a:ln>
+          </p:spPr>
+          <p:style>
+            <a:lnRef idx="2">
+              <a:schemeClr val="accent1"/>
+            </a:lnRef>
+            <a:fillRef idx="0">
+              <a:schemeClr val="accent1"/>
+            </a:fillRef>
+            <a:effectRef idx="1">
+              <a:schemeClr val="accent1"/>
+            </a:effectRef>
+            <a:fontRef idx="minor">
+              <a:schemeClr val="tx1"/>
+            </a:fontRef>
+          </p:style>
+        </p:cxnSp>
+        <p:sp>
+          <p:nvSpPr>
+            <p:cNvPr id="15" name="Accolade fermante 14"/>
+            <p:cNvSpPr/>
+            <p:nvPr/>
+          </p:nvSpPr>
+          <p:spPr>
+            <a:xfrm>
+              <a:off x="7033846" y="2543483"/>
+              <a:ext cx="527538" cy="2328928"/>
+            </a:xfrm>
+            <a:prstGeom prst="rightBrace">
+              <a:avLst/>
+            </a:prstGeom>
+          </p:spPr>
+          <p:style>
+            <a:lnRef idx="2">
+              <a:schemeClr val="accent1"/>
+            </a:lnRef>
+            <a:fillRef idx="0">
+              <a:schemeClr val="accent1"/>
+            </a:fillRef>
+            <a:effectRef idx="1">
+              <a:schemeClr val="accent1"/>
+            </a:effectRef>
+            <a:fontRef idx="minor">
+              <a:schemeClr val="tx1"/>
+            </a:fontRef>
+          </p:style>
+          <p:txBody>
+            <a:bodyPr rtlCol="0" anchor="ctr"/>
+            <a:lstStyle/>
+            <a:p>
+              <a:pPr algn="ctr"/>
+              <a:endParaRPr lang="fr-FR"/>
+            </a:p>
+          </p:txBody>
+        </p:sp>
+        <p:sp>
+          <p:nvSpPr>
+            <p:cNvPr id="16" name="ZoneTexte 15"/>
+            <p:cNvSpPr txBox="1"/>
+            <p:nvPr/>
+          </p:nvSpPr>
+          <p:spPr>
+            <a:xfrm>
+              <a:off x="7561384" y="3507155"/>
+              <a:ext cx="1378502" cy="369332"/>
+            </a:xfrm>
+            <a:prstGeom prst="rect">
+              <a:avLst/>
+            </a:prstGeom>
+            <a:noFill/>
+          </p:spPr>
+          <p:txBody>
+            <a:bodyPr wrap="none" rtlCol="0">
+              <a:spAutoFit/>
+            </a:bodyPr>
+            <a:lstStyle/>
+            <a:p>
+              <a:r>
+                <a:rPr lang="fr-FR" dirty="0" smtClean="0"/>
+                <a:t>Bloc de code</a:t>
+              </a:r>
+              <a:endParaRPr lang="fr-FR" dirty="0"/>
+            </a:p>
+          </p:txBody>
+        </p:sp>
+      </p:grpSp>
+      <p:sp>
+        <p:nvSpPr>
+          <p:cNvPr id="19" name="Espace réservé du contenu 2"/>
+          <p:cNvSpPr>
+            <a:spLocks noGrp="1"/>
+          </p:cNvSpPr>
+          <p:nvPr>
+            <p:ph idx="1"/>
+          </p:nvPr>
+        </p:nvSpPr>
+        <p:spPr>
+          <a:xfrm>
+            <a:off x="457200" y="1600201"/>
+            <a:ext cx="8229600" cy="1350108"/>
+          </a:xfrm>
+        </p:spPr>
+        <p:txBody>
+          <a:bodyPr/>
+          <a:lstStyle/>
+          <a:p>
+            <a:r>
+              <a:rPr lang="fr-FR" dirty="0"/>
+              <a:t>Une fonction permet de transformer </a:t>
+            </a:r>
+            <a:r>
+              <a:rPr lang="fr-FR" dirty="0" smtClean="0"/>
+              <a:t>des arguments </a:t>
+            </a:r>
+            <a:r>
+              <a:rPr lang="fr-FR" dirty="0"/>
+              <a:t>(inputs) en résultats (outputs).</a:t>
+            </a:r>
+          </a:p>
+        </p:txBody>
+      </p:sp>
+    </p:spTree>
+    <p:extLst>
+      <p:ext uri="{BB962C8B-B14F-4D97-AF65-F5344CB8AC3E}">
+        <p14:creationId xmlns:p14="http://schemas.microsoft.com/office/powerpoint/2010/main" val="2082255176"/>
+      </p:ext>
+    </p:extLst>
+  </p:cSld>
+  <p:clrMapOvr>
+    <a:masterClrMapping/>
+  </p:clrMapOvr>
+</p:sld>
+</file>
+
+<file path=ppt/slides/slide18.xml><?xml version="1.0" encoding="utf-8"?>
+<p:sld xmlns:a="http://schemas.openxmlformats.org/drawingml/2006/main" xmlns:r="http://schemas.openxmlformats.org/officeDocument/2006/relationships" xmlns:p="http://schemas.openxmlformats.org/presentationml/2006/main">
+  <p:cSld>
+    <p:spTree>
+      <p:nvGrpSpPr>
+        <p:cNvPr id="1" name=""/>
+        <p:cNvGrpSpPr/>
+        <p:nvPr/>
+      </p:nvGrpSpPr>
+      <p:grpSpPr>
+        <a:xfrm>
+          <a:off x="0" y="0"/>
+          <a:ext cx="0" cy="0"/>
+          <a:chOff x="0" y="0"/>
+          <a:chExt cx="0" cy="0"/>
+        </a:xfrm>
+      </p:grpSpPr>
+      <p:sp>
+        <p:nvSpPr>
+          <p:cNvPr id="2" name="Titre 1"/>
+          <p:cNvSpPr>
+            <a:spLocks noGrp="1"/>
+          </p:cNvSpPr>
+          <p:nvPr>
+            <p:ph type="title"/>
+          </p:nvPr>
+        </p:nvSpPr>
+        <p:spPr/>
+        <p:txBody>
+          <a:bodyPr/>
+          <a:lstStyle/>
+          <a:p>
+            <a:r>
+              <a:rPr lang="fr-FR" dirty="0" smtClean="0"/>
+              <a:t>Opérateurs</a:t>
+            </a:r>
+            <a:endParaRPr lang="fr-FR" dirty="0"/>
+          </a:p>
+        </p:txBody>
+      </p:sp>
+      <p:pic>
+        <p:nvPicPr>
+          <p:cNvPr id="5" name="Image 4" descr="Capture d’écran 2016-10-17 à 21.53.00.png"/>
+          <p:cNvPicPr>
+            <a:picLocks noChangeAspect="1"/>
+          </p:cNvPicPr>
+          <p:nvPr/>
+        </p:nvPicPr>
+        <p:blipFill>
+          <a:blip r:embed="rId2">
+            <a:extLst>
+              <a:ext uri="{28A0092B-C50C-407E-A947-70E740481C1C}">
+                <a14:useLocalDpi xmlns:a14="http://schemas.microsoft.com/office/drawing/2010/main" val="0"/>
+              </a:ext>
+            </a:extLst>
+          </a:blip>
+          <a:stretch>
+            <a:fillRect/>
+          </a:stretch>
+        </p:blipFill>
+        <p:spPr>
+          <a:xfrm>
+            <a:off x="1078035" y="2059354"/>
+            <a:ext cx="6616700" cy="3149600"/>
+          </a:xfrm>
+          <a:prstGeom prst="rect">
+            <a:avLst/>
+          </a:prstGeom>
+        </p:spPr>
+      </p:pic>
+    </p:spTree>
+    <p:extLst>
+      <p:ext uri="{BB962C8B-B14F-4D97-AF65-F5344CB8AC3E}">
+        <p14:creationId xmlns:p14="http://schemas.microsoft.com/office/powerpoint/2010/main" val="2718787706"/>
+      </p:ext>
+    </p:extLst>
+  </p:cSld>
+  <p:clrMapOvr>
+    <a:masterClrMapping/>
+  </p:clrMapOvr>
+</p:sld>
+</file>
+
+<file path=ppt/slides/slide19.xml><?xml version="1.0" encoding="utf-8"?>
+<p:sld xmlns:a="http://schemas.openxmlformats.org/drawingml/2006/main" xmlns:r="http://schemas.openxmlformats.org/officeDocument/2006/relationships" xmlns:p="http://schemas.openxmlformats.org/presentationml/2006/main">
+  <p:cSld>
+    <p:spTree>
+      <p:nvGrpSpPr>
+        <p:cNvPr id="1" name=""/>
+        <p:cNvGrpSpPr/>
+        <p:nvPr/>
+      </p:nvGrpSpPr>
+      <p:grpSpPr>
+        <a:xfrm>
+          <a:off x="0" y="0"/>
+          <a:ext cx="0" cy="0"/>
+          <a:chOff x="0" y="0"/>
+          <a:chExt cx="0" cy="0"/>
+        </a:xfrm>
+      </p:grpSpPr>
+      <p:sp>
+        <p:nvSpPr>
+          <p:cNvPr id="2" name="Titre 1"/>
+          <p:cNvSpPr>
+            <a:spLocks noGrp="1"/>
+          </p:cNvSpPr>
+          <p:nvPr>
+            <p:ph type="title"/>
+          </p:nvPr>
+        </p:nvSpPr>
+        <p:spPr/>
+        <p:txBody>
+          <a:bodyPr/>
+          <a:lstStyle/>
+          <a:p>
+            <a:r>
+              <a:rPr lang="fr-FR" dirty="0" smtClean="0"/>
               <a:t>Lire et </a:t>
             </a:r>
             <a:r>
-              <a:rPr lang="fr-FR" dirty="0" err="1" smtClean="0"/>
-              <a:t>ecrire</a:t>
-            </a:r>
-            <a:r>
-              <a:rPr lang="fr-FR" dirty="0" smtClean="0"/>
-              <a:t> des données</a:t>
+              <a:rPr lang="fr-FR" dirty="0"/>
+              <a:t>é</a:t>
+            </a:r>
+            <a:r>
+              <a:rPr lang="fr-FR" dirty="0" smtClean="0"/>
+              <a:t>crire des données</a:t>
             </a:r>
             <a:endParaRPr lang="fr-FR" dirty="0"/>
           </a:p>
@@ -3841,191 +5032,6 @@
 </p:sld>
 </file>
 
-<file path=ppt/slides/slide18.xml><?xml version="1.0" encoding="utf-8"?>
-<p:sld xmlns:a="http://schemas.openxmlformats.org/drawingml/2006/main" xmlns:r="http://schemas.openxmlformats.org/officeDocument/2006/relationships" xmlns:p="http://schemas.openxmlformats.org/presentationml/2006/main">
-  <p:cSld>
-    <p:spTree>
-      <p:nvGrpSpPr>
-        <p:cNvPr id="1" name=""/>
-        <p:cNvGrpSpPr/>
-        <p:nvPr/>
-      </p:nvGrpSpPr>
-      <p:grpSpPr>
-        <a:xfrm>
-          <a:off x="0" y="0"/>
-          <a:ext cx="0" cy="0"/>
-          <a:chOff x="0" y="0"/>
-          <a:chExt cx="0" cy="0"/>
-        </a:xfrm>
-      </p:grpSpPr>
-      <p:sp>
-        <p:nvSpPr>
-          <p:cNvPr id="2" name="Titre 1"/>
-          <p:cNvSpPr>
-            <a:spLocks noGrp="1"/>
-          </p:cNvSpPr>
-          <p:nvPr>
-            <p:ph type="title"/>
-          </p:nvPr>
-        </p:nvSpPr>
-        <p:spPr/>
-        <p:txBody>
-          <a:bodyPr/>
-          <a:lstStyle/>
-          <a:p>
-            <a:r>
-              <a:rPr lang="fr-FR" dirty="0" smtClean="0"/>
-              <a:t>Packages</a:t>
-            </a:r>
-            <a:endParaRPr lang="fr-FR" dirty="0"/>
-          </a:p>
-        </p:txBody>
-      </p:sp>
-      <p:sp>
-        <p:nvSpPr>
-          <p:cNvPr id="3" name="Espace réservé du contenu 2"/>
-          <p:cNvSpPr>
-            <a:spLocks noGrp="1"/>
-          </p:cNvSpPr>
-          <p:nvPr>
-            <p:ph idx="1"/>
-          </p:nvPr>
-        </p:nvSpPr>
-        <p:spPr/>
-        <p:txBody>
-          <a:bodyPr/>
-          <a:lstStyle/>
-          <a:p>
-            <a:r>
-              <a:rPr lang="fr-FR" dirty="0" smtClean="0"/>
-              <a:t>CRAN, </a:t>
-            </a:r>
-            <a:r>
-              <a:rPr lang="fr-FR" dirty="0" err="1" smtClean="0"/>
-              <a:t>BioC</a:t>
-            </a:r>
-            <a:endParaRPr lang="fr-FR" dirty="0" smtClean="0"/>
-          </a:p>
-          <a:p>
-            <a:r>
-              <a:rPr lang="fr-FR" dirty="0" smtClean="0"/>
-              <a:t>Exemples ?</a:t>
-            </a:r>
-          </a:p>
-          <a:p>
-            <a:r>
-              <a:rPr lang="fr-FR" dirty="0" smtClean="0"/>
-              <a:t>Installation / </a:t>
-            </a:r>
-            <a:r>
-              <a:rPr lang="fr-FR" dirty="0" err="1" smtClean="0"/>
-              <a:t>loading</a:t>
-            </a:r>
-            <a:endParaRPr lang="fr-FR" dirty="0" smtClean="0"/>
-          </a:p>
-          <a:p>
-            <a:r>
-              <a:rPr lang="fr-FR" dirty="0" err="1" smtClean="0"/>
-              <a:t>sessionInfos</a:t>
-            </a:r>
-            <a:r>
-              <a:rPr lang="fr-FR" dirty="0" smtClean="0"/>
-              <a:t>()</a:t>
-            </a:r>
-          </a:p>
-          <a:p>
-            <a:endParaRPr lang="fr-FR" dirty="0" smtClean="0"/>
-          </a:p>
-          <a:p>
-            <a:endParaRPr lang="fr-FR" dirty="0"/>
-          </a:p>
-        </p:txBody>
-      </p:sp>
-    </p:spTree>
-    <p:extLst>
-      <p:ext uri="{BB962C8B-B14F-4D97-AF65-F5344CB8AC3E}">
-        <p14:creationId xmlns:p14="http://schemas.microsoft.com/office/powerpoint/2010/main" val="1811433272"/>
-      </p:ext>
-    </p:extLst>
-  </p:cSld>
-  <p:clrMapOvr>
-    <a:masterClrMapping/>
-  </p:clrMapOvr>
-</p:sld>
-</file>
-
-<file path=ppt/slides/slide19.xml><?xml version="1.0" encoding="utf-8"?>
-<p:sld xmlns:a="http://schemas.openxmlformats.org/drawingml/2006/main" xmlns:r="http://schemas.openxmlformats.org/officeDocument/2006/relationships" xmlns:p="http://schemas.openxmlformats.org/presentationml/2006/main">
-  <p:cSld>
-    <p:spTree>
-      <p:nvGrpSpPr>
-        <p:cNvPr id="1" name=""/>
-        <p:cNvGrpSpPr/>
-        <p:nvPr/>
-      </p:nvGrpSpPr>
-      <p:grpSpPr>
-        <a:xfrm>
-          <a:off x="0" y="0"/>
-          <a:ext cx="0" cy="0"/>
-          <a:chOff x="0" y="0"/>
-          <a:chExt cx="0" cy="0"/>
-        </a:xfrm>
-      </p:grpSpPr>
-      <p:sp>
-        <p:nvSpPr>
-          <p:cNvPr id="2" name="Titre 1"/>
-          <p:cNvSpPr>
-            <a:spLocks noGrp="1"/>
-          </p:cNvSpPr>
-          <p:nvPr>
-            <p:ph type="title"/>
-          </p:nvPr>
-        </p:nvSpPr>
-        <p:spPr/>
-        <p:txBody>
-          <a:bodyPr/>
-          <a:lstStyle/>
-          <a:p>
-            <a:r>
-              <a:rPr lang="fr-FR" dirty="0" smtClean="0"/>
-              <a:t>Faire ses propres scripts</a:t>
-            </a:r>
-            <a:endParaRPr lang="fr-FR" dirty="0"/>
-          </a:p>
-        </p:txBody>
-      </p:sp>
-      <p:sp>
-        <p:nvSpPr>
-          <p:cNvPr id="3" name="Espace réservé du contenu 2"/>
-          <p:cNvSpPr>
-            <a:spLocks noGrp="1"/>
-          </p:cNvSpPr>
-          <p:nvPr>
-            <p:ph idx="1"/>
-          </p:nvPr>
-        </p:nvSpPr>
-        <p:spPr/>
-        <p:txBody>
-          <a:bodyPr/>
-          <a:lstStyle/>
-          <a:p>
-            <a:endParaRPr lang="fr-FR" dirty="0"/>
-          </a:p>
-        </p:txBody>
-      </p:sp>
-    </p:spTree>
-    <p:extLst>
-      <p:ext uri="{BB962C8B-B14F-4D97-AF65-F5344CB8AC3E}">
-        <p14:creationId xmlns:p14="http://schemas.microsoft.com/office/powerpoint/2010/main" val="119004942"/>
-      </p:ext>
-    </p:extLst>
-  </p:cSld>
-  <p:clrMapOvr>
-    <a:masterClrMapping/>
-  </p:clrMapOvr>
-</p:sld>
-</file>
-
 <file path=ppt/slides/slide2.xml><?xml version="1.0" encoding="utf-8"?>
 <p:sld xmlns:a="http://schemas.openxmlformats.org/drawingml/2006/main" xmlns:r="http://schemas.openxmlformats.org/officeDocument/2006/relationships" xmlns:p="http://schemas.openxmlformats.org/presentationml/2006/main">
   <p:cSld>
@@ -4060,7 +5066,7 @@
           <a:p>
             <a:r>
               <a:rPr lang="fr-FR" dirty="0" smtClean="0"/>
-              <a:t>Présentation de R</a:t>
+              <a:t>Présentation de</a:t>
             </a:r>
             <a:endParaRPr lang="fr-FR" dirty="0"/>
           </a:p>
@@ -4068,34 +5074,266 @@
       </p:sp>
       <p:sp>
         <p:nvSpPr>
-          <p:cNvPr id="3" name="Espace réservé du contenu 2"/>
-          <p:cNvSpPr>
-            <a:spLocks noGrp="1"/>
-          </p:cNvSpPr>
-          <p:nvPr>
-            <p:ph idx="1"/>
-          </p:nvPr>
-        </p:nvSpPr>
-        <p:spPr/>
-        <p:txBody>
-          <a:bodyPr/>
-          <a:lstStyle/>
-          <a:p>
-            <a:r>
-              <a:rPr lang="fr-FR" dirty="0" smtClean="0"/>
-              <a:t>Définition </a:t>
-            </a:r>
-            <a:r>
-              <a:rPr lang="fr-FR" dirty="0" err="1" smtClean="0"/>
-              <a:t>blabalbalbla</a:t>
-            </a:r>
+          <p:cNvPr id="4" name="Rectangle 3"/>
+          <p:cNvSpPr/>
+          <p:nvPr/>
+        </p:nvSpPr>
+        <p:spPr>
+          <a:xfrm>
+            <a:off x="849924" y="2021955"/>
+            <a:ext cx="7729415" cy="3693319"/>
+          </a:xfrm>
+          <a:prstGeom prst="rect">
+            <a:avLst/>
+          </a:prstGeom>
+          <a:ln>
+            <a:solidFill>
+              <a:schemeClr val="tx1"/>
+            </a:solidFill>
+          </a:ln>
+        </p:spPr>
+        <p:txBody>
+          <a:bodyPr wrap="square">
+            <a:spAutoFit/>
+          </a:bodyPr>
+          <a:lstStyle/>
+          <a:p>
+            <a:r>
+              <a:rPr lang="fr-FR" dirty="0"/>
+              <a:t>R est à la fois un logiciel de statistique et un langage de </a:t>
+            </a:r>
+            <a:r>
+              <a:rPr lang="fr-FR" dirty="0" smtClean="0"/>
+              <a:t>programmation : </a:t>
+            </a:r>
+          </a:p>
+          <a:p>
             <a:endParaRPr lang="fr-FR" dirty="0" smtClean="0"/>
           </a:p>
           <a:p>
+            <a:r>
+              <a:rPr lang="fr-FR" b="1" dirty="0"/>
+              <a:t>R est un langage de programmation </a:t>
+            </a:r>
+            <a:r>
+              <a:rPr lang="fr-FR" b="1" dirty="0" smtClean="0"/>
+              <a:t>(</a:t>
+            </a:r>
+            <a:r>
+              <a:rPr lang="fr-FR" b="1" dirty="0" err="1" smtClean="0"/>
+              <a:t>scripting</a:t>
+            </a:r>
+            <a:r>
+              <a:rPr lang="fr-FR" b="1" dirty="0" smtClean="0"/>
+              <a:t>) </a:t>
+            </a:r>
+            <a:r>
+              <a:rPr lang="fr-FR" b="1" dirty="0"/>
+              <a:t>interprété</a:t>
+            </a:r>
+            <a:r>
+              <a:rPr lang="fr-FR" dirty="0"/>
+              <a:t> </a:t>
+            </a:r>
+            <a:r>
+              <a:rPr lang="fr-FR" dirty="0" smtClean="0"/>
+              <a:t>et dérivé </a:t>
+            </a:r>
+            <a:r>
+              <a:rPr lang="fr-FR" dirty="0"/>
+              <a:t>de </a:t>
+            </a:r>
+            <a:r>
+              <a:rPr lang="fr-FR" dirty="0" smtClean="0"/>
+              <a:t>S:</a:t>
+            </a:r>
+          </a:p>
+          <a:p>
+            <a:pPr marL="285750" indent="-285750">
+              <a:buFontTx/>
+              <a:buChar char="-"/>
+            </a:pPr>
+            <a:r>
+              <a:rPr lang="fr-FR" dirty="0" smtClean="0"/>
+              <a:t>données </a:t>
+            </a:r>
+            <a:r>
+              <a:rPr lang="fr-FR" dirty="0"/>
+              <a:t>simples et </a:t>
+            </a:r>
+            <a:r>
+              <a:rPr lang="fr-FR" dirty="0" smtClean="0"/>
+              <a:t>structurées</a:t>
+            </a:r>
             <a:endParaRPr lang="fr-FR" dirty="0"/>
           </a:p>
-        </p:txBody>
-      </p:sp>
+          <a:p>
+            <a:pPr marL="285750" indent="-285750">
+              <a:buFontTx/>
+              <a:buChar char="-"/>
+            </a:pPr>
+            <a:r>
+              <a:rPr lang="fr-FR" dirty="0" smtClean="0"/>
+              <a:t>opération </a:t>
+            </a:r>
+            <a:r>
+              <a:rPr lang="fr-FR" dirty="0"/>
+              <a:t>d'entrée-sortie, branchements conditionnels, boucles indicées et conditionnelles, récursivité, etc. </a:t>
+            </a:r>
+            <a:endParaRPr lang="fr-FR" dirty="0" smtClean="0"/>
+          </a:p>
+          <a:p>
+            <a:pPr marL="285750" indent="-285750">
+              <a:buFontTx/>
+              <a:buChar char="-"/>
+            </a:pPr>
+            <a:endParaRPr lang="fr-FR" dirty="0"/>
+          </a:p>
+          <a:p>
+            <a:r>
+              <a:rPr lang="fr-FR" b="1" dirty="0"/>
+              <a:t>R est un logiciel de traitement statistique des </a:t>
+            </a:r>
+            <a:r>
+              <a:rPr lang="fr-FR" b="1" dirty="0" smtClean="0"/>
+              <a:t>données, il dispose</a:t>
+            </a:r>
+            <a:r>
+              <a:rPr lang="fr-FR" dirty="0" smtClean="0"/>
+              <a:t> : </a:t>
+            </a:r>
+          </a:p>
+          <a:p>
+            <a:pPr marL="285750" indent="-285750">
+              <a:buFontTx/>
+              <a:buChar char="-"/>
+            </a:pPr>
+            <a:r>
+              <a:rPr lang="fr-FR" dirty="0" smtClean="0"/>
+              <a:t>interpréteur </a:t>
+            </a:r>
+            <a:r>
+              <a:rPr lang="fr-FR" dirty="0"/>
+              <a:t>de </a:t>
+            </a:r>
+            <a:r>
+              <a:rPr lang="fr-FR" dirty="0" smtClean="0"/>
+              <a:t>commandes</a:t>
+            </a:r>
+          </a:p>
+          <a:p>
+            <a:pPr marL="285750" indent="-285750">
+              <a:buFontTx/>
+              <a:buChar char="-"/>
+            </a:pPr>
+            <a:r>
+              <a:rPr lang="fr-FR" dirty="0" smtClean="0"/>
+              <a:t>bibliothèque </a:t>
+            </a:r>
+            <a:r>
+              <a:rPr lang="fr-FR" dirty="0"/>
+              <a:t>très large de fonctions </a:t>
+            </a:r>
+            <a:r>
+              <a:rPr lang="fr-FR" dirty="0" smtClean="0"/>
+              <a:t>statistiques, de </a:t>
+            </a:r>
+            <a:r>
+              <a:rPr lang="fr-FR" dirty="0"/>
+              <a:t>"packages", </a:t>
+            </a:r>
+            <a:r>
+              <a:rPr lang="fr-FR" dirty="0" smtClean="0"/>
+              <a:t>de </a:t>
+            </a:r>
+            <a:r>
+              <a:rPr lang="fr-FR" dirty="0"/>
+              <a:t>modules externes </a:t>
+            </a:r>
+            <a:r>
+              <a:rPr lang="fr-FR" dirty="0" smtClean="0"/>
+              <a:t>compilés téléchargeable </a:t>
+            </a:r>
+            <a:r>
+              <a:rPr lang="fr-FR" dirty="0"/>
+              <a:t>gratuitement sur </a:t>
+            </a:r>
+            <a:r>
+              <a:rPr lang="fr-FR" dirty="0" smtClean="0"/>
+              <a:t>internet</a:t>
+            </a:r>
+          </a:p>
+          <a:p>
+            <a:pPr marL="285750" indent="-285750">
+              <a:buFontTx/>
+              <a:buChar char="-"/>
+            </a:pPr>
+            <a:r>
+              <a:rPr lang="fr-FR" dirty="0" smtClean="0"/>
+              <a:t>palette </a:t>
+            </a:r>
+            <a:r>
+              <a:rPr lang="fr-FR" dirty="0"/>
+              <a:t>étendue de fonctionnalités </a:t>
+            </a:r>
+            <a:r>
+              <a:rPr lang="fr-FR" dirty="0" smtClean="0"/>
+              <a:t>graphiques</a:t>
+            </a:r>
+          </a:p>
+          <a:p>
+            <a:pPr marL="285750" indent="-285750">
+              <a:buFontTx/>
+              <a:buChar char="-"/>
+            </a:pPr>
+            <a:r>
+              <a:rPr lang="fr-FR" dirty="0" smtClean="0"/>
+              <a:t>Il </a:t>
+            </a:r>
+            <a:r>
+              <a:rPr lang="fr-FR" dirty="0"/>
+              <a:t>est possible d'utiliser R en mode </a:t>
+            </a:r>
+            <a:r>
+              <a:rPr lang="fr-FR" dirty="0" smtClean="0"/>
+              <a:t>interactif </a:t>
+            </a:r>
+            <a:r>
+              <a:rPr lang="fr-FR" dirty="0"/>
+              <a:t>sans jamais avoir à programmer</a:t>
+            </a:r>
+            <a:r>
+              <a:rPr lang="fr-FR" dirty="0" smtClean="0"/>
+              <a:t>.</a:t>
+            </a:r>
+            <a:endParaRPr lang="fr-FR" dirty="0"/>
+          </a:p>
+        </p:txBody>
+      </p:sp>
+      <p:pic>
+        <p:nvPicPr>
+          <p:cNvPr id="5" name="Image 4"/>
+          <p:cNvPicPr>
+            <a:picLocks noChangeAspect="1"/>
+          </p:cNvPicPr>
+          <p:nvPr/>
+        </p:nvPicPr>
+        <p:blipFill>
+          <a:blip r:embed="rId2"/>
+          <a:stretch>
+            <a:fillRect/>
+          </a:stretch>
+        </p:blipFill>
+        <p:spPr>
+          <a:xfrm>
+            <a:off x="6476024" y="274638"/>
+            <a:ext cx="1663700" cy="1295400"/>
+          </a:xfrm>
+          <a:prstGeom prst="rect">
+            <a:avLst/>
+          </a:prstGeom>
+        </p:spPr>
+      </p:pic>
     </p:spTree>
     <p:extLst>
       <p:ext uri="{BB962C8B-B14F-4D97-AF65-F5344CB8AC3E}">
@@ -4126,9 +5364,39 @@
           <a:chExt cx="0" cy="0"/>
         </a:xfrm>
       </p:grpSpPr>
-      <p:sp>
-        <p:nvSpPr>
-          <p:cNvPr id="2" name="Titre 1"/>
+      <p:pic>
+        <p:nvPicPr>
+          <p:cNvPr id="4" name="Image 3" descr="Capture d’écran 2016-10-17 à 21.03.54.png"/>
+          <p:cNvPicPr>
+            <a:picLocks noChangeAspect="1"/>
+          </p:cNvPicPr>
+          <p:nvPr/>
+        </p:nvPicPr>
+        <p:blipFill>
+          <a:blip r:embed="rId2">
+            <a:extLst>
+              <a:ext uri="{28A0092B-C50C-407E-A947-70E740481C1C}">
+                <a14:useLocalDpi xmlns:a14="http://schemas.microsoft.com/office/drawing/2010/main" val="0"/>
+              </a:ext>
+            </a:extLst>
+          </a:blip>
+          <a:stretch>
+            <a:fillRect/>
+          </a:stretch>
+        </p:blipFill>
+        <p:spPr>
+          <a:xfrm>
+            <a:off x="0" y="1225368"/>
+            <a:ext cx="9144000" cy="5632632"/>
+          </a:xfrm>
+          <a:prstGeom prst="rect">
+            <a:avLst/>
+          </a:prstGeom>
+        </p:spPr>
+      </p:pic>
+      <p:sp>
+        <p:nvSpPr>
+          <p:cNvPr id="5" name="Titre 1"/>
           <p:cNvSpPr>
             <a:spLocks noGrp="1"/>
           </p:cNvSpPr>
@@ -4136,241 +5404,24 @@
             <p:ph type="title"/>
           </p:nvPr>
         </p:nvSpPr>
-        <p:spPr/>
-        <p:txBody>
-          <a:bodyPr/>
-          <a:lstStyle/>
-          <a:p>
-            <a:r>
-              <a:rPr lang="fr-FR" dirty="0" smtClean="0"/>
-              <a:t>Ressources, aide</a:t>
-            </a:r>
-            <a:endParaRPr lang="fr-FR" dirty="0"/>
-          </a:p>
-        </p:txBody>
-      </p:sp>
-      <p:sp>
-        <p:nvSpPr>
-          <p:cNvPr id="3" name="Espace réservé du contenu 2"/>
-          <p:cNvSpPr>
-            <a:spLocks noGrp="1"/>
-          </p:cNvSpPr>
-          <p:nvPr>
-            <p:ph idx="1"/>
-          </p:nvPr>
-        </p:nvSpPr>
-        <p:spPr/>
-        <p:txBody>
-          <a:bodyPr>
-            <a:normAutofit fontScale="55000" lnSpcReduction="20000"/>
-          </a:bodyPr>
-          <a:lstStyle/>
-          <a:p>
-            <a:r>
-              <a:rPr lang="fr-FR" dirty="0" smtClean="0"/>
-              <a:t>Help, ?</a:t>
-            </a:r>
-          </a:p>
-          <a:p>
-            <a:endParaRPr lang="fr-FR" dirty="0" smtClean="0"/>
-          </a:p>
-          <a:p>
-            <a:r>
-              <a:rPr lang="fr-FR" dirty="0" smtClean="0"/>
-              <a:t>  R | Signification | Exemples</a:t>
-            </a:r>
-          </a:p>
-          <a:p>
-            <a:r>
-              <a:rPr lang="fr-FR" dirty="0" smtClean="0"/>
-              <a:t>--- | ------------- | -------</a:t>
-            </a:r>
-          </a:p>
-          <a:p>
-            <a:r>
-              <a:rPr lang="fr-FR" dirty="0" smtClean="0"/>
-              <a:t>`?` | Aide rapide   | `?</a:t>
+        <p:spPr>
+          <a:xfrm>
+            <a:off x="457200" y="274638"/>
+            <a:ext cx="8229600" cy="1143000"/>
+          </a:xfrm>
+        </p:spPr>
+        <p:txBody>
+          <a:bodyPr/>
+          <a:lstStyle/>
+          <a:p>
+            <a:r>
+              <a:rPr lang="fr-FR" dirty="0" smtClean="0"/>
+              <a:t>Utilisation avec un </a:t>
             </a:r>
             <a:r>
               <a:rPr lang="fr-FR" dirty="0" err="1" smtClean="0"/>
-              <a:t>mean</a:t>
-            </a:r>
-            <a:r>
-              <a:rPr lang="fr-FR" dirty="0" smtClean="0"/>
-              <a:t>` ou `?"</a:t>
-            </a:r>
-            <a:r>
-              <a:rPr lang="fr-FR" dirty="0" err="1" smtClean="0"/>
-              <a:t>mean</a:t>
-            </a:r>
-            <a:r>
-              <a:rPr lang="fr-FR" dirty="0" smtClean="0"/>
-              <a:t>"` mais pas `?</a:t>
-            </a:r>
-            <a:r>
-              <a:rPr lang="fr-FR" dirty="0" err="1" smtClean="0"/>
-              <a:t>t</a:t>
-            </a:r>
-            <a:r>
-              <a:rPr lang="fr-FR" dirty="0" smtClean="0"/>
-              <a:t>-test`</a:t>
-            </a:r>
-          </a:p>
-          <a:p>
-            <a:r>
-              <a:rPr lang="fr-FR" dirty="0" smtClean="0"/>
-              <a:t>`help` | Version plus complète de `?` | `help("</a:t>
-            </a:r>
-            <a:r>
-              <a:rPr lang="fr-FR" dirty="0" err="1" smtClean="0"/>
-              <a:t>mean</a:t>
-            </a:r>
-            <a:r>
-              <a:rPr lang="fr-FR" dirty="0" smtClean="0"/>
-              <a:t>")` mais pas `help("</a:t>
-            </a:r>
-            <a:r>
-              <a:rPr lang="fr-FR" dirty="0" err="1" smtClean="0"/>
-              <a:t>t</a:t>
-            </a:r>
-            <a:r>
-              <a:rPr lang="fr-FR" dirty="0" smtClean="0"/>
-              <a:t>-test")`</a:t>
-            </a:r>
-          </a:p>
-          <a:p>
-            <a:r>
-              <a:rPr lang="fr-FR" dirty="0" smtClean="0"/>
-              <a:t>`??` | Aide rapide  sur un sujet | `??variance` ou `??"variance"`</a:t>
-            </a:r>
-          </a:p>
-          <a:p>
-            <a:r>
-              <a:rPr lang="fr-FR" dirty="0" smtClean="0"/>
-              <a:t>`</a:t>
-            </a:r>
-            <a:r>
-              <a:rPr lang="fr-FR" dirty="0" err="1" smtClean="0"/>
-              <a:t>help.search</a:t>
-            </a:r>
-            <a:r>
-              <a:rPr lang="fr-FR" dirty="0" smtClean="0"/>
-              <a:t>` | Version plus complète de `??` | `</a:t>
-            </a:r>
-            <a:r>
-              <a:rPr lang="fr-FR" dirty="0" err="1" smtClean="0"/>
-              <a:t>help.search</a:t>
-            </a:r>
-            <a:r>
-              <a:rPr lang="fr-FR" dirty="0" smtClean="0"/>
-              <a:t>("</a:t>
-            </a:r>
-            <a:r>
-              <a:rPr lang="fr-FR" dirty="0" err="1" smtClean="0"/>
-              <a:t>t</a:t>
-            </a:r>
-            <a:r>
-              <a:rPr lang="fr-FR" dirty="0" smtClean="0"/>
-              <a:t>-test")` mais pas `help("</a:t>
-            </a:r>
-            <a:r>
-              <a:rPr lang="fr-FR" dirty="0" err="1" smtClean="0"/>
-              <a:t>t</a:t>
-            </a:r>
-            <a:r>
-              <a:rPr lang="fr-FR" dirty="0" smtClean="0"/>
-              <a:t>-test")`</a:t>
-            </a:r>
-          </a:p>
-          <a:p>
-            <a:r>
-              <a:rPr lang="fr-FR" dirty="0" smtClean="0"/>
-              <a:t>`</a:t>
-            </a:r>
-            <a:r>
-              <a:rPr lang="fr-FR" dirty="0" err="1" smtClean="0"/>
-              <a:t>RSiteSearch</a:t>
-            </a:r>
-            <a:r>
-              <a:rPr lang="fr-FR" dirty="0" smtClean="0"/>
-              <a:t>` | Aide en ligne | `</a:t>
-            </a:r>
-            <a:r>
-              <a:rPr lang="fr-FR" dirty="0" err="1" smtClean="0"/>
-              <a:t>RSiteSearch</a:t>
-            </a:r>
-            <a:r>
-              <a:rPr lang="fr-FR" dirty="0" smtClean="0"/>
-              <a:t>("</a:t>
-            </a:r>
-            <a:r>
-              <a:rPr lang="fr-FR" dirty="0" err="1" smtClean="0"/>
-              <a:t>Fleiss</a:t>
-            </a:r>
-            <a:r>
-              <a:rPr lang="fr-FR" dirty="0" smtClean="0"/>
-              <a:t>' kappa")`</a:t>
-            </a:r>
-          </a:p>
-          <a:p>
-            <a:endParaRPr lang="fr-FR" dirty="0"/>
-          </a:p>
-          <a:p>
-            <a:r>
-              <a:rPr lang="fr-FR" dirty="0"/>
-              <a:t>Programmation R </a:t>
-            </a:r>
-            <a:endParaRPr lang="fr-FR" dirty="0" smtClean="0">
-              <a:effectLst/>
-            </a:endParaRPr>
-          </a:p>
-          <a:p>
-            <a:r>
-              <a:rPr lang="fr-FR" dirty="0"/>
-              <a:t>http://</a:t>
-            </a:r>
-            <a:r>
-              <a:rPr lang="fr-FR" dirty="0" err="1"/>
-              <a:t>www.duclert.org</a:t>
-            </a:r>
-            <a:r>
-              <a:rPr lang="fr-FR" dirty="0"/>
-              <a:t>/ </a:t>
-            </a:r>
-            <a:endParaRPr lang="fr-FR" dirty="0" smtClean="0">
-              <a:effectLst/>
-            </a:endParaRPr>
-          </a:p>
-          <a:p>
-            <a:r>
-              <a:rPr lang="fr-FR" dirty="0"/>
-              <a:t>Quick-R </a:t>
-            </a:r>
-            <a:endParaRPr lang="fr-FR" dirty="0" smtClean="0">
-              <a:effectLst/>
-            </a:endParaRPr>
-          </a:p>
-          <a:p>
-            <a:r>
-              <a:rPr lang="fr-FR" dirty="0"/>
-              <a:t>http://</a:t>
-            </a:r>
-            <a:r>
-              <a:rPr lang="fr-FR" dirty="0" err="1"/>
-              <a:t>www.statmethods.net</a:t>
-            </a:r>
-            <a:r>
-              <a:rPr lang="fr-FR" dirty="0"/>
-              <a:t>/ </a:t>
-            </a:r>
-            <a:endParaRPr lang="fr-FR" dirty="0" smtClean="0">
-              <a:effectLst/>
-            </a:endParaRPr>
-          </a:p>
-          <a:p>
-            <a:endParaRPr lang="fr-FR" dirty="0" smtClean="0"/>
-          </a:p>
-          <a:p>
+              <a:t>teRminal</a:t>
+            </a:r>
             <a:endParaRPr lang="fr-FR" dirty="0" smtClean="0"/>
           </a:p>
         </p:txBody>
@@ -4378,7 +5429,7 @@
     </p:spTree>
     <p:extLst>
       <p:ext uri="{BB962C8B-B14F-4D97-AF65-F5344CB8AC3E}">
-        <p14:creationId xmlns:p14="http://schemas.microsoft.com/office/powerpoint/2010/main" val="3864167245"/>
+        <p14:creationId xmlns:p14="http://schemas.microsoft.com/office/powerpoint/2010/main" val="2701534490"/>
       </p:ext>
     </p:extLst>
   </p:cSld>
@@ -4405,32 +5456,9 @@
           <a:chExt cx="0" cy="0"/>
         </a:xfrm>
       </p:grpSpPr>
-      <p:sp>
-        <p:nvSpPr>
-          <p:cNvPr id="2" name="Titre 1"/>
-          <p:cNvSpPr>
-            <a:spLocks noGrp="1"/>
-          </p:cNvSpPr>
-          <p:nvPr>
-            <p:ph type="title"/>
-          </p:nvPr>
-        </p:nvSpPr>
-        <p:spPr/>
-        <p:txBody>
-          <a:bodyPr/>
-          <a:lstStyle/>
-          <a:p>
-            <a:r>
-              <a:rPr lang="fr-FR" dirty="0" smtClean="0"/>
-              <a:t>Commandes de Bases</a:t>
-            </a:r>
-            <a:endParaRPr lang="fr-FR" dirty="0"/>
-          </a:p>
-        </p:txBody>
-      </p:sp>
       <p:pic>
         <p:nvPicPr>
-          <p:cNvPr id="5" name="Image 4" descr="Capture d’écran 2016-10-10 à 21.25.11.png"/>
+          <p:cNvPr id="2" name="Image 1" descr="Capture d’écran 2016-10-17 à 21.05.34.png"/>
           <p:cNvPicPr>
             <a:picLocks noChangeAspect="1"/>
           </p:cNvPicPr>
@@ -4450,18 +5478,41 @@
         </p:blipFill>
         <p:spPr>
           <a:xfrm>
-            <a:off x="818662" y="1417638"/>
-            <a:ext cx="6897077" cy="5034611"/>
+            <a:off x="547076" y="1417638"/>
+            <a:ext cx="7756769" cy="5780204"/>
           </a:xfrm>
           <a:prstGeom prst="rect">
             <a:avLst/>
           </a:prstGeom>
         </p:spPr>
       </p:pic>
+      <p:sp>
+        <p:nvSpPr>
+          <p:cNvPr id="3" name="Titre 2"/>
+          <p:cNvSpPr>
+            <a:spLocks noGrp="1"/>
+          </p:cNvSpPr>
+          <p:nvPr>
+            <p:ph type="title"/>
+          </p:nvPr>
+        </p:nvSpPr>
+        <p:spPr/>
+        <p:txBody>
+          <a:bodyPr/>
+          <a:lstStyle/>
+          <a:p>
+            <a:r>
+              <a:rPr lang="fr-FR" dirty="0" smtClean="0"/>
+              <a:t>Utilisation avec une GUI</a:t>
+            </a:r>
+            <a:endParaRPr lang="fr-FR" dirty="0"/>
+          </a:p>
+        </p:txBody>
+      </p:sp>
     </p:spTree>
     <p:extLst>
       <p:ext uri="{BB962C8B-B14F-4D97-AF65-F5344CB8AC3E}">
-        <p14:creationId xmlns:p14="http://schemas.microsoft.com/office/powerpoint/2010/main" val="1676878831"/>
+        <p14:creationId xmlns:p14="http://schemas.microsoft.com/office/powerpoint/2010/main" val="3664632964"/>
       </p:ext>
     </p:extLst>
   </p:cSld>
@@ -4490,7 +5541,7 @@
       </p:grpSpPr>
       <p:sp>
         <p:nvSpPr>
-          <p:cNvPr id="2" name="Titre 1"/>
+          <p:cNvPr id="5" name="Titre 1"/>
           <p:cNvSpPr>
             <a:spLocks noGrp="1"/>
           </p:cNvSpPr>
@@ -4498,104 +5549,133 @@
             <p:ph type="title"/>
           </p:nvPr>
         </p:nvSpPr>
-        <p:spPr/>
-        <p:txBody>
-          <a:bodyPr/>
-          <a:lstStyle/>
-          <a:p>
-            <a:r>
-              <a:rPr lang="fr-FR" dirty="0" smtClean="0"/>
-              <a:t>Syntaxe</a:t>
+        <p:spPr>
+          <a:xfrm>
+            <a:off x="457200" y="274638"/>
+            <a:ext cx="8229600" cy="1143000"/>
+          </a:xfrm>
+        </p:spPr>
+        <p:txBody>
+          <a:bodyPr>
+            <a:normAutofit fontScale="90000"/>
+          </a:bodyPr>
+          <a:lstStyle/>
+          <a:p>
+            <a:r>
+              <a:rPr lang="fr-FR" dirty="0" smtClean="0"/>
+              <a:t>Un outil aux </a:t>
+            </a:r>
+            <a:r>
+              <a:rPr lang="fr-FR" dirty="0" err="1" smtClean="0"/>
+              <a:t>fonctionnalitées</a:t>
+            </a:r>
+            <a:r>
+              <a:rPr lang="fr-FR" dirty="0" smtClean="0"/>
+              <a:t> </a:t>
+            </a:r>
+            <a:r>
+              <a:rPr lang="fr-FR" dirty="0" smtClean="0"/>
+              <a:t>avancées</a:t>
             </a:r>
             <a:endParaRPr lang="fr-FR" dirty="0"/>
           </a:p>
         </p:txBody>
       </p:sp>
-      <p:sp>
-        <p:nvSpPr>
-          <p:cNvPr id="3" name="Espace réservé du contenu 2"/>
-          <p:cNvSpPr>
-            <a:spLocks noGrp="1"/>
-          </p:cNvSpPr>
-          <p:nvPr>
-            <p:ph idx="1"/>
-          </p:nvPr>
-        </p:nvSpPr>
-        <p:spPr/>
-        <p:txBody>
-          <a:bodyPr>
-            <a:normAutofit fontScale="70000" lnSpcReduction="20000"/>
+      <p:pic>
+        <p:nvPicPr>
+          <p:cNvPr id="3" name="Image 2"/>
+          <p:cNvPicPr>
+            <a:picLocks noChangeAspect="1"/>
+          </p:cNvPicPr>
+          <p:nvPr/>
+        </p:nvPicPr>
+        <p:blipFill>
+          <a:blip r:embed="rId2"/>
+          <a:stretch>
+            <a:fillRect/>
+          </a:stretch>
+        </p:blipFill>
+        <p:spPr>
+          <a:xfrm>
+            <a:off x="520003" y="1417638"/>
+            <a:ext cx="1587500" cy="558800"/>
+          </a:xfrm>
+          <a:prstGeom prst="rect">
+            <a:avLst/>
+          </a:prstGeom>
+        </p:spPr>
+      </p:pic>
+      <p:sp>
+        <p:nvSpPr>
+          <p:cNvPr id="4" name="Rectangle 3"/>
+          <p:cNvSpPr/>
+          <p:nvPr/>
+        </p:nvSpPr>
+        <p:spPr>
+          <a:xfrm>
+            <a:off x="2302766" y="1489346"/>
+            <a:ext cx="2584624" cy="369332"/>
+          </a:xfrm>
+          <a:prstGeom prst="rect">
+            <a:avLst/>
+          </a:prstGeom>
+        </p:spPr>
+        <p:txBody>
+          <a:bodyPr wrap="none">
+            <a:spAutoFit/>
           </a:bodyPr>
           <a:lstStyle/>
           <a:p>
-            <a:endParaRPr lang="fr-FR" dirty="0" smtClean="0"/>
-          </a:p>
-          <a:p>
-            <a:r>
-              <a:rPr lang="fr-FR" dirty="0" smtClean="0"/>
-              <a:t>Certains espaces sont importants...</a:t>
-            </a:r>
-          </a:p>
-          <a:p>
-            <a:endParaRPr lang="fr-FR" dirty="0" smtClean="0"/>
-          </a:p>
-          <a:p>
-            <a:r>
-              <a:rPr lang="fr-FR" dirty="0" smtClean="0"/>
-              <a:t>&gt; - `x &lt;- 1` : la variable `x` contient la valeur 1.</a:t>
-            </a:r>
-          </a:p>
-          <a:p>
-            <a:r>
-              <a:rPr lang="fr-FR" dirty="0" smtClean="0"/>
-              <a:t>&gt; - `x &lt; -1` : est-ce que la valeur prise par la variable `x` est plus petite que -1 ?</a:t>
-            </a:r>
-          </a:p>
-          <a:p>
-            <a:r>
-              <a:rPr lang="fr-FR" dirty="0" smtClean="0"/>
-              <a:t>&gt; - `x &lt;- -1` : la variable `x` contient la valeur -1.</a:t>
-            </a:r>
-          </a:p>
-          <a:p>
-            <a:r>
-              <a:rPr lang="fr-FR" dirty="0" smtClean="0"/>
-              <a:t>&gt; - `y &lt;- 1:10` : la variable `y` contient les entiers de 1 à 10.</a:t>
-            </a:r>
-          </a:p>
-          <a:p>
-            <a:endParaRPr lang="fr-FR" dirty="0" smtClean="0"/>
-          </a:p>
-          <a:p>
-            <a:r>
-              <a:rPr lang="fr-FR" dirty="0" smtClean="0"/>
-              <a:t>D'autres servent à la lisibilité...</a:t>
-            </a:r>
-          </a:p>
-          <a:p>
-            <a:endParaRPr lang="fr-FR" dirty="0" smtClean="0"/>
-          </a:p>
-          <a:p>
-            <a:r>
-              <a:rPr lang="fr-FR" dirty="0" smtClean="0"/>
-              <a:t>&gt; - `x &lt;- 1` est équivalent à `x&lt;-1`.</a:t>
-            </a:r>
-          </a:p>
-          <a:p>
-            <a:r>
-              <a:rPr lang="fr-FR" dirty="0" smtClean="0"/>
-              <a:t>&gt; - `x &lt;- -1` est équivalent à `x&lt;--1`.</a:t>
-            </a:r>
-          </a:p>
-          <a:p>
+            <a:r>
+              <a:rPr lang="fr-FR" dirty="0" err="1"/>
+              <a:t>https</a:t>
+            </a:r>
+            <a:r>
+              <a:rPr lang="fr-FR" dirty="0"/>
+              <a:t>://</a:t>
+            </a:r>
+            <a:r>
+              <a:rPr lang="fr-FR" dirty="0" err="1"/>
+              <a:t>www.rstudio.com</a:t>
+            </a:r>
             <a:endParaRPr lang="fr-FR" dirty="0"/>
           </a:p>
         </p:txBody>
       </p:sp>
+      <p:pic>
+        <p:nvPicPr>
+          <p:cNvPr id="7" name="Image 6" descr="Capture d’écran 2016-10-17 à 21.09.10.png"/>
+          <p:cNvPicPr>
+            <a:picLocks noChangeAspect="1"/>
+          </p:cNvPicPr>
+          <p:nvPr/>
+        </p:nvPicPr>
+        <p:blipFill>
+          <a:blip r:embed="rId3">
+            <a:extLst>
+              <a:ext uri="{28A0092B-C50C-407E-A947-70E740481C1C}">
+                <a14:useLocalDpi xmlns:a14="http://schemas.microsoft.com/office/drawing/2010/main" val="0"/>
+              </a:ext>
+            </a:extLst>
+          </a:blip>
+          <a:stretch>
+            <a:fillRect/>
+          </a:stretch>
+        </p:blipFill>
+        <p:spPr>
+          <a:xfrm>
+            <a:off x="785726" y="1920875"/>
+            <a:ext cx="7625582" cy="5154695"/>
+          </a:xfrm>
+          <a:prstGeom prst="rect">
+            <a:avLst/>
+          </a:prstGeom>
+        </p:spPr>
+      </p:pic>
     </p:spTree>
     <p:extLst>
       <p:ext uri="{BB962C8B-B14F-4D97-AF65-F5344CB8AC3E}">
-        <p14:creationId xmlns:p14="http://schemas.microsoft.com/office/powerpoint/2010/main" val="51894442"/>
+        <p14:creationId xmlns:p14="http://schemas.microsoft.com/office/powerpoint/2010/main" val="921988974"/>
       </p:ext>
     </p:extLst>
   </p:cSld>
@@ -4639,7 +5719,7 @@
           <a:p>
             <a:r>
               <a:rPr lang="fr-FR" dirty="0" smtClean="0"/>
-              <a:t>Type et classes</a:t>
+              <a:t>Syntaxe de Base</a:t>
             </a:r>
             <a:endParaRPr lang="fr-FR" dirty="0"/>
           </a:p>
@@ -4647,13 +5727,13 @@
       </p:sp>
       <p:pic>
         <p:nvPicPr>
-          <p:cNvPr id="7" name="Image 6" descr="Capture d’écran 2016-10-10 à 21.29.37.png"/>
+          <p:cNvPr id="5" name="Image 4" descr="Capture d’écran 2016-10-10 à 21.25.11.png"/>
           <p:cNvPicPr>
             <a:picLocks noChangeAspect="1"/>
           </p:cNvPicPr>
           <p:nvPr/>
         </p:nvPicPr>
-        <p:blipFill>
+        <p:blipFill rotWithShape="1">
           <a:blip r:embed="rId2">
             <a:extLst>
               <a:ext uri="{28A0092B-C50C-407E-A947-70E740481C1C}">
@@ -4661,14 +5741,13 @@
               </a:ext>
             </a:extLst>
           </a:blip>
-          <a:stretch>
-            <a:fillRect/>
-          </a:stretch>
+          <a:srcRect t="15307"/>
+          <a:stretch/>
         </p:blipFill>
         <p:spPr>
           <a:xfrm>
-            <a:off x="1152769" y="1564741"/>
-            <a:ext cx="6824394" cy="5176028"/>
+            <a:off x="106400" y="1368792"/>
+            <a:ext cx="8773829" cy="5424195"/>
           </a:xfrm>
           <a:prstGeom prst="rect">
             <a:avLst/>
@@ -4678,7 +5757,7 @@
     </p:spTree>
     <p:extLst>
       <p:ext uri="{BB962C8B-B14F-4D97-AF65-F5344CB8AC3E}">
-        <p14:creationId xmlns:p14="http://schemas.microsoft.com/office/powerpoint/2010/main" val="1619412875"/>
+        <p14:creationId xmlns:p14="http://schemas.microsoft.com/office/powerpoint/2010/main" val="1676878831"/>
       </p:ext>
     </p:extLst>
   </p:cSld>
@@ -4722,7 +5801,7 @@
           <a:p>
             <a:r>
               <a:rPr lang="fr-FR" dirty="0" smtClean="0"/>
-              <a:t>Vecteur</a:t>
+              <a:t>Syntaxe de Base</a:t>
             </a:r>
             <a:endParaRPr lang="fr-FR" dirty="0"/>
           </a:p>
@@ -4738,19 +5817,125 @@
             <p:ph idx="1"/>
           </p:nvPr>
         </p:nvSpPr>
-        <p:spPr/>
-        <p:txBody>
-          <a:bodyPr/>
-          <a:lstStyle/>
-          <a:p>
-            <a:endParaRPr lang="fr-FR"/>
+        <p:spPr>
+          <a:xfrm>
+            <a:off x="310665" y="1600200"/>
+            <a:ext cx="8559800" cy="4349262"/>
+          </a:xfrm>
+        </p:spPr>
+        <p:txBody>
+          <a:bodyPr>
+            <a:normAutofit fontScale="92500" lnSpcReduction="10000"/>
+          </a:bodyPr>
+          <a:lstStyle/>
+          <a:p>
+            <a:r>
+              <a:rPr lang="fr-FR" dirty="0" smtClean="0"/>
+              <a:t>Espace :</a:t>
+            </a:r>
+          </a:p>
+          <a:p>
+            <a:pPr lvl="1"/>
+            <a:r>
+              <a:rPr lang="fr-FR" dirty="0" smtClean="0"/>
+              <a:t>Certains sont importants :</a:t>
+            </a:r>
+          </a:p>
+          <a:p>
+            <a:pPr lvl="2"/>
+            <a:r>
+              <a:rPr lang="fr-FR" dirty="0" smtClean="0">
+                <a:latin typeface="Monaco"/>
+                <a:cs typeface="Monaco"/>
+              </a:rPr>
+              <a:t>x &lt;- 1 </a:t>
+            </a:r>
+            <a:r>
+              <a:rPr lang="fr-FR" dirty="0" smtClean="0"/>
+              <a:t>: x prend la valeur 1</a:t>
+            </a:r>
+          </a:p>
+          <a:p>
+            <a:pPr lvl="2"/>
+            <a:r>
+              <a:rPr lang="fr-FR" dirty="0">
+                <a:latin typeface="Monaco"/>
+                <a:cs typeface="Monaco"/>
+              </a:rPr>
+              <a:t>x</a:t>
+            </a:r>
+            <a:r>
+              <a:rPr lang="fr-FR" dirty="0" smtClean="0">
+                <a:latin typeface="Monaco"/>
+                <a:cs typeface="Monaco"/>
+              </a:rPr>
+              <a:t> &lt; -1 </a:t>
+            </a:r>
+            <a:r>
+              <a:rPr lang="fr-FR" dirty="0" smtClean="0"/>
+              <a:t>: teste si x est plus petit que -1</a:t>
+            </a:r>
+          </a:p>
+          <a:p>
+            <a:pPr lvl="2"/>
+            <a:endParaRPr lang="fr-FR" dirty="0"/>
+          </a:p>
+          <a:p>
+            <a:pPr lvl="1"/>
+            <a:r>
+              <a:rPr lang="fr-FR" dirty="0" smtClean="0"/>
+              <a:t>D’autres servent à la lisibilité :</a:t>
+            </a:r>
+          </a:p>
+          <a:p>
+            <a:pPr lvl="2"/>
+            <a:r>
+              <a:rPr lang="fr-FR" dirty="0">
+                <a:latin typeface="Monaco"/>
+                <a:cs typeface="Monaco"/>
+              </a:rPr>
+              <a:t>x &lt;- </a:t>
+            </a:r>
+            <a:r>
+              <a:rPr lang="fr-FR" dirty="0" smtClean="0">
+                <a:latin typeface="Monaco"/>
+                <a:cs typeface="Monaco"/>
+              </a:rPr>
+              <a:t>-1 </a:t>
+            </a:r>
+          </a:p>
+          <a:p>
+            <a:pPr lvl="2"/>
+            <a:r>
+              <a:rPr lang="fr-FR" dirty="0" smtClean="0">
+                <a:latin typeface="Monaco"/>
+                <a:cs typeface="Monaco"/>
+                <a:sym typeface="Wingdings"/>
+              </a:rPr>
+              <a:t>x &lt;--1</a:t>
+            </a:r>
+          </a:p>
+          <a:p>
+            <a:pPr lvl="2"/>
+            <a:endParaRPr lang="fr-FR" dirty="0" smtClean="0">
+              <a:latin typeface="Monaco"/>
+              <a:cs typeface="Monaco"/>
+              <a:sym typeface="Wingdings"/>
+            </a:endParaRPr>
+          </a:p>
+          <a:p>
+            <a:r>
+              <a:rPr lang="fr-FR" dirty="0" smtClean="0"/>
+              <a:t>« un code bien aéré est plus facile à debugger »</a:t>
+            </a:r>
+            <a:endParaRPr lang="fr-FR" dirty="0"/>
           </a:p>
         </p:txBody>
       </p:sp>
     </p:spTree>
     <p:extLst>
       <p:ext uri="{BB962C8B-B14F-4D97-AF65-F5344CB8AC3E}">
-        <p14:creationId xmlns:p14="http://schemas.microsoft.com/office/powerpoint/2010/main" val="448359510"/>
+        <p14:creationId xmlns:p14="http://schemas.microsoft.com/office/powerpoint/2010/main" val="1299333516"/>
       </p:ext>
     </p:extLst>
   </p:cSld>
@@ -4794,7 +5979,7 @@
           <a:p>
             <a:r>
               <a:rPr lang="fr-FR" dirty="0" smtClean="0"/>
-              <a:t>Facteur</a:t>
+              <a:t>Ressource, Aide</a:t>
             </a:r>
             <a:endParaRPr lang="fr-FR" dirty="0"/>
           </a:p>
@@ -4810,19 +5995,57 @@
             <p:ph idx="1"/>
           </p:nvPr>
         </p:nvSpPr>
-        <p:spPr/>
-        <p:txBody>
-          <a:bodyPr/>
-          <a:lstStyle/>
-          <a:p>
-            <a:endParaRPr lang="fr-FR"/>
-          </a:p>
-        </p:txBody>
-      </p:sp>
+        <p:spPr>
+          <a:xfrm>
+            <a:off x="457200" y="1600200"/>
+            <a:ext cx="8229600" cy="676031"/>
+          </a:xfrm>
+        </p:spPr>
+        <p:txBody>
+          <a:bodyPr/>
+          <a:lstStyle/>
+          <a:p>
+            <a:r>
+              <a:rPr lang="fr-FR" dirty="0" smtClean="0"/>
+              <a:t>Depuis le « prompt », directement dans R :</a:t>
+            </a:r>
+          </a:p>
+        </p:txBody>
+      </p:sp>
+      <p:pic>
+        <p:nvPicPr>
+          <p:cNvPr id="4" name="Image 3" descr="Capture d’écran 2016-10-17 à 21.33.49.png"/>
+          <p:cNvPicPr>
+            <a:picLocks noChangeAspect="1"/>
+          </p:cNvPicPr>
+          <p:nvPr/>
+        </p:nvPicPr>
+        <p:blipFill>
+          <a:blip r:embed="rId2">
+            <a:extLst>
+              <a:ext uri="{28A0092B-C50C-407E-A947-70E740481C1C}">
+                <a14:useLocalDpi xmlns:a14="http://schemas.microsoft.com/office/drawing/2010/main" val="0"/>
+              </a:ext>
+            </a:extLst>
+          </a:blip>
+          <a:stretch>
+            <a:fillRect/>
+          </a:stretch>
+        </p:blipFill>
+        <p:spPr>
+          <a:xfrm>
+            <a:off x="908536" y="2276231"/>
+            <a:ext cx="7317153" cy="3774501"/>
+          </a:xfrm>
+          <a:prstGeom prst="rect">
+            <a:avLst/>
+          </a:prstGeom>
+        </p:spPr>
+      </p:pic>
     </p:spTree>
     <p:extLst>
       <p:ext uri="{BB962C8B-B14F-4D97-AF65-F5344CB8AC3E}">
-        <p14:creationId xmlns:p14="http://schemas.microsoft.com/office/powerpoint/2010/main" val="152058204"/>
+        <p14:creationId xmlns:p14="http://schemas.microsoft.com/office/powerpoint/2010/main" val="1072023923"/>
       </p:ext>
     </p:extLst>
   </p:cSld>
@@ -4859,47 +6082,109 @@
             <p:ph type="title"/>
           </p:nvPr>
         </p:nvSpPr>
+        <p:spPr/>
+        <p:txBody>
+          <a:bodyPr/>
+          <a:lstStyle/>
+          <a:p>
+            <a:r>
+              <a:rPr lang="fr-FR" dirty="0" smtClean="0"/>
+              <a:t>Ressource, Aide</a:t>
+            </a:r>
+            <a:endParaRPr lang="fr-FR" dirty="0"/>
+          </a:p>
+        </p:txBody>
+      </p:sp>
+      <p:sp>
+        <p:nvSpPr>
+          <p:cNvPr id="3" name="Espace réservé du contenu 2"/>
+          <p:cNvSpPr>
+            <a:spLocks noGrp="1"/>
+          </p:cNvSpPr>
+          <p:nvPr>
+            <p:ph idx="1"/>
+          </p:nvPr>
+        </p:nvSpPr>
         <p:spPr>
           <a:xfrm>
-            <a:off x="466969" y="274638"/>
-            <a:ext cx="8229600" cy="1143000"/>
+            <a:off x="457200" y="1600200"/>
+            <a:ext cx="8229600" cy="3313723"/>
           </a:xfrm>
         </p:spPr>
         <p:txBody>
-          <a:bodyPr/>
-          <a:lstStyle/>
-          <a:p>
-            <a:r>
-              <a:rPr lang="fr-FR" dirty="0" smtClean="0"/>
-              <a:t>Matrice</a:t>
+          <a:bodyPr>
+            <a:normAutofit/>
+          </a:bodyPr>
+          <a:lstStyle/>
+          <a:p>
+            <a:r>
+              <a:rPr lang="fr-FR" dirty="0" smtClean="0"/>
+              <a:t>Communauté  :</a:t>
+            </a:r>
+          </a:p>
+          <a:p>
+            <a:pPr lvl="1"/>
+            <a:r>
+              <a:rPr lang="fr-FR" dirty="0" smtClean="0"/>
+              <a:t>Quick</a:t>
+            </a:r>
+            <a:r>
+              <a:rPr lang="fr-FR" dirty="0"/>
+              <a:t>-R </a:t>
+            </a:r>
+            <a:r>
+              <a:rPr lang="fr-FR" dirty="0" smtClean="0"/>
+              <a:t>: </a:t>
+            </a:r>
+            <a:r>
+              <a:rPr lang="fr-FR" dirty="0" smtClean="0">
+                <a:hlinkClick r:id="rId2"/>
+              </a:rPr>
+              <a:t>http</a:t>
+            </a:r>
+            <a:r>
+              <a:rPr lang="fr-FR" dirty="0">
+                <a:hlinkClick r:id="rId2"/>
+              </a:rPr>
+              <a:t>://www.statmethods.net/</a:t>
+            </a:r>
+            <a:r>
+              <a:rPr lang="fr-FR" dirty="0"/>
+              <a:t> </a:t>
+            </a:r>
+            <a:endParaRPr lang="fr-FR" dirty="0" smtClean="0"/>
+          </a:p>
+          <a:p>
+            <a:pPr lvl="1"/>
+            <a:r>
+              <a:rPr lang="fr-FR" dirty="0">
+                <a:hlinkClick r:id="rId3"/>
+              </a:rPr>
+              <a:t>http://www.duclert.org/</a:t>
+            </a:r>
+            <a:r>
+              <a:rPr lang="fr-FR" dirty="0"/>
+              <a:t> </a:t>
+            </a:r>
+          </a:p>
+          <a:p>
+            <a:pPr lvl="1"/>
+            <a:r>
+              <a:rPr lang="fr-FR" dirty="0" err="1" smtClean="0"/>
+              <a:t>Etc</a:t>
+            </a:r>
+            <a:r>
+              <a:rPr lang="fr-FR" dirty="0" smtClean="0"/>
+              <a:t> …</a:t>
             </a:r>
             <a:endParaRPr lang="fr-FR" dirty="0"/>
-          </a:p>
-        </p:txBody>
-      </p:sp>
-      <p:sp>
-        <p:nvSpPr>
-          <p:cNvPr id="3" name="Espace réservé du contenu 2"/>
-          <p:cNvSpPr>
-            <a:spLocks noGrp="1"/>
-          </p:cNvSpPr>
-          <p:nvPr>
-            <p:ph idx="1"/>
-          </p:nvPr>
-        </p:nvSpPr>
-        <p:spPr/>
-        <p:txBody>
-          <a:bodyPr/>
-          <a:lstStyle/>
-          <a:p>
-            <a:endParaRPr lang="fr-FR"/>
           </a:p>
         </p:txBody>
       </p:sp>
     </p:spTree>
     <p:extLst>
       <p:ext uri="{BB962C8B-B14F-4D97-AF65-F5344CB8AC3E}">
-        <p14:creationId xmlns:p14="http://schemas.microsoft.com/office/powerpoint/2010/main" val="152058204"/>
+        <p14:creationId xmlns:p14="http://schemas.microsoft.com/office/powerpoint/2010/main" val="2379062317"/>
       </p:ext>
     </p:extLst>
   </p:cSld>

--- a/docs/source/TP1/TP1_20161027_introR.pptx
+++ b/docs/source/TP1/TP1_20161027_introR.pptx
@@ -1,9 +1,12 @@
 
 <file path=ppt/presentation.xml><?xml version="1.0" encoding="utf-8"?>
-<p:presentation xmlns:a="http://schemas.openxmlformats.org/drawingml/2006/main" xmlns:r="http://schemas.openxmlformats.org/officeDocument/2006/relationships" xmlns:p="http://schemas.openxmlformats.org/presentationml/2006/main" saveSubsetFonts="1" autoCompressPictures="0">
+<p:presentation xmlns:a="http://schemas.openxmlformats.org/drawingml/2006/main" xmlns:r="http://schemas.openxmlformats.org/officeDocument/2006/relationships" xmlns:p="http://schemas.openxmlformats.org/presentationml/2006/main" showSpecialPlsOnTitleSld="0" saveSubsetFonts="1" autoCompressPictures="0">
   <p:sldMasterIdLst>
-    <p:sldMasterId id="2147483648" r:id="rId1"/>
+    <p:sldMasterId id="2147483684" r:id="rId1"/>
   </p:sldMasterIdLst>
+  <p:notesMasterIdLst>
+    <p:notesMasterId r:id="rId21"/>
+  </p:notesMasterIdLst>
   <p:sldIdLst>
     <p:sldId id="256" r:id="rId2"/>
     <p:sldId id="257" r:id="rId3"/>
@@ -125,6 +128,356 @@
 </p:presentation>
 </file>
 
+<file path=ppt/notesMasters/notesMaster1.xml><?xml version="1.0" encoding="utf-8"?>
+<p:notesMaster xmlns:a="http://schemas.openxmlformats.org/drawingml/2006/main" xmlns:r="http://schemas.openxmlformats.org/officeDocument/2006/relationships" xmlns:p="http://schemas.openxmlformats.org/presentationml/2006/main">
+  <p:cSld>
+    <p:bg>
+      <p:bgRef idx="1001">
+        <a:schemeClr val="bg1"/>
+      </p:bgRef>
+    </p:bg>
+    <p:spTree>
+      <p:nvGrpSpPr>
+        <p:cNvPr id="1" name=""/>
+        <p:cNvGrpSpPr/>
+        <p:nvPr/>
+      </p:nvGrpSpPr>
+      <p:grpSpPr>
+        <a:xfrm>
+          <a:off x="0" y="0"/>
+          <a:ext cx="0" cy="0"/>
+          <a:chOff x="0" y="0"/>
+          <a:chExt cx="0" cy="0"/>
+        </a:xfrm>
+      </p:grpSpPr>
+      <p:sp>
+        <p:nvSpPr>
+          <p:cNvPr id="2" name="Espace réservé de l'en-tête 1"/>
+          <p:cNvSpPr>
+            <a:spLocks noGrp="1"/>
+          </p:cNvSpPr>
+          <p:nvPr>
+            <p:ph type="hdr" sz="quarter"/>
+          </p:nvPr>
+        </p:nvSpPr>
+        <p:spPr>
+          <a:xfrm>
+            <a:off x="0" y="0"/>
+            <a:ext cx="2971800" cy="457200"/>
+          </a:xfrm>
+          <a:prstGeom prst="rect">
+            <a:avLst/>
+          </a:prstGeom>
+        </p:spPr>
+        <p:txBody>
+          <a:bodyPr vert="horz" lIns="91440" tIns="45720" rIns="91440" bIns="45720" rtlCol="0"/>
+          <a:lstStyle>
+            <a:lvl1pPr algn="l">
+              <a:defRPr sz="1200"/>
+            </a:lvl1pPr>
+          </a:lstStyle>
+          <a:p>
+            <a:endParaRPr lang="en-US"/>
+          </a:p>
+        </p:txBody>
+      </p:sp>
+      <p:sp>
+        <p:nvSpPr>
+          <p:cNvPr id="3" name="Espace réservé de la date 2"/>
+          <p:cNvSpPr>
+            <a:spLocks noGrp="1"/>
+          </p:cNvSpPr>
+          <p:nvPr>
+            <p:ph type="dt" idx="1"/>
+          </p:nvPr>
+        </p:nvSpPr>
+        <p:spPr>
+          <a:xfrm>
+            <a:off x="3884613" y="0"/>
+            <a:ext cx="2971800" cy="457200"/>
+          </a:xfrm>
+          <a:prstGeom prst="rect">
+            <a:avLst/>
+          </a:prstGeom>
+        </p:spPr>
+        <p:txBody>
+          <a:bodyPr vert="horz" lIns="91440" tIns="45720" rIns="91440" bIns="45720" rtlCol="0"/>
+          <a:lstStyle>
+            <a:lvl1pPr algn="r">
+              <a:defRPr sz="1200"/>
+            </a:lvl1pPr>
+          </a:lstStyle>
+          <a:p>
+            <a:fld id="{14CA3DB2-CD61-4D43-90C7-07D4860D25E6}" type="datetimeFigureOut">
+              <a:rPr lang="en-US" smtClean="0"/>
+              <a:t>10/18/2016</a:t>
+            </a:fld>
+            <a:endParaRPr lang="en-US"/>
+          </a:p>
+        </p:txBody>
+      </p:sp>
+      <p:sp>
+        <p:nvSpPr>
+          <p:cNvPr id="4" name="Espace réservé de l'image des diapositives 3"/>
+          <p:cNvSpPr>
+            <a:spLocks noGrp="1" noRot="1" noChangeAspect="1"/>
+          </p:cNvSpPr>
+          <p:nvPr>
+            <p:ph type="sldImg" idx="2"/>
+          </p:nvPr>
+        </p:nvSpPr>
+        <p:spPr>
+          <a:xfrm>
+            <a:off x="1143000" y="685800"/>
+            <a:ext cx="4572000" cy="3429000"/>
+          </a:xfrm>
+          <a:prstGeom prst="rect">
+            <a:avLst/>
+          </a:prstGeom>
+          <a:noFill/>
+          <a:ln w="12700">
+            <a:solidFill>
+              <a:prstClr val="black"/>
+            </a:solidFill>
+          </a:ln>
+        </p:spPr>
+        <p:txBody>
+          <a:bodyPr vert="horz" lIns="91440" tIns="45720" rIns="91440" bIns="45720" rtlCol="0" anchor="ctr"/>
+          <a:lstStyle/>
+          <a:p>
+            <a:endParaRPr lang="en-US"/>
+          </a:p>
+        </p:txBody>
+      </p:sp>
+      <p:sp>
+        <p:nvSpPr>
+          <p:cNvPr id="5" name="Espace réservé des commentaires 4"/>
+          <p:cNvSpPr>
+            <a:spLocks noGrp="1"/>
+          </p:cNvSpPr>
+          <p:nvPr>
+            <p:ph type="body" sz="quarter" idx="3"/>
+          </p:nvPr>
+        </p:nvSpPr>
+        <p:spPr>
+          <a:xfrm>
+            <a:off x="685800" y="4343400"/>
+            <a:ext cx="5486400" cy="4114800"/>
+          </a:xfrm>
+          <a:prstGeom prst="rect">
+            <a:avLst/>
+          </a:prstGeom>
+        </p:spPr>
+        <p:txBody>
+          <a:bodyPr vert="horz" lIns="91440" tIns="45720" rIns="91440" bIns="45720" rtlCol="0"/>
+          <a:lstStyle/>
+          <a:p>
+            <a:pPr lvl="0"/>
+            <a:r>
+              <a:rPr lang="fr-FR" smtClean="0"/>
+              <a:t>Modifiez les styles du texte du masque</a:t>
+            </a:r>
+          </a:p>
+          <a:p>
+            <a:pPr lvl="1"/>
+            <a:r>
+              <a:rPr lang="fr-FR" smtClean="0"/>
+              <a:t>Deuxième niveau</a:t>
+            </a:r>
+          </a:p>
+          <a:p>
+            <a:pPr lvl="2"/>
+            <a:r>
+              <a:rPr lang="fr-FR" smtClean="0"/>
+              <a:t>Troisième niveau</a:t>
+            </a:r>
+          </a:p>
+          <a:p>
+            <a:pPr lvl="3"/>
+            <a:r>
+              <a:rPr lang="fr-FR" smtClean="0"/>
+              <a:t>Quatrième niveau</a:t>
+            </a:r>
+          </a:p>
+          <a:p>
+            <a:pPr lvl="4"/>
+            <a:r>
+              <a:rPr lang="fr-FR" smtClean="0"/>
+              <a:t>Cinquième niveau</a:t>
+            </a:r>
+            <a:endParaRPr lang="en-US"/>
+          </a:p>
+        </p:txBody>
+      </p:sp>
+      <p:sp>
+        <p:nvSpPr>
+          <p:cNvPr id="6" name="Espace réservé du pied de page 5"/>
+          <p:cNvSpPr>
+            <a:spLocks noGrp="1"/>
+          </p:cNvSpPr>
+          <p:nvPr>
+            <p:ph type="ftr" sz="quarter" idx="4"/>
+          </p:nvPr>
+        </p:nvSpPr>
+        <p:spPr>
+          <a:xfrm>
+            <a:off x="0" y="8685213"/>
+            <a:ext cx="2971800" cy="457200"/>
+          </a:xfrm>
+          <a:prstGeom prst="rect">
+            <a:avLst/>
+          </a:prstGeom>
+        </p:spPr>
+        <p:txBody>
+          <a:bodyPr vert="horz" lIns="91440" tIns="45720" rIns="91440" bIns="45720" rtlCol="0" anchor="b"/>
+          <a:lstStyle>
+            <a:lvl1pPr algn="l">
+              <a:defRPr sz="1200"/>
+            </a:lvl1pPr>
+          </a:lstStyle>
+          <a:p>
+            <a:endParaRPr lang="en-US"/>
+          </a:p>
+        </p:txBody>
+      </p:sp>
+      <p:sp>
+        <p:nvSpPr>
+          <p:cNvPr id="7" name="Espace réservé du numéro de diapositive 6"/>
+          <p:cNvSpPr>
+            <a:spLocks noGrp="1"/>
+          </p:cNvSpPr>
+          <p:nvPr>
+            <p:ph type="sldNum" sz="quarter" idx="5"/>
+          </p:nvPr>
+        </p:nvSpPr>
+        <p:spPr>
+          <a:xfrm>
+            <a:off x="3884613" y="8685213"/>
+            <a:ext cx="2971800" cy="457200"/>
+          </a:xfrm>
+          <a:prstGeom prst="rect">
+            <a:avLst/>
+          </a:prstGeom>
+        </p:spPr>
+        <p:txBody>
+          <a:bodyPr vert="horz" lIns="91440" tIns="45720" rIns="91440" bIns="45720" rtlCol="0" anchor="b"/>
+          <a:lstStyle>
+            <a:lvl1pPr algn="r">
+              <a:defRPr sz="1200"/>
+            </a:lvl1pPr>
+          </a:lstStyle>
+          <a:p>
+            <a:fld id="{5FD45560-6E19-4C14-8F14-95FD8AEBCD9E}" type="slidenum">
+              <a:rPr lang="en-US" smtClean="0"/>
+              <a:t>‹N°›</a:t>
+            </a:fld>
+            <a:endParaRPr lang="en-US"/>
+          </a:p>
+        </p:txBody>
+      </p:sp>
+    </p:spTree>
+    <p:extLst>
+      <p:ext uri="{BB962C8B-B14F-4D97-AF65-F5344CB8AC3E}">
+        <p14:creationId xmlns:p14="http://schemas.microsoft.com/office/powerpoint/2010/main" val="285854565"/>
+      </p:ext>
+    </p:extLst>
+  </p:cSld>
+  <p:clrMap bg1="lt1" tx1="dk1" bg2="lt2" tx2="dk2" accent1="accent1" accent2="accent2" accent3="accent3" accent4="accent4" accent5="accent5" accent6="accent6" hlink="hlink" folHlink="folHlink"/>
+  <p:notesStyle>
+    <a:lvl1pPr marL="0" algn="l" defTabSz="914400" rtl="0" eaLnBrk="1" latinLnBrk="0" hangingPunct="1">
+      <a:defRPr sz="1200" kern="1200">
+        <a:solidFill>
+          <a:schemeClr val="tx1"/>
+        </a:solidFill>
+        <a:latin typeface="+mn-lt"/>
+        <a:ea typeface="+mn-ea"/>
+        <a:cs typeface="+mn-cs"/>
+      </a:defRPr>
+    </a:lvl1pPr>
+    <a:lvl2pPr marL="457200" algn="l" defTabSz="914400" rtl="0" eaLnBrk="1" latinLnBrk="0" hangingPunct="1">
+      <a:defRPr sz="1200" kern="1200">
+        <a:solidFill>
+          <a:schemeClr val="tx1"/>
+        </a:solidFill>
+        <a:latin typeface="+mn-lt"/>
+        <a:ea typeface="+mn-ea"/>
+        <a:cs typeface="+mn-cs"/>
+      </a:defRPr>
+    </a:lvl2pPr>
+    <a:lvl3pPr marL="914400" algn="l" defTabSz="914400" rtl="0" eaLnBrk="1" latinLnBrk="0" hangingPunct="1">
+      <a:defRPr sz="1200" kern="1200">
+        <a:solidFill>
+          <a:schemeClr val="tx1"/>
+        </a:solidFill>
+        <a:latin typeface="+mn-lt"/>
+        <a:ea typeface="+mn-ea"/>
+        <a:cs typeface="+mn-cs"/>
+      </a:defRPr>
+    </a:lvl3pPr>
+    <a:lvl4pPr marL="1371600" algn="l" defTabSz="914400" rtl="0" eaLnBrk="1" latinLnBrk="0" hangingPunct="1">
+      <a:defRPr sz="1200" kern="1200">
+        <a:solidFill>
+          <a:schemeClr val="tx1"/>
+        </a:solidFill>
+        <a:latin typeface="+mn-lt"/>
+        <a:ea typeface="+mn-ea"/>
+        <a:cs typeface="+mn-cs"/>
+      </a:defRPr>
+    </a:lvl4pPr>
+    <a:lvl5pPr marL="1828800" algn="l" defTabSz="914400" rtl="0" eaLnBrk="1" latinLnBrk="0" hangingPunct="1">
+      <a:defRPr sz="1200" kern="1200">
+        <a:solidFill>
+          <a:schemeClr val="tx1"/>
+        </a:solidFill>
+        <a:latin typeface="+mn-lt"/>
+        <a:ea typeface="+mn-ea"/>
+        <a:cs typeface="+mn-cs"/>
+      </a:defRPr>
+    </a:lvl5pPr>
+    <a:lvl6pPr marL="2286000" algn="l" defTabSz="914400" rtl="0" eaLnBrk="1" latinLnBrk="0" hangingPunct="1">
+      <a:defRPr sz="1200" kern="1200">
+        <a:solidFill>
+          <a:schemeClr val="tx1"/>
+        </a:solidFill>
+        <a:latin typeface="+mn-lt"/>
+        <a:ea typeface="+mn-ea"/>
+        <a:cs typeface="+mn-cs"/>
+      </a:defRPr>
+    </a:lvl6pPr>
+    <a:lvl7pPr marL="2743200" algn="l" defTabSz="914400" rtl="0" eaLnBrk="1" latinLnBrk="0" hangingPunct="1">
+      <a:defRPr sz="1200" kern="1200">
+        <a:solidFill>
+          <a:schemeClr val="tx1"/>
+        </a:solidFill>
+        <a:latin typeface="+mn-lt"/>
+        <a:ea typeface="+mn-ea"/>
+        <a:cs typeface="+mn-cs"/>
+      </a:defRPr>
+    </a:lvl7pPr>
+    <a:lvl8pPr marL="3200400" algn="l" defTabSz="914400" rtl="0" eaLnBrk="1" latinLnBrk="0" hangingPunct="1">
+      <a:defRPr sz="1200" kern="1200">
+        <a:solidFill>
+          <a:schemeClr val="tx1"/>
+        </a:solidFill>
+        <a:latin typeface="+mn-lt"/>
+        <a:ea typeface="+mn-ea"/>
+        <a:cs typeface="+mn-cs"/>
+      </a:defRPr>
+    </a:lvl8pPr>
+    <a:lvl9pPr marL="3657600" algn="l" defTabSz="914400" rtl="0" eaLnBrk="1" latinLnBrk="0" hangingPunct="1">
+      <a:defRPr sz="1200" kern="1200">
+        <a:solidFill>
+          <a:schemeClr val="tx1"/>
+        </a:solidFill>
+        <a:latin typeface="+mn-lt"/>
+        <a:ea typeface="+mn-ea"/>
+        <a:cs typeface="+mn-cs"/>
+      </a:defRPr>
+    </a:lvl9pPr>
+  </p:notesStyle>
+</p:notesMaster>
+</file>
+
 <file path=ppt/slideLayouts/slideLayout1.xml><?xml version="1.0" encoding="utf-8"?>
 <p:sldLayout xmlns:a="http://schemas.openxmlformats.org/drawingml/2006/main" xmlns:r="http://schemas.openxmlformats.org/officeDocument/2006/relationships" xmlns:p="http://schemas.openxmlformats.org/presentationml/2006/main" type="title" preserve="1">
   <p:cSld name="Diapositive de titre">
@@ -144,7 +497,7 @@
       </p:grpSpPr>
       <p:sp>
         <p:nvSpPr>
-          <p:cNvPr id="2" name="Titre 1"/>
+          <p:cNvPr id="14" name="Titre 13"/>
           <p:cNvSpPr>
             <a:spLocks noGrp="1"/>
           </p:cNvSpPr>
@@ -154,25 +507,30 @@
         </p:nvSpPr>
         <p:spPr>
           <a:xfrm>
-            <a:off x="685800" y="2130425"/>
-            <a:ext cx="7772400" cy="1470025"/>
+            <a:off x="1432560" y="359898"/>
+            <a:ext cx="7406640" cy="1472184"/>
           </a:xfrm>
         </p:spPr>
         <p:txBody>
-          <a:bodyPr/>
-          <a:lstStyle/>
-          <a:p>
-            <a:r>
-              <a:rPr lang="fr-FR" smtClean="0"/>
-              <a:t>Cliquez et modifiez le titre</a:t>
-            </a:r>
-            <a:endParaRPr lang="fr-FR"/>
-          </a:p>
-        </p:txBody>
-      </p:sp>
-      <p:sp>
-        <p:nvSpPr>
-          <p:cNvPr id="3" name="Sous-titre 2"/>
+          <a:bodyPr anchor="b"/>
+          <a:lstStyle>
+            <a:lvl1pPr algn="l">
+              <a:defRPr/>
+            </a:lvl1pPr>
+            <a:extLst/>
+          </a:lstStyle>
+          <a:p>
+            <a:r>
+              <a:rPr kumimoji="0" lang="fr-FR" smtClean="0"/>
+              <a:t>Modifiez le style du titre</a:t>
+            </a:r>
+            <a:endParaRPr kumimoji="0" lang="en-US"/>
+          </a:p>
+        </p:txBody>
+      </p:sp>
+      <p:sp>
+        <p:nvSpPr>
+          <p:cNvPr id="22" name="Sous-titre 21"/>
           <p:cNvSpPr>
             <a:spLocks noGrp="1"/>
           </p:cNvSpPr>
@@ -182,131 +540,79 @@
         </p:nvSpPr>
         <p:spPr>
           <a:xfrm>
-            <a:off x="1371600" y="3886200"/>
-            <a:ext cx="6400800" cy="1752600"/>
+            <a:off x="1432560" y="1850064"/>
+            <a:ext cx="7406640" cy="1752600"/>
           </a:xfrm>
         </p:spPr>
         <p:txBody>
-          <a:bodyPr/>
+          <a:bodyPr tIns="0"/>
           <a:lstStyle>
-            <a:lvl1pPr marL="0" indent="0" algn="ctr">
+            <a:lvl1pPr marL="27432" indent="0" algn="l">
               <a:buNone/>
-              <a:defRPr>
+              <a:defRPr sz="2600">
                 <a:solidFill>
-                  <a:schemeClr val="tx1">
-                    <a:tint val="75000"/>
+                  <a:schemeClr val="tx2">
+                    <a:shade val="30000"/>
+                    <a:satMod val="150000"/>
                   </a:schemeClr>
                 </a:solidFill>
               </a:defRPr>
             </a:lvl1pPr>
             <a:lvl2pPr marL="457200" indent="0" algn="ctr">
               <a:buNone/>
-              <a:defRPr>
-                <a:solidFill>
-                  <a:schemeClr val="tx1">
-                    <a:tint val="75000"/>
-                  </a:schemeClr>
-                </a:solidFill>
-              </a:defRPr>
             </a:lvl2pPr>
             <a:lvl3pPr marL="914400" indent="0" algn="ctr">
               <a:buNone/>
-              <a:defRPr>
-                <a:solidFill>
-                  <a:schemeClr val="tx1">
-                    <a:tint val="75000"/>
-                  </a:schemeClr>
-                </a:solidFill>
-              </a:defRPr>
             </a:lvl3pPr>
             <a:lvl4pPr marL="1371600" indent="0" algn="ctr">
               <a:buNone/>
-              <a:defRPr>
-                <a:solidFill>
-                  <a:schemeClr val="tx1">
-                    <a:tint val="75000"/>
-                  </a:schemeClr>
-                </a:solidFill>
-              </a:defRPr>
             </a:lvl4pPr>
             <a:lvl5pPr marL="1828800" indent="0" algn="ctr">
               <a:buNone/>
-              <a:defRPr>
-                <a:solidFill>
-                  <a:schemeClr val="tx1">
-                    <a:tint val="75000"/>
-                  </a:schemeClr>
-                </a:solidFill>
-              </a:defRPr>
             </a:lvl5pPr>
             <a:lvl6pPr marL="2286000" indent="0" algn="ctr">
               <a:buNone/>
-              <a:defRPr>
-                <a:solidFill>
-                  <a:schemeClr val="tx1">
-                    <a:tint val="75000"/>
-                  </a:schemeClr>
-                </a:solidFill>
-              </a:defRPr>
             </a:lvl6pPr>
             <a:lvl7pPr marL="2743200" indent="0" algn="ctr">
               <a:buNone/>
-              <a:defRPr>
-                <a:solidFill>
-                  <a:schemeClr val="tx1">
-                    <a:tint val="75000"/>
-                  </a:schemeClr>
-                </a:solidFill>
-              </a:defRPr>
             </a:lvl7pPr>
             <a:lvl8pPr marL="3200400" indent="0" algn="ctr">
               <a:buNone/>
-              <a:defRPr>
-                <a:solidFill>
-                  <a:schemeClr val="tx1">
-                    <a:tint val="75000"/>
-                  </a:schemeClr>
-                </a:solidFill>
-              </a:defRPr>
             </a:lvl8pPr>
             <a:lvl9pPr marL="3657600" indent="0" algn="ctr">
               <a:buNone/>
-              <a:defRPr>
-                <a:solidFill>
-                  <a:schemeClr val="tx1">
-                    <a:tint val="75000"/>
-                  </a:schemeClr>
-                </a:solidFill>
-              </a:defRPr>
             </a:lvl9pPr>
+            <a:extLst/>
           </a:lstStyle>
           <a:p>
             <a:r>
+              <a:rPr kumimoji="0" lang="fr-FR" smtClean="0"/>
+              <a:t>Modifiez le style des sous-titres du masque</a:t>
+            </a:r>
+            <a:endParaRPr kumimoji="0" lang="en-US"/>
+          </a:p>
+        </p:txBody>
+      </p:sp>
+      <p:sp>
+        <p:nvSpPr>
+          <p:cNvPr id="7" name="Espace réservé de la date 6"/>
+          <p:cNvSpPr>
+            <a:spLocks noGrp="1"/>
+          </p:cNvSpPr>
+          <p:nvPr>
+            <p:ph type="dt" sz="half" idx="10"/>
+          </p:nvPr>
+        </p:nvSpPr>
+        <p:spPr/>
+        <p:txBody>
+          <a:bodyPr/>
+          <a:lstStyle>
+            <a:extLst/>
+          </a:lstStyle>
+          <a:p>
+            <a:fld id="{77E1785E-86A1-4968-BEFA-2620FBAACD83}" type="datetime1">
               <a:rPr lang="fr-FR" smtClean="0"/>
-              <a:t>Cliquez pour modifier le style des sous-titres du masque</a:t>
-            </a:r>
-            <a:endParaRPr lang="fr-FR"/>
-          </a:p>
-        </p:txBody>
-      </p:sp>
-      <p:sp>
-        <p:nvSpPr>
-          <p:cNvPr id="4" name="Espace réservé de la date 3"/>
-          <p:cNvSpPr>
-            <a:spLocks noGrp="1"/>
-          </p:cNvSpPr>
-          <p:nvPr>
-            <p:ph type="dt" sz="half" idx="10"/>
-          </p:nvPr>
-        </p:nvSpPr>
-        <p:spPr/>
-        <p:txBody>
-          <a:bodyPr/>
-          <a:lstStyle/>
-          <a:p>
-            <a:fld id="{E330F08A-8E59-6B4E-A444-1A1858DF76C2}" type="datetimeFigureOut">
-              <a:rPr lang="fr-FR" smtClean="0"/>
-              <a:t>17/10/2016</a:t>
+              <a:t>18/10/2016</a:t>
             </a:fld>
             <a:endParaRPr lang="fr-FR"/>
           </a:p>
@@ -314,7 +620,7 @@
       </p:sp>
       <p:sp>
         <p:nvSpPr>
-          <p:cNvPr id="5" name="Espace réservé du pied de page 4"/>
+          <p:cNvPr id="20" name="Espace réservé du pied de page 19"/>
           <p:cNvSpPr>
             <a:spLocks noGrp="1"/>
           </p:cNvSpPr>
@@ -325,7 +631,9 @@
         <p:spPr/>
         <p:txBody>
           <a:bodyPr/>
-          <a:lstStyle/>
+          <a:lstStyle>
+            <a:extLst/>
+          </a:lstStyle>
           <a:p>
             <a:endParaRPr lang="fr-FR"/>
           </a:p>
@@ -333,7 +641,7 @@
       </p:sp>
       <p:sp>
         <p:nvSpPr>
-          <p:cNvPr id="6" name="Espace réservé du numéro de diapositive 5"/>
+          <p:cNvPr id="10" name="Espace réservé du numéro de diapositive 9"/>
           <p:cNvSpPr>
             <a:spLocks noGrp="1"/>
           </p:cNvSpPr>
@@ -344,26 +652,168 @@
         <p:spPr/>
         <p:txBody>
           <a:bodyPr/>
-          <a:lstStyle/>
+          <a:lstStyle>
+            <a:extLst/>
+          </a:lstStyle>
           <a:p>
             <a:fld id="{056E17D1-6463-6D4A-A6B9-487EB10F22E4}" type="slidenum">
               <a:rPr lang="fr-FR" smtClean="0"/>
-              <a:t>‹#›</a:t>
+              <a:t>‹N°›</a:t>
             </a:fld>
             <a:endParaRPr lang="fr-FR"/>
           </a:p>
         </p:txBody>
       </p:sp>
+      <p:sp>
+        <p:nvSpPr>
+          <p:cNvPr id="8" name="Ellipse 7"/>
+          <p:cNvSpPr/>
+          <p:nvPr/>
+        </p:nvSpPr>
+        <p:spPr>
+          <a:xfrm>
+            <a:off x="921433" y="1413802"/>
+            <a:ext cx="210312" cy="210312"/>
+          </a:xfrm>
+          <a:prstGeom prst="ellipse">
+            <a:avLst/>
+          </a:prstGeom>
+          <a:gradFill rotWithShape="1">
+            <a:gsLst>
+              <a:gs pos="0">
+                <a:schemeClr val="accent1">
+                  <a:tint val="20000"/>
+                  <a:satMod val="450000"/>
+                  <a:alpha val="95000"/>
+                </a:schemeClr>
+              </a:gs>
+              <a:gs pos="50000">
+                <a:schemeClr val="accent1">
+                  <a:tint val="38000"/>
+                  <a:satMod val="250000"/>
+                  <a:alpha val="90000"/>
+                </a:schemeClr>
+              </a:gs>
+              <a:gs pos="95000">
+                <a:schemeClr val="accent1">
+                  <a:tint val="75000"/>
+                  <a:satMod val="255000"/>
+                  <a:alpha val="88000"/>
+                </a:schemeClr>
+              </a:gs>
+              <a:gs pos="100000">
+                <a:schemeClr val="accent1">
+                  <a:tint val="100000"/>
+                  <a:shade val="90000"/>
+                  <a:satMod val="255000"/>
+                  <a:alpha val="85000"/>
+                </a:schemeClr>
+              </a:gs>
+            </a:gsLst>
+            <a:path path="circle">
+              <a:fillToRect l="25000" t="12500" r="75000" b="87500"/>
+            </a:path>
+          </a:gradFill>
+          <a:ln w="2000" cap="rnd" cmpd="sng" algn="ctr">
+            <a:solidFill>
+              <a:schemeClr val="accent1">
+                <a:shade val="90000"/>
+                <a:satMod val="110000"/>
+                <a:alpha val="60000"/>
+              </a:schemeClr>
+            </a:solidFill>
+            <a:prstDash val="solid"/>
+          </a:ln>
+          <a:effectLst/>
+        </p:spPr>
+        <p:style>
+          <a:lnRef idx="1">
+            <a:schemeClr val="accent1"/>
+          </a:lnRef>
+          <a:fillRef idx="2">
+            <a:schemeClr val="accent1"/>
+          </a:fillRef>
+          <a:effectRef idx="1">
+            <a:schemeClr val="accent1"/>
+          </a:effectRef>
+          <a:fontRef idx="minor">
+            <a:schemeClr val="dk1"/>
+          </a:fontRef>
+        </p:style>
+        <p:txBody>
+          <a:bodyPr anchor="ctr"/>
+          <a:lstStyle>
+            <a:extLst/>
+          </a:lstStyle>
+          <a:p>
+            <a:pPr algn="ctr" eaLnBrk="1" latinLnBrk="0" hangingPunct="1"/>
+            <a:endParaRPr kumimoji="0" lang="en-US"/>
+          </a:p>
+        </p:txBody>
+      </p:sp>
+      <p:sp>
+        <p:nvSpPr>
+          <p:cNvPr id="9" name="Ellipse 8"/>
+          <p:cNvSpPr/>
+          <p:nvPr/>
+        </p:nvSpPr>
+        <p:spPr>
+          <a:xfrm>
+            <a:off x="1157176" y="1345016"/>
+            <a:ext cx="64008" cy="64008"/>
+          </a:xfrm>
+          <a:prstGeom prst="ellipse">
+            <a:avLst/>
+          </a:prstGeom>
+          <a:noFill/>
+          <a:ln w="12700" cap="rnd" cmpd="sng" algn="ctr">
+            <a:solidFill>
+              <a:schemeClr val="accent1">
+                <a:shade val="75000"/>
+                <a:alpha val="60000"/>
+              </a:schemeClr>
+            </a:solidFill>
+            <a:prstDash val="solid"/>
+          </a:ln>
+          <a:effectLst/>
+        </p:spPr>
+        <p:style>
+          <a:lnRef idx="1">
+            <a:schemeClr val="accent1"/>
+          </a:lnRef>
+          <a:fillRef idx="2">
+            <a:schemeClr val="accent1"/>
+          </a:fillRef>
+          <a:effectRef idx="1">
+            <a:schemeClr val="accent1"/>
+          </a:effectRef>
+          <a:fontRef idx="minor">
+            <a:schemeClr val="dk1"/>
+          </a:fontRef>
+        </p:style>
+        <p:txBody>
+          <a:bodyPr anchor="ctr"/>
+          <a:lstStyle>
+            <a:extLst/>
+          </a:lstStyle>
+          <a:p>
+            <a:pPr algn="ctr" eaLnBrk="1" latinLnBrk="0" hangingPunct="1"/>
+            <a:endParaRPr kumimoji="0" lang="en-US"/>
+          </a:p>
+        </p:txBody>
+      </p:sp>
     </p:spTree>
-    <p:extLst>
-      <p:ext uri="{BB962C8B-B14F-4D97-AF65-F5344CB8AC3E}">
-        <p14:creationId xmlns:p14="http://schemas.microsoft.com/office/powerpoint/2010/main" val="4245748569"/>
-      </p:ext>
-    </p:extLst>
   </p:cSld>
   <p:clrMapOvr>
     <a:masterClrMapping/>
   </p:clrMapOvr>
+  <p:timing>
+    <p:tnLst>
+      <p:par>
+        <p:cTn id="1" dur="indefinite" restart="never" nodeType="tmRoot"/>
+      </p:par>
+    </p:tnLst>
+  </p:timing>
 </p:sldLayout>
 </file>
 
@@ -397,65 +847,69 @@
         <p:spPr/>
         <p:txBody>
           <a:bodyPr/>
-          <a:lstStyle/>
-          <a:p>
+          <a:lstStyle>
+            <a:extLst/>
+          </a:lstStyle>
+          <a:p>
+            <a:r>
+              <a:rPr kumimoji="0" lang="fr-FR" smtClean="0"/>
+              <a:t>Modifiez le style du titre</a:t>
+            </a:r>
+            <a:endParaRPr kumimoji="0" lang="en-US"/>
+          </a:p>
+        </p:txBody>
+      </p:sp>
+      <p:sp>
+        <p:nvSpPr>
+          <p:cNvPr id="3" name="Espace réservé du texte vertical 2"/>
+          <p:cNvSpPr>
+            <a:spLocks noGrp="1"/>
+          </p:cNvSpPr>
+          <p:nvPr>
+            <p:ph type="body" orient="vert" idx="1"/>
+          </p:nvPr>
+        </p:nvSpPr>
+        <p:spPr/>
+        <p:txBody>
+          <a:bodyPr vert="eaVert"/>
+          <a:lstStyle>
+            <a:extLst/>
+          </a:lstStyle>
+          <a:p>
+            <a:pPr lvl="0" eaLnBrk="1" latinLnBrk="0" hangingPunct="1"/>
             <a:r>
               <a:rPr lang="fr-FR" smtClean="0"/>
-              <a:t>Cliquez et modifiez le titre</a:t>
-            </a:r>
-            <a:endParaRPr lang="fr-FR"/>
-          </a:p>
-        </p:txBody>
-      </p:sp>
-      <p:sp>
-        <p:nvSpPr>
-          <p:cNvPr id="3" name="Espace réservé du texte vertical 2"/>
-          <p:cNvSpPr>
-            <a:spLocks noGrp="1"/>
-          </p:cNvSpPr>
-          <p:nvPr>
-            <p:ph type="body" orient="vert" idx="1"/>
-          </p:nvPr>
-        </p:nvSpPr>
-        <p:spPr/>
-        <p:txBody>
-          <a:bodyPr vert="eaVert"/>
-          <a:lstStyle/>
-          <a:p>
-            <a:pPr lvl="0"/>
-            <a:r>
-              <a:rPr lang="fr-FR" smtClean="0"/>
-              <a:t>Cliquez pour modifier les styles du texte du masque</a:t>
-            </a:r>
-          </a:p>
-          <a:p>
-            <a:pPr lvl="1"/>
+              <a:t>Modifiez les styles du texte du masque</a:t>
+            </a:r>
+          </a:p>
+          <a:p>
+            <a:pPr lvl="1" eaLnBrk="1" latinLnBrk="0" hangingPunct="1"/>
             <a:r>
               <a:rPr lang="fr-FR" smtClean="0"/>
               <a:t>Deuxième niveau</a:t>
             </a:r>
           </a:p>
           <a:p>
-            <a:pPr lvl="2"/>
+            <a:pPr lvl="2" eaLnBrk="1" latinLnBrk="0" hangingPunct="1"/>
             <a:r>
               <a:rPr lang="fr-FR" smtClean="0"/>
               <a:t>Troisième niveau</a:t>
             </a:r>
           </a:p>
           <a:p>
-            <a:pPr lvl="3"/>
+            <a:pPr lvl="3" eaLnBrk="1" latinLnBrk="0" hangingPunct="1"/>
             <a:r>
               <a:rPr lang="fr-FR" smtClean="0"/>
               <a:t>Quatrième niveau</a:t>
             </a:r>
           </a:p>
           <a:p>
-            <a:pPr lvl="4"/>
+            <a:pPr lvl="4" eaLnBrk="1" latinLnBrk="0" hangingPunct="1"/>
             <a:r>
               <a:rPr lang="fr-FR" smtClean="0"/>
               <a:t>Cinquième niveau</a:t>
             </a:r>
-            <a:endParaRPr lang="fr-FR"/>
+            <a:endParaRPr kumimoji="0" lang="en-US"/>
           </a:p>
         </p:txBody>
       </p:sp>
@@ -472,11 +926,13 @@
         <p:spPr/>
         <p:txBody>
           <a:bodyPr/>
-          <a:lstStyle/>
-          <a:p>
-            <a:fld id="{E330F08A-8E59-6B4E-A444-1A1858DF76C2}" type="datetimeFigureOut">
+          <a:lstStyle>
+            <a:extLst/>
+          </a:lstStyle>
+          <a:p>
+            <a:fld id="{323E60E4-CC5D-47B2-9BB7-2DC9B001C945}" type="datetime1">
               <a:rPr lang="fr-FR" smtClean="0"/>
-              <a:t>17/10/2016</a:t>
+              <a:t>18/10/2016</a:t>
             </a:fld>
             <a:endParaRPr lang="fr-FR"/>
           </a:p>
@@ -495,7 +951,9 @@
         <p:spPr/>
         <p:txBody>
           <a:bodyPr/>
-          <a:lstStyle/>
+          <a:lstStyle>
+            <a:extLst/>
+          </a:lstStyle>
           <a:p>
             <a:endParaRPr lang="fr-FR"/>
           </a:p>
@@ -514,22 +972,19 @@
         <p:spPr/>
         <p:txBody>
           <a:bodyPr/>
-          <a:lstStyle/>
+          <a:lstStyle>
+            <a:extLst/>
+          </a:lstStyle>
           <a:p>
             <a:fld id="{056E17D1-6463-6D4A-A6B9-487EB10F22E4}" type="slidenum">
               <a:rPr lang="fr-FR" smtClean="0"/>
-              <a:t>‹#›</a:t>
+              <a:t>‹N°›</a:t>
             </a:fld>
             <a:endParaRPr lang="fr-FR"/>
           </a:p>
         </p:txBody>
       </p:sp>
     </p:spTree>
-    <p:extLst>
-      <p:ext uri="{BB962C8B-B14F-4D97-AF65-F5344CB8AC3E}">
-        <p14:creationId xmlns:p14="http://schemas.microsoft.com/office/powerpoint/2010/main" val="2039620399"/>
-      </p:ext>
-    </p:extLst>
   </p:cSld>
   <p:clrMapOvr>
     <a:masterClrMapping/>
@@ -566,19 +1021,21 @@
         </p:nvSpPr>
         <p:spPr>
           <a:xfrm>
-            <a:off x="6629400" y="274638"/>
-            <a:ext cx="2057400" cy="5851525"/>
+            <a:off x="6858000" y="274639"/>
+            <a:ext cx="1828800" cy="5851525"/>
           </a:xfrm>
         </p:spPr>
         <p:txBody>
           <a:bodyPr vert="eaVert"/>
-          <a:lstStyle/>
-          <a:p>
-            <a:r>
-              <a:rPr lang="fr-FR" smtClean="0"/>
-              <a:t>Cliquez et modifiez le titre</a:t>
-            </a:r>
-            <a:endParaRPr lang="fr-FR"/>
+          <a:lstStyle>
+            <a:extLst/>
+          </a:lstStyle>
+          <a:p>
+            <a:r>
+              <a:rPr kumimoji="0" lang="fr-FR" smtClean="0"/>
+              <a:t>Modifiez le style du titre</a:t>
+            </a:r>
+            <a:endParaRPr kumimoji="0" lang="en-US"/>
           </a:p>
         </p:txBody>
       </p:sp>
@@ -594,48 +1051,50 @@
         </p:nvSpPr>
         <p:spPr>
           <a:xfrm>
-            <a:off x="457200" y="274638"/>
-            <a:ext cx="6019800" cy="5851525"/>
+            <a:off x="1143000" y="274640"/>
+            <a:ext cx="5562600" cy="5851525"/>
           </a:xfrm>
         </p:spPr>
         <p:txBody>
           <a:bodyPr vert="eaVert"/>
-          <a:lstStyle/>
-          <a:p>
-            <a:pPr lvl="0"/>
+          <a:lstStyle>
+            <a:extLst/>
+          </a:lstStyle>
+          <a:p>
+            <a:pPr lvl="0" eaLnBrk="1" latinLnBrk="0" hangingPunct="1"/>
             <a:r>
               <a:rPr lang="fr-FR" smtClean="0"/>
-              <a:t>Cliquez pour modifier les styles du texte du masque</a:t>
-            </a:r>
-          </a:p>
-          <a:p>
-            <a:pPr lvl="1"/>
+              <a:t>Modifiez les styles du texte du masque</a:t>
+            </a:r>
+          </a:p>
+          <a:p>
+            <a:pPr lvl="1" eaLnBrk="1" latinLnBrk="0" hangingPunct="1"/>
             <a:r>
               <a:rPr lang="fr-FR" smtClean="0"/>
               <a:t>Deuxième niveau</a:t>
             </a:r>
           </a:p>
           <a:p>
-            <a:pPr lvl="2"/>
+            <a:pPr lvl="2" eaLnBrk="1" latinLnBrk="0" hangingPunct="1"/>
             <a:r>
               <a:rPr lang="fr-FR" smtClean="0"/>
               <a:t>Troisième niveau</a:t>
             </a:r>
           </a:p>
           <a:p>
-            <a:pPr lvl="3"/>
+            <a:pPr lvl="3" eaLnBrk="1" latinLnBrk="0" hangingPunct="1"/>
             <a:r>
               <a:rPr lang="fr-FR" smtClean="0"/>
               <a:t>Quatrième niveau</a:t>
             </a:r>
           </a:p>
           <a:p>
-            <a:pPr lvl="4"/>
+            <a:pPr lvl="4" eaLnBrk="1" latinLnBrk="0" hangingPunct="1"/>
             <a:r>
               <a:rPr lang="fr-FR" smtClean="0"/>
               <a:t>Cinquième niveau</a:t>
             </a:r>
-            <a:endParaRPr lang="fr-FR"/>
+            <a:endParaRPr kumimoji="0" lang="en-US"/>
           </a:p>
         </p:txBody>
       </p:sp>
@@ -652,11 +1111,13 @@
         <p:spPr/>
         <p:txBody>
           <a:bodyPr/>
-          <a:lstStyle/>
-          <a:p>
-            <a:fld id="{E330F08A-8E59-6B4E-A444-1A1858DF76C2}" type="datetimeFigureOut">
+          <a:lstStyle>
+            <a:extLst/>
+          </a:lstStyle>
+          <a:p>
+            <a:fld id="{4DB31260-1937-47E1-BCE8-5D9984F2A6EF}" type="datetime1">
               <a:rPr lang="fr-FR" smtClean="0"/>
-              <a:t>17/10/2016</a:t>
+              <a:t>18/10/2016</a:t>
             </a:fld>
             <a:endParaRPr lang="fr-FR"/>
           </a:p>
@@ -675,7 +1136,9 @@
         <p:spPr/>
         <p:txBody>
           <a:bodyPr/>
-          <a:lstStyle/>
+          <a:lstStyle>
+            <a:extLst/>
+          </a:lstStyle>
           <a:p>
             <a:endParaRPr lang="fr-FR"/>
           </a:p>
@@ -694,22 +1157,19 @@
         <p:spPr/>
         <p:txBody>
           <a:bodyPr/>
-          <a:lstStyle/>
+          <a:lstStyle>
+            <a:extLst/>
+          </a:lstStyle>
           <a:p>
             <a:fld id="{056E17D1-6463-6D4A-A6B9-487EB10F22E4}" type="slidenum">
               <a:rPr lang="fr-FR" smtClean="0"/>
-              <a:t>‹#›</a:t>
+              <a:t>‹N°›</a:t>
             </a:fld>
             <a:endParaRPr lang="fr-FR"/>
           </a:p>
         </p:txBody>
       </p:sp>
     </p:spTree>
-    <p:extLst>
-      <p:ext uri="{BB962C8B-B14F-4D97-AF65-F5344CB8AC3E}">
-        <p14:creationId xmlns:p14="http://schemas.microsoft.com/office/powerpoint/2010/main" val="1930417520"/>
-      </p:ext>
-    </p:extLst>
   </p:cSld>
   <p:clrMapOvr>
     <a:masterClrMapping/>
@@ -747,149 +1207,165 @@
         <p:spPr/>
         <p:txBody>
           <a:bodyPr/>
-          <a:lstStyle/>
-          <a:p>
+          <a:lstStyle>
+            <a:extLst/>
+          </a:lstStyle>
+          <a:p>
+            <a:r>
+              <a:rPr kumimoji="0" lang="fr-FR" smtClean="0"/>
+              <a:t>Modifiez le style du titre</a:t>
+            </a:r>
+            <a:endParaRPr kumimoji="0" lang="en-US"/>
+          </a:p>
+        </p:txBody>
+      </p:sp>
+      <p:sp>
+        <p:nvSpPr>
+          <p:cNvPr id="3" name="Espace réservé du contenu 2"/>
+          <p:cNvSpPr>
+            <a:spLocks noGrp="1"/>
+          </p:cNvSpPr>
+          <p:nvPr>
+            <p:ph idx="1"/>
+          </p:nvPr>
+        </p:nvSpPr>
+        <p:spPr/>
+        <p:txBody>
+          <a:bodyPr/>
+          <a:lstStyle>
+            <a:extLst/>
+          </a:lstStyle>
+          <a:p>
+            <a:pPr lvl="0" eaLnBrk="1" latinLnBrk="0" hangingPunct="1"/>
             <a:r>
               <a:rPr lang="fr-FR" smtClean="0"/>
-              <a:t>Cliquez et modifiez le titre</a:t>
-            </a:r>
-            <a:endParaRPr lang="fr-FR"/>
-          </a:p>
-        </p:txBody>
-      </p:sp>
-      <p:sp>
-        <p:nvSpPr>
-          <p:cNvPr id="3" name="Espace réservé du contenu 2"/>
-          <p:cNvSpPr>
-            <a:spLocks noGrp="1"/>
-          </p:cNvSpPr>
-          <p:nvPr>
-            <p:ph idx="1"/>
-          </p:nvPr>
-        </p:nvSpPr>
-        <p:spPr/>
-        <p:txBody>
-          <a:bodyPr/>
-          <a:lstStyle/>
-          <a:p>
-            <a:pPr lvl="0"/>
-            <a:r>
-              <a:rPr lang="fr-FR" smtClean="0"/>
-              <a:t>Cliquez pour modifier les styles du texte du masque</a:t>
-            </a:r>
-          </a:p>
-          <a:p>
-            <a:pPr lvl="1"/>
+              <a:t>Modifiez les styles du texte du masque</a:t>
+            </a:r>
+          </a:p>
+          <a:p>
+            <a:pPr lvl="1" eaLnBrk="1" latinLnBrk="0" hangingPunct="1"/>
             <a:r>
               <a:rPr lang="fr-FR" smtClean="0"/>
               <a:t>Deuxième niveau</a:t>
             </a:r>
           </a:p>
           <a:p>
-            <a:pPr lvl="2"/>
+            <a:pPr lvl="2" eaLnBrk="1" latinLnBrk="0" hangingPunct="1"/>
             <a:r>
               <a:rPr lang="fr-FR" smtClean="0"/>
               <a:t>Troisième niveau</a:t>
             </a:r>
           </a:p>
           <a:p>
-            <a:pPr lvl="3"/>
+            <a:pPr lvl="3" eaLnBrk="1" latinLnBrk="0" hangingPunct="1"/>
             <a:r>
               <a:rPr lang="fr-FR" smtClean="0"/>
               <a:t>Quatrième niveau</a:t>
             </a:r>
           </a:p>
           <a:p>
-            <a:pPr lvl="4"/>
+            <a:pPr lvl="4" eaLnBrk="1" latinLnBrk="0" hangingPunct="1"/>
             <a:r>
               <a:rPr lang="fr-FR" smtClean="0"/>
               <a:t>Cinquième niveau</a:t>
             </a:r>
-            <a:endParaRPr lang="fr-FR"/>
-          </a:p>
-        </p:txBody>
-      </p:sp>
-      <p:sp>
-        <p:nvSpPr>
-          <p:cNvPr id="4" name="Espace réservé de la date 3"/>
-          <p:cNvSpPr>
-            <a:spLocks noGrp="1"/>
-          </p:cNvSpPr>
-          <p:nvPr>
-            <p:ph type="dt" sz="half" idx="10"/>
+            <a:endParaRPr kumimoji="0" lang="en-US"/>
+          </a:p>
+        </p:txBody>
+      </p:sp>
+      <p:sp>
+        <p:nvSpPr>
+          <p:cNvPr id="5" name="Espace réservé du pied de page 4"/>
+          <p:cNvSpPr>
+            <a:spLocks noGrp="1"/>
+          </p:cNvSpPr>
+          <p:nvPr>
+            <p:ph type="ftr" sz="quarter" idx="11"/>
+          </p:nvPr>
+        </p:nvSpPr>
+        <p:spPr>
+          <a:xfrm>
+            <a:off x="2941674" y="6549656"/>
+            <a:ext cx="4947683" cy="310112"/>
+          </a:xfrm>
+        </p:spPr>
+        <p:txBody>
+          <a:bodyPr/>
+          <a:lstStyle>
+            <a:extLst/>
+          </a:lstStyle>
+          <a:p>
+            <a:r>
+              <a:rPr lang="fr-FR" dirty="0" smtClean="0"/>
+              <a:t>Initiation à R – </a:t>
+            </a:r>
+            <a:r>
+              <a:rPr lang="fr-FR" dirty="0" err="1" smtClean="0"/>
+              <a:t>CentraleSupelec</a:t>
+            </a:r>
+            <a:r>
+              <a:rPr lang="fr-FR" dirty="0" smtClean="0"/>
+              <a:t> – </a:t>
+            </a:r>
+            <a:r>
+              <a:rPr lang="fr-FR" dirty="0" err="1" smtClean="0"/>
+              <a:t>J.Guégan</a:t>
+            </a:r>
+            <a:r>
+              <a:rPr lang="fr-FR" dirty="0" smtClean="0"/>
+              <a:t> – </a:t>
+            </a:r>
+            <a:r>
+              <a:rPr lang="fr-FR" dirty="0" err="1" smtClean="0"/>
+              <a:t>G.Meurice</a:t>
+            </a:r>
+            <a:endParaRPr lang="fr-FR" dirty="0"/>
+          </a:p>
+        </p:txBody>
+      </p:sp>
+      <p:sp>
+        <p:nvSpPr>
+          <p:cNvPr id="6" name="Espace réservé du numéro de diapositive 5"/>
+          <p:cNvSpPr>
+            <a:spLocks noGrp="1"/>
+          </p:cNvSpPr>
+          <p:nvPr>
+            <p:ph type="sldNum" sz="quarter" idx="12"/>
           </p:nvPr>
         </p:nvSpPr>
         <p:spPr/>
         <p:txBody>
           <a:bodyPr/>
-          <a:lstStyle/>
-          <a:p>
-            <a:fld id="{E330F08A-8E59-6B4E-A444-1A1858DF76C2}" type="datetimeFigureOut">
+          <a:lstStyle>
+            <a:extLst/>
+          </a:lstStyle>
+          <a:p>
+            <a:fld id="{056E17D1-6463-6D4A-A6B9-487EB10F22E4}" type="slidenum">
               <a:rPr lang="fr-FR" smtClean="0"/>
-              <a:t>17/10/2016</a:t>
+              <a:t>‹N°›</a:t>
             </a:fld>
             <a:endParaRPr lang="fr-FR"/>
           </a:p>
         </p:txBody>
       </p:sp>
-      <p:sp>
-        <p:nvSpPr>
-          <p:cNvPr id="5" name="Espace réservé du pied de page 4"/>
-          <p:cNvSpPr>
-            <a:spLocks noGrp="1"/>
-          </p:cNvSpPr>
-          <p:nvPr>
-            <p:ph type="ftr" sz="quarter" idx="11"/>
-          </p:nvPr>
-        </p:nvSpPr>
-        <p:spPr/>
-        <p:txBody>
-          <a:bodyPr/>
-          <a:lstStyle/>
-          <a:p>
-            <a:endParaRPr lang="fr-FR"/>
-          </a:p>
-        </p:txBody>
-      </p:sp>
-      <p:sp>
-        <p:nvSpPr>
-          <p:cNvPr id="6" name="Espace réservé du numéro de diapositive 5"/>
-          <p:cNvSpPr>
-            <a:spLocks noGrp="1"/>
-          </p:cNvSpPr>
-          <p:nvPr>
-            <p:ph type="sldNum" sz="quarter" idx="12"/>
-          </p:nvPr>
-        </p:nvSpPr>
-        <p:spPr/>
-        <p:txBody>
-          <a:bodyPr/>
-          <a:lstStyle/>
-          <a:p>
-            <a:fld id="{056E17D1-6463-6D4A-A6B9-487EB10F22E4}" type="slidenum">
-              <a:rPr lang="fr-FR" smtClean="0"/>
-              <a:t>‹#›</a:t>
-            </a:fld>
-            <a:endParaRPr lang="fr-FR"/>
-          </a:p>
-        </p:txBody>
-      </p:sp>
     </p:spTree>
-    <p:extLst>
-      <p:ext uri="{BB962C8B-B14F-4D97-AF65-F5344CB8AC3E}">
-        <p14:creationId xmlns:p14="http://schemas.microsoft.com/office/powerpoint/2010/main" val="860586442"/>
-      </p:ext>
-    </p:extLst>
   </p:cSld>
   <p:clrMapOvr>
     <a:masterClrMapping/>
   </p:clrMapOvr>
+  <p:timing>
+    <p:tnLst>
+      <p:par>
+        <p:cTn id="1" dur="indefinite" restart="never" nodeType="tmRoot"/>
+      </p:par>
+    </p:tnLst>
+  </p:timing>
 </p:sldLayout>
 </file>
 
 <file path=ppt/slideLayouts/slideLayout3.xml><?xml version="1.0" encoding="utf-8"?>
-<p:sldLayout xmlns:a="http://schemas.openxmlformats.org/drawingml/2006/main" xmlns:r="http://schemas.openxmlformats.org/officeDocument/2006/relationships" xmlns:p="http://schemas.openxmlformats.org/presentationml/2006/main" type="secHead" preserve="1">
-  <p:cSld name="En-tête de section">
+<p:sldLayout xmlns:a="http://schemas.openxmlformats.org/drawingml/2006/main" xmlns:r="http://schemas.openxmlformats.org/officeDocument/2006/relationships" xmlns:p="http://schemas.openxmlformats.org/presentationml/2006/main" showMasterSp="0" type="secHead" preserve="1">
+  <p:cSld name="Titre de section">
     <p:spTree>
       <p:nvGrpSpPr>
         <p:cNvPr id="1" name=""/>
@@ -906,33 +1382,86 @@
       </p:grpSpPr>
       <p:sp>
         <p:nvSpPr>
-          <p:cNvPr id="2" name="Titre 1"/>
-          <p:cNvSpPr>
-            <a:spLocks noGrp="1"/>
-          </p:cNvSpPr>
-          <p:nvPr>
-            <p:ph type="title"/>
-          </p:nvPr>
+          <p:cNvPr id="7" name="Rectangle 6"/>
+          <p:cNvSpPr/>
+          <p:nvPr/>
         </p:nvSpPr>
         <p:spPr>
           <a:xfrm>
-            <a:off x="722313" y="4406900"/>
-            <a:ext cx="7772400" cy="1362075"/>
+            <a:off x="2282890" y="-54"/>
+            <a:ext cx="6858000" cy="6858054"/>
+          </a:xfrm>
+          <a:prstGeom prst="rect">
+            <a:avLst/>
+          </a:prstGeom>
+          <a:solidFill>
+            <a:schemeClr val="bg1"/>
+          </a:solidFill>
+          <a:ln w="25400" cap="rnd" cmpd="sng" algn="ctr">
+            <a:noFill/>
+            <a:prstDash val="solid"/>
+          </a:ln>
+          <a:effectLst/>
+        </p:spPr>
+        <p:style>
+          <a:lnRef idx="3">
+            <a:schemeClr val="lt1"/>
+          </a:lnRef>
+          <a:fillRef idx="1">
+            <a:schemeClr val="accent1"/>
+          </a:fillRef>
+          <a:effectRef idx="1">
+            <a:schemeClr val="accent1"/>
+          </a:effectRef>
+          <a:fontRef idx="minor">
+            <a:schemeClr val="lt1"/>
+          </a:fontRef>
+        </p:style>
+        <p:txBody>
+          <a:bodyPr anchor="ctr"/>
+          <a:lstStyle>
+            <a:extLst/>
+          </a:lstStyle>
+          <a:p>
+            <a:pPr algn="ctr" eaLnBrk="1" latinLnBrk="0" hangingPunct="1"/>
+            <a:endParaRPr kumimoji="0" lang="en-US"/>
+          </a:p>
+        </p:txBody>
+      </p:sp>
+      <p:sp>
+        <p:nvSpPr>
+          <p:cNvPr id="2" name="Titre 1"/>
+          <p:cNvSpPr>
+            <a:spLocks noGrp="1"/>
+          </p:cNvSpPr>
+          <p:nvPr>
+            <p:ph type="title"/>
+          </p:nvPr>
+        </p:nvSpPr>
+        <p:spPr>
+          <a:xfrm>
+            <a:off x="2578392" y="2600325"/>
+            <a:ext cx="6400800" cy="2286000"/>
           </a:xfrm>
         </p:spPr>
         <p:txBody>
           <a:bodyPr anchor="t"/>
           <a:lstStyle>
             <a:lvl1pPr algn="l">
+              <a:lnSpc>
+                <a:spcPts val="4500"/>
+              </a:lnSpc>
+              <a:buNone/>
               <a:defRPr sz="4000" b="1" cap="all"/>
             </a:lvl1pPr>
+            <a:extLst/>
           </a:lstStyle>
           <a:p>
             <a:r>
-              <a:rPr lang="fr-FR" smtClean="0"/>
-              <a:t>Cliquez et modifiez le titre</a:t>
-            </a:r>
-            <a:endParaRPr lang="fr-FR"/>
+              <a:rPr kumimoji="0" lang="fr-FR" smtClean="0"/>
+              <a:t>Modifiez le style du titre</a:t>
+            </a:r>
+            <a:endParaRPr kumimoji="0" lang="en-US"/>
           </a:p>
         </p:txBody>
       </p:sp>
@@ -948,24 +1477,31 @@
         </p:nvSpPr>
         <p:spPr>
           <a:xfrm>
-            <a:off x="722313" y="2906713"/>
-            <a:ext cx="7772400" cy="1500187"/>
+            <a:off x="2578392" y="1066800"/>
+            <a:ext cx="6400800" cy="1509712"/>
           </a:xfrm>
         </p:spPr>
         <p:txBody>
           <a:bodyPr anchor="b"/>
           <a:lstStyle>
-            <a:lvl1pPr marL="0" indent="0">
+            <a:lvl1pPr marL="18288" indent="0">
+              <a:lnSpc>
+                <a:spcPts val="2300"/>
+              </a:lnSpc>
+              <a:spcBef>
+                <a:spcPts val="0"/>
+              </a:spcBef>
               <a:buNone/>
               <a:defRPr sz="2000">
                 <a:solidFill>
-                  <a:schemeClr val="tx1">
-                    <a:tint val="75000"/>
+                  <a:schemeClr val="tx2">
+                    <a:shade val="30000"/>
+                    <a:satMod val="150000"/>
                   </a:schemeClr>
                 </a:solidFill>
               </a:defRPr>
             </a:lvl1pPr>
-            <a:lvl2pPr marL="457200" indent="0">
+            <a:lvl2pPr>
               <a:buNone/>
               <a:defRPr sz="1800">
                 <a:solidFill>
@@ -975,7 +1511,7 @@
                 </a:solidFill>
               </a:defRPr>
             </a:lvl2pPr>
-            <a:lvl3pPr marL="914400" indent="0">
+            <a:lvl3pPr>
               <a:buNone/>
               <a:defRPr sz="1600">
                 <a:solidFill>
@@ -985,7 +1521,7 @@
                 </a:solidFill>
               </a:defRPr>
             </a:lvl3pPr>
-            <a:lvl4pPr marL="1371600" indent="0">
+            <a:lvl4pPr>
               <a:buNone/>
               <a:defRPr sz="1400">
                 <a:solidFill>
@@ -995,7 +1531,7 @@
                 </a:solidFill>
               </a:defRPr>
             </a:lvl4pPr>
-            <a:lvl5pPr marL="1828800" indent="0">
+            <a:lvl5pPr>
               <a:buNone/>
               <a:defRPr sz="1400">
                 <a:solidFill>
@@ -1005,74 +1541,37 @@
                 </a:solidFill>
               </a:defRPr>
             </a:lvl5pPr>
-            <a:lvl6pPr marL="2286000" indent="0">
-              <a:buNone/>
-              <a:defRPr sz="1400">
-                <a:solidFill>
-                  <a:schemeClr val="tx1">
-                    <a:tint val="75000"/>
-                  </a:schemeClr>
-                </a:solidFill>
-              </a:defRPr>
-            </a:lvl6pPr>
-            <a:lvl7pPr marL="2743200" indent="0">
-              <a:buNone/>
-              <a:defRPr sz="1400">
-                <a:solidFill>
-                  <a:schemeClr val="tx1">
-                    <a:tint val="75000"/>
-                  </a:schemeClr>
-                </a:solidFill>
-              </a:defRPr>
-            </a:lvl7pPr>
-            <a:lvl8pPr marL="3200400" indent="0">
-              <a:buNone/>
-              <a:defRPr sz="1400">
-                <a:solidFill>
-                  <a:schemeClr val="tx1">
-                    <a:tint val="75000"/>
-                  </a:schemeClr>
-                </a:solidFill>
-              </a:defRPr>
-            </a:lvl8pPr>
-            <a:lvl9pPr marL="3657600" indent="0">
-              <a:buNone/>
-              <a:defRPr sz="1400">
-                <a:solidFill>
-                  <a:schemeClr val="tx1">
-                    <a:tint val="75000"/>
-                  </a:schemeClr>
-                </a:solidFill>
-              </a:defRPr>
-            </a:lvl9pPr>
+            <a:extLst/>
           </a:lstStyle>
           <a:p>
-            <a:pPr lvl="0"/>
-            <a:r>
+            <a:pPr lvl="0" eaLnBrk="1" latinLnBrk="0" hangingPunct="1"/>
+            <a:r>
+              <a:rPr kumimoji="0" lang="fr-FR" smtClean="0"/>
+              <a:t>Modifiez les styles du texte du masque</a:t>
+            </a:r>
+          </a:p>
+        </p:txBody>
+      </p:sp>
+      <p:sp>
+        <p:nvSpPr>
+          <p:cNvPr id="4" name="Espace réservé de la date 3"/>
+          <p:cNvSpPr>
+            <a:spLocks noGrp="1"/>
+          </p:cNvSpPr>
+          <p:nvPr>
+            <p:ph type="dt" sz="half" idx="10"/>
+          </p:nvPr>
+        </p:nvSpPr>
+        <p:spPr/>
+        <p:txBody>
+          <a:bodyPr/>
+          <a:lstStyle>
+            <a:extLst/>
+          </a:lstStyle>
+          <a:p>
+            <a:fld id="{B2366E87-4E4D-410B-AE09-7C2BDD1C13DD}" type="datetime1">
               <a:rPr lang="fr-FR" smtClean="0"/>
-              <a:t>Cliquez pour modifier les styles du texte du masque</a:t>
-            </a:r>
-          </a:p>
-        </p:txBody>
-      </p:sp>
-      <p:sp>
-        <p:nvSpPr>
-          <p:cNvPr id="4" name="Espace réservé de la date 3"/>
-          <p:cNvSpPr>
-            <a:spLocks noGrp="1"/>
-          </p:cNvSpPr>
-          <p:nvPr>
-            <p:ph type="dt" sz="half" idx="10"/>
-          </p:nvPr>
-        </p:nvSpPr>
-        <p:spPr/>
-        <p:txBody>
-          <a:bodyPr/>
-          <a:lstStyle/>
-          <a:p>
-            <a:fld id="{E330F08A-8E59-6B4E-A444-1A1858DF76C2}" type="datetimeFigureOut">
-              <a:rPr lang="fr-FR" smtClean="0"/>
-              <a:t>17/10/2016</a:t>
+              <a:t>18/10/2016</a:t>
             </a:fld>
             <a:endParaRPr lang="fr-FR"/>
           </a:p>
@@ -1091,7 +1590,9 @@
         <p:spPr/>
         <p:txBody>
           <a:bodyPr/>
-          <a:lstStyle/>
+          <a:lstStyle>
+            <a:extLst/>
+          </a:lstStyle>
           <a:p>
             <a:endParaRPr lang="fr-FR"/>
           </a:p>
@@ -1110,22 +1611,213 @@
         <p:spPr/>
         <p:txBody>
           <a:bodyPr/>
-          <a:lstStyle/>
+          <a:lstStyle>
+            <a:extLst/>
+          </a:lstStyle>
           <a:p>
             <a:fld id="{056E17D1-6463-6D4A-A6B9-487EB10F22E4}" type="slidenum">
               <a:rPr lang="fr-FR" smtClean="0"/>
-              <a:t>‹#›</a:t>
+              <a:t>‹N°›</a:t>
             </a:fld>
             <a:endParaRPr lang="fr-FR"/>
           </a:p>
         </p:txBody>
       </p:sp>
+      <p:sp>
+        <p:nvSpPr>
+          <p:cNvPr id="10" name="Rectangle 9"/>
+          <p:cNvSpPr/>
+          <p:nvPr/>
+        </p:nvSpPr>
+        <p:spPr bwMode="invGray">
+          <a:xfrm>
+            <a:off x="2286000" y="0"/>
+            <a:ext cx="76200" cy="6858054"/>
+          </a:xfrm>
+          <a:prstGeom prst="rect">
+            <a:avLst/>
+          </a:prstGeom>
+          <a:solidFill>
+            <a:schemeClr val="bg1"/>
+          </a:solidFill>
+          <a:ln w="25400" cap="rnd" cmpd="sng" algn="ctr">
+            <a:noFill/>
+            <a:prstDash val="solid"/>
+          </a:ln>
+          <a:effectLst>
+            <a:outerShdw blurRad="38550" dist="38000" dir="10800000" algn="tl" rotWithShape="0">
+              <a:schemeClr val="bg2">
+                <a:shade val="20000"/>
+                <a:satMod val="110000"/>
+                <a:alpha val="25000"/>
+              </a:schemeClr>
+            </a:outerShdw>
+          </a:effectLst>
+        </p:spPr>
+        <p:style>
+          <a:lnRef idx="3">
+            <a:schemeClr val="lt1"/>
+          </a:lnRef>
+          <a:fillRef idx="1">
+            <a:schemeClr val="accent1"/>
+          </a:fillRef>
+          <a:effectRef idx="1">
+            <a:schemeClr val="accent1"/>
+          </a:effectRef>
+          <a:fontRef idx="minor">
+            <a:schemeClr val="lt1"/>
+          </a:fontRef>
+        </p:style>
+        <p:txBody>
+          <a:bodyPr anchor="ctr"/>
+          <a:lstStyle>
+            <a:extLst/>
+          </a:lstStyle>
+          <a:p>
+            <a:pPr algn="ctr" eaLnBrk="1" latinLnBrk="0" hangingPunct="1"/>
+            <a:endParaRPr kumimoji="0" lang="en-US"/>
+          </a:p>
+        </p:txBody>
+      </p:sp>
+      <p:sp>
+        <p:nvSpPr>
+          <p:cNvPr id="8" name="Ellipse 7"/>
+          <p:cNvSpPr/>
+          <p:nvPr/>
+        </p:nvSpPr>
+        <p:spPr>
+          <a:xfrm>
+            <a:off x="2172321" y="2814656"/>
+            <a:ext cx="210312" cy="210312"/>
+          </a:xfrm>
+          <a:prstGeom prst="ellipse">
+            <a:avLst/>
+          </a:prstGeom>
+          <a:gradFill rotWithShape="1">
+            <a:gsLst>
+              <a:gs pos="0">
+                <a:schemeClr val="accent1">
+                  <a:tint val="20000"/>
+                  <a:satMod val="450000"/>
+                  <a:alpha val="95000"/>
+                </a:schemeClr>
+              </a:gs>
+              <a:gs pos="50000">
+                <a:schemeClr val="accent1">
+                  <a:tint val="38000"/>
+                  <a:satMod val="250000"/>
+                  <a:alpha val="90000"/>
+                </a:schemeClr>
+              </a:gs>
+              <a:gs pos="95000">
+                <a:schemeClr val="accent1">
+                  <a:tint val="75000"/>
+                  <a:satMod val="255000"/>
+                  <a:alpha val="88000"/>
+                </a:schemeClr>
+              </a:gs>
+              <a:gs pos="100000">
+                <a:schemeClr val="accent1">
+                  <a:tint val="100000"/>
+                  <a:shade val="90000"/>
+                  <a:satMod val="255000"/>
+                  <a:alpha val="85000"/>
+                </a:schemeClr>
+              </a:gs>
+            </a:gsLst>
+            <a:path path="circle">
+              <a:fillToRect l="25000" t="12500" r="75000" b="87500"/>
+            </a:path>
+          </a:gradFill>
+          <a:ln w="2000" cap="rnd" cmpd="sng" algn="ctr">
+            <a:solidFill>
+              <a:schemeClr val="accent1">
+                <a:shade val="90000"/>
+                <a:satMod val="110000"/>
+                <a:alpha val="60000"/>
+              </a:schemeClr>
+            </a:solidFill>
+            <a:prstDash val="solid"/>
+          </a:ln>
+          <a:effectLst/>
+        </p:spPr>
+        <p:style>
+          <a:lnRef idx="1">
+            <a:schemeClr val="accent1"/>
+          </a:lnRef>
+          <a:fillRef idx="2">
+            <a:schemeClr val="accent1"/>
+          </a:fillRef>
+          <a:effectRef idx="1">
+            <a:schemeClr val="accent1"/>
+          </a:effectRef>
+          <a:fontRef idx="minor">
+            <a:schemeClr val="dk1"/>
+          </a:fontRef>
+        </p:style>
+        <p:txBody>
+          <a:bodyPr anchor="ctr"/>
+          <a:lstStyle>
+            <a:extLst/>
+          </a:lstStyle>
+          <a:p>
+            <a:pPr algn="ctr" eaLnBrk="1" latinLnBrk="0" hangingPunct="1"/>
+            <a:endParaRPr kumimoji="0" lang="en-US"/>
+          </a:p>
+        </p:txBody>
+      </p:sp>
+      <p:sp>
+        <p:nvSpPr>
+          <p:cNvPr id="9" name="Ellipse 8"/>
+          <p:cNvSpPr/>
+          <p:nvPr/>
+        </p:nvSpPr>
+        <p:spPr>
+          <a:xfrm>
+            <a:off x="2408064" y="2745870"/>
+            <a:ext cx="64008" cy="64008"/>
+          </a:xfrm>
+          <a:prstGeom prst="ellipse">
+            <a:avLst/>
+          </a:prstGeom>
+          <a:noFill/>
+          <a:ln w="12700" cap="rnd" cmpd="sng" algn="ctr">
+            <a:solidFill>
+              <a:schemeClr val="accent1">
+                <a:shade val="75000"/>
+                <a:alpha val="60000"/>
+              </a:schemeClr>
+            </a:solidFill>
+            <a:prstDash val="solid"/>
+          </a:ln>
+          <a:effectLst/>
+        </p:spPr>
+        <p:style>
+          <a:lnRef idx="1">
+            <a:schemeClr val="accent1"/>
+          </a:lnRef>
+          <a:fillRef idx="2">
+            <a:schemeClr val="accent1"/>
+          </a:fillRef>
+          <a:effectRef idx="1">
+            <a:schemeClr val="accent1"/>
+          </a:effectRef>
+          <a:fontRef idx="minor">
+            <a:schemeClr val="dk1"/>
+          </a:fontRef>
+        </p:style>
+        <p:txBody>
+          <a:bodyPr anchor="ctr"/>
+          <a:lstStyle>
+            <a:extLst/>
+          </a:lstStyle>
+          <a:p>
+            <a:pPr algn="ctr" eaLnBrk="1" latinLnBrk="0" hangingPunct="1"/>
+            <a:endParaRPr kumimoji="0" lang="en-US"/>
+          </a:p>
+        </p:txBody>
+      </p:sp>
     </p:spTree>
-    <p:extLst>
-      <p:ext uri="{BB962C8B-B14F-4D97-AF65-F5344CB8AC3E}">
-        <p14:creationId xmlns:p14="http://schemas.microsoft.com/office/powerpoint/2010/main" val="1511713937"/>
-      </p:ext>
-    </p:extLst>
   </p:cSld>
   <p:clrMapOvr>
     <a:masterClrMapping/>
@@ -1160,33 +1852,40 @@
             <p:ph type="title"/>
           </p:nvPr>
         </p:nvSpPr>
-        <p:spPr/>
-        <p:txBody>
-          <a:bodyPr/>
-          <a:lstStyle/>
-          <a:p>
-            <a:r>
-              <a:rPr lang="fr-FR" smtClean="0"/>
-              <a:t>Cliquez et modifiez le titre</a:t>
-            </a:r>
-            <a:endParaRPr lang="fr-FR"/>
-          </a:p>
-        </p:txBody>
-      </p:sp>
-      <p:sp>
-        <p:nvSpPr>
-          <p:cNvPr id="3" name="Espace réservé du contenu 2"/>
-          <p:cNvSpPr>
-            <a:spLocks noGrp="1"/>
-          </p:cNvSpPr>
-          <p:nvPr>
-            <p:ph sz="half" idx="1"/>
-          </p:nvPr>
-        </p:nvSpPr>
         <p:spPr>
           <a:xfrm>
-            <a:off x="457200" y="1600200"/>
-            <a:ext cx="4038600" cy="4525963"/>
+            <a:off x="1435608" y="274320"/>
+            <a:ext cx="7498080" cy="1143000"/>
+          </a:xfrm>
+        </p:spPr>
+        <p:txBody>
+          <a:bodyPr/>
+          <a:lstStyle>
+            <a:extLst/>
+          </a:lstStyle>
+          <a:p>
+            <a:r>
+              <a:rPr kumimoji="0" lang="fr-FR" smtClean="0"/>
+              <a:t>Modifiez le style du titre</a:t>
+            </a:r>
+            <a:endParaRPr kumimoji="0" lang="en-US"/>
+          </a:p>
+        </p:txBody>
+      </p:sp>
+      <p:sp>
+        <p:nvSpPr>
+          <p:cNvPr id="3" name="Espace réservé du contenu 2"/>
+          <p:cNvSpPr>
+            <a:spLocks noGrp="1"/>
+          </p:cNvSpPr>
+          <p:nvPr>
+            <p:ph sz="half" idx="1"/>
+          </p:nvPr>
+        </p:nvSpPr>
+        <p:spPr>
+          <a:xfrm>
+            <a:off x="1435608" y="1524000"/>
+            <a:ext cx="3657600" cy="4663440"/>
           </a:xfrm>
         </p:spPr>
         <p:txBody>
@@ -1207,54 +1906,43 @@
             <a:lvl5pPr>
               <a:defRPr sz="1800"/>
             </a:lvl5pPr>
-            <a:lvl6pPr>
-              <a:defRPr sz="1800"/>
-            </a:lvl6pPr>
-            <a:lvl7pPr>
-              <a:defRPr sz="1800"/>
-            </a:lvl7pPr>
-            <a:lvl8pPr>
-              <a:defRPr sz="1800"/>
-            </a:lvl8pPr>
-            <a:lvl9pPr>
-              <a:defRPr sz="1800"/>
-            </a:lvl9pPr>
+            <a:extLst/>
           </a:lstStyle>
           <a:p>
-            <a:pPr lvl="0"/>
+            <a:pPr lvl="0" eaLnBrk="1" latinLnBrk="0" hangingPunct="1"/>
             <a:r>
               <a:rPr lang="fr-FR" smtClean="0"/>
-              <a:t>Cliquez pour modifier les styles du texte du masque</a:t>
-            </a:r>
-          </a:p>
-          <a:p>
-            <a:pPr lvl="1"/>
+              <a:t>Modifiez les styles du texte du masque</a:t>
+            </a:r>
+          </a:p>
+          <a:p>
+            <a:pPr lvl="1" eaLnBrk="1" latinLnBrk="0" hangingPunct="1"/>
             <a:r>
               <a:rPr lang="fr-FR" smtClean="0"/>
               <a:t>Deuxième niveau</a:t>
             </a:r>
           </a:p>
           <a:p>
-            <a:pPr lvl="2"/>
+            <a:pPr lvl="2" eaLnBrk="1" latinLnBrk="0" hangingPunct="1"/>
             <a:r>
               <a:rPr lang="fr-FR" smtClean="0"/>
               <a:t>Troisième niveau</a:t>
             </a:r>
           </a:p>
           <a:p>
-            <a:pPr lvl="3"/>
+            <a:pPr lvl="3" eaLnBrk="1" latinLnBrk="0" hangingPunct="1"/>
             <a:r>
               <a:rPr lang="fr-FR" smtClean="0"/>
               <a:t>Quatrième niveau</a:t>
             </a:r>
           </a:p>
           <a:p>
-            <a:pPr lvl="4"/>
+            <a:pPr lvl="4" eaLnBrk="1" latinLnBrk="0" hangingPunct="1"/>
             <a:r>
               <a:rPr lang="fr-FR" smtClean="0"/>
               <a:t>Cinquième niveau</a:t>
             </a:r>
-            <a:endParaRPr lang="fr-FR"/>
+            <a:endParaRPr kumimoji="0" lang="en-US"/>
           </a:p>
         </p:txBody>
       </p:sp>
@@ -1270,8 +1958,8 @@
         </p:nvSpPr>
         <p:spPr>
           <a:xfrm>
-            <a:off x="4648200" y="1600200"/>
-            <a:ext cx="4038600" cy="4525963"/>
+            <a:off x="5276088" y="1524000"/>
+            <a:ext cx="3657600" cy="4663440"/>
           </a:xfrm>
         </p:spPr>
         <p:txBody>
@@ -1292,54 +1980,43 @@
             <a:lvl5pPr>
               <a:defRPr sz="1800"/>
             </a:lvl5pPr>
-            <a:lvl6pPr>
-              <a:defRPr sz="1800"/>
-            </a:lvl6pPr>
-            <a:lvl7pPr>
-              <a:defRPr sz="1800"/>
-            </a:lvl7pPr>
-            <a:lvl8pPr>
-              <a:defRPr sz="1800"/>
-            </a:lvl8pPr>
-            <a:lvl9pPr>
-              <a:defRPr sz="1800"/>
-            </a:lvl9pPr>
+            <a:extLst/>
           </a:lstStyle>
           <a:p>
-            <a:pPr lvl="0"/>
+            <a:pPr lvl="0" eaLnBrk="1" latinLnBrk="0" hangingPunct="1"/>
             <a:r>
               <a:rPr lang="fr-FR" smtClean="0"/>
-              <a:t>Cliquez pour modifier les styles du texte du masque</a:t>
-            </a:r>
-          </a:p>
-          <a:p>
-            <a:pPr lvl="1"/>
+              <a:t>Modifiez les styles du texte du masque</a:t>
+            </a:r>
+          </a:p>
+          <a:p>
+            <a:pPr lvl="1" eaLnBrk="1" latinLnBrk="0" hangingPunct="1"/>
             <a:r>
               <a:rPr lang="fr-FR" smtClean="0"/>
               <a:t>Deuxième niveau</a:t>
             </a:r>
           </a:p>
           <a:p>
-            <a:pPr lvl="2"/>
+            <a:pPr lvl="2" eaLnBrk="1" latinLnBrk="0" hangingPunct="1"/>
             <a:r>
               <a:rPr lang="fr-FR" smtClean="0"/>
               <a:t>Troisième niveau</a:t>
             </a:r>
           </a:p>
           <a:p>
-            <a:pPr lvl="3"/>
+            <a:pPr lvl="3" eaLnBrk="1" latinLnBrk="0" hangingPunct="1"/>
             <a:r>
               <a:rPr lang="fr-FR" smtClean="0"/>
               <a:t>Quatrième niveau</a:t>
             </a:r>
           </a:p>
           <a:p>
-            <a:pPr lvl="4"/>
+            <a:pPr lvl="4" eaLnBrk="1" latinLnBrk="0" hangingPunct="1"/>
             <a:r>
               <a:rPr lang="fr-FR" smtClean="0"/>
               <a:t>Cinquième niveau</a:t>
             </a:r>
-            <a:endParaRPr lang="fr-FR"/>
+            <a:endParaRPr kumimoji="0" lang="en-US"/>
           </a:p>
         </p:txBody>
       </p:sp>
@@ -1356,11 +2033,13 @@
         <p:spPr/>
         <p:txBody>
           <a:bodyPr/>
-          <a:lstStyle/>
-          <a:p>
-            <a:fld id="{E330F08A-8E59-6B4E-A444-1A1858DF76C2}" type="datetimeFigureOut">
+          <a:lstStyle>
+            <a:extLst/>
+          </a:lstStyle>
+          <a:p>
+            <a:fld id="{3E0BAD1E-3BDC-4EF9-91E3-53F2617BBE39}" type="datetime1">
               <a:rPr lang="fr-FR" smtClean="0"/>
-              <a:t>17/10/2016</a:t>
+              <a:t>18/10/2016</a:t>
             </a:fld>
             <a:endParaRPr lang="fr-FR"/>
           </a:p>
@@ -1379,7 +2058,9 @@
         <p:spPr/>
         <p:txBody>
           <a:bodyPr/>
-          <a:lstStyle/>
+          <a:lstStyle>
+            <a:extLst/>
+          </a:lstStyle>
           <a:p>
             <a:endParaRPr lang="fr-FR"/>
           </a:p>
@@ -1398,22 +2079,19 @@
         <p:spPr/>
         <p:txBody>
           <a:bodyPr/>
-          <a:lstStyle/>
+          <a:lstStyle>
+            <a:extLst/>
+          </a:lstStyle>
           <a:p>
             <a:fld id="{056E17D1-6463-6D4A-A6B9-487EB10F22E4}" type="slidenum">
               <a:rPr lang="fr-FR" smtClean="0"/>
-              <a:t>‹#›</a:t>
+              <a:t>‹N°›</a:t>
             </a:fld>
             <a:endParaRPr lang="fr-FR"/>
           </a:p>
         </p:txBody>
       </p:sp>
     </p:spTree>
-    <p:extLst>
-      <p:ext uri="{BB962C8B-B14F-4D97-AF65-F5344CB8AC3E}">
-        <p14:creationId xmlns:p14="http://schemas.microsoft.com/office/powerpoint/2010/main" val="2560340094"/>
-      </p:ext>
-    </p:extLst>
   </p:cSld>
   <p:clrMapOvr>
     <a:masterClrMapping/>
@@ -1422,7 +2100,7 @@
 </file>
 
 <file path=ppt/slideLayouts/slideLayout5.xml><?xml version="1.0" encoding="utf-8"?>
-<p:sldLayout xmlns:a="http://schemas.openxmlformats.org/drawingml/2006/main" xmlns:r="http://schemas.openxmlformats.org/officeDocument/2006/relationships" xmlns:p="http://schemas.openxmlformats.org/presentationml/2006/main" type="twoTxTwoObj" preserve="1">
+<p:sldLayout xmlns:a="http://schemas.openxmlformats.org/drawingml/2006/main" xmlns:r="http://schemas.openxmlformats.org/officeDocument/2006/relationships" xmlns:p="http://schemas.openxmlformats.org/presentationml/2006/main" showMasterSp="0" type="twoTxTwoObj" preserve="1">
   <p:cSld name="Comparaison">
     <p:spTree>
       <p:nvGrpSpPr>
@@ -1448,320 +2126,386 @@
             <p:ph type="title"/>
           </p:nvPr>
         </p:nvSpPr>
-        <p:spPr/>
-        <p:txBody>
-          <a:bodyPr/>
-          <a:lstStyle>
-            <a:lvl1pPr>
-              <a:defRPr/>
-            </a:lvl1pPr>
-          </a:lstStyle>
-          <a:p>
-            <a:r>
-              <a:rPr lang="fr-FR" smtClean="0"/>
-              <a:t>Cliquez et modifiez le titre</a:t>
-            </a:r>
-            <a:endParaRPr lang="fr-FR"/>
-          </a:p>
-        </p:txBody>
-      </p:sp>
-      <p:sp>
-        <p:nvSpPr>
-          <p:cNvPr id="3" name="Espace réservé du texte 2"/>
-          <p:cNvSpPr>
-            <a:spLocks noGrp="1"/>
-          </p:cNvSpPr>
-          <p:nvPr>
-            <p:ph type="body" idx="1"/>
-          </p:nvPr>
-        </p:nvSpPr>
         <p:spPr>
           <a:xfrm>
-            <a:off x="457200" y="1535113"/>
-            <a:ext cx="4040188" cy="639762"/>
+            <a:off x="457200" y="5160336"/>
+            <a:ext cx="8229600" cy="1143000"/>
           </a:xfrm>
         </p:spPr>
         <p:txBody>
-          <a:bodyPr anchor="b"/>
+          <a:bodyPr anchor="ctr"/>
           <a:lstStyle>
-            <a:lvl1pPr marL="0" indent="0">
+            <a:lvl1pPr algn="ctr">
+              <a:defRPr sz="4500" b="1" cap="none" baseline="0"/>
+            </a:lvl1pPr>
+            <a:extLst/>
+          </a:lstStyle>
+          <a:p>
+            <a:r>
+              <a:rPr kumimoji="0" lang="fr-FR" smtClean="0"/>
+              <a:t>Modifiez le style du titre</a:t>
+            </a:r>
+            <a:endParaRPr kumimoji="0" lang="en-US"/>
+          </a:p>
+        </p:txBody>
+      </p:sp>
+      <p:sp>
+        <p:nvSpPr>
+          <p:cNvPr id="3" name="Espace réservé du texte 2"/>
+          <p:cNvSpPr>
+            <a:spLocks noGrp="1"/>
+          </p:cNvSpPr>
+          <p:nvPr>
+            <p:ph type="body" idx="1"/>
+          </p:nvPr>
+        </p:nvSpPr>
+        <p:spPr>
+          <a:xfrm>
+            <a:off x="457200" y="328278"/>
+            <a:ext cx="4023360" cy="640080"/>
+          </a:xfrm>
+          <a:solidFill>
+            <a:schemeClr val="bg1"/>
+          </a:solidFill>
+          <a:ln w="10795">
+            <a:solidFill>
+              <a:schemeClr val="bg1"/>
+            </a:solidFill>
+            <a:miter lim="800000"/>
+          </a:ln>
+        </p:spPr>
+        <p:txBody>
+          <a:bodyPr anchor="ctr"/>
+          <a:lstStyle>
+            <a:lvl1pPr marL="64008" indent="0" algn="l">
+              <a:lnSpc>
+                <a:spcPct val="100000"/>
+              </a:lnSpc>
+              <a:spcBef>
+                <a:spcPts val="100"/>
+              </a:spcBef>
               <a:buNone/>
-              <a:defRPr sz="2400" b="1"/>
+              <a:defRPr sz="1900" b="0">
+                <a:solidFill>
+                  <a:schemeClr val="tx1"/>
+                </a:solidFill>
+              </a:defRPr>
             </a:lvl1pPr>
-            <a:lvl2pPr marL="457200" indent="0">
+            <a:lvl2pPr>
               <a:buNone/>
               <a:defRPr sz="2000" b="1"/>
             </a:lvl2pPr>
-            <a:lvl3pPr marL="914400" indent="0">
+            <a:lvl3pPr>
               <a:buNone/>
               <a:defRPr sz="1800" b="1"/>
             </a:lvl3pPr>
-            <a:lvl4pPr marL="1371600" indent="0">
+            <a:lvl4pPr>
               <a:buNone/>
               <a:defRPr sz="1600" b="1"/>
             </a:lvl4pPr>
-            <a:lvl5pPr marL="1828800" indent="0">
+            <a:lvl5pPr>
               <a:buNone/>
               <a:defRPr sz="1600" b="1"/>
             </a:lvl5pPr>
-            <a:lvl6pPr marL="2286000" indent="0">
+            <a:extLst/>
+          </a:lstStyle>
+          <a:p>
+            <a:pPr lvl="0" eaLnBrk="1" latinLnBrk="0" hangingPunct="1"/>
+            <a:r>
+              <a:rPr kumimoji="0" lang="fr-FR" smtClean="0"/>
+              <a:t>Modifiez les styles du texte du masque</a:t>
+            </a:r>
+          </a:p>
+        </p:txBody>
+      </p:sp>
+      <p:sp>
+        <p:nvSpPr>
+          <p:cNvPr id="4" name="Espace réservé du texte 3"/>
+          <p:cNvSpPr>
+            <a:spLocks noGrp="1"/>
+          </p:cNvSpPr>
+          <p:nvPr>
+            <p:ph type="body" sz="half" idx="3"/>
+          </p:nvPr>
+        </p:nvSpPr>
+        <p:spPr>
+          <a:xfrm>
+            <a:off x="4663440" y="328278"/>
+            <a:ext cx="4023360" cy="640080"/>
+          </a:xfrm>
+          <a:solidFill>
+            <a:schemeClr val="bg1"/>
+          </a:solidFill>
+          <a:ln w="10795">
+            <a:solidFill>
+              <a:schemeClr val="bg1"/>
+            </a:solidFill>
+            <a:miter lim="800000"/>
+          </a:ln>
+        </p:spPr>
+        <p:txBody>
+          <a:bodyPr anchor="ctr"/>
+          <a:lstStyle>
+            <a:lvl1pPr marL="64008" indent="0" algn="l">
+              <a:lnSpc>
+                <a:spcPct val="100000"/>
+              </a:lnSpc>
+              <a:spcBef>
+                <a:spcPts val="100"/>
+              </a:spcBef>
+              <a:buNone/>
+              <a:defRPr sz="1900" b="0">
+                <a:solidFill>
+                  <a:schemeClr val="tx1"/>
+                </a:solidFill>
+              </a:defRPr>
+            </a:lvl1pPr>
+            <a:lvl2pPr>
+              <a:buNone/>
+              <a:defRPr sz="2000" b="1"/>
+            </a:lvl2pPr>
+            <a:lvl3pPr>
+              <a:buNone/>
+              <a:defRPr sz="1800" b="1"/>
+            </a:lvl3pPr>
+            <a:lvl4pPr>
               <a:buNone/>
               <a:defRPr sz="1600" b="1"/>
-            </a:lvl6pPr>
-            <a:lvl7pPr marL="2743200" indent="0">
+            </a:lvl4pPr>
+            <a:lvl5pPr>
               <a:buNone/>
               <a:defRPr sz="1600" b="1"/>
-            </a:lvl7pPr>
-            <a:lvl8pPr marL="3200400" indent="0">
-              <a:buNone/>
-              <a:defRPr sz="1600" b="1"/>
-            </a:lvl8pPr>
-            <a:lvl9pPr marL="3657600" indent="0">
-              <a:buNone/>
-              <a:defRPr sz="1600" b="1"/>
-            </a:lvl9pPr>
+            </a:lvl5pPr>
+            <a:extLst/>
           </a:lstStyle>
           <a:p>
-            <a:pPr lvl="0"/>
-            <a:r>
-              <a:rPr lang="fr-FR" smtClean="0"/>
-              <a:t>Cliquez pour modifier les styles du texte du masque</a:t>
-            </a:r>
-          </a:p>
-        </p:txBody>
-      </p:sp>
-      <p:sp>
-        <p:nvSpPr>
-          <p:cNvPr id="4" name="Espace réservé du contenu 3"/>
-          <p:cNvSpPr>
-            <a:spLocks noGrp="1"/>
-          </p:cNvSpPr>
-          <p:nvPr>
-            <p:ph sz="half" idx="2"/>
+            <a:pPr lvl="0" eaLnBrk="1" latinLnBrk="0" hangingPunct="1"/>
+            <a:r>
+              <a:rPr kumimoji="0" lang="fr-FR" smtClean="0"/>
+              <a:t>Modifiez les styles du texte du masque</a:t>
+            </a:r>
+          </a:p>
+        </p:txBody>
+      </p:sp>
+      <p:sp>
+        <p:nvSpPr>
+          <p:cNvPr id="5" name="Espace réservé du contenu 4"/>
+          <p:cNvSpPr>
+            <a:spLocks noGrp="1"/>
+          </p:cNvSpPr>
+          <p:nvPr>
+            <p:ph sz="quarter" idx="2"/>
           </p:nvPr>
         </p:nvSpPr>
         <p:spPr>
           <a:xfrm>
-            <a:off x="457200" y="2174875"/>
-            <a:ext cx="4040188" cy="3951288"/>
+            <a:off x="457200" y="969336"/>
+            <a:ext cx="4023360" cy="4114800"/>
           </a:xfrm>
+          <a:ln w="10795">
+            <a:solidFill>
+              <a:schemeClr val="bg1"/>
+            </a:solidFill>
+            <a:prstDash val="dash"/>
+            <a:miter lim="800000"/>
+          </a:ln>
         </p:spPr>
         <p:txBody>
           <a:bodyPr/>
           <a:lstStyle>
-            <a:lvl1pPr>
+            <a:lvl1pPr marL="393192" indent="-274320">
+              <a:lnSpc>
+                <a:spcPct val="100000"/>
+              </a:lnSpc>
+              <a:spcBef>
+                <a:spcPts val="700"/>
+              </a:spcBef>
               <a:defRPr sz="2400"/>
             </a:lvl1pPr>
             <a:lvl2pPr>
+              <a:lnSpc>
+                <a:spcPct val="100000"/>
+              </a:lnSpc>
+              <a:spcBef>
+                <a:spcPts val="700"/>
+              </a:spcBef>
               <a:defRPr sz="2000"/>
             </a:lvl2pPr>
             <a:lvl3pPr>
+              <a:lnSpc>
+                <a:spcPct val="100000"/>
+              </a:lnSpc>
+              <a:spcBef>
+                <a:spcPts val="700"/>
+              </a:spcBef>
               <a:defRPr sz="1800"/>
             </a:lvl3pPr>
             <a:lvl4pPr>
+              <a:lnSpc>
+                <a:spcPct val="100000"/>
+              </a:lnSpc>
+              <a:spcBef>
+                <a:spcPts val="700"/>
+              </a:spcBef>
               <a:defRPr sz="1600"/>
             </a:lvl4pPr>
             <a:lvl5pPr>
+              <a:lnSpc>
+                <a:spcPct val="100000"/>
+              </a:lnSpc>
+              <a:spcBef>
+                <a:spcPts val="700"/>
+              </a:spcBef>
               <a:defRPr sz="1600"/>
             </a:lvl5pPr>
-            <a:lvl6pPr>
-              <a:defRPr sz="1600"/>
-            </a:lvl6pPr>
-            <a:lvl7pPr>
-              <a:defRPr sz="1600"/>
-            </a:lvl7pPr>
-            <a:lvl8pPr>
-              <a:defRPr sz="1600"/>
-            </a:lvl8pPr>
-            <a:lvl9pPr>
-              <a:defRPr sz="1600"/>
-            </a:lvl9pPr>
+            <a:extLst/>
           </a:lstStyle>
           <a:p>
-            <a:pPr lvl="0"/>
+            <a:pPr lvl="0" eaLnBrk="1" latinLnBrk="0" hangingPunct="1"/>
             <a:r>
               <a:rPr lang="fr-FR" smtClean="0"/>
-              <a:t>Cliquez pour modifier les styles du texte du masque</a:t>
-            </a:r>
-          </a:p>
-          <a:p>
-            <a:pPr lvl="1"/>
+              <a:t>Modifiez les styles du texte du masque</a:t>
+            </a:r>
+          </a:p>
+          <a:p>
+            <a:pPr lvl="1" eaLnBrk="1" latinLnBrk="0" hangingPunct="1"/>
             <a:r>
               <a:rPr lang="fr-FR" smtClean="0"/>
               <a:t>Deuxième niveau</a:t>
             </a:r>
           </a:p>
           <a:p>
-            <a:pPr lvl="2"/>
+            <a:pPr lvl="2" eaLnBrk="1" latinLnBrk="0" hangingPunct="1"/>
             <a:r>
               <a:rPr lang="fr-FR" smtClean="0"/>
               <a:t>Troisième niveau</a:t>
             </a:r>
           </a:p>
           <a:p>
-            <a:pPr lvl="3"/>
+            <a:pPr lvl="3" eaLnBrk="1" latinLnBrk="0" hangingPunct="1"/>
             <a:r>
               <a:rPr lang="fr-FR" smtClean="0"/>
               <a:t>Quatrième niveau</a:t>
             </a:r>
           </a:p>
           <a:p>
-            <a:pPr lvl="4"/>
+            <a:pPr lvl="4" eaLnBrk="1" latinLnBrk="0" hangingPunct="1"/>
             <a:r>
               <a:rPr lang="fr-FR" smtClean="0"/>
               <a:t>Cinquième niveau</a:t>
             </a:r>
-            <a:endParaRPr lang="fr-FR"/>
-          </a:p>
-        </p:txBody>
-      </p:sp>
-      <p:sp>
-        <p:nvSpPr>
-          <p:cNvPr id="5" name="Espace réservé du texte 4"/>
-          <p:cNvSpPr>
-            <a:spLocks noGrp="1"/>
-          </p:cNvSpPr>
-          <p:nvPr>
-            <p:ph type="body" sz="quarter" idx="3"/>
+            <a:endParaRPr kumimoji="0" lang="en-US"/>
+          </a:p>
+        </p:txBody>
+      </p:sp>
+      <p:sp>
+        <p:nvSpPr>
+          <p:cNvPr id="6" name="Espace réservé du contenu 5"/>
+          <p:cNvSpPr>
+            <a:spLocks noGrp="1"/>
+          </p:cNvSpPr>
+          <p:nvPr>
+            <p:ph sz="quarter" idx="4"/>
           </p:nvPr>
         </p:nvSpPr>
         <p:spPr>
           <a:xfrm>
-            <a:off x="4645025" y="1535113"/>
-            <a:ext cx="4041775" cy="639762"/>
+            <a:off x="4663440" y="969336"/>
+            <a:ext cx="4023360" cy="4114800"/>
           </a:xfrm>
-        </p:spPr>
-        <p:txBody>
-          <a:bodyPr anchor="b"/>
-          <a:lstStyle>
-            <a:lvl1pPr marL="0" indent="0">
-              <a:buNone/>
-              <a:defRPr sz="2400" b="1"/>
-            </a:lvl1pPr>
-            <a:lvl2pPr marL="457200" indent="0">
-              <a:buNone/>
-              <a:defRPr sz="2000" b="1"/>
-            </a:lvl2pPr>
-            <a:lvl3pPr marL="914400" indent="0">
-              <a:buNone/>
-              <a:defRPr sz="1800" b="1"/>
-            </a:lvl3pPr>
-            <a:lvl4pPr marL="1371600" indent="0">
-              <a:buNone/>
-              <a:defRPr sz="1600" b="1"/>
-            </a:lvl4pPr>
-            <a:lvl5pPr marL="1828800" indent="0">
-              <a:buNone/>
-              <a:defRPr sz="1600" b="1"/>
-            </a:lvl5pPr>
-            <a:lvl6pPr marL="2286000" indent="0">
-              <a:buNone/>
-              <a:defRPr sz="1600" b="1"/>
-            </a:lvl6pPr>
-            <a:lvl7pPr marL="2743200" indent="0">
-              <a:buNone/>
-              <a:defRPr sz="1600" b="1"/>
-            </a:lvl7pPr>
-            <a:lvl8pPr marL="3200400" indent="0">
-              <a:buNone/>
-              <a:defRPr sz="1600" b="1"/>
-            </a:lvl8pPr>
-            <a:lvl9pPr marL="3657600" indent="0">
-              <a:buNone/>
-              <a:defRPr sz="1600" b="1"/>
-            </a:lvl9pPr>
-          </a:lstStyle>
-          <a:p>
-            <a:pPr lvl="0"/>
-            <a:r>
-              <a:rPr lang="fr-FR" smtClean="0"/>
-              <a:t>Cliquez pour modifier les styles du texte du masque</a:t>
-            </a:r>
-          </a:p>
-        </p:txBody>
-      </p:sp>
-      <p:sp>
-        <p:nvSpPr>
-          <p:cNvPr id="6" name="Espace réservé du contenu 5"/>
-          <p:cNvSpPr>
-            <a:spLocks noGrp="1"/>
-          </p:cNvSpPr>
-          <p:nvPr>
-            <p:ph sz="quarter" idx="4"/>
-          </p:nvPr>
-        </p:nvSpPr>
-        <p:spPr>
-          <a:xfrm>
-            <a:off x="4645025" y="2174875"/>
-            <a:ext cx="4041775" cy="3951288"/>
-          </a:xfrm>
+          <a:ln w="10795">
+            <a:solidFill>
+              <a:schemeClr val="bg1"/>
+            </a:solidFill>
+            <a:prstDash val="dash"/>
+            <a:miter lim="800000"/>
+          </a:ln>
         </p:spPr>
         <p:txBody>
           <a:bodyPr/>
           <a:lstStyle>
-            <a:lvl1pPr>
+            <a:lvl1pPr marL="393192" indent="-274320">
+              <a:lnSpc>
+                <a:spcPct val="100000"/>
+              </a:lnSpc>
+              <a:spcBef>
+                <a:spcPts val="700"/>
+              </a:spcBef>
               <a:defRPr sz="2400"/>
             </a:lvl1pPr>
             <a:lvl2pPr>
+              <a:lnSpc>
+                <a:spcPct val="100000"/>
+              </a:lnSpc>
+              <a:spcBef>
+                <a:spcPts val="700"/>
+              </a:spcBef>
               <a:defRPr sz="2000"/>
             </a:lvl2pPr>
             <a:lvl3pPr>
+              <a:lnSpc>
+                <a:spcPct val="100000"/>
+              </a:lnSpc>
+              <a:spcBef>
+                <a:spcPts val="700"/>
+              </a:spcBef>
               <a:defRPr sz="1800"/>
             </a:lvl3pPr>
             <a:lvl4pPr>
+              <a:lnSpc>
+                <a:spcPct val="100000"/>
+              </a:lnSpc>
+              <a:spcBef>
+                <a:spcPts val="700"/>
+              </a:spcBef>
               <a:defRPr sz="1600"/>
             </a:lvl4pPr>
             <a:lvl5pPr>
+              <a:lnSpc>
+                <a:spcPct val="100000"/>
+              </a:lnSpc>
+              <a:spcBef>
+                <a:spcPts val="700"/>
+              </a:spcBef>
               <a:defRPr sz="1600"/>
             </a:lvl5pPr>
-            <a:lvl6pPr>
-              <a:defRPr sz="1600"/>
-            </a:lvl6pPr>
-            <a:lvl7pPr>
-              <a:defRPr sz="1600"/>
-            </a:lvl7pPr>
-            <a:lvl8pPr>
-              <a:defRPr sz="1600"/>
-            </a:lvl8pPr>
-            <a:lvl9pPr>
-              <a:defRPr sz="1600"/>
-            </a:lvl9pPr>
+            <a:extLst/>
           </a:lstStyle>
           <a:p>
-            <a:pPr lvl="0"/>
+            <a:pPr lvl="0" eaLnBrk="1" latinLnBrk="0" hangingPunct="1"/>
             <a:r>
               <a:rPr lang="fr-FR" smtClean="0"/>
-              <a:t>Cliquez pour modifier les styles du texte du masque</a:t>
-            </a:r>
-          </a:p>
-          <a:p>
-            <a:pPr lvl="1"/>
+              <a:t>Modifiez les styles du texte du masque</a:t>
+            </a:r>
+          </a:p>
+          <a:p>
+            <a:pPr lvl="1" eaLnBrk="1" latinLnBrk="0" hangingPunct="1"/>
             <a:r>
               <a:rPr lang="fr-FR" smtClean="0"/>
               <a:t>Deuxième niveau</a:t>
             </a:r>
           </a:p>
           <a:p>
-            <a:pPr lvl="2"/>
+            <a:pPr lvl="2" eaLnBrk="1" latinLnBrk="0" hangingPunct="1"/>
             <a:r>
               <a:rPr lang="fr-FR" smtClean="0"/>
               <a:t>Troisième niveau</a:t>
             </a:r>
           </a:p>
           <a:p>
-            <a:pPr lvl="3"/>
+            <a:pPr lvl="3" eaLnBrk="1" latinLnBrk="0" hangingPunct="1"/>
             <a:r>
               <a:rPr lang="fr-FR" smtClean="0"/>
               <a:t>Quatrième niveau</a:t>
             </a:r>
           </a:p>
           <a:p>
-            <a:pPr lvl="4"/>
+            <a:pPr lvl="4" eaLnBrk="1" latinLnBrk="0" hangingPunct="1"/>
             <a:r>
               <a:rPr lang="fr-FR" smtClean="0"/>
               <a:t>Cinquième niveau</a:t>
             </a:r>
-            <a:endParaRPr lang="fr-FR"/>
+            <a:endParaRPr kumimoji="0" lang="en-US"/>
           </a:p>
         </p:txBody>
       </p:sp>
@@ -1778,11 +2522,13 @@
         <p:spPr/>
         <p:txBody>
           <a:bodyPr/>
-          <a:lstStyle/>
-          <a:p>
-            <a:fld id="{E330F08A-8E59-6B4E-A444-1A1858DF76C2}" type="datetimeFigureOut">
+          <a:lstStyle>
+            <a:extLst/>
+          </a:lstStyle>
+          <a:p>
+            <a:fld id="{35F4A7F8-4AAB-49D6-95BD-C2E5D957D63D}" type="datetime1">
               <a:rPr lang="fr-FR" smtClean="0"/>
-              <a:t>17/10/2016</a:t>
+              <a:t>18/10/2016</a:t>
             </a:fld>
             <a:endParaRPr lang="fr-FR"/>
           </a:p>
@@ -1801,7 +2547,9 @@
         <p:spPr/>
         <p:txBody>
           <a:bodyPr/>
-          <a:lstStyle/>
+          <a:lstStyle>
+            <a:extLst/>
+          </a:lstStyle>
           <a:p>
             <a:endParaRPr lang="fr-FR"/>
           </a:p>
@@ -1820,22 +2568,19 @@
         <p:spPr/>
         <p:txBody>
           <a:bodyPr/>
-          <a:lstStyle/>
+          <a:lstStyle>
+            <a:extLst/>
+          </a:lstStyle>
           <a:p>
             <a:fld id="{056E17D1-6463-6D4A-A6B9-487EB10F22E4}" type="slidenum">
               <a:rPr lang="fr-FR" smtClean="0"/>
-              <a:t>‹#›</a:t>
+              <a:t>‹N°›</a:t>
             </a:fld>
             <a:endParaRPr lang="fr-FR"/>
           </a:p>
         </p:txBody>
       </p:sp>
     </p:spTree>
-    <p:extLst>
-      <p:ext uri="{BB962C8B-B14F-4D97-AF65-F5344CB8AC3E}">
-        <p14:creationId xmlns:p14="http://schemas.microsoft.com/office/powerpoint/2010/main" val="4233114704"/>
-      </p:ext>
-    </p:extLst>
   </p:cSld>
   <p:clrMapOvr>
     <a:masterClrMapping/>
@@ -1870,37 +2615,46 @@
             <p:ph type="title"/>
           </p:nvPr>
         </p:nvSpPr>
+        <p:spPr>
+          <a:xfrm>
+            <a:off x="1435608" y="274320"/>
+            <a:ext cx="7498080" cy="1143000"/>
+          </a:xfrm>
+        </p:spPr>
+        <p:txBody>
+          <a:bodyPr anchor="ctr"/>
+          <a:lstStyle>
+            <a:extLst/>
+          </a:lstStyle>
+          <a:p>
+            <a:r>
+              <a:rPr kumimoji="0" lang="fr-FR" smtClean="0"/>
+              <a:t>Modifiez le style du titre</a:t>
+            </a:r>
+            <a:endParaRPr kumimoji="0" lang="en-US"/>
+          </a:p>
+        </p:txBody>
+      </p:sp>
+      <p:sp>
+        <p:nvSpPr>
+          <p:cNvPr id="3" name="Espace réservé de la date 2"/>
+          <p:cNvSpPr>
+            <a:spLocks noGrp="1"/>
+          </p:cNvSpPr>
+          <p:nvPr>
+            <p:ph type="dt" sz="half" idx="10"/>
+          </p:nvPr>
+        </p:nvSpPr>
         <p:spPr/>
         <p:txBody>
           <a:bodyPr/>
-          <a:lstStyle/>
-          <a:p>
-            <a:r>
+          <a:lstStyle>
+            <a:extLst/>
+          </a:lstStyle>
+          <a:p>
+            <a:fld id="{2CAD87A8-A548-4E65-B7B6-173FC78ED59A}" type="datetime1">
               <a:rPr lang="fr-FR" smtClean="0"/>
-              <a:t>Cliquez et modifiez le titre</a:t>
-            </a:r>
-            <a:endParaRPr lang="fr-FR"/>
-          </a:p>
-        </p:txBody>
-      </p:sp>
-      <p:sp>
-        <p:nvSpPr>
-          <p:cNvPr id="3" name="Espace réservé de la date 2"/>
-          <p:cNvSpPr>
-            <a:spLocks noGrp="1"/>
-          </p:cNvSpPr>
-          <p:nvPr>
-            <p:ph type="dt" sz="half" idx="10"/>
-          </p:nvPr>
-        </p:nvSpPr>
-        <p:spPr/>
-        <p:txBody>
-          <a:bodyPr/>
-          <a:lstStyle/>
-          <a:p>
-            <a:fld id="{E330F08A-8E59-6B4E-A444-1A1858DF76C2}" type="datetimeFigureOut">
-              <a:rPr lang="fr-FR" smtClean="0"/>
-              <a:t>17/10/2016</a:t>
+              <a:t>18/10/2016</a:t>
             </a:fld>
             <a:endParaRPr lang="fr-FR"/>
           </a:p>
@@ -1919,7 +2673,9 @@
         <p:spPr/>
         <p:txBody>
           <a:bodyPr/>
-          <a:lstStyle/>
+          <a:lstStyle>
+            <a:extLst/>
+          </a:lstStyle>
           <a:p>
             <a:endParaRPr lang="fr-FR"/>
           </a:p>
@@ -1938,22 +2694,19 @@
         <p:spPr/>
         <p:txBody>
           <a:bodyPr/>
-          <a:lstStyle/>
+          <a:lstStyle>
+            <a:extLst/>
+          </a:lstStyle>
           <a:p>
             <a:fld id="{056E17D1-6463-6D4A-A6B9-487EB10F22E4}" type="slidenum">
               <a:rPr lang="fr-FR" smtClean="0"/>
-              <a:t>‹#›</a:t>
+              <a:t>‹N°›</a:t>
             </a:fld>
             <a:endParaRPr lang="fr-FR"/>
           </a:p>
         </p:txBody>
       </p:sp>
     </p:spTree>
-    <p:extLst>
-      <p:ext uri="{BB962C8B-B14F-4D97-AF65-F5344CB8AC3E}">
-        <p14:creationId xmlns:p14="http://schemas.microsoft.com/office/powerpoint/2010/main" val="2816346066"/>
-      </p:ext>
-    </p:extLst>
   </p:cSld>
   <p:clrMapOvr>
     <a:masterClrMapping/>
@@ -1962,7 +2715,7 @@
 </file>
 
 <file path=ppt/slideLayouts/slideLayout7.xml><?xml version="1.0" encoding="utf-8"?>
-<p:sldLayout xmlns:a="http://schemas.openxmlformats.org/drawingml/2006/main" xmlns:r="http://schemas.openxmlformats.org/officeDocument/2006/relationships" xmlns:p="http://schemas.openxmlformats.org/presentationml/2006/main" type="blank" preserve="1">
+<p:sldLayout xmlns:a="http://schemas.openxmlformats.org/drawingml/2006/main" xmlns:r="http://schemas.openxmlformats.org/officeDocument/2006/relationships" xmlns:p="http://schemas.openxmlformats.org/presentationml/2006/main" showMasterSp="0" type="blank" preserve="1">
   <p:cSld name="Vide">
     <p:spTree>
       <p:nvGrpSpPr>
@@ -1980,6 +2733,54 @@
       </p:grpSpPr>
       <p:sp>
         <p:nvSpPr>
+          <p:cNvPr id="5" name="Rectangle 4"/>
+          <p:cNvSpPr/>
+          <p:nvPr/>
+        </p:nvSpPr>
+        <p:spPr>
+          <a:xfrm>
+            <a:off x="1014984" y="0"/>
+            <a:ext cx="8129016" cy="6858000"/>
+          </a:xfrm>
+          <a:prstGeom prst="rect">
+            <a:avLst/>
+          </a:prstGeom>
+          <a:solidFill>
+            <a:schemeClr val="bg1"/>
+          </a:solidFill>
+          <a:ln w="25400" cap="rnd" cmpd="sng" algn="ctr">
+            <a:noFill/>
+            <a:prstDash val="solid"/>
+          </a:ln>
+          <a:effectLst/>
+        </p:spPr>
+        <p:style>
+          <a:lnRef idx="3">
+            <a:schemeClr val="lt1"/>
+          </a:lnRef>
+          <a:fillRef idx="1">
+            <a:schemeClr val="accent1"/>
+          </a:fillRef>
+          <a:effectRef idx="1">
+            <a:schemeClr val="accent1"/>
+          </a:effectRef>
+          <a:fontRef idx="minor">
+            <a:schemeClr val="lt1"/>
+          </a:fontRef>
+        </p:style>
+        <p:txBody>
+          <a:bodyPr anchor="ctr"/>
+          <a:lstStyle>
+            <a:extLst/>
+          </a:lstStyle>
+          <a:p>
+            <a:pPr algn="ctr" eaLnBrk="1" latinLnBrk="0" hangingPunct="1"/>
+            <a:endParaRPr kumimoji="0" lang="en-US"/>
+          </a:p>
+        </p:txBody>
+      </p:sp>
+      <p:sp>
+        <p:nvSpPr>
           <p:cNvPr id="2" name="Espace réservé de la date 1"/>
           <p:cNvSpPr>
             <a:spLocks noGrp="1"/>
@@ -1991,11 +2792,13 @@
         <p:spPr/>
         <p:txBody>
           <a:bodyPr/>
-          <a:lstStyle/>
-          <a:p>
-            <a:fld id="{E330F08A-8E59-6B4E-A444-1A1858DF76C2}" type="datetimeFigureOut">
+          <a:lstStyle>
+            <a:extLst/>
+          </a:lstStyle>
+          <a:p>
+            <a:fld id="{64C6B6F9-87A4-4863-95AB-8CB6E442ED90}" type="datetime1">
               <a:rPr lang="fr-FR" smtClean="0"/>
-              <a:t>17/10/2016</a:t>
+              <a:t>18/10/2016</a:t>
             </a:fld>
             <a:endParaRPr lang="fr-FR"/>
           </a:p>
@@ -2014,7 +2817,9 @@
         <p:spPr/>
         <p:txBody>
           <a:bodyPr/>
-          <a:lstStyle/>
+          <a:lstStyle>
+            <a:extLst/>
+          </a:lstStyle>
           <a:p>
             <a:endParaRPr lang="fr-FR"/>
           </a:p>
@@ -2033,22 +2838,75 @@
         <p:spPr/>
         <p:txBody>
           <a:bodyPr/>
-          <a:lstStyle/>
+          <a:lstStyle>
+            <a:extLst/>
+          </a:lstStyle>
           <a:p>
             <a:fld id="{056E17D1-6463-6D4A-A6B9-487EB10F22E4}" type="slidenum">
               <a:rPr lang="fr-FR" smtClean="0"/>
-              <a:t>‹#›</a:t>
+              <a:t>‹N°›</a:t>
             </a:fld>
             <a:endParaRPr lang="fr-FR"/>
           </a:p>
         </p:txBody>
       </p:sp>
+      <p:sp>
+        <p:nvSpPr>
+          <p:cNvPr id="6" name="Rectangle 5"/>
+          <p:cNvSpPr/>
+          <p:nvPr/>
+        </p:nvSpPr>
+        <p:spPr bwMode="invGray">
+          <a:xfrm>
+            <a:off x="1014984" y="-54"/>
+            <a:ext cx="73152" cy="6858054"/>
+          </a:xfrm>
+          <a:prstGeom prst="rect">
+            <a:avLst/>
+          </a:prstGeom>
+          <a:solidFill>
+            <a:schemeClr val="bg1"/>
+          </a:solidFill>
+          <a:ln w="25400" cap="rnd" cmpd="sng" algn="ctr">
+            <a:noFill/>
+            <a:prstDash val="solid"/>
+          </a:ln>
+          <a:effectLst>
+            <a:outerShdw blurRad="38550" dist="38000" dir="10800000" algn="tl" rotWithShape="0">
+              <a:schemeClr val="bg2">
+                <a:shade val="20000"/>
+                <a:satMod val="110000"/>
+                <a:alpha val="25000"/>
+              </a:schemeClr>
+            </a:outerShdw>
+          </a:effectLst>
+        </p:spPr>
+        <p:style>
+          <a:lnRef idx="3">
+            <a:schemeClr val="lt1"/>
+          </a:lnRef>
+          <a:fillRef idx="1">
+            <a:schemeClr val="accent1"/>
+          </a:fillRef>
+          <a:effectRef idx="1">
+            <a:schemeClr val="accent1"/>
+          </a:effectRef>
+          <a:fontRef idx="minor">
+            <a:schemeClr val="lt1"/>
+          </a:fontRef>
+        </p:style>
+        <p:txBody>
+          <a:bodyPr anchor="ctr"/>
+          <a:lstStyle>
+            <a:extLst/>
+          </a:lstStyle>
+          <a:p>
+            <a:pPr algn="ctr" eaLnBrk="1" latinLnBrk="0" hangingPunct="1"/>
+            <a:endParaRPr kumimoji="0" lang="en-US"/>
+          </a:p>
+        </p:txBody>
+      </p:sp>
     </p:spTree>
-    <p:extLst>
-      <p:ext uri="{BB962C8B-B14F-4D97-AF65-F5344CB8AC3E}">
-        <p14:creationId xmlns:p14="http://schemas.microsoft.com/office/powerpoint/2010/main" val="2750730734"/>
-      </p:ext>
-    </p:extLst>
   </p:cSld>
   <p:clrMapOvr>
     <a:masterClrMapping/>
@@ -2057,7 +2915,7 @@
 </file>
 
 <file path=ppt/slideLayouts/slideLayout8.xml><?xml version="1.0" encoding="utf-8"?>
-<p:sldLayout xmlns:a="http://schemas.openxmlformats.org/drawingml/2006/main" xmlns:r="http://schemas.openxmlformats.org/officeDocument/2006/relationships" xmlns:p="http://schemas.openxmlformats.org/presentationml/2006/main" type="objTx" preserve="1">
+<p:sldLayout xmlns:a="http://schemas.openxmlformats.org/drawingml/2006/main" xmlns:r="http://schemas.openxmlformats.org/officeDocument/2006/relationships" xmlns:p="http://schemas.openxmlformats.org/presentationml/2006/main" showMasterSp="0" type="objTx" preserve="1">
   <p:cSld name="Contenu avec légende">
     <p:spTree>
       <p:nvGrpSpPr>
@@ -2085,40 +2943,104 @@
         </p:nvSpPr>
         <p:spPr>
           <a:xfrm>
-            <a:off x="457200" y="273050"/>
-            <a:ext cx="3008313" cy="1162050"/>
+            <a:off x="457200" y="216778"/>
+            <a:ext cx="3810000" cy="1162050"/>
           </a:xfrm>
+          <a:ln>
+            <a:noFill/>
+          </a:ln>
         </p:spPr>
         <p:txBody>
           <a:bodyPr anchor="b"/>
           <a:lstStyle>
             <a:lvl1pPr algn="l">
-              <a:defRPr sz="2000" b="1"/>
+              <a:lnSpc>
+                <a:spcPts val="2000"/>
+              </a:lnSpc>
+              <a:buNone/>
+              <a:defRPr sz="2200" b="1" cap="all" baseline="0"/>
             </a:lvl1pPr>
+            <a:extLst/>
           </a:lstStyle>
           <a:p>
             <a:r>
-              <a:rPr lang="fr-FR" smtClean="0"/>
-              <a:t>Cliquez et modifiez le titre</a:t>
-            </a:r>
-            <a:endParaRPr lang="fr-FR"/>
-          </a:p>
-        </p:txBody>
-      </p:sp>
-      <p:sp>
-        <p:nvSpPr>
-          <p:cNvPr id="3" name="Espace réservé du contenu 2"/>
-          <p:cNvSpPr>
-            <a:spLocks noGrp="1"/>
-          </p:cNvSpPr>
-          <p:nvPr>
-            <p:ph idx="1"/>
+              <a:rPr kumimoji="0" lang="fr-FR" smtClean="0"/>
+              <a:t>Modifiez le style du titre</a:t>
+            </a:r>
+            <a:endParaRPr kumimoji="0" lang="en-US"/>
+          </a:p>
+        </p:txBody>
+      </p:sp>
+      <p:sp>
+        <p:nvSpPr>
+          <p:cNvPr id="3" name="Espace réservé du texte 2"/>
+          <p:cNvSpPr>
+            <a:spLocks noGrp="1"/>
+          </p:cNvSpPr>
+          <p:nvPr>
+            <p:ph type="body" idx="2"/>
           </p:nvPr>
         </p:nvSpPr>
         <p:spPr>
           <a:xfrm>
-            <a:off x="3575050" y="273050"/>
-            <a:ext cx="5111750" cy="5853113"/>
+            <a:off x="457200" y="1406964"/>
+            <a:ext cx="3810000" cy="698500"/>
+          </a:xfrm>
+        </p:spPr>
+        <p:txBody>
+          <a:bodyPr/>
+          <a:lstStyle>
+            <a:lvl1pPr marL="45720" indent="0">
+              <a:lnSpc>
+                <a:spcPct val="100000"/>
+              </a:lnSpc>
+              <a:spcBef>
+                <a:spcPts val="0"/>
+              </a:spcBef>
+              <a:buNone/>
+              <a:defRPr sz="1400"/>
+            </a:lvl1pPr>
+            <a:lvl2pPr>
+              <a:buNone/>
+              <a:defRPr sz="1200"/>
+            </a:lvl2pPr>
+            <a:lvl3pPr>
+              <a:buNone/>
+              <a:defRPr sz="1000"/>
+            </a:lvl3pPr>
+            <a:lvl4pPr>
+              <a:buNone/>
+              <a:defRPr sz="900"/>
+            </a:lvl4pPr>
+            <a:lvl5pPr>
+              <a:buNone/>
+              <a:defRPr sz="900"/>
+            </a:lvl5pPr>
+            <a:extLst/>
+          </a:lstStyle>
+          <a:p>
+            <a:pPr lvl="0" eaLnBrk="1" latinLnBrk="0" hangingPunct="1"/>
+            <a:r>
+              <a:rPr kumimoji="0" lang="fr-FR" smtClean="0"/>
+              <a:t>Modifiez les styles du texte du masque</a:t>
+            </a:r>
+          </a:p>
+        </p:txBody>
+      </p:sp>
+      <p:sp>
+        <p:nvSpPr>
+          <p:cNvPr id="4" name="Espace réservé du contenu 3"/>
+          <p:cNvSpPr>
+            <a:spLocks noGrp="1"/>
+          </p:cNvSpPr>
+          <p:nvPr>
+            <p:ph sz="half" idx="1"/>
+          </p:nvPr>
+        </p:nvSpPr>
+        <p:spPr>
+          <a:xfrm>
+            <a:off x="457200" y="2133600"/>
+            <a:ext cx="8153400" cy="3992563"/>
           </a:xfrm>
         </p:spPr>
         <p:txBody>
@@ -2139,140 +3061,66 @@
             <a:lvl5pPr>
               <a:defRPr sz="2000"/>
             </a:lvl5pPr>
-            <a:lvl6pPr>
-              <a:defRPr sz="2000"/>
-            </a:lvl6pPr>
-            <a:lvl7pPr>
-              <a:defRPr sz="2000"/>
-            </a:lvl7pPr>
-            <a:lvl8pPr>
-              <a:defRPr sz="2000"/>
-            </a:lvl8pPr>
-            <a:lvl9pPr>
-              <a:defRPr sz="2000"/>
-            </a:lvl9pPr>
+            <a:extLst/>
           </a:lstStyle>
           <a:p>
-            <a:pPr lvl="0"/>
+            <a:pPr lvl="0" eaLnBrk="1" latinLnBrk="0" hangingPunct="1"/>
             <a:r>
               <a:rPr lang="fr-FR" smtClean="0"/>
-              <a:t>Cliquez pour modifier les styles du texte du masque</a:t>
-            </a:r>
-          </a:p>
-          <a:p>
-            <a:pPr lvl="1"/>
+              <a:t>Modifiez les styles du texte du masque</a:t>
+            </a:r>
+          </a:p>
+          <a:p>
+            <a:pPr lvl="1" eaLnBrk="1" latinLnBrk="0" hangingPunct="1"/>
             <a:r>
               <a:rPr lang="fr-FR" smtClean="0"/>
               <a:t>Deuxième niveau</a:t>
             </a:r>
           </a:p>
           <a:p>
-            <a:pPr lvl="2"/>
+            <a:pPr lvl="2" eaLnBrk="1" latinLnBrk="0" hangingPunct="1"/>
             <a:r>
               <a:rPr lang="fr-FR" smtClean="0"/>
               <a:t>Troisième niveau</a:t>
             </a:r>
           </a:p>
           <a:p>
-            <a:pPr lvl="3"/>
+            <a:pPr lvl="3" eaLnBrk="1" latinLnBrk="0" hangingPunct="1"/>
             <a:r>
               <a:rPr lang="fr-FR" smtClean="0"/>
               <a:t>Quatrième niveau</a:t>
             </a:r>
           </a:p>
           <a:p>
-            <a:pPr lvl="4"/>
+            <a:pPr lvl="4" eaLnBrk="1" latinLnBrk="0" hangingPunct="1"/>
             <a:r>
               <a:rPr lang="fr-FR" smtClean="0"/>
               <a:t>Cinquième niveau</a:t>
             </a:r>
-            <a:endParaRPr lang="fr-FR"/>
-          </a:p>
-        </p:txBody>
-      </p:sp>
-      <p:sp>
-        <p:nvSpPr>
-          <p:cNvPr id="4" name="Espace réservé du texte 3"/>
-          <p:cNvSpPr>
-            <a:spLocks noGrp="1"/>
-          </p:cNvSpPr>
-          <p:nvPr>
-            <p:ph type="body" sz="half" idx="2"/>
-          </p:nvPr>
-        </p:nvSpPr>
-        <p:spPr>
-          <a:xfrm>
-            <a:off x="457200" y="1435100"/>
-            <a:ext cx="3008313" cy="4691063"/>
-          </a:xfrm>
-        </p:spPr>
+            <a:endParaRPr kumimoji="0" lang="en-US"/>
+          </a:p>
+        </p:txBody>
+      </p:sp>
+      <p:sp>
+        <p:nvSpPr>
+          <p:cNvPr id="5" name="Espace réservé de la date 4"/>
+          <p:cNvSpPr>
+            <a:spLocks noGrp="1"/>
+          </p:cNvSpPr>
+          <p:nvPr>
+            <p:ph type="dt" sz="half" idx="10"/>
+          </p:nvPr>
+        </p:nvSpPr>
+        <p:spPr/>
         <p:txBody>
           <a:bodyPr/>
           <a:lstStyle>
-            <a:lvl1pPr marL="0" indent="0">
-              <a:buNone/>
-              <a:defRPr sz="1400"/>
-            </a:lvl1pPr>
-            <a:lvl2pPr marL="457200" indent="0">
-              <a:buNone/>
-              <a:defRPr sz="1200"/>
-            </a:lvl2pPr>
-            <a:lvl3pPr marL="914400" indent="0">
-              <a:buNone/>
-              <a:defRPr sz="1000"/>
-            </a:lvl3pPr>
-            <a:lvl4pPr marL="1371600" indent="0">
-              <a:buNone/>
-              <a:defRPr sz="900"/>
-            </a:lvl4pPr>
-            <a:lvl5pPr marL="1828800" indent="0">
-              <a:buNone/>
-              <a:defRPr sz="900"/>
-            </a:lvl5pPr>
-            <a:lvl6pPr marL="2286000" indent="0">
-              <a:buNone/>
-              <a:defRPr sz="900"/>
-            </a:lvl6pPr>
-            <a:lvl7pPr marL="2743200" indent="0">
-              <a:buNone/>
-              <a:defRPr sz="900"/>
-            </a:lvl7pPr>
-            <a:lvl8pPr marL="3200400" indent="0">
-              <a:buNone/>
-              <a:defRPr sz="900"/>
-            </a:lvl8pPr>
-            <a:lvl9pPr marL="3657600" indent="0">
-              <a:buNone/>
-              <a:defRPr sz="900"/>
-            </a:lvl9pPr>
+            <a:extLst/>
           </a:lstStyle>
           <a:p>
-            <a:pPr lvl="0"/>
-            <a:r>
+            <a:fld id="{A210B356-2980-42E4-99E4-2FB03FC08CEC}" type="datetime1">
               <a:rPr lang="fr-FR" smtClean="0"/>
-              <a:t>Cliquez pour modifier les styles du texte du masque</a:t>
-            </a:r>
-          </a:p>
-        </p:txBody>
-      </p:sp>
-      <p:sp>
-        <p:nvSpPr>
-          <p:cNvPr id="5" name="Espace réservé de la date 4"/>
-          <p:cNvSpPr>
-            <a:spLocks noGrp="1"/>
-          </p:cNvSpPr>
-          <p:nvPr>
-            <p:ph type="dt" sz="half" idx="10"/>
-          </p:nvPr>
-        </p:nvSpPr>
-        <p:spPr/>
-        <p:txBody>
-          <a:bodyPr/>
-          <a:lstStyle/>
-          <a:p>
-            <a:fld id="{E330F08A-8E59-6B4E-A444-1A1858DF76C2}" type="datetimeFigureOut">
-              <a:rPr lang="fr-FR" smtClean="0"/>
-              <a:t>17/10/2016</a:t>
+              <a:t>18/10/2016</a:t>
             </a:fld>
             <a:endParaRPr lang="fr-FR"/>
           </a:p>
@@ -2291,7 +3139,9 @@
         <p:spPr/>
         <p:txBody>
           <a:bodyPr/>
-          <a:lstStyle/>
+          <a:lstStyle>
+            <a:extLst/>
+          </a:lstStyle>
           <a:p>
             <a:endParaRPr lang="fr-FR"/>
           </a:p>
@@ -2310,22 +3160,19 @@
         <p:spPr/>
         <p:txBody>
           <a:bodyPr/>
-          <a:lstStyle/>
+          <a:lstStyle>
+            <a:extLst/>
+          </a:lstStyle>
           <a:p>
             <a:fld id="{056E17D1-6463-6D4A-A6B9-487EB10F22E4}" type="slidenum">
               <a:rPr lang="fr-FR" smtClean="0"/>
-              <a:t>‹#›</a:t>
+              <a:t>‹N°›</a:t>
             </a:fld>
             <a:endParaRPr lang="fr-FR"/>
           </a:p>
         </p:txBody>
       </p:sp>
     </p:spTree>
-    <p:extLst>
-      <p:ext uri="{BB962C8B-B14F-4D97-AF65-F5344CB8AC3E}">
-        <p14:creationId xmlns:p14="http://schemas.microsoft.com/office/powerpoint/2010/main" val="1100673802"/>
-      </p:ext>
-    </p:extLst>
   </p:cSld>
   <p:clrMapOvr>
     <a:masterClrMapping/>
@@ -2334,7 +3181,7 @@
 </file>
 
 <file path=ppt/slideLayouts/slideLayout9.xml><?xml version="1.0" encoding="utf-8"?>
-<p:sldLayout xmlns:a="http://schemas.openxmlformats.org/drawingml/2006/main" xmlns:r="http://schemas.openxmlformats.org/officeDocument/2006/relationships" xmlns:p="http://schemas.openxmlformats.org/presentationml/2006/main" type="picTx" preserve="1">
+<p:sldLayout xmlns:a="http://schemas.openxmlformats.org/drawingml/2006/main" xmlns:r="http://schemas.openxmlformats.org/officeDocument/2006/relationships" xmlns:p="http://schemas.openxmlformats.org/presentationml/2006/main" showMasterSp="0" type="picTx" preserve="1">
   <p:cSld name="Image avec légende">
     <p:spTree>
       <p:nvGrpSpPr>
@@ -2362,84 +3209,346 @@
         </p:nvSpPr>
         <p:spPr>
           <a:xfrm>
-            <a:off x="1792288" y="4800600"/>
-            <a:ext cx="5486400" cy="566738"/>
+            <a:off x="5886896" y="1066800"/>
+            <a:ext cx="2743200" cy="1981200"/>
           </a:xfrm>
         </p:spPr>
         <p:txBody>
-          <a:bodyPr anchor="b"/>
+          <a:bodyPr anchor="b">
+            <a:noAutofit/>
+          </a:bodyPr>
           <a:lstStyle>
             <a:lvl1pPr algn="l">
-              <a:defRPr sz="2000" b="1"/>
+              <a:buNone/>
+              <a:defRPr sz="2100" b="1">
+                <a:effectLst/>
+              </a:defRPr>
             </a:lvl1pPr>
+            <a:extLst/>
           </a:lstStyle>
           <a:p>
             <a:r>
+              <a:rPr kumimoji="0" lang="fr-FR" smtClean="0"/>
+              <a:t>Modifiez le style du titre</a:t>
+            </a:r>
+            <a:endParaRPr kumimoji="0" lang="en-US"/>
+          </a:p>
+        </p:txBody>
+      </p:sp>
+      <p:sp>
+        <p:nvSpPr>
+          <p:cNvPr id="5" name="Espace réservé de la date 4"/>
+          <p:cNvSpPr>
+            <a:spLocks noGrp="1"/>
+          </p:cNvSpPr>
+          <p:nvPr>
+            <p:ph type="dt" sz="half" idx="10"/>
+          </p:nvPr>
+        </p:nvSpPr>
+        <p:spPr/>
+        <p:txBody>
+          <a:bodyPr/>
+          <a:lstStyle>
+            <a:extLst/>
+          </a:lstStyle>
+          <a:p>
+            <a:fld id="{A5FE3268-0EEB-4C3F-A260-B25F428BD511}" type="datetime1">
               <a:rPr lang="fr-FR" smtClean="0"/>
-              <a:t>Cliquez et modifiez le titre</a:t>
-            </a:r>
+              <a:t>18/10/2016</a:t>
+            </a:fld>
             <a:endParaRPr lang="fr-FR"/>
           </a:p>
         </p:txBody>
       </p:sp>
       <p:sp>
         <p:nvSpPr>
-          <p:cNvPr id="3" name="Espace réservé pour une image  2"/>
-          <p:cNvSpPr>
-            <a:spLocks noGrp="1"/>
-          </p:cNvSpPr>
-          <p:nvPr>
-            <p:ph type="pic" idx="1"/>
-          </p:nvPr>
+          <p:cNvPr id="6" name="Espace réservé du pied de page 5"/>
+          <p:cNvSpPr>
+            <a:spLocks noGrp="1"/>
+          </p:cNvSpPr>
+          <p:nvPr>
+            <p:ph type="ftr" sz="quarter" idx="11"/>
+          </p:nvPr>
+        </p:nvSpPr>
+        <p:spPr/>
+        <p:txBody>
+          <a:bodyPr/>
+          <a:lstStyle>
+            <a:extLst/>
+          </a:lstStyle>
+          <a:p>
+            <a:endParaRPr lang="fr-FR"/>
+          </a:p>
+        </p:txBody>
+      </p:sp>
+      <p:sp>
+        <p:nvSpPr>
+          <p:cNvPr id="7" name="Espace réservé du numéro de diapositive 6"/>
+          <p:cNvSpPr>
+            <a:spLocks noGrp="1"/>
+          </p:cNvSpPr>
+          <p:nvPr>
+            <p:ph type="sldNum" sz="quarter" idx="12"/>
+          </p:nvPr>
+        </p:nvSpPr>
+        <p:spPr/>
+        <p:txBody>
+          <a:bodyPr/>
+          <a:lstStyle>
+            <a:extLst/>
+          </a:lstStyle>
+          <a:p>
+            <a:fld id="{056E17D1-6463-6D4A-A6B9-487EB10F22E4}" type="slidenum">
+              <a:rPr lang="fr-FR" smtClean="0"/>
+              <a:t>‹N°›</a:t>
+            </a:fld>
+            <a:endParaRPr lang="fr-FR"/>
+          </a:p>
+        </p:txBody>
+      </p:sp>
+      <p:sp>
+        <p:nvSpPr>
+          <p:cNvPr id="8" name="Rectangle 7"/>
+          <p:cNvSpPr/>
+          <p:nvPr/>
         </p:nvSpPr>
         <p:spPr>
           <a:xfrm>
-            <a:off x="1792288" y="612775"/>
-            <a:ext cx="5486400" cy="4114800"/>
+            <a:off x="762000" y="1066800"/>
+            <a:ext cx="4572000" cy="4572000"/>
           </a:xfrm>
+          <a:prstGeom prst="rect">
+            <a:avLst/>
+          </a:prstGeom>
+          <a:solidFill>
+            <a:srgbClr val="FFFFFF"/>
+          </a:solidFill>
+          <a:ln w="88900" cap="sq">
+            <a:solidFill>
+              <a:srgbClr val="FFFFFF"/>
+            </a:solidFill>
+            <a:miter lim="800000"/>
+          </a:ln>
+          <a:effectLst>
+            <a:outerShdw blurRad="55500" dist="18500" dir="5400000" algn="tl" rotWithShape="0">
+              <a:srgbClr val="000000">
+                <a:alpha val="35000"/>
+              </a:srgbClr>
+            </a:outerShdw>
+          </a:effectLst>
+          <a:scene3d>
+            <a:camera prst="orthographicFront"/>
+            <a:lightRig rig="twoPt" dir="t">
+              <a:rot lat="0" lon="0" rev="7200000"/>
+            </a:lightRig>
+          </a:scene3d>
+          <a:sp3d contourW="635">
+            <a:bevelT w="25400" h="19050"/>
+            <a:contourClr>
+              <a:srgbClr val="969696"/>
+            </a:contourClr>
+          </a:sp3d>
         </p:spPr>
         <p:txBody>
-          <a:bodyPr/>
+          <a:bodyPr lIns="91440" tIns="274320" rtlCol="0" anchor="t">
+            <a:normAutofit/>
+          </a:bodyPr>
           <a:lstStyle>
-            <a:lvl1pPr marL="0" indent="0">
+            <a:extLst/>
+          </a:lstStyle>
+          <a:p>
+            <a:pPr marL="0" indent="-283464" algn="l" rtl="0" eaLnBrk="1" latinLnBrk="0" hangingPunct="1">
+              <a:lnSpc>
+                <a:spcPts val="3000"/>
+              </a:lnSpc>
+              <a:spcBef>
+                <a:spcPts val="600"/>
+              </a:spcBef>
+              <a:buClr>
+                <a:schemeClr val="accent1"/>
+              </a:buClr>
+              <a:buSzPct val="80000"/>
+              <a:buFont typeface="Wingdings 2"/>
+              <a:buNone/>
+            </a:pPr>
+            <a:endParaRPr kumimoji="0" lang="en-US" sz="3200" kern="1200">
+              <a:solidFill>
+                <a:schemeClr val="tx1"/>
+              </a:solidFill>
+              <a:latin typeface="+mn-lt"/>
+              <a:ea typeface="+mn-ea"/>
+              <a:cs typeface="+mn-cs"/>
+            </a:endParaRPr>
+          </a:p>
+        </p:txBody>
+      </p:sp>
+      <p:sp>
+        <p:nvSpPr>
+          <p:cNvPr id="3" name="Espace réservé pour une image  2"/>
+          <p:cNvSpPr>
+            <a:spLocks noGrp="1"/>
+          </p:cNvSpPr>
+          <p:nvPr>
+            <p:ph type="pic" idx="1"/>
+          </p:nvPr>
+        </p:nvSpPr>
+        <p:spPr>
+          <a:xfrm>
+            <a:off x="838200" y="1143003"/>
+            <a:ext cx="4419600" cy="3514531"/>
+          </a:xfrm>
+          <a:prstGeom prst="roundRect">
+            <a:avLst>
+              <a:gd name="adj" fmla="val 783"/>
+            </a:avLst>
+          </a:prstGeom>
+          <a:solidFill>
+            <a:schemeClr val="bg2"/>
+          </a:solidFill>
+          <a:ln w="127000">
+            <a:noFill/>
+            <a:miter lim="800000"/>
+          </a:ln>
+          <a:effectLst/>
+        </p:spPr>
+        <p:txBody>
+          <a:bodyPr lIns="91440" tIns="274320" anchor="t"/>
+          <a:lstStyle>
+            <a:lvl1pPr indent="0">
               <a:buNone/>
               <a:defRPr sz="3200"/>
             </a:lvl1pPr>
-            <a:lvl2pPr marL="457200" indent="0">
-              <a:buNone/>
-              <a:defRPr sz="2800"/>
-            </a:lvl2pPr>
-            <a:lvl3pPr marL="914400" indent="0">
-              <a:buNone/>
-              <a:defRPr sz="2400"/>
-            </a:lvl3pPr>
-            <a:lvl4pPr marL="1371600" indent="0">
-              <a:buNone/>
-              <a:defRPr sz="2000"/>
-            </a:lvl4pPr>
-            <a:lvl5pPr marL="1828800" indent="0">
-              <a:buNone/>
-              <a:defRPr sz="2000"/>
-            </a:lvl5pPr>
-            <a:lvl6pPr marL="2286000" indent="0">
-              <a:buNone/>
-              <a:defRPr sz="2000"/>
-            </a:lvl6pPr>
-            <a:lvl7pPr marL="2743200" indent="0">
-              <a:buNone/>
-              <a:defRPr sz="2000"/>
-            </a:lvl7pPr>
-            <a:lvl8pPr marL="3200400" indent="0">
-              <a:buNone/>
-              <a:defRPr sz="2000"/>
-            </a:lvl8pPr>
-            <a:lvl9pPr marL="3657600" indent="0">
-              <a:buNone/>
-              <a:defRPr sz="2000"/>
-            </a:lvl9pPr>
+            <a:extLst/>
           </a:lstStyle>
           <a:p>
-            <a:endParaRPr lang="fr-FR"/>
+            <a:pPr marL="0" algn="l" eaLnBrk="1" latinLnBrk="0" hangingPunct="1"/>
+            <a:r>
+              <a:rPr kumimoji="0" lang="fr-FR" smtClean="0"/>
+              <a:t>Cliquez sur l'icône pour ajouter une image</a:t>
+            </a:r>
+            <a:endParaRPr kumimoji="0" lang="en-US" dirty="0"/>
+          </a:p>
+        </p:txBody>
+      </p:sp>
+      <p:sp>
+        <p:nvSpPr>
+          <p:cNvPr id="9" name="Organigramme : Processus 8"/>
+          <p:cNvSpPr/>
+          <p:nvPr/>
+        </p:nvSpPr>
+        <p:spPr>
+          <a:xfrm rot="19468671">
+            <a:off x="396725" y="954341"/>
+            <a:ext cx="685800" cy="204310"/>
+          </a:xfrm>
+          <a:prstGeom prst="flowChartProcess">
+            <a:avLst/>
+          </a:prstGeom>
+          <a:solidFill>
+            <a:srgbClr val="FBFBFB">
+              <a:alpha val="45098"/>
+            </a:srgbClr>
+          </a:solidFill>
+          <a:ln w="6350" cap="rnd" cmpd="sng" algn="ctr">
+            <a:solidFill>
+              <a:srgbClr val="FFFFFF">
+                <a:alpha val="100000"/>
+              </a:srgbClr>
+            </a:solidFill>
+            <a:prstDash val="solid"/>
+          </a:ln>
+          <a:effectLst>
+            <a:outerShdw blurRad="25400" dist="25400" dir="3300000" sx="96000" sy="96000" algn="tl" rotWithShape="0">
+              <a:schemeClr val="bg2">
+                <a:shade val="90000"/>
+                <a:satMod val="200000"/>
+                <a:alpha val="40000"/>
+              </a:schemeClr>
+            </a:outerShdw>
+          </a:effectLst>
+        </p:spPr>
+        <p:style>
+          <a:lnRef idx="3">
+            <a:schemeClr val="lt1"/>
+          </a:lnRef>
+          <a:fillRef idx="1">
+            <a:schemeClr val="accent1"/>
+          </a:fillRef>
+          <a:effectRef idx="1">
+            <a:schemeClr val="accent1"/>
+          </a:effectRef>
+          <a:fontRef idx="minor">
+            <a:schemeClr val="lt1"/>
+          </a:fontRef>
+        </p:style>
+        <p:txBody>
+          <a:bodyPr anchor="ctr"/>
+          <a:lstStyle>
+            <a:extLst/>
+          </a:lstStyle>
+          <a:p>
+            <a:pPr algn="ctr" eaLnBrk="1" latinLnBrk="0" hangingPunct="1"/>
+            <a:endParaRPr kumimoji="0" lang="en-US"/>
+          </a:p>
+        </p:txBody>
+      </p:sp>
+      <p:sp>
+        <p:nvSpPr>
+          <p:cNvPr id="10" name="Organigramme : Processus 9"/>
+          <p:cNvSpPr/>
+          <p:nvPr/>
+        </p:nvSpPr>
+        <p:spPr>
+          <a:xfrm rot="2103354" flipH="1">
+            <a:off x="5003667" y="936786"/>
+            <a:ext cx="649224" cy="204310"/>
+          </a:xfrm>
+          <a:prstGeom prst="flowChartProcess">
+            <a:avLst/>
+          </a:prstGeom>
+          <a:solidFill>
+            <a:srgbClr val="FBFBFB">
+              <a:alpha val="45098"/>
+            </a:srgbClr>
+          </a:solidFill>
+          <a:ln w="6350" cap="rnd" cmpd="sng" algn="ctr">
+            <a:solidFill>
+              <a:srgbClr val="FFFFFF">
+                <a:alpha val="100000"/>
+              </a:srgbClr>
+            </a:solidFill>
+            <a:prstDash val="solid"/>
+          </a:ln>
+          <a:effectLst>
+            <a:outerShdw blurRad="25400" dist="25400" dir="3300000" sx="96000" sy="96000" algn="tl" rotWithShape="0">
+              <a:schemeClr val="bg2">
+                <a:alpha val="20000"/>
+              </a:schemeClr>
+            </a:outerShdw>
+          </a:effectLst>
+        </p:spPr>
+        <p:style>
+          <a:lnRef idx="3">
+            <a:schemeClr val="lt1"/>
+          </a:lnRef>
+          <a:fillRef idx="1">
+            <a:schemeClr val="accent1"/>
+          </a:fillRef>
+          <a:effectRef idx="1">
+            <a:schemeClr val="accent1"/>
+          </a:effectRef>
+          <a:fontRef idx="minor">
+            <a:schemeClr val="lt1"/>
+          </a:fontRef>
+        </p:style>
+        <p:txBody>
+          <a:bodyPr anchor="ctr"/>
+          <a:lstStyle>
+            <a:extLst/>
+          </a:lstStyle>
+          <a:p>
+            <a:pPr algn="ctr" eaLnBrk="1" latinLnBrk="0" hangingPunct="1"/>
+            <a:endParaRPr kumimoji="0" lang="en-US" dirty="0"/>
           </a:p>
         </p:txBody>
       </p:sp>
@@ -2455,130 +3564,51 @@
         </p:nvSpPr>
         <p:spPr>
           <a:xfrm>
-            <a:off x="1792288" y="5367338"/>
-            <a:ext cx="5486400" cy="804862"/>
+            <a:off x="838200" y="4800600"/>
+            <a:ext cx="4419600" cy="762000"/>
           </a:xfrm>
         </p:spPr>
         <p:txBody>
-          <a:bodyPr/>
+          <a:bodyPr anchor="ctr"/>
           <a:lstStyle>
-            <a:lvl1pPr marL="0" indent="0">
+            <a:lvl1pPr marL="0" indent="0" algn="l">
+              <a:lnSpc>
+                <a:spcPts val="1600"/>
+              </a:lnSpc>
+              <a:spcBef>
+                <a:spcPts val="0"/>
+              </a:spcBef>
               <a:buNone/>
-              <a:defRPr sz="1400"/>
+              <a:defRPr sz="1400">
+                <a:solidFill>
+                  <a:srgbClr val="777777"/>
+                </a:solidFill>
+              </a:defRPr>
             </a:lvl1pPr>
-            <a:lvl2pPr marL="457200" indent="0">
-              <a:buNone/>
+            <a:lvl2pPr>
               <a:defRPr sz="1200"/>
             </a:lvl2pPr>
-            <a:lvl3pPr marL="914400" indent="0">
-              <a:buNone/>
+            <a:lvl3pPr>
               <a:defRPr sz="1000"/>
             </a:lvl3pPr>
-            <a:lvl4pPr marL="1371600" indent="0">
-              <a:buNone/>
+            <a:lvl4pPr>
               <a:defRPr sz="900"/>
             </a:lvl4pPr>
-            <a:lvl5pPr marL="1828800" indent="0">
-              <a:buNone/>
+            <a:lvl5pPr>
               <a:defRPr sz="900"/>
             </a:lvl5pPr>
-            <a:lvl6pPr marL="2286000" indent="0">
-              <a:buNone/>
-              <a:defRPr sz="900"/>
-            </a:lvl6pPr>
-            <a:lvl7pPr marL="2743200" indent="0">
-              <a:buNone/>
-              <a:defRPr sz="900"/>
-            </a:lvl7pPr>
-            <a:lvl8pPr marL="3200400" indent="0">
-              <a:buNone/>
-              <a:defRPr sz="900"/>
-            </a:lvl8pPr>
-            <a:lvl9pPr marL="3657600" indent="0">
-              <a:buNone/>
-              <a:defRPr sz="900"/>
-            </a:lvl9pPr>
+            <a:extLst/>
           </a:lstStyle>
           <a:p>
-            <a:pPr lvl="0"/>
-            <a:r>
-              <a:rPr lang="fr-FR" smtClean="0"/>
-              <a:t>Cliquez pour modifier les styles du texte du masque</a:t>
-            </a:r>
-          </a:p>
-        </p:txBody>
-      </p:sp>
-      <p:sp>
-        <p:nvSpPr>
-          <p:cNvPr id="5" name="Espace réservé de la date 4"/>
-          <p:cNvSpPr>
-            <a:spLocks noGrp="1"/>
-          </p:cNvSpPr>
-          <p:nvPr>
-            <p:ph type="dt" sz="half" idx="10"/>
-          </p:nvPr>
-        </p:nvSpPr>
-        <p:spPr/>
-        <p:txBody>
-          <a:bodyPr/>
-          <a:lstStyle/>
-          <a:p>
-            <a:fld id="{E330F08A-8E59-6B4E-A444-1A1858DF76C2}" type="datetimeFigureOut">
-              <a:rPr lang="fr-FR" smtClean="0"/>
-              <a:t>17/10/2016</a:t>
-            </a:fld>
-            <a:endParaRPr lang="fr-FR"/>
-          </a:p>
-        </p:txBody>
-      </p:sp>
-      <p:sp>
-        <p:nvSpPr>
-          <p:cNvPr id="6" name="Espace réservé du pied de page 5"/>
-          <p:cNvSpPr>
-            <a:spLocks noGrp="1"/>
-          </p:cNvSpPr>
-          <p:nvPr>
-            <p:ph type="ftr" sz="quarter" idx="11"/>
-          </p:nvPr>
-        </p:nvSpPr>
-        <p:spPr/>
-        <p:txBody>
-          <a:bodyPr/>
-          <a:lstStyle/>
-          <a:p>
-            <a:endParaRPr lang="fr-FR"/>
-          </a:p>
-        </p:txBody>
-      </p:sp>
-      <p:sp>
-        <p:nvSpPr>
-          <p:cNvPr id="7" name="Espace réservé du numéro de diapositive 6"/>
-          <p:cNvSpPr>
-            <a:spLocks noGrp="1"/>
-          </p:cNvSpPr>
-          <p:nvPr>
-            <p:ph type="sldNum" sz="quarter" idx="12"/>
-          </p:nvPr>
-        </p:nvSpPr>
-        <p:spPr/>
-        <p:txBody>
-          <a:bodyPr/>
-          <a:lstStyle/>
-          <a:p>
-            <a:fld id="{056E17D1-6463-6D4A-A6B9-487EB10F22E4}" type="slidenum">
-              <a:rPr lang="fr-FR" smtClean="0"/>
-              <a:t>‹#›</a:t>
-            </a:fld>
-            <a:endParaRPr lang="fr-FR"/>
+            <a:pPr lvl="0" eaLnBrk="1" latinLnBrk="0" hangingPunct="1"/>
+            <a:r>
+              <a:rPr kumimoji="0" lang="fr-FR" smtClean="0"/>
+              <a:t>Modifiez les styles du texte du masque</a:t>
+            </a:r>
           </a:p>
         </p:txBody>
       </p:sp>
     </p:spTree>
-    <p:extLst>
-      <p:ext uri="{BB962C8B-B14F-4D97-AF65-F5344CB8AC3E}">
-        <p14:creationId xmlns:p14="http://schemas.microsoft.com/office/powerpoint/2010/main" val="2127342976"/>
-      </p:ext>
-    </p:extLst>
   </p:cSld>
   <p:clrMapOvr>
     <a:masterClrMapping/>
@@ -2590,8 +3620,8 @@
 <p:sldMaster xmlns:a="http://schemas.openxmlformats.org/drawingml/2006/main" xmlns:r="http://schemas.openxmlformats.org/officeDocument/2006/relationships" xmlns:p="http://schemas.openxmlformats.org/presentationml/2006/main">
   <p:cSld>
     <p:bg>
-      <p:bgRef idx="1001">
-        <a:schemeClr val="bg1"/>
+      <p:bgRef idx="1003">
+        <a:schemeClr val="bg2"/>
       </p:bgRef>
     </p:bg>
     <p:spTree>
@@ -2610,40 +3640,303 @@
       </p:grpSpPr>
       <p:sp>
         <p:nvSpPr>
-          <p:cNvPr id="2" name="Espace réservé du titre 1"/>
-          <p:cNvSpPr>
-            <a:spLocks noGrp="1"/>
-          </p:cNvSpPr>
-          <p:nvPr>
-            <p:ph type="title"/>
-          </p:nvPr>
+          <p:cNvPr id="7" name="Secteurs 6"/>
+          <p:cNvSpPr/>
+          <p:nvPr/>
         </p:nvSpPr>
         <p:spPr>
           <a:xfrm>
-            <a:off x="457200" y="274638"/>
-            <a:ext cx="8229600" cy="1143000"/>
+            <a:off x="-815927" y="-815922"/>
+            <a:ext cx="1638887" cy="1638887"/>
+          </a:xfrm>
+          <a:prstGeom prst="pie">
+            <a:avLst>
+              <a:gd name="adj1" fmla="val 0"/>
+              <a:gd name="adj2" fmla="val 5402120"/>
+            </a:avLst>
+          </a:prstGeom>
+          <a:solidFill>
+            <a:schemeClr val="bg2">
+              <a:tint val="18000"/>
+              <a:satMod val="220000"/>
+              <a:alpha val="33000"/>
+            </a:schemeClr>
+          </a:solidFill>
+          <a:ln w="3175" cap="rnd" cmpd="sng" algn="ctr">
+            <a:solidFill>
+              <a:schemeClr val="bg2">
+                <a:shade val="70000"/>
+                <a:satMod val="200000"/>
+                <a:alpha val="100000"/>
+              </a:schemeClr>
+            </a:solidFill>
+            <a:prstDash val="solid"/>
+          </a:ln>
+          <a:effectLst/>
+        </p:spPr>
+        <p:style>
+          <a:lnRef idx="3">
+            <a:schemeClr val="lt1"/>
+          </a:lnRef>
+          <a:fillRef idx="1">
+            <a:schemeClr val="accent1"/>
+          </a:fillRef>
+          <a:effectRef idx="1">
+            <a:schemeClr val="accent1"/>
+          </a:effectRef>
+          <a:fontRef idx="minor">
+            <a:schemeClr val="lt1"/>
+          </a:fontRef>
+        </p:style>
+        <p:txBody>
+          <a:bodyPr anchor="ctr"/>
+          <a:lstStyle>
+            <a:extLst/>
+          </a:lstStyle>
+          <a:p>
+            <a:pPr algn="ctr" eaLnBrk="1" latinLnBrk="0" hangingPunct="1"/>
+            <a:endParaRPr kumimoji="0" lang="en-US"/>
+          </a:p>
+        </p:txBody>
+      </p:sp>
+      <p:sp>
+        <p:nvSpPr>
+          <p:cNvPr id="8" name="Ellipse 7"/>
+          <p:cNvSpPr/>
+          <p:nvPr/>
+        </p:nvSpPr>
+        <p:spPr>
+          <a:xfrm>
+            <a:off x="168816" y="21102"/>
+            <a:ext cx="1702191" cy="1702191"/>
+          </a:xfrm>
+          <a:prstGeom prst="ellipse">
+            <a:avLst/>
+          </a:prstGeom>
+          <a:noFill/>
+          <a:ln w="27305" cap="rnd" cmpd="sng" algn="ctr">
+            <a:solidFill>
+              <a:schemeClr val="bg2">
+                <a:tint val="45000"/>
+                <a:satMod val="325000"/>
+                <a:alpha val="100000"/>
+              </a:schemeClr>
+            </a:solidFill>
+            <a:prstDash val="solid"/>
+          </a:ln>
+          <a:effectLst>
+            <a:outerShdw blurRad="25400" dist="25400" dir="5400000" algn="tl" rotWithShape="0">
+              <a:schemeClr val="bg2">
+                <a:shade val="50000"/>
+                <a:satMod val="150000"/>
+                <a:alpha val="85000"/>
+              </a:schemeClr>
+            </a:outerShdw>
+          </a:effectLst>
+        </p:spPr>
+        <p:style>
+          <a:lnRef idx="3">
+            <a:schemeClr val="lt1"/>
+          </a:lnRef>
+          <a:fillRef idx="1">
+            <a:schemeClr val="accent1"/>
+          </a:fillRef>
+          <a:effectRef idx="1">
+            <a:schemeClr val="accent1"/>
+          </a:effectRef>
+          <a:fontRef idx="minor">
+            <a:schemeClr val="lt1"/>
+          </a:fontRef>
+        </p:style>
+        <p:txBody>
+          <a:bodyPr anchor="ctr"/>
+          <a:lstStyle>
+            <a:extLst/>
+          </a:lstStyle>
+          <a:p>
+            <a:pPr algn="ctr" eaLnBrk="1" latinLnBrk="0" hangingPunct="1"/>
+            <a:endParaRPr kumimoji="0" lang="en-US"/>
+          </a:p>
+        </p:txBody>
+      </p:sp>
+      <p:sp>
+        <p:nvSpPr>
+          <p:cNvPr id="11" name="Bouée 10"/>
+          <p:cNvSpPr/>
+          <p:nvPr/>
+        </p:nvSpPr>
+        <p:spPr>
+          <a:xfrm rot="2315675">
+            <a:off x="182881" y="1055077"/>
+            <a:ext cx="1125717" cy="1102624"/>
+          </a:xfrm>
+          <a:prstGeom prst="donut">
+            <a:avLst>
+              <a:gd name="adj" fmla="val 11833"/>
+            </a:avLst>
+          </a:prstGeom>
+          <a:gradFill rotWithShape="1">
+            <a:gsLst>
+              <a:gs pos="0">
+                <a:schemeClr val="bg2">
+                  <a:tint val="10000"/>
+                  <a:shade val="99000"/>
+                  <a:satMod val="355000"/>
+                  <a:alpha val="70000"/>
+                </a:schemeClr>
+              </a:gs>
+              <a:gs pos="70000">
+                <a:schemeClr val="bg2">
+                  <a:tint val="6000"/>
+                  <a:shade val="100000"/>
+                  <a:satMod val="400000"/>
+                  <a:alpha val="55000"/>
+                </a:schemeClr>
+              </a:gs>
+              <a:gs pos="100000">
+                <a:schemeClr val="bg2">
+                  <a:tint val="100000"/>
+                  <a:shade val="75000"/>
+                  <a:satMod val="370000"/>
+                  <a:alpha val="60000"/>
+                </a:schemeClr>
+              </a:gs>
+            </a:gsLst>
+            <a:path path="circle">
+              <a:fillToRect l="-407500" t="-50000" r="507500" b="150000"/>
+            </a:path>
+          </a:gradFill>
+          <a:ln w="7350" cap="rnd" cmpd="sng" algn="ctr">
+            <a:solidFill>
+              <a:schemeClr val="bg2">
+                <a:shade val="60000"/>
+                <a:satMod val="220000"/>
+                <a:alpha val="100000"/>
+              </a:schemeClr>
+            </a:solidFill>
+            <a:prstDash val="solid"/>
+          </a:ln>
+          <a:effectLst>
+            <a:outerShdw blurRad="12700" dist="15000" dir="4500000" algn="tl" rotWithShape="0">
+              <a:schemeClr val="bg2">
+                <a:shade val="10000"/>
+                <a:satMod val="200000"/>
+                <a:alpha val="35000"/>
+              </a:schemeClr>
+            </a:outerShdw>
+          </a:effectLst>
+        </p:spPr>
+        <p:style>
+          <a:lnRef idx="3">
+            <a:schemeClr val="lt1"/>
+          </a:lnRef>
+          <a:fillRef idx="1">
+            <a:schemeClr val="accent1"/>
+          </a:fillRef>
+          <a:effectRef idx="1">
+            <a:schemeClr val="accent1"/>
+          </a:effectRef>
+          <a:fontRef idx="minor">
+            <a:schemeClr val="lt1"/>
+          </a:fontRef>
+        </p:style>
+        <p:txBody>
+          <a:bodyPr anchor="ctr"/>
+          <a:lstStyle>
+            <a:extLst/>
+          </a:lstStyle>
+          <a:p>
+            <a:pPr algn="ctr" eaLnBrk="1" latinLnBrk="0" hangingPunct="1"/>
+            <a:endParaRPr kumimoji="0" lang="en-US"/>
+          </a:p>
+        </p:txBody>
+      </p:sp>
+      <p:sp>
+        <p:nvSpPr>
+          <p:cNvPr id="12" name="Rectangle 11"/>
+          <p:cNvSpPr/>
+          <p:nvPr/>
+        </p:nvSpPr>
+        <p:spPr>
+          <a:xfrm>
+            <a:off x="1012873" y="-54"/>
+            <a:ext cx="8131127" cy="6858054"/>
+          </a:xfrm>
+          <a:prstGeom prst="rect">
+            <a:avLst/>
+          </a:prstGeom>
+          <a:solidFill>
+            <a:schemeClr val="bg1"/>
+          </a:solidFill>
+          <a:ln w="25400" cap="rnd" cmpd="sng" algn="ctr">
+            <a:noFill/>
+            <a:prstDash val="solid"/>
+          </a:ln>
+          <a:effectLst/>
+        </p:spPr>
+        <p:style>
+          <a:lnRef idx="3">
+            <a:schemeClr val="lt1"/>
+          </a:lnRef>
+          <a:fillRef idx="1">
+            <a:schemeClr val="accent1"/>
+          </a:fillRef>
+          <a:effectRef idx="1">
+            <a:schemeClr val="accent1"/>
+          </a:effectRef>
+          <a:fontRef idx="minor">
+            <a:schemeClr val="lt1"/>
+          </a:fontRef>
+        </p:style>
+        <p:txBody>
+          <a:bodyPr anchor="ctr"/>
+          <a:lstStyle>
+            <a:extLst/>
+          </a:lstStyle>
+          <a:p>
+            <a:pPr algn="ctr" eaLnBrk="1" latinLnBrk="0" hangingPunct="1"/>
+            <a:endParaRPr kumimoji="0" lang="en-US"/>
+          </a:p>
+        </p:txBody>
+      </p:sp>
+      <p:sp>
+        <p:nvSpPr>
+          <p:cNvPr id="5" name="Espace réservé du titre 4"/>
+          <p:cNvSpPr>
+            <a:spLocks noGrp="1"/>
+          </p:cNvSpPr>
+          <p:nvPr>
+            <p:ph type="title"/>
+          </p:nvPr>
+        </p:nvSpPr>
+        <p:spPr>
+          <a:xfrm>
+            <a:off x="1435608" y="274638"/>
+            <a:ext cx="7498080" cy="1143000"/>
           </a:xfrm>
           <a:prstGeom prst="rect">
             <a:avLst/>
           </a:prstGeom>
         </p:spPr>
         <p:txBody>
-          <a:bodyPr vert="horz" lIns="91440" tIns="45720" rIns="91440" bIns="45720" rtlCol="0" anchor="ctr">
+          <a:bodyPr anchor="ctr">
             <a:normAutofit/>
           </a:bodyPr>
-          <a:lstStyle/>
-          <a:p>
-            <a:r>
-              <a:rPr lang="fr-FR" smtClean="0"/>
-              <a:t>Cliquez et modifiez le titre</a:t>
-            </a:r>
-            <a:endParaRPr lang="fr-FR"/>
-          </a:p>
-        </p:txBody>
-      </p:sp>
-      <p:sp>
-        <p:nvSpPr>
-          <p:cNvPr id="3" name="Espace réservé du texte 2"/>
+          <a:lstStyle>
+            <a:extLst/>
+          </a:lstStyle>
+          <a:p>
+            <a:r>
+              <a:rPr kumimoji="0" lang="fr-FR" smtClean="0"/>
+              <a:t>Modifiez le style du titre</a:t>
+            </a:r>
+            <a:endParaRPr kumimoji="0" lang="en-US"/>
+          </a:p>
+        </p:txBody>
+      </p:sp>
+      <p:sp>
+        <p:nvSpPr>
+          <p:cNvPr id="9" name="Espace réservé du texte 8"/>
           <p:cNvSpPr>
             <a:spLocks noGrp="1"/>
           </p:cNvSpPr>
@@ -2653,59 +3946,61 @@
         </p:nvSpPr>
         <p:spPr>
           <a:xfrm>
-            <a:off x="457200" y="1600200"/>
-            <a:ext cx="8229600" cy="4525963"/>
+            <a:off x="1435608" y="1447800"/>
+            <a:ext cx="7498080" cy="4800600"/>
           </a:xfrm>
           <a:prstGeom prst="rect">
             <a:avLst/>
           </a:prstGeom>
         </p:spPr>
         <p:txBody>
-          <a:bodyPr vert="horz" lIns="91440" tIns="45720" rIns="91440" bIns="45720" rtlCol="0">
+          <a:bodyPr>
             <a:normAutofit/>
           </a:bodyPr>
-          <a:lstStyle/>
-          <a:p>
-            <a:pPr lvl="0"/>
-            <a:r>
-              <a:rPr lang="fr-FR" smtClean="0"/>
-              <a:t>Cliquez pour modifier les styles du texte du masque</a:t>
-            </a:r>
-          </a:p>
-          <a:p>
-            <a:pPr lvl="1"/>
-            <a:r>
-              <a:rPr lang="fr-FR" smtClean="0"/>
+          <a:lstStyle>
+            <a:extLst/>
+          </a:lstStyle>
+          <a:p>
+            <a:pPr lvl="0" eaLnBrk="1" latinLnBrk="0" hangingPunct="1"/>
+            <a:r>
+              <a:rPr kumimoji="0" lang="fr-FR" smtClean="0"/>
+              <a:t>Modifiez les styles du texte du masque</a:t>
+            </a:r>
+          </a:p>
+          <a:p>
+            <a:pPr lvl="1" eaLnBrk="1" latinLnBrk="0" hangingPunct="1"/>
+            <a:r>
+              <a:rPr kumimoji="0" lang="fr-FR" smtClean="0"/>
               <a:t>Deuxième niveau</a:t>
             </a:r>
           </a:p>
           <a:p>
-            <a:pPr lvl="2"/>
-            <a:r>
-              <a:rPr lang="fr-FR" smtClean="0"/>
+            <a:pPr lvl="2" eaLnBrk="1" latinLnBrk="0" hangingPunct="1"/>
+            <a:r>
+              <a:rPr kumimoji="0" lang="fr-FR" smtClean="0"/>
               <a:t>Troisième niveau</a:t>
             </a:r>
           </a:p>
           <a:p>
-            <a:pPr lvl="3"/>
-            <a:r>
-              <a:rPr lang="fr-FR" smtClean="0"/>
+            <a:pPr lvl="3" eaLnBrk="1" latinLnBrk="0" hangingPunct="1"/>
+            <a:r>
+              <a:rPr kumimoji="0" lang="fr-FR" smtClean="0"/>
               <a:t>Quatrième niveau</a:t>
             </a:r>
           </a:p>
           <a:p>
-            <a:pPr lvl="4"/>
-            <a:r>
-              <a:rPr lang="fr-FR" smtClean="0"/>
+            <a:pPr lvl="4" eaLnBrk="1" latinLnBrk="0" hangingPunct="1"/>
+            <a:r>
+              <a:rPr kumimoji="0" lang="fr-FR" smtClean="0"/>
               <a:t>Cinquième niveau</a:t>
             </a:r>
-            <a:endParaRPr lang="fr-FR"/>
-          </a:p>
-        </p:txBody>
-      </p:sp>
-      <p:sp>
-        <p:nvSpPr>
-          <p:cNvPr id="4" name="Espace réservé de la date 3"/>
+            <a:endParaRPr kumimoji="0" lang="en-US"/>
+          </a:p>
+        </p:txBody>
+      </p:sp>
+      <p:sp>
+        <p:nvSpPr>
+          <p:cNvPr id="24" name="Espace réservé de la date 23"/>
           <p:cNvSpPr>
             <a:spLocks noGrp="1"/>
           </p:cNvSpPr>
@@ -2715,30 +4010,32 @@
         </p:nvSpPr>
         <p:spPr>
           <a:xfrm>
-            <a:off x="457200" y="6356350"/>
-            <a:ext cx="2133600" cy="365125"/>
+            <a:off x="3581400" y="6305550"/>
+            <a:ext cx="2133600" cy="476250"/>
           </a:xfrm>
           <a:prstGeom prst="rect">
             <a:avLst/>
           </a:prstGeom>
         </p:spPr>
         <p:txBody>
-          <a:bodyPr vert="horz" lIns="91440" tIns="45720" rIns="91440" bIns="45720" rtlCol="0" anchor="ctr"/>
+          <a:bodyPr anchor="b"/>
           <a:lstStyle>
-            <a:lvl1pPr algn="l">
-              <a:defRPr sz="1200">
+            <a:lvl1pPr algn="r" eaLnBrk="1" latinLnBrk="0" hangingPunct="1">
+              <a:defRPr kumimoji="0" sz="1200">
                 <a:solidFill>
-                  <a:schemeClr val="tx1">
-                    <a:tint val="75000"/>
+                  <a:schemeClr val="bg2">
+                    <a:shade val="50000"/>
+                    <a:satMod val="200000"/>
                   </a:schemeClr>
                 </a:solidFill>
               </a:defRPr>
             </a:lvl1pPr>
+            <a:extLst/>
           </a:lstStyle>
           <a:p>
-            <a:fld id="{E330F08A-8E59-6B4E-A444-1A1858DF76C2}" type="datetimeFigureOut">
+            <a:fld id="{D1AC76F2-91CD-48BB-95DD-90487D5A142F}" type="datetime1">
               <a:rPr lang="fr-FR" smtClean="0"/>
-              <a:t>17/10/2016</a:t>
+              <a:t>18/10/2016</a:t>
             </a:fld>
             <a:endParaRPr lang="fr-FR"/>
           </a:p>
@@ -2746,7 +4043,7 @@
       </p:sp>
       <p:sp>
         <p:nvSpPr>
-          <p:cNvPr id="5" name="Espace réservé du pied de page 4"/>
+          <p:cNvPr id="10" name="Espace réservé du pied de page 9"/>
           <p:cNvSpPr>
             <a:spLocks noGrp="1"/>
           </p:cNvSpPr>
@@ -2756,25 +4053,28 @@
         </p:nvSpPr>
         <p:spPr>
           <a:xfrm>
-            <a:off x="3124200" y="6356350"/>
-            <a:ext cx="2895600" cy="365125"/>
+            <a:off x="5715000" y="6305550"/>
+            <a:ext cx="2895600" cy="476250"/>
           </a:xfrm>
           <a:prstGeom prst="rect">
             <a:avLst/>
           </a:prstGeom>
         </p:spPr>
         <p:txBody>
-          <a:bodyPr vert="horz" lIns="91440" tIns="45720" rIns="91440" bIns="45720" rtlCol="0" anchor="ctr"/>
+          <a:bodyPr anchor="b"/>
           <a:lstStyle>
-            <a:lvl1pPr algn="ctr">
-              <a:defRPr sz="1200">
+            <a:lvl1pPr eaLnBrk="1" latinLnBrk="0" hangingPunct="1">
+              <a:defRPr kumimoji="0" sz="1200">
                 <a:solidFill>
-                  <a:schemeClr val="tx1">
-                    <a:tint val="75000"/>
+                  <a:schemeClr val="bg2">
+                    <a:shade val="50000"/>
+                    <a:satMod val="200000"/>
                   </a:schemeClr>
                 </a:solidFill>
+                <a:effectLst/>
               </a:defRPr>
             </a:lvl1pPr>
+            <a:extLst/>
           </a:lstStyle>
           <a:p>
             <a:endParaRPr lang="fr-FR"/>
@@ -2783,7 +4083,7 @@
       </p:sp>
       <p:sp>
         <p:nvSpPr>
-          <p:cNvPr id="6" name="Espace réservé du numéro de diapositive 5"/>
+          <p:cNvPr id="22" name="Espace réservé du numéro de diapositive 21"/>
           <p:cNvSpPr>
             <a:spLocks noGrp="1"/>
           </p:cNvSpPr>
@@ -2793,81 +4093,153 @@
         </p:nvSpPr>
         <p:spPr>
           <a:xfrm>
-            <a:off x="6553200" y="6356350"/>
-            <a:ext cx="2133600" cy="365125"/>
+            <a:off x="8613648" y="6305550"/>
+            <a:ext cx="457200" cy="476250"/>
           </a:xfrm>
           <a:prstGeom prst="rect">
             <a:avLst/>
           </a:prstGeom>
         </p:spPr>
         <p:txBody>
-          <a:bodyPr vert="horz" lIns="91440" tIns="45720" rIns="91440" bIns="45720" rtlCol="0" anchor="ctr"/>
+          <a:bodyPr anchor="b"/>
           <a:lstStyle>
-            <a:lvl1pPr algn="r">
-              <a:defRPr sz="1200">
+            <a:lvl1pPr algn="ctr" eaLnBrk="1" latinLnBrk="0" hangingPunct="1">
+              <a:defRPr kumimoji="0" sz="1200">
                 <a:solidFill>
-                  <a:schemeClr val="tx1">
-                    <a:tint val="75000"/>
+                  <a:schemeClr val="bg2">
+                    <a:shade val="50000"/>
+                    <a:satMod val="200000"/>
                   </a:schemeClr>
                 </a:solidFill>
+                <a:effectLst/>
               </a:defRPr>
             </a:lvl1pPr>
+            <a:extLst/>
           </a:lstStyle>
           <a:p>
             <a:fld id="{056E17D1-6463-6D4A-A6B9-487EB10F22E4}" type="slidenum">
               <a:rPr lang="fr-FR" smtClean="0"/>
-              <a:t>‹#›</a:t>
+              <a:t>‹N°›</a:t>
             </a:fld>
             <a:endParaRPr lang="fr-FR"/>
           </a:p>
         </p:txBody>
       </p:sp>
+      <p:sp>
+        <p:nvSpPr>
+          <p:cNvPr id="15" name="Rectangle 14"/>
+          <p:cNvSpPr/>
+          <p:nvPr/>
+        </p:nvSpPr>
+        <p:spPr bwMode="invGray">
+          <a:xfrm>
+            <a:off x="1014984" y="-54"/>
+            <a:ext cx="73152" cy="6858054"/>
+          </a:xfrm>
+          <a:prstGeom prst="rect">
+            <a:avLst/>
+          </a:prstGeom>
+          <a:solidFill>
+            <a:schemeClr val="bg1"/>
+          </a:solidFill>
+          <a:ln w="25400" cap="rnd" cmpd="sng" algn="ctr">
+            <a:noFill/>
+            <a:prstDash val="solid"/>
+          </a:ln>
+          <a:effectLst>
+            <a:outerShdw blurRad="38550" dist="38000" dir="10800000" algn="tl" rotWithShape="0">
+              <a:schemeClr val="bg2">
+                <a:shade val="20000"/>
+                <a:satMod val="110000"/>
+                <a:alpha val="25000"/>
+              </a:schemeClr>
+            </a:outerShdw>
+          </a:effectLst>
+        </p:spPr>
+        <p:style>
+          <a:lnRef idx="3">
+            <a:schemeClr val="lt1"/>
+          </a:lnRef>
+          <a:fillRef idx="1">
+            <a:schemeClr val="accent1"/>
+          </a:fillRef>
+          <a:effectRef idx="1">
+            <a:schemeClr val="accent1"/>
+          </a:effectRef>
+          <a:fontRef idx="minor">
+            <a:schemeClr val="lt1"/>
+          </a:fontRef>
+        </p:style>
+        <p:txBody>
+          <a:bodyPr anchor="ctr"/>
+          <a:lstStyle>
+            <a:extLst/>
+          </a:lstStyle>
+          <a:p>
+            <a:pPr algn="ctr" eaLnBrk="1" latinLnBrk="0" hangingPunct="1"/>
+            <a:endParaRPr kumimoji="0" lang="en-US"/>
+          </a:p>
+        </p:txBody>
+      </p:sp>
     </p:spTree>
-    <p:extLst>
-      <p:ext uri="{BB962C8B-B14F-4D97-AF65-F5344CB8AC3E}">
-        <p14:creationId xmlns:p14="http://schemas.microsoft.com/office/powerpoint/2010/main" val="2471980602"/>
-      </p:ext>
-    </p:extLst>
   </p:cSld>
   <p:clrMap bg1="lt1" tx1="dk1" bg2="lt2" tx2="dk2" accent1="accent1" accent2="accent2" accent3="accent3" accent4="accent4" accent5="accent5" accent6="accent6" hlink="hlink" folHlink="folHlink"/>
   <p:sldLayoutIdLst>
-    <p:sldLayoutId id="2147483649" r:id="rId1"/>
-    <p:sldLayoutId id="2147483650" r:id="rId2"/>
-    <p:sldLayoutId id="2147483651" r:id="rId3"/>
-    <p:sldLayoutId id="2147483652" r:id="rId4"/>
-    <p:sldLayoutId id="2147483653" r:id="rId5"/>
-    <p:sldLayoutId id="2147483654" r:id="rId6"/>
-    <p:sldLayoutId id="2147483655" r:id="rId7"/>
-    <p:sldLayoutId id="2147483656" r:id="rId8"/>
-    <p:sldLayoutId id="2147483657" r:id="rId9"/>
-    <p:sldLayoutId id="2147483658" r:id="rId10"/>
-    <p:sldLayoutId id="2147483659" r:id="rId11"/>
+    <p:sldLayoutId id="2147483685" r:id="rId1"/>
+    <p:sldLayoutId id="2147483686" r:id="rId2"/>
+    <p:sldLayoutId id="2147483687" r:id="rId3"/>
+    <p:sldLayoutId id="2147483688" r:id="rId4"/>
+    <p:sldLayoutId id="2147483689" r:id="rId5"/>
+    <p:sldLayoutId id="2147483690" r:id="rId6"/>
+    <p:sldLayoutId id="2147483691" r:id="rId7"/>
+    <p:sldLayoutId id="2147483692" r:id="rId8"/>
+    <p:sldLayoutId id="2147483693" r:id="rId9"/>
+    <p:sldLayoutId id="2147483694" r:id="rId10"/>
+    <p:sldLayoutId id="2147483695" r:id="rId11"/>
   </p:sldLayoutIdLst>
+  <p:hf hdr="0" dt="0"/>
   <p:txStyles>
     <p:titleStyle>
-      <a:lvl1pPr algn="ctr" defTabSz="457200" rtl="0" eaLnBrk="1" latinLnBrk="0" hangingPunct="1">
+      <a:lvl1pPr algn="l" rtl="0" eaLnBrk="1" latinLnBrk="0" hangingPunct="1">
         <a:spcBef>
           <a:spcPct val="0"/>
         </a:spcBef>
         <a:buNone/>
-        <a:defRPr sz="4400" kern="1200">
+        <a:defRPr kumimoji="0" sz="4300" kern="1200">
           <a:solidFill>
-            <a:schemeClr val="tx1"/>
+            <a:schemeClr val="tx2">
+              <a:satMod val="130000"/>
+            </a:schemeClr>
           </a:solidFill>
+          <a:effectLst>
+            <a:outerShdw blurRad="50000" dist="30000" dir="5400000" algn="tl" rotWithShape="0">
+              <a:srgbClr val="000000">
+                <a:alpha val="30000"/>
+              </a:srgbClr>
+            </a:outerShdw>
+          </a:effectLst>
           <a:latin typeface="+mj-lt"/>
           <a:ea typeface="+mj-ea"/>
           <a:cs typeface="+mj-cs"/>
         </a:defRPr>
       </a:lvl1pPr>
+      <a:extLst/>
     </p:titleStyle>
     <p:bodyStyle>
-      <a:lvl1pPr marL="342900" indent="-342900" algn="l" defTabSz="457200" rtl="0" eaLnBrk="1" latinLnBrk="0" hangingPunct="1">
+      <a:lvl1pPr marL="365760" indent="-283464" algn="l" rtl="0" eaLnBrk="1" latinLnBrk="0" hangingPunct="1">
+        <a:lnSpc>
+          <a:spcPct val="100000"/>
+        </a:lnSpc>
         <a:spcBef>
-          <a:spcPct val="20000"/>
+          <a:spcPts val="600"/>
         </a:spcBef>
-        <a:buFont typeface="Arial"/>
-        <a:buChar char="•"/>
-        <a:defRPr sz="3200" kern="1200">
+        <a:buClr>
+          <a:schemeClr val="accent1"/>
+        </a:buClr>
+        <a:buSzPct val="80000"/>
+        <a:buFont typeface="Wingdings 2"/>
+        <a:buChar char=""/>
+        <a:defRPr kumimoji="0" sz="3200" kern="1200">
           <a:solidFill>
             <a:schemeClr val="tx1"/>
           </a:solidFill>
@@ -2876,13 +4248,19 @@
           <a:cs typeface="+mn-cs"/>
         </a:defRPr>
       </a:lvl1pPr>
-      <a:lvl2pPr marL="742950" indent="-285750" algn="l" defTabSz="457200" rtl="0" eaLnBrk="1" latinLnBrk="0" hangingPunct="1">
+      <a:lvl2pPr marL="640080" indent="-237744" algn="l" rtl="0" eaLnBrk="1" latinLnBrk="0" hangingPunct="1">
+        <a:lnSpc>
+          <a:spcPct val="100000"/>
+        </a:lnSpc>
         <a:spcBef>
-          <a:spcPct val="20000"/>
+          <a:spcPts val="550"/>
         </a:spcBef>
-        <a:buFont typeface="Arial"/>
-        <a:buChar char="–"/>
-        <a:defRPr sz="2800" kern="1200">
+        <a:buClr>
+          <a:schemeClr val="accent1"/>
+        </a:buClr>
+        <a:buFont typeface="Verdana"/>
+        <a:buChar char="◦"/>
+        <a:defRPr kumimoji="0" sz="2800" kern="1200">
           <a:solidFill>
             <a:schemeClr val="tx1"/>
           </a:solidFill>
@@ -2891,13 +4269,19 @@
           <a:cs typeface="+mn-cs"/>
         </a:defRPr>
       </a:lvl2pPr>
-      <a:lvl3pPr marL="1143000" indent="-228600" algn="l" defTabSz="457200" rtl="0" eaLnBrk="1" latinLnBrk="0" hangingPunct="1">
+      <a:lvl3pPr marL="886968" indent="-228600" algn="l" rtl="0" eaLnBrk="1" latinLnBrk="0" hangingPunct="1">
+        <a:lnSpc>
+          <a:spcPct val="100000"/>
+        </a:lnSpc>
         <a:spcBef>
           <a:spcPct val="20000"/>
         </a:spcBef>
-        <a:buFont typeface="Arial"/>
-        <a:buChar char="•"/>
-        <a:defRPr sz="2400" kern="1200">
+        <a:buClr>
+          <a:schemeClr val="accent2"/>
+        </a:buClr>
+        <a:buFont typeface="Wingdings 2"/>
+        <a:buChar char=""/>
+        <a:defRPr kumimoji="0" sz="2400" kern="1200">
           <a:solidFill>
             <a:schemeClr val="tx1"/>
           </a:solidFill>
@@ -2906,13 +4290,19 @@
           <a:cs typeface="+mn-cs"/>
         </a:defRPr>
       </a:lvl3pPr>
-      <a:lvl4pPr marL="1600200" indent="-228600" algn="l" defTabSz="457200" rtl="0" eaLnBrk="1" latinLnBrk="0" hangingPunct="1">
+      <a:lvl4pPr marL="1097280" indent="-173736" algn="l" rtl="0" eaLnBrk="1" latinLnBrk="0" hangingPunct="1">
+        <a:lnSpc>
+          <a:spcPct val="100000"/>
+        </a:lnSpc>
         <a:spcBef>
           <a:spcPct val="20000"/>
         </a:spcBef>
-        <a:buFont typeface="Arial"/>
-        <a:buChar char="–"/>
-        <a:defRPr sz="2000" kern="1200">
+        <a:buClr>
+          <a:schemeClr val="accent3"/>
+        </a:buClr>
+        <a:buFont typeface="Wingdings 2"/>
+        <a:buChar char=""/>
+        <a:defRPr kumimoji="0" sz="2000" kern="1200">
           <a:solidFill>
             <a:schemeClr val="tx1"/>
           </a:solidFill>
@@ -2921,13 +4311,19 @@
           <a:cs typeface="+mn-cs"/>
         </a:defRPr>
       </a:lvl4pPr>
-      <a:lvl5pPr marL="2057400" indent="-228600" algn="l" defTabSz="457200" rtl="0" eaLnBrk="1" latinLnBrk="0" hangingPunct="1">
+      <a:lvl5pPr marL="1298448" indent="-182880" algn="l" rtl="0" eaLnBrk="1" latinLnBrk="0" hangingPunct="1">
+        <a:lnSpc>
+          <a:spcPct val="100000"/>
+        </a:lnSpc>
         <a:spcBef>
           <a:spcPct val="20000"/>
         </a:spcBef>
-        <a:buFont typeface="Arial"/>
-        <a:buChar char="»"/>
-        <a:defRPr sz="2000" kern="1200">
+        <a:buClr>
+          <a:schemeClr val="accent4"/>
+        </a:buClr>
+        <a:buFont typeface="Wingdings 2"/>
+        <a:buChar char=""/>
+        <a:defRPr kumimoji="0" sz="2000" kern="1200">
           <a:solidFill>
             <a:schemeClr val="tx1"/>
           </a:solidFill>
@@ -2936,13 +4332,19 @@
           <a:cs typeface="+mn-cs"/>
         </a:defRPr>
       </a:lvl5pPr>
-      <a:lvl6pPr marL="2514600" indent="-228600" algn="l" defTabSz="457200" rtl="0" eaLnBrk="1" latinLnBrk="0" hangingPunct="1">
+      <a:lvl6pPr marL="1508760" indent="-182880" algn="l" rtl="0" eaLnBrk="1" latinLnBrk="0" hangingPunct="1">
+        <a:lnSpc>
+          <a:spcPct val="100000"/>
+        </a:lnSpc>
         <a:spcBef>
           <a:spcPct val="20000"/>
         </a:spcBef>
-        <a:buFont typeface="Arial"/>
-        <a:buChar char="•"/>
-        <a:defRPr sz="2000" kern="1200">
+        <a:buClr>
+          <a:schemeClr val="accent5"/>
+        </a:buClr>
+        <a:buFont typeface="Wingdings 2"/>
+        <a:buChar char=""/>
+        <a:defRPr kumimoji="0" sz="2000" kern="1200">
           <a:solidFill>
             <a:schemeClr val="tx1"/>
           </a:solidFill>
@@ -2951,13 +4353,19 @@
           <a:cs typeface="+mn-cs"/>
         </a:defRPr>
       </a:lvl6pPr>
-      <a:lvl7pPr marL="2971800" indent="-228600" algn="l" defTabSz="457200" rtl="0" eaLnBrk="1" latinLnBrk="0" hangingPunct="1">
+      <a:lvl7pPr marL="1719072" indent="-182880" algn="l" rtl="0" eaLnBrk="1" latinLnBrk="0" hangingPunct="1">
+        <a:lnSpc>
+          <a:spcPct val="100000"/>
+        </a:lnSpc>
         <a:spcBef>
           <a:spcPct val="20000"/>
         </a:spcBef>
-        <a:buFont typeface="Arial"/>
-        <a:buChar char="•"/>
-        <a:defRPr sz="2000" kern="1200">
+        <a:buClr>
+          <a:schemeClr val="accent6"/>
+        </a:buClr>
+        <a:buFont typeface="Wingdings 2"/>
+        <a:buChar char=""/>
+        <a:defRPr kumimoji="0" sz="2000" kern="1200">
           <a:solidFill>
             <a:schemeClr val="tx1"/>
           </a:solidFill>
@@ -2966,13 +4374,19 @@
           <a:cs typeface="+mn-cs"/>
         </a:defRPr>
       </a:lvl7pPr>
-      <a:lvl8pPr marL="3429000" indent="-228600" algn="l" defTabSz="457200" rtl="0" eaLnBrk="1" latinLnBrk="0" hangingPunct="1">
+      <a:lvl8pPr marL="1920240" indent="-182880" algn="l" rtl="0" eaLnBrk="1" latinLnBrk="0" hangingPunct="1">
+        <a:lnSpc>
+          <a:spcPct val="100000"/>
+        </a:lnSpc>
         <a:spcBef>
           <a:spcPct val="20000"/>
         </a:spcBef>
-        <a:buFont typeface="Arial"/>
-        <a:buChar char="•"/>
-        <a:defRPr sz="2000" kern="1200">
+        <a:buClr>
+          <a:schemeClr val="accent6"/>
+        </a:buClr>
+        <a:buFont typeface="Wingdings 2"/>
+        <a:buChar char=""/>
+        <a:defRPr kumimoji="0" sz="2000" kern="1200">
           <a:solidFill>
             <a:schemeClr val="tx1"/>
           </a:solidFill>
@@ -2981,13 +4395,19 @@
           <a:cs typeface="+mn-cs"/>
         </a:defRPr>
       </a:lvl8pPr>
-      <a:lvl9pPr marL="3886200" indent="-228600" algn="l" defTabSz="457200" rtl="0" eaLnBrk="1" latinLnBrk="0" hangingPunct="1">
+      <a:lvl9pPr marL="2130552" indent="-182880" algn="l" rtl="0" eaLnBrk="1" latinLnBrk="0" hangingPunct="1">
+        <a:lnSpc>
+          <a:spcPct val="100000"/>
+        </a:lnSpc>
         <a:spcBef>
           <a:spcPct val="20000"/>
         </a:spcBef>
-        <a:buFont typeface="Arial"/>
-        <a:buChar char="•"/>
-        <a:defRPr sz="2000" kern="1200">
+        <a:buClr>
+          <a:schemeClr val="accent6"/>
+        </a:buClr>
+        <a:buFont typeface="Wingdings 2"/>
+        <a:buChar char=""/>
+        <a:defRPr kumimoji="0" sz="2000" kern="1200">
           <a:solidFill>
             <a:schemeClr val="tx1"/>
           </a:solidFill>
@@ -2996,13 +4416,11 @@
           <a:cs typeface="+mn-cs"/>
         </a:defRPr>
       </a:lvl9pPr>
+      <a:extLst/>
     </p:bodyStyle>
     <p:otherStyle>
-      <a:defPPr>
-        <a:defRPr lang="fr-FR"/>
-      </a:defPPr>
-      <a:lvl1pPr marL="0" algn="l" defTabSz="457200" rtl="0" eaLnBrk="1" latinLnBrk="0" hangingPunct="1">
-        <a:defRPr sz="1800" kern="1200">
+      <a:lvl1pPr marL="0" algn="l" rtl="0" eaLnBrk="1" latinLnBrk="0" hangingPunct="1">
+        <a:defRPr kumimoji="0" kern="1200">
           <a:solidFill>
             <a:schemeClr val="tx1"/>
           </a:solidFill>
@@ -3011,8 +4429,8 @@
           <a:cs typeface="+mn-cs"/>
         </a:defRPr>
       </a:lvl1pPr>
-      <a:lvl2pPr marL="457200" algn="l" defTabSz="457200" rtl="0" eaLnBrk="1" latinLnBrk="0" hangingPunct="1">
-        <a:defRPr sz="1800" kern="1200">
+      <a:lvl2pPr marL="457200" algn="l" rtl="0" eaLnBrk="1" latinLnBrk="0" hangingPunct="1">
+        <a:defRPr kumimoji="0" kern="1200">
           <a:solidFill>
             <a:schemeClr val="tx1"/>
           </a:solidFill>
@@ -3021,8 +4439,8 @@
           <a:cs typeface="+mn-cs"/>
         </a:defRPr>
       </a:lvl2pPr>
-      <a:lvl3pPr marL="914400" algn="l" defTabSz="457200" rtl="0" eaLnBrk="1" latinLnBrk="0" hangingPunct="1">
-        <a:defRPr sz="1800" kern="1200">
+      <a:lvl3pPr marL="914400" algn="l" rtl="0" eaLnBrk="1" latinLnBrk="0" hangingPunct="1">
+        <a:defRPr kumimoji="0" kern="1200">
           <a:solidFill>
             <a:schemeClr val="tx1"/>
           </a:solidFill>
@@ -3031,8 +4449,8 @@
           <a:cs typeface="+mn-cs"/>
         </a:defRPr>
       </a:lvl3pPr>
-      <a:lvl4pPr marL="1371600" algn="l" defTabSz="457200" rtl="0" eaLnBrk="1" latinLnBrk="0" hangingPunct="1">
-        <a:defRPr sz="1800" kern="1200">
+      <a:lvl4pPr marL="1371600" algn="l" rtl="0" eaLnBrk="1" latinLnBrk="0" hangingPunct="1">
+        <a:defRPr kumimoji="0" kern="1200">
           <a:solidFill>
             <a:schemeClr val="tx1"/>
           </a:solidFill>
@@ -3041,8 +4459,8 @@
           <a:cs typeface="+mn-cs"/>
         </a:defRPr>
       </a:lvl4pPr>
-      <a:lvl5pPr marL="1828800" algn="l" defTabSz="457200" rtl="0" eaLnBrk="1" latinLnBrk="0" hangingPunct="1">
-        <a:defRPr sz="1800" kern="1200">
+      <a:lvl5pPr marL="1828800" algn="l" rtl="0" eaLnBrk="1" latinLnBrk="0" hangingPunct="1">
+        <a:defRPr kumimoji="0" kern="1200">
           <a:solidFill>
             <a:schemeClr val="tx1"/>
           </a:solidFill>
@@ -3051,8 +4469,8 @@
           <a:cs typeface="+mn-cs"/>
         </a:defRPr>
       </a:lvl5pPr>
-      <a:lvl6pPr marL="2286000" algn="l" defTabSz="457200" rtl="0" eaLnBrk="1" latinLnBrk="0" hangingPunct="1">
-        <a:defRPr sz="1800" kern="1200">
+      <a:lvl6pPr marL="2286000" algn="l" rtl="0" eaLnBrk="1" latinLnBrk="0" hangingPunct="1">
+        <a:defRPr kumimoji="0" kern="1200">
           <a:solidFill>
             <a:schemeClr val="tx1"/>
           </a:solidFill>
@@ -3061,8 +4479,8 @@
           <a:cs typeface="+mn-cs"/>
         </a:defRPr>
       </a:lvl6pPr>
-      <a:lvl7pPr marL="2743200" algn="l" defTabSz="457200" rtl="0" eaLnBrk="1" latinLnBrk="0" hangingPunct="1">
-        <a:defRPr sz="1800" kern="1200">
+      <a:lvl7pPr marL="2743200" algn="l" rtl="0" eaLnBrk="1" latinLnBrk="0" hangingPunct="1">
+        <a:defRPr kumimoji="0" kern="1200">
           <a:solidFill>
             <a:schemeClr val="tx1"/>
           </a:solidFill>
@@ -3071,8 +4489,8 @@
           <a:cs typeface="+mn-cs"/>
         </a:defRPr>
       </a:lvl7pPr>
-      <a:lvl8pPr marL="3200400" algn="l" defTabSz="457200" rtl="0" eaLnBrk="1" latinLnBrk="0" hangingPunct="1">
-        <a:defRPr sz="1800" kern="1200">
+      <a:lvl8pPr marL="3200400" algn="l" rtl="0" eaLnBrk="1" latinLnBrk="0" hangingPunct="1">
+        <a:defRPr kumimoji="0" kern="1200">
           <a:solidFill>
             <a:schemeClr val="tx1"/>
           </a:solidFill>
@@ -3081,8 +4499,8 @@
           <a:cs typeface="+mn-cs"/>
         </a:defRPr>
       </a:lvl8pPr>
-      <a:lvl9pPr marL="3657600" algn="l" defTabSz="457200" rtl="0" eaLnBrk="1" latinLnBrk="0" hangingPunct="1">
-        <a:defRPr sz="1800" kern="1200">
+      <a:lvl9pPr marL="3657600" algn="l" rtl="0" eaLnBrk="1" latinLnBrk="0" hangingPunct="1">
+        <a:defRPr kumimoji="0" kern="1200">
           <a:solidFill>
             <a:schemeClr val="tx1"/>
           </a:solidFill>
@@ -3091,6 +4509,7 @@
           <a:cs typeface="+mn-cs"/>
         </a:defRPr>
       </a:lvl9pPr>
+      <a:extLst/>
     </p:otherStyle>
   </p:txStyles>
 </p:sldMaster>
@@ -3125,8 +4544,8 @@
         </p:nvSpPr>
         <p:spPr>
           <a:xfrm>
-            <a:off x="0" y="2130425"/>
-            <a:ext cx="9144000" cy="1470025"/>
+            <a:off x="1020198" y="1208471"/>
+            <a:ext cx="8123802" cy="1470025"/>
           </a:xfrm>
         </p:spPr>
         <p:txBody>
@@ -3153,8 +4572,8 @@
         </p:nvSpPr>
         <p:spPr>
           <a:xfrm>
-            <a:off x="0" y="3886200"/>
-            <a:ext cx="9144000" cy="969108"/>
+            <a:off x="1020198" y="2964246"/>
+            <a:ext cx="8123802" cy="969108"/>
           </a:xfrm>
         </p:spPr>
         <p:txBody>
@@ -3179,7 +4598,7 @@
               <a:rPr lang="fr-FR" sz="2000" dirty="0" smtClean="0">
                 <a:hlinkClick r:id="rId2"/>
               </a:rPr>
-              <a:t>j.guegan-ihu@icm-institut.com</a:t>
+              <a:t>j.guegan-ihu@icm-institute.com</a:t>
             </a:r>
             <a:endParaRPr lang="fr-FR" sz="2000" dirty="0" smtClean="0"/>
           </a:p>
@@ -3213,7 +4632,7 @@
         </p:nvSpPr>
         <p:spPr>
           <a:xfrm>
-            <a:off x="0" y="5773615"/>
+            <a:off x="0" y="4851661"/>
             <a:ext cx="9144000" cy="369332"/>
           </a:xfrm>
           <a:prstGeom prst="rect">
@@ -3230,7 +4649,7 @@
             <a:pPr algn="ctr"/>
             <a:r>
               <a:rPr lang="fr-FR" dirty="0" smtClean="0"/>
-              <a:t>Central </a:t>
+              <a:t>Centrale </a:t>
             </a:r>
             <a:r>
               <a:rPr lang="fr-FR" dirty="0" err="1" smtClean="0"/>
@@ -3244,6 +4663,198 @@
           </a:p>
         </p:txBody>
       </p:sp>
+      <p:pic>
+        <p:nvPicPr>
+          <p:cNvPr id="1026" name="Picture 2"/>
+          <p:cNvPicPr>
+            <a:picLocks noChangeAspect="1" noChangeArrowheads="1"/>
+          </p:cNvPicPr>
+          <p:nvPr/>
+        </p:nvPicPr>
+        <p:blipFill>
+          <a:blip r:embed="rId4">
+            <a:extLst>
+              <a:ext uri="{28A0092B-C50C-407E-A947-70E740481C1C}">
+                <a14:useLocalDpi xmlns:a14="http://schemas.microsoft.com/office/drawing/2010/main" val="0"/>
+              </a:ext>
+            </a:extLst>
+          </a:blip>
+          <a:srcRect/>
+          <a:stretch>
+            <a:fillRect/>
+          </a:stretch>
+        </p:blipFill>
+        <p:spPr bwMode="auto">
+          <a:xfrm>
+            <a:off x="3614462" y="5867444"/>
+            <a:ext cx="1915075" cy="990556"/>
+          </a:xfrm>
+          <a:prstGeom prst="rect">
+            <a:avLst/>
+          </a:prstGeom>
+          <a:noFill/>
+          <a:ln>
+            <a:noFill/>
+          </a:ln>
+          <a:effectLst/>
+          <a:extLst>
+            <a:ext uri="{909E8E84-426E-40DD-AFC4-6F175D3DCCD1}">
+              <a14:hiddenFill xmlns:a14="http://schemas.microsoft.com/office/drawing/2010/main">
+                <a:solidFill>
+                  <a:schemeClr val="accent1"/>
+                </a:solidFill>
+              </a14:hiddenFill>
+            </a:ext>
+            <a:ext uri="{91240B29-F687-4F45-9708-019B960494DF}">
+              <a14:hiddenLine xmlns:a14="http://schemas.microsoft.com/office/drawing/2010/main" w="9525">
+                <a:solidFill>
+                  <a:schemeClr val="tx1"/>
+                </a:solidFill>
+                <a:miter lim="800000"/>
+                <a:headEnd/>
+                <a:tailEnd/>
+              </a14:hiddenLine>
+            </a:ext>
+            <a:ext uri="{AF507438-7753-43E0-B8FC-AC1667EBCBE1}">
+              <a14:hiddenEffects xmlns:a14="http://schemas.microsoft.com/office/drawing/2010/main">
+                <a:effectLst>
+                  <a:outerShdw dist="35921" dir="2700000" algn="ctr" rotWithShape="0">
+                    <a:schemeClr val="bg2"/>
+                  </a:outerShdw>
+                </a:effectLst>
+              </a14:hiddenEffects>
+            </a:ext>
+          </a:extLst>
+        </p:spPr>
+      </p:pic>
+      <p:pic>
+        <p:nvPicPr>
+          <p:cNvPr id="1027" name="Picture 3"/>
+          <p:cNvPicPr>
+            <a:picLocks noChangeAspect="1" noChangeArrowheads="1"/>
+          </p:cNvPicPr>
+          <p:nvPr/>
+        </p:nvPicPr>
+        <p:blipFill>
+          <a:blip r:embed="rId5">
+            <a:extLst>
+              <a:ext uri="{28A0092B-C50C-407E-A947-70E740481C1C}">
+                <a14:useLocalDpi xmlns:a14="http://schemas.microsoft.com/office/drawing/2010/main" val="0"/>
+              </a:ext>
+            </a:extLst>
+          </a:blip>
+          <a:srcRect/>
+          <a:stretch>
+            <a:fillRect/>
+          </a:stretch>
+        </p:blipFill>
+        <p:spPr bwMode="auto">
+          <a:xfrm>
+            <a:off x="5746109" y="2755625"/>
+            <a:ext cx="417318" cy="533240"/>
+          </a:xfrm>
+          <a:prstGeom prst="rect">
+            <a:avLst/>
+          </a:prstGeom>
+          <a:noFill/>
+          <a:ln>
+            <a:noFill/>
+          </a:ln>
+          <a:effectLst/>
+          <a:extLst>
+            <a:ext uri="{909E8E84-426E-40DD-AFC4-6F175D3DCCD1}">
+              <a14:hiddenFill xmlns:a14="http://schemas.microsoft.com/office/drawing/2010/main">
+                <a:solidFill>
+                  <a:schemeClr val="accent1"/>
+                </a:solidFill>
+              </a14:hiddenFill>
+            </a:ext>
+            <a:ext uri="{91240B29-F687-4F45-9708-019B960494DF}">
+              <a14:hiddenLine xmlns:a14="http://schemas.microsoft.com/office/drawing/2010/main" w="9525">
+                <a:solidFill>
+                  <a:schemeClr val="tx1"/>
+                </a:solidFill>
+                <a:miter lim="800000"/>
+                <a:headEnd/>
+                <a:tailEnd/>
+              </a14:hiddenLine>
+            </a:ext>
+            <a:ext uri="{AF507438-7753-43E0-B8FC-AC1667EBCBE1}">
+              <a14:hiddenEffects xmlns:a14="http://schemas.microsoft.com/office/drawing/2010/main">
+                <a:effectLst>
+                  <a:outerShdw dist="35921" dir="2700000" algn="ctr" rotWithShape="0">
+                    <a:schemeClr val="bg2"/>
+                  </a:outerShdw>
+                </a:effectLst>
+              </a14:hiddenEffects>
+            </a:ext>
+          </a:extLst>
+        </p:spPr>
+      </p:pic>
+      <p:pic>
+        <p:nvPicPr>
+          <p:cNvPr id="1028" name="Picture 4"/>
+          <p:cNvPicPr>
+            <a:picLocks noChangeAspect="1" noChangeArrowheads="1"/>
+          </p:cNvPicPr>
+          <p:nvPr/>
+        </p:nvPicPr>
+        <p:blipFill>
+          <a:blip r:embed="rId6">
+            <a:extLst>
+              <a:ext uri="{28A0092B-C50C-407E-A947-70E740481C1C}">
+                <a14:useLocalDpi xmlns:a14="http://schemas.microsoft.com/office/drawing/2010/main" val="0"/>
+              </a:ext>
+            </a:extLst>
+          </a:blip>
+          <a:srcRect/>
+          <a:stretch>
+            <a:fillRect/>
+          </a:stretch>
+        </p:blipFill>
+        <p:spPr bwMode="auto">
+          <a:xfrm>
+            <a:off x="6248546" y="3288865"/>
+            <a:ext cx="451861" cy="451861"/>
+          </a:xfrm>
+          <a:prstGeom prst="rect">
+            <a:avLst/>
+          </a:prstGeom>
+          <a:noFill/>
+          <a:ln>
+            <a:noFill/>
+          </a:ln>
+          <a:effectLst/>
+          <a:extLst>
+            <a:ext uri="{909E8E84-426E-40DD-AFC4-6F175D3DCCD1}">
+              <a14:hiddenFill xmlns:a14="http://schemas.microsoft.com/office/drawing/2010/main">
+                <a:solidFill>
+                  <a:schemeClr val="accent1"/>
+                </a:solidFill>
+              </a14:hiddenFill>
+            </a:ext>
+            <a:ext uri="{91240B29-F687-4F45-9708-019B960494DF}">
+              <a14:hiddenLine xmlns:a14="http://schemas.microsoft.com/office/drawing/2010/main" w="9525">
+                <a:solidFill>
+                  <a:schemeClr val="tx1"/>
+                </a:solidFill>
+                <a:miter lim="800000"/>
+                <a:headEnd/>
+                <a:tailEnd/>
+              </a14:hiddenLine>
+            </a:ext>
+            <a:ext uri="{AF507438-7753-43E0-B8FC-AC1667EBCBE1}">
+              <a14:hiddenEffects xmlns:a14="http://schemas.microsoft.com/office/drawing/2010/main">
+                <a:effectLst>
+                  <a:outerShdw dist="35921" dir="2700000" algn="ctr" rotWithShape="0">
+                    <a:schemeClr val="bg2"/>
+                  </a:outerShdw>
+                </a:effectLst>
+              </a14:hiddenEffects>
+            </a:ext>
+          </a:extLst>
+        </p:spPr>
+      </p:pic>
     </p:spTree>
     <p:extLst>
       <p:ext uri="{BB962C8B-B14F-4D97-AF65-F5344CB8AC3E}">
@@ -3254,6 +4865,13 @@
   <p:clrMapOvr>
     <a:masterClrMapping/>
   </p:clrMapOvr>
+  <p:timing>
+    <p:tnLst>
+      <p:par>
+        <p:cTn id="1" dur="indefinite" restart="never" nodeType="tmRoot"/>
+      </p:par>
+    </p:tnLst>
+  </p:timing>
 </p:sld>
 </file>
 
@@ -3309,7 +4927,7 @@
         </p:nvSpPr>
         <p:spPr>
           <a:xfrm>
-            <a:off x="457200" y="1600200"/>
+            <a:off x="986190" y="1668213"/>
             <a:ext cx="8229600" cy="5257800"/>
           </a:xfrm>
         </p:spPr>
@@ -3358,6 +4976,9 @@
             <a:endParaRPr lang="fr-FR" dirty="0"/>
           </a:p>
           <a:p>
+            <a:pPr marL="82296" indent="0">
+              <a:buNone/>
+            </a:pPr>
             <a:endParaRPr lang="fr-FR" dirty="0"/>
           </a:p>
           <a:p>
@@ -3403,14 +5024,86 @@
         </p:blipFill>
         <p:spPr>
           <a:xfrm>
-            <a:off x="2872154" y="986699"/>
-            <a:ext cx="6345115" cy="5236307"/>
+            <a:off x="3098380" y="1122726"/>
+            <a:ext cx="6118889" cy="5049614"/>
           </a:xfrm>
           <a:prstGeom prst="rect">
             <a:avLst/>
           </a:prstGeom>
         </p:spPr>
       </p:pic>
+      <p:sp>
+        <p:nvSpPr>
+          <p:cNvPr id="6" name="Espace réservé du numéro de diapositive 5"/>
+          <p:cNvSpPr>
+            <a:spLocks noGrp="1"/>
+          </p:cNvSpPr>
+          <p:nvPr>
+            <p:ph type="sldNum" sz="quarter" idx="12"/>
+          </p:nvPr>
+        </p:nvSpPr>
+        <p:spPr/>
+        <p:txBody>
+          <a:bodyPr/>
+          <a:lstStyle/>
+          <a:p>
+            <a:fld id="{056E17D1-6463-6D4A-A6B9-487EB10F22E4}" type="slidenum">
+              <a:rPr lang="fr-FR" smtClean="0"/>
+              <a:t>10</a:t>
+            </a:fld>
+            <a:endParaRPr lang="fr-FR"/>
+          </a:p>
+        </p:txBody>
+      </p:sp>
+      <p:sp>
+        <p:nvSpPr>
+          <p:cNvPr id="7" name="Espace réservé du pied de page 2"/>
+          <p:cNvSpPr>
+            <a:spLocks noGrp="1"/>
+          </p:cNvSpPr>
+          <p:nvPr>
+            <p:ph type="ftr" sz="quarter" idx="11"/>
+          </p:nvPr>
+        </p:nvSpPr>
+        <p:spPr>
+          <a:xfrm>
+            <a:off x="1473393" y="6305550"/>
+            <a:ext cx="6456848" cy="476250"/>
+          </a:xfrm>
+        </p:spPr>
+        <p:txBody>
+          <a:bodyPr/>
+          <a:lstStyle/>
+          <a:p>
+            <a:pPr algn="ctr"/>
+            <a:r>
+              <a:rPr lang="fr-FR" dirty="0" smtClean="0"/>
+              <a:t>Initiation à R – </a:t>
+            </a:r>
+            <a:r>
+              <a:rPr lang="fr-FR" dirty="0" err="1" smtClean="0"/>
+              <a:t>CentraleSupelec</a:t>
+            </a:r>
+            <a:r>
+              <a:rPr lang="fr-FR" dirty="0" smtClean="0"/>
+              <a:t> – </a:t>
+            </a:r>
+            <a:r>
+              <a:rPr lang="fr-FR" dirty="0" err="1" smtClean="0"/>
+              <a:t>J.Guégan</a:t>
+            </a:r>
+            <a:r>
+              <a:rPr lang="fr-FR" dirty="0" smtClean="0"/>
+              <a:t> – </a:t>
+            </a:r>
+            <a:r>
+              <a:rPr lang="fr-FR" dirty="0" err="1" smtClean="0"/>
+              <a:t>G.Meurice</a:t>
+            </a:r>
+            <a:endParaRPr lang="fr-FR" dirty="0"/>
+          </a:p>
+        </p:txBody>
+      </p:sp>
     </p:spTree>
     <p:extLst>
       <p:ext uri="{BB962C8B-B14F-4D97-AF65-F5344CB8AC3E}">
@@ -3421,6 +5114,13 @@
   <p:clrMapOvr>
     <a:masterClrMapping/>
   </p:clrMapOvr>
+  <p:timing>
+    <p:tnLst>
+      <p:par>
+        <p:cTn id="1" dur="indefinite" restart="never" nodeType="tmRoot"/>
+      </p:par>
+    </p:tnLst>
+  </p:timing>
 </p:sld>
 </file>
 
@@ -3458,11 +5158,11 @@
           <a:p>
             <a:r>
               <a:rPr lang="fr-FR" dirty="0" smtClean="0"/>
-              <a:t>Les classes d’</a:t>
-            </a:r>
-            <a:r>
-              <a:rPr lang="fr-FR" dirty="0" err="1" smtClean="0"/>
-              <a:t>objects</a:t>
+              <a:t>Les classes </a:t>
+            </a:r>
+            <a:r>
+              <a:rPr lang="fr-FR" dirty="0" smtClean="0"/>
+              <a:t>d’objets</a:t>
             </a:r>
             <a:endParaRPr lang="fr-FR" dirty="0"/>
           </a:p>
@@ -3492,7 +5192,11 @@
             <a:pPr lvl="1"/>
             <a:r>
               <a:rPr lang="fr-FR" dirty="0" smtClean="0"/>
-              <a:t>tout les éléments sont de même nature</a:t>
+              <a:t>tous </a:t>
+            </a:r>
+            <a:r>
+              <a:rPr lang="fr-FR" dirty="0" smtClean="0"/>
+              <a:t>les éléments sont de même nature</a:t>
             </a:r>
           </a:p>
           <a:p>
@@ -3531,6 +5235,78 @@
           </a:prstGeom>
         </p:spPr>
       </p:pic>
+      <p:sp>
+        <p:nvSpPr>
+          <p:cNvPr id="4" name="Espace réservé du numéro de diapositive 3"/>
+          <p:cNvSpPr>
+            <a:spLocks noGrp="1"/>
+          </p:cNvSpPr>
+          <p:nvPr>
+            <p:ph type="sldNum" sz="quarter" idx="12"/>
+          </p:nvPr>
+        </p:nvSpPr>
+        <p:spPr/>
+        <p:txBody>
+          <a:bodyPr/>
+          <a:lstStyle/>
+          <a:p>
+            <a:fld id="{056E17D1-6463-6D4A-A6B9-487EB10F22E4}" type="slidenum">
+              <a:rPr lang="fr-FR" smtClean="0"/>
+              <a:t>11</a:t>
+            </a:fld>
+            <a:endParaRPr lang="fr-FR"/>
+          </a:p>
+        </p:txBody>
+      </p:sp>
+      <p:sp>
+        <p:nvSpPr>
+          <p:cNvPr id="8" name="Espace réservé du pied de page 2"/>
+          <p:cNvSpPr>
+            <a:spLocks noGrp="1"/>
+          </p:cNvSpPr>
+          <p:nvPr>
+            <p:ph type="ftr" sz="quarter" idx="11"/>
+          </p:nvPr>
+        </p:nvSpPr>
+        <p:spPr>
+          <a:xfrm>
+            <a:off x="1473393" y="6305550"/>
+            <a:ext cx="6456848" cy="476250"/>
+          </a:xfrm>
+        </p:spPr>
+        <p:txBody>
+          <a:bodyPr/>
+          <a:lstStyle/>
+          <a:p>
+            <a:pPr algn="ctr"/>
+            <a:r>
+              <a:rPr lang="fr-FR" dirty="0" smtClean="0"/>
+              <a:t>Initiation à R – </a:t>
+            </a:r>
+            <a:r>
+              <a:rPr lang="fr-FR" dirty="0" err="1" smtClean="0"/>
+              <a:t>CentraleSupelec</a:t>
+            </a:r>
+            <a:r>
+              <a:rPr lang="fr-FR" dirty="0" smtClean="0"/>
+              <a:t> – </a:t>
+            </a:r>
+            <a:r>
+              <a:rPr lang="fr-FR" dirty="0" err="1" smtClean="0"/>
+              <a:t>J.Guégan</a:t>
+            </a:r>
+            <a:r>
+              <a:rPr lang="fr-FR" dirty="0" smtClean="0"/>
+              <a:t> – </a:t>
+            </a:r>
+            <a:r>
+              <a:rPr lang="fr-FR" dirty="0" err="1" smtClean="0"/>
+              <a:t>G.Meurice</a:t>
+            </a:r>
+            <a:endParaRPr lang="fr-FR" dirty="0"/>
+          </a:p>
+        </p:txBody>
+      </p:sp>
     </p:spTree>
     <p:extLst>
       <p:ext uri="{BB962C8B-B14F-4D97-AF65-F5344CB8AC3E}">
@@ -3541,6 +5317,13 @@
   <p:clrMapOvr>
     <a:masterClrMapping/>
   </p:clrMapOvr>
+  <p:timing>
+    <p:tnLst>
+      <p:par>
+        <p:cTn id="1" dur="indefinite" restart="never" nodeType="tmRoot"/>
+      </p:par>
+    </p:tnLst>
+  </p:timing>
 </p:sld>
 </file>
 
@@ -3578,11 +5361,11 @@
           <a:p>
             <a:r>
               <a:rPr lang="fr-FR" dirty="0" smtClean="0"/>
-              <a:t>Les classes d’</a:t>
-            </a:r>
-            <a:r>
-              <a:rPr lang="fr-FR" dirty="0" err="1" smtClean="0"/>
-              <a:t>objects</a:t>
+              <a:t>Les classes </a:t>
+            </a:r>
+            <a:r>
+              <a:rPr lang="fr-FR" dirty="0" smtClean="0"/>
+              <a:t>d’objets</a:t>
             </a:r>
             <a:endParaRPr lang="fr-FR" dirty="0"/>
           </a:p>
@@ -3643,7 +5426,7 @@
         </p:blipFill>
         <p:spPr>
           <a:xfrm>
-            <a:off x="3536462" y="2588846"/>
+            <a:off x="3536462" y="2445263"/>
             <a:ext cx="4755055" cy="4591538"/>
           </a:xfrm>
           <a:prstGeom prst="rect">
@@ -3651,6 +5434,78 @@
           </a:prstGeom>
         </p:spPr>
       </p:pic>
+      <p:sp>
+        <p:nvSpPr>
+          <p:cNvPr id="5" name="Espace réservé du numéro de diapositive 4"/>
+          <p:cNvSpPr>
+            <a:spLocks noGrp="1"/>
+          </p:cNvSpPr>
+          <p:nvPr>
+            <p:ph type="sldNum" sz="quarter" idx="12"/>
+          </p:nvPr>
+        </p:nvSpPr>
+        <p:spPr/>
+        <p:txBody>
+          <a:bodyPr/>
+          <a:lstStyle/>
+          <a:p>
+            <a:fld id="{056E17D1-6463-6D4A-A6B9-487EB10F22E4}" type="slidenum">
+              <a:rPr lang="fr-FR" smtClean="0"/>
+              <a:t>12</a:t>
+            </a:fld>
+            <a:endParaRPr lang="fr-FR"/>
+          </a:p>
+        </p:txBody>
+      </p:sp>
+      <p:sp>
+        <p:nvSpPr>
+          <p:cNvPr id="7" name="Espace réservé du pied de page 2"/>
+          <p:cNvSpPr>
+            <a:spLocks noGrp="1"/>
+          </p:cNvSpPr>
+          <p:nvPr>
+            <p:ph type="ftr" sz="quarter" idx="11"/>
+          </p:nvPr>
+        </p:nvSpPr>
+        <p:spPr>
+          <a:xfrm>
+            <a:off x="1473393" y="6305550"/>
+            <a:ext cx="6456848" cy="476250"/>
+          </a:xfrm>
+        </p:spPr>
+        <p:txBody>
+          <a:bodyPr/>
+          <a:lstStyle/>
+          <a:p>
+            <a:pPr algn="ctr"/>
+            <a:r>
+              <a:rPr lang="fr-FR" dirty="0" smtClean="0"/>
+              <a:t>Initiation à R – </a:t>
+            </a:r>
+            <a:r>
+              <a:rPr lang="fr-FR" dirty="0" err="1" smtClean="0"/>
+              <a:t>CentraleSupelec</a:t>
+            </a:r>
+            <a:r>
+              <a:rPr lang="fr-FR" dirty="0" smtClean="0"/>
+              <a:t> – </a:t>
+            </a:r>
+            <a:r>
+              <a:rPr lang="fr-FR" dirty="0" err="1" smtClean="0"/>
+              <a:t>J.Guégan</a:t>
+            </a:r>
+            <a:r>
+              <a:rPr lang="fr-FR" dirty="0" smtClean="0"/>
+              <a:t> – </a:t>
+            </a:r>
+            <a:r>
+              <a:rPr lang="fr-FR" dirty="0" err="1" smtClean="0"/>
+              <a:t>G.Meurice</a:t>
+            </a:r>
+            <a:endParaRPr lang="fr-FR" dirty="0"/>
+          </a:p>
+        </p:txBody>
+      </p:sp>
     </p:spTree>
     <p:extLst>
       <p:ext uri="{BB962C8B-B14F-4D97-AF65-F5344CB8AC3E}">
@@ -3661,6 +5516,13 @@
   <p:clrMapOvr>
     <a:masterClrMapping/>
   </p:clrMapOvr>
+  <p:timing>
+    <p:tnLst>
+      <p:par>
+        <p:cTn id="1" dur="indefinite" restart="never" nodeType="tmRoot"/>
+      </p:par>
+    </p:tnLst>
+  </p:timing>
 </p:sld>
 </file>
 
@@ -3698,11 +5560,11 @@
           <a:p>
             <a:r>
               <a:rPr lang="fr-FR" dirty="0" smtClean="0"/>
-              <a:t>Les classes d’</a:t>
-            </a:r>
-            <a:r>
-              <a:rPr lang="fr-FR" dirty="0" err="1" smtClean="0"/>
-              <a:t>objects</a:t>
+              <a:t>Les classes </a:t>
+            </a:r>
+            <a:r>
+              <a:rPr lang="fr-FR" dirty="0" smtClean="0"/>
+              <a:t>d’objets</a:t>
             </a:r>
             <a:endParaRPr lang="fr-FR" dirty="0"/>
           </a:p>
@@ -3731,8 +5593,12 @@
           <a:p>
             <a:pPr lvl="1"/>
             <a:r>
+              <a:rPr lang="fr-FR" dirty="0" smtClean="0"/>
+              <a:t>tous </a:t>
+            </a:r>
+            <a:r>
               <a:rPr lang="fr-FR" dirty="0"/>
-              <a:t>tout les éléments sont de même </a:t>
+              <a:t>les éléments sont de même </a:t>
             </a:r>
             <a:r>
               <a:rPr lang="fr-FR" dirty="0" smtClean="0"/>
@@ -3763,7 +5629,7 @@
         </p:blipFill>
         <p:spPr>
           <a:xfrm>
-            <a:off x="1103923" y="2486409"/>
+            <a:off x="1103923" y="2282370"/>
             <a:ext cx="6355372" cy="4449743"/>
           </a:xfrm>
           <a:prstGeom prst="rect">
@@ -3779,7 +5645,7 @@
         </p:nvSpPr>
         <p:spPr>
           <a:xfrm>
-            <a:off x="102399" y="6273745"/>
+            <a:off x="102399" y="6054592"/>
             <a:ext cx="8692666" cy="369332"/>
           </a:xfrm>
           <a:prstGeom prst="rect">
@@ -3804,6 +5670,78 @@
             <a:r>
               <a:rPr lang="fr-FR" dirty="0" smtClean="0"/>
               <a:t> », qui sont une généralisation à n-dimension des matrices</a:t>
+            </a:r>
+            <a:endParaRPr lang="fr-FR" dirty="0"/>
+          </a:p>
+        </p:txBody>
+      </p:sp>
+      <p:sp>
+        <p:nvSpPr>
+          <p:cNvPr id="7" name="Espace réservé du numéro de diapositive 6"/>
+          <p:cNvSpPr>
+            <a:spLocks noGrp="1"/>
+          </p:cNvSpPr>
+          <p:nvPr>
+            <p:ph type="sldNum" sz="quarter" idx="12"/>
+          </p:nvPr>
+        </p:nvSpPr>
+        <p:spPr/>
+        <p:txBody>
+          <a:bodyPr/>
+          <a:lstStyle/>
+          <a:p>
+            <a:fld id="{056E17D1-6463-6D4A-A6B9-487EB10F22E4}" type="slidenum">
+              <a:rPr lang="fr-FR" smtClean="0"/>
+              <a:t>13</a:t>
+            </a:fld>
+            <a:endParaRPr lang="fr-FR"/>
+          </a:p>
+        </p:txBody>
+      </p:sp>
+      <p:sp>
+        <p:nvSpPr>
+          <p:cNvPr id="8" name="Espace réservé du pied de page 2"/>
+          <p:cNvSpPr>
+            <a:spLocks noGrp="1"/>
+          </p:cNvSpPr>
+          <p:nvPr>
+            <p:ph type="ftr" sz="quarter" idx="11"/>
+          </p:nvPr>
+        </p:nvSpPr>
+        <p:spPr>
+          <a:xfrm>
+            <a:off x="1473393" y="6305550"/>
+            <a:ext cx="6456848" cy="476250"/>
+          </a:xfrm>
+        </p:spPr>
+        <p:txBody>
+          <a:bodyPr/>
+          <a:lstStyle/>
+          <a:p>
+            <a:pPr algn="ctr"/>
+            <a:r>
+              <a:rPr lang="fr-FR" dirty="0" smtClean="0"/>
+              <a:t>Initiation à R – </a:t>
+            </a:r>
+            <a:r>
+              <a:rPr lang="fr-FR" dirty="0" err="1" smtClean="0"/>
+              <a:t>CentraleSupelec</a:t>
+            </a:r>
+            <a:r>
+              <a:rPr lang="fr-FR" dirty="0" smtClean="0"/>
+              <a:t> – </a:t>
+            </a:r>
+            <a:r>
+              <a:rPr lang="fr-FR" dirty="0" err="1" smtClean="0"/>
+              <a:t>J.Guégan</a:t>
+            </a:r>
+            <a:r>
+              <a:rPr lang="fr-FR" dirty="0" smtClean="0"/>
+              <a:t> – </a:t>
+            </a:r>
+            <a:r>
+              <a:rPr lang="fr-FR" dirty="0" err="1" smtClean="0"/>
+              <a:t>G.Meurice</a:t>
             </a:r>
             <a:endParaRPr lang="fr-FR" dirty="0"/>
           </a:p>
@@ -3819,6 +5757,13 @@
   <p:clrMapOvr>
     <a:masterClrMapping/>
   </p:clrMapOvr>
+  <p:timing>
+    <p:tnLst>
+      <p:par>
+        <p:cTn id="1" dur="indefinite" restart="never" nodeType="tmRoot"/>
+      </p:par>
+    </p:tnLst>
+  </p:timing>
 </p:sld>
 </file>
 
@@ -3856,11 +5801,11 @@
           <a:p>
             <a:r>
               <a:rPr lang="fr-FR" dirty="0" smtClean="0"/>
-              <a:t>Les classes d’</a:t>
-            </a:r>
-            <a:r>
-              <a:rPr lang="fr-FR" dirty="0" err="1" smtClean="0"/>
-              <a:t>objects</a:t>
+              <a:t>Les classes </a:t>
+            </a:r>
+            <a:r>
+              <a:rPr lang="fr-FR" dirty="0" smtClean="0"/>
+              <a:t>d’objets</a:t>
             </a:r>
             <a:endParaRPr lang="fr-FR" dirty="0"/>
           </a:p>
@@ -3876,7 +5821,12 @@
             <p:ph idx="1"/>
           </p:nvPr>
         </p:nvSpPr>
-        <p:spPr/>
+        <p:spPr>
+          <a:xfrm>
+            <a:off x="1435608" y="1273989"/>
+            <a:ext cx="7498080" cy="4800600"/>
+          </a:xfrm>
+        </p:spPr>
         <p:txBody>
           <a:bodyPr/>
           <a:lstStyle/>
@@ -3897,8 +5847,16 @@
           <a:p>
             <a:pPr lvl="1"/>
             <a:r>
-              <a:rPr lang="fr-FR" dirty="0" smtClean="0"/>
-              <a:t>structure spéciale </a:t>
+              <a:rPr lang="fr-FR" dirty="0"/>
+              <a:t>S</a:t>
+            </a:r>
+            <a:r>
+              <a:rPr lang="fr-FR" dirty="0" smtClean="0"/>
+              <a:t>tructure </a:t>
+            </a:r>
+            <a:r>
+              <a:rPr lang="fr-FR" dirty="0" smtClean="0"/>
+              <a:t>spéciale </a:t>
             </a:r>
             <a:r>
               <a:rPr lang="fr-FR" dirty="0"/>
@@ -3954,7 +5912,7 @@
           </p:cNvPicPr>
           <p:nvPr/>
         </p:nvPicPr>
-        <p:blipFill>
+        <p:blipFill rotWithShape="1">
           <a:blip r:embed="rId2">
             <a:extLst>
               <a:ext uri="{28A0092B-C50C-407E-A947-70E740481C1C}">
@@ -3962,20 +5920,91 @@
               </a:ext>
             </a:extLst>
           </a:blip>
-          <a:stretch>
-            <a:fillRect/>
-          </a:stretch>
+          <a:srcRect b="27644"/>
+          <a:stretch/>
         </p:blipFill>
         <p:spPr>
           <a:xfrm>
             <a:off x="4629791" y="3956538"/>
-            <a:ext cx="3965666" cy="3409461"/>
+            <a:ext cx="3965666" cy="2466933"/>
           </a:xfrm>
           <a:prstGeom prst="rect">
             <a:avLst/>
           </a:prstGeom>
         </p:spPr>
       </p:pic>
+      <p:sp>
+        <p:nvSpPr>
+          <p:cNvPr id="5" name="Espace réservé du numéro de diapositive 4"/>
+          <p:cNvSpPr>
+            <a:spLocks noGrp="1"/>
+          </p:cNvSpPr>
+          <p:nvPr>
+            <p:ph type="sldNum" sz="quarter" idx="12"/>
+          </p:nvPr>
+        </p:nvSpPr>
+        <p:spPr/>
+        <p:txBody>
+          <a:bodyPr/>
+          <a:lstStyle/>
+          <a:p>
+            <a:fld id="{056E17D1-6463-6D4A-A6B9-487EB10F22E4}" type="slidenum">
+              <a:rPr lang="fr-FR" smtClean="0"/>
+              <a:t>14</a:t>
+            </a:fld>
+            <a:endParaRPr lang="fr-FR"/>
+          </a:p>
+        </p:txBody>
+      </p:sp>
+      <p:sp>
+        <p:nvSpPr>
+          <p:cNvPr id="7" name="Espace réservé du pied de page 2"/>
+          <p:cNvSpPr>
+            <a:spLocks noGrp="1"/>
+          </p:cNvSpPr>
+          <p:nvPr>
+            <p:ph type="ftr" sz="quarter" idx="11"/>
+          </p:nvPr>
+        </p:nvSpPr>
+        <p:spPr>
+          <a:xfrm>
+            <a:off x="1473393" y="6305550"/>
+            <a:ext cx="6456848" cy="476250"/>
+          </a:xfrm>
+        </p:spPr>
+        <p:txBody>
+          <a:bodyPr/>
+          <a:lstStyle/>
+          <a:p>
+            <a:pPr algn="ctr"/>
+            <a:r>
+              <a:rPr lang="fr-FR" dirty="0" smtClean="0"/>
+              <a:t>Initiation à R – </a:t>
+            </a:r>
+            <a:r>
+              <a:rPr lang="fr-FR" dirty="0" err="1" smtClean="0"/>
+              <a:t>CentraleSupelec</a:t>
+            </a:r>
+            <a:r>
+              <a:rPr lang="fr-FR" dirty="0" smtClean="0"/>
+              <a:t> – </a:t>
+            </a:r>
+            <a:r>
+              <a:rPr lang="fr-FR" dirty="0" err="1" smtClean="0"/>
+              <a:t>J.Guégan</a:t>
+            </a:r>
+            <a:r>
+              <a:rPr lang="fr-FR" dirty="0" smtClean="0"/>
+              <a:t> – </a:t>
+            </a:r>
+            <a:r>
+              <a:rPr lang="fr-FR" dirty="0" err="1" smtClean="0"/>
+              <a:t>G.Meurice</a:t>
+            </a:r>
+            <a:endParaRPr lang="fr-FR" dirty="0"/>
+          </a:p>
+        </p:txBody>
+      </p:sp>
     </p:spTree>
     <p:extLst>
       <p:ext uri="{BB962C8B-B14F-4D97-AF65-F5344CB8AC3E}">
@@ -3986,6 +6015,13 @@
   <p:clrMapOvr>
     <a:masterClrMapping/>
   </p:clrMapOvr>
+  <p:timing>
+    <p:tnLst>
+      <p:par>
+        <p:cTn id="1" dur="indefinite" restart="never" nodeType="tmRoot"/>
+      </p:par>
+    </p:tnLst>
+  </p:timing>
 </p:sld>
 </file>
 
@@ -4023,11 +6059,11 @@
           <a:p>
             <a:r>
               <a:rPr lang="fr-FR" dirty="0" smtClean="0"/>
-              <a:t>Les classes d’</a:t>
-            </a:r>
-            <a:r>
-              <a:rPr lang="fr-FR" dirty="0" err="1" smtClean="0"/>
-              <a:t>objects</a:t>
+              <a:t>Les classes </a:t>
+            </a:r>
+            <a:r>
+              <a:rPr lang="fr-FR" dirty="0" smtClean="0"/>
+              <a:t>d’objets</a:t>
             </a:r>
             <a:endParaRPr lang="fr-FR" dirty="0"/>
           </a:p>
@@ -4053,12 +6089,12 @@
               <a:t>Liste : </a:t>
             </a:r>
             <a:r>
-              <a:rPr lang="fr-FR" dirty="0" err="1" smtClean="0"/>
-              <a:t>object</a:t>
-            </a:r>
-            <a:r>
-              <a:rPr lang="fr-FR" dirty="0" smtClean="0"/>
-              <a:t> « fourre-tout » :  </a:t>
+              <a:rPr lang="fr-FR" dirty="0" smtClean="0"/>
+              <a:t>objet </a:t>
+            </a:r>
+            <a:r>
+              <a:rPr lang="fr-FR" dirty="0" smtClean="0"/>
+              <a:t>« fourre-tout » :  </a:t>
             </a:r>
           </a:p>
         </p:txBody>
@@ -4093,6 +6129,78 @@
           </a:prstGeom>
         </p:spPr>
       </p:pic>
+      <p:sp>
+        <p:nvSpPr>
+          <p:cNvPr id="5" name="Espace réservé du numéro de diapositive 4"/>
+          <p:cNvSpPr>
+            <a:spLocks noGrp="1"/>
+          </p:cNvSpPr>
+          <p:nvPr>
+            <p:ph type="sldNum" sz="quarter" idx="12"/>
+          </p:nvPr>
+        </p:nvSpPr>
+        <p:spPr/>
+        <p:txBody>
+          <a:bodyPr/>
+          <a:lstStyle/>
+          <a:p>
+            <a:fld id="{056E17D1-6463-6D4A-A6B9-487EB10F22E4}" type="slidenum">
+              <a:rPr lang="fr-FR" smtClean="0"/>
+              <a:t>15</a:t>
+            </a:fld>
+            <a:endParaRPr lang="fr-FR"/>
+          </a:p>
+        </p:txBody>
+      </p:sp>
+      <p:sp>
+        <p:nvSpPr>
+          <p:cNvPr id="7" name="Espace réservé du pied de page 2"/>
+          <p:cNvSpPr>
+            <a:spLocks noGrp="1"/>
+          </p:cNvSpPr>
+          <p:nvPr>
+            <p:ph type="ftr" sz="quarter" idx="11"/>
+          </p:nvPr>
+        </p:nvSpPr>
+        <p:spPr>
+          <a:xfrm>
+            <a:off x="1473393" y="6305550"/>
+            <a:ext cx="6456848" cy="476250"/>
+          </a:xfrm>
+        </p:spPr>
+        <p:txBody>
+          <a:bodyPr/>
+          <a:lstStyle/>
+          <a:p>
+            <a:pPr algn="ctr"/>
+            <a:r>
+              <a:rPr lang="fr-FR" dirty="0" smtClean="0"/>
+              <a:t>Initiation à R – </a:t>
+            </a:r>
+            <a:r>
+              <a:rPr lang="fr-FR" dirty="0" err="1" smtClean="0"/>
+              <a:t>CentraleSupelec</a:t>
+            </a:r>
+            <a:r>
+              <a:rPr lang="fr-FR" dirty="0" smtClean="0"/>
+              <a:t> – </a:t>
+            </a:r>
+            <a:r>
+              <a:rPr lang="fr-FR" dirty="0" err="1" smtClean="0"/>
+              <a:t>J.Guégan</a:t>
+            </a:r>
+            <a:r>
+              <a:rPr lang="fr-FR" dirty="0" smtClean="0"/>
+              <a:t> – </a:t>
+            </a:r>
+            <a:r>
+              <a:rPr lang="fr-FR" dirty="0" err="1" smtClean="0"/>
+              <a:t>G.Meurice</a:t>
+            </a:r>
+            <a:endParaRPr lang="fr-FR" dirty="0"/>
+          </a:p>
+        </p:txBody>
+      </p:sp>
     </p:spTree>
     <p:extLst>
       <p:ext uri="{BB962C8B-B14F-4D97-AF65-F5344CB8AC3E}">
@@ -4103,6 +6211,13 @@
   <p:clrMapOvr>
     <a:masterClrMapping/>
   </p:clrMapOvr>
+  <p:timing>
+    <p:tnLst>
+      <p:par>
+        <p:cTn id="1" dur="indefinite" restart="never" nodeType="tmRoot"/>
+      </p:par>
+    </p:tnLst>
+  </p:timing>
 </p:sld>
 </file>
 
@@ -4140,7 +6255,11 @@
           <a:p>
             <a:r>
               <a:rPr lang="fr-FR" dirty="0" smtClean="0"/>
-              <a:t>Structure algorithmiques</a:t>
+              <a:t>Structures </a:t>
+            </a:r>
+            <a:r>
+              <a:rPr lang="fr-FR" dirty="0" smtClean="0"/>
+              <a:t>algorithmiques</a:t>
             </a:r>
             <a:endParaRPr lang="fr-FR" dirty="0"/>
           </a:p>
@@ -4169,8 +6288,16 @@
           <a:p>
             <a:pPr lvl="1"/>
             <a:r>
-              <a:rPr lang="fr-FR" dirty="0" smtClean="0"/>
-              <a:t>If / </a:t>
+              <a:rPr lang="fr-FR" dirty="0"/>
+              <a:t>i</a:t>
+            </a:r>
+            <a:r>
+              <a:rPr lang="fr-FR" dirty="0" smtClean="0"/>
+              <a:t>f </a:t>
+            </a:r>
+            <a:r>
+              <a:rPr lang="fr-FR" dirty="0" smtClean="0"/>
+              <a:t>/ </a:t>
             </a:r>
             <a:r>
               <a:rPr lang="fr-FR" dirty="0" err="1" smtClean="0"/>
@@ -4216,6 +6343,78 @@
             <a:r>
               <a:rPr lang="fr-FR" dirty="0" err="1" smtClean="0"/>
               <a:t>while</a:t>
+            </a:r>
+            <a:endParaRPr lang="fr-FR" dirty="0"/>
+          </a:p>
+        </p:txBody>
+      </p:sp>
+      <p:sp>
+        <p:nvSpPr>
+          <p:cNvPr id="5" name="Espace réservé du numéro de diapositive 4"/>
+          <p:cNvSpPr>
+            <a:spLocks noGrp="1"/>
+          </p:cNvSpPr>
+          <p:nvPr>
+            <p:ph type="sldNum" sz="quarter" idx="12"/>
+          </p:nvPr>
+        </p:nvSpPr>
+        <p:spPr/>
+        <p:txBody>
+          <a:bodyPr/>
+          <a:lstStyle/>
+          <a:p>
+            <a:fld id="{056E17D1-6463-6D4A-A6B9-487EB10F22E4}" type="slidenum">
+              <a:rPr lang="fr-FR" smtClean="0"/>
+              <a:t>16</a:t>
+            </a:fld>
+            <a:endParaRPr lang="fr-FR"/>
+          </a:p>
+        </p:txBody>
+      </p:sp>
+      <p:sp>
+        <p:nvSpPr>
+          <p:cNvPr id="6" name="Espace réservé du pied de page 2"/>
+          <p:cNvSpPr>
+            <a:spLocks noGrp="1"/>
+          </p:cNvSpPr>
+          <p:nvPr>
+            <p:ph type="ftr" sz="quarter" idx="11"/>
+          </p:nvPr>
+        </p:nvSpPr>
+        <p:spPr>
+          <a:xfrm>
+            <a:off x="1473393" y="6305550"/>
+            <a:ext cx="6456848" cy="476250"/>
+          </a:xfrm>
+        </p:spPr>
+        <p:txBody>
+          <a:bodyPr/>
+          <a:lstStyle/>
+          <a:p>
+            <a:pPr algn="ctr"/>
+            <a:r>
+              <a:rPr lang="fr-FR" dirty="0" smtClean="0"/>
+              <a:t>Initiation à R – </a:t>
+            </a:r>
+            <a:r>
+              <a:rPr lang="fr-FR" dirty="0" err="1" smtClean="0"/>
+              <a:t>CentraleSupelec</a:t>
+            </a:r>
+            <a:r>
+              <a:rPr lang="fr-FR" dirty="0" smtClean="0"/>
+              <a:t> – </a:t>
+            </a:r>
+            <a:r>
+              <a:rPr lang="fr-FR" dirty="0" err="1" smtClean="0"/>
+              <a:t>J.Guégan</a:t>
+            </a:r>
+            <a:r>
+              <a:rPr lang="fr-FR" dirty="0" smtClean="0"/>
+              <a:t> – </a:t>
+            </a:r>
+            <a:r>
+              <a:rPr lang="fr-FR" dirty="0" err="1" smtClean="0"/>
+              <a:t>G.Meurice</a:t>
             </a:r>
             <a:endParaRPr lang="fr-FR" dirty="0"/>
           </a:p>
@@ -4231,6 +6430,13 @@
   <p:clrMapOvr>
     <a:masterClrMapping/>
   </p:clrMapOvr>
+  <p:timing>
+    <p:tnLst>
+      <p:par>
+        <p:cTn id="1" dur="indefinite" restart="never" nodeType="tmRoot"/>
+      </p:par>
+    </p:tnLst>
+  </p:timing>
 </p:sld>
 </file>
 
@@ -4274,6 +6480,41 @@
           </a:p>
         </p:txBody>
       </p:sp>
+      <p:sp>
+        <p:nvSpPr>
+          <p:cNvPr id="19" name="Espace réservé du contenu 2"/>
+          <p:cNvSpPr>
+            <a:spLocks noGrp="1"/>
+          </p:cNvSpPr>
+          <p:nvPr>
+            <p:ph idx="1"/>
+          </p:nvPr>
+        </p:nvSpPr>
+        <p:spPr>
+          <a:xfrm>
+            <a:off x="857721" y="1600201"/>
+            <a:ext cx="8229600" cy="1350108"/>
+          </a:xfrm>
+        </p:spPr>
+        <p:txBody>
+          <a:bodyPr/>
+          <a:lstStyle/>
+          <a:p>
+            <a:r>
+              <a:rPr lang="fr-FR" dirty="0"/>
+              <a:t>Une fonction permet de transformer </a:t>
+            </a:r>
+            <a:r>
+              <a:rPr lang="fr-FR" dirty="0" smtClean="0"/>
+              <a:t>des arguments </a:t>
+            </a:r>
+            <a:r>
+              <a:rPr lang="fr-FR" dirty="0"/>
+              <a:t>(inputs) en résultats (outputs).</a:t>
+            </a:r>
+          </a:p>
+        </p:txBody>
+      </p:sp>
       <p:grpSp>
         <p:nvGrpSpPr>
           <p:cNvPr id="18" name="Grouper 17"/>
@@ -4282,7 +6523,7 @@
         </p:nvGrpSpPr>
         <p:grpSpPr>
           <a:xfrm>
-            <a:off x="809807" y="2795899"/>
+            <a:off x="1210328" y="2795899"/>
             <a:ext cx="7876993" cy="3741669"/>
             <a:chOff x="1062893" y="1662668"/>
             <a:chExt cx="7876993" cy="3741669"/>
@@ -4619,7 +6860,7 @@
           <p:spPr>
             <a:xfrm>
               <a:off x="5054604" y="1662668"/>
-              <a:ext cx="1274708" cy="369332"/>
+              <a:ext cx="1260923" cy="369332"/>
             </a:xfrm>
             <a:prstGeom prst="rect">
               <a:avLst/>
@@ -4633,8 +6874,8 @@
             <a:lstStyle/>
             <a:p>
               <a:r>
-                <a:rPr lang="fr-FR" dirty="0" err="1" smtClean="0"/>
-                <a:t>parametres</a:t>
+                <a:rPr lang="fr-FR" dirty="0" smtClean="0"/>
+                <a:t>paramètres</a:t>
               </a:r>
               <a:endParaRPr lang="fr-FR" dirty="0"/>
             </a:p>
@@ -4812,36 +7053,73 @@
       </p:grpSp>
       <p:sp>
         <p:nvSpPr>
-          <p:cNvPr id="19" name="Espace réservé du contenu 2"/>
-          <p:cNvSpPr>
-            <a:spLocks noGrp="1"/>
-          </p:cNvSpPr>
-          <p:nvPr>
-            <p:ph idx="1"/>
+          <p:cNvPr id="8" name="Espace réservé du numéro de diapositive 7"/>
+          <p:cNvSpPr>
+            <a:spLocks noGrp="1"/>
+          </p:cNvSpPr>
+          <p:nvPr>
+            <p:ph type="sldNum" sz="quarter" idx="12"/>
+          </p:nvPr>
+        </p:nvSpPr>
+        <p:spPr/>
+        <p:txBody>
+          <a:bodyPr/>
+          <a:lstStyle/>
+          <a:p>
+            <a:fld id="{056E17D1-6463-6D4A-A6B9-487EB10F22E4}" type="slidenum">
+              <a:rPr lang="fr-FR" smtClean="0"/>
+              <a:t>17</a:t>
+            </a:fld>
+            <a:endParaRPr lang="fr-FR"/>
+          </a:p>
+        </p:txBody>
+      </p:sp>
+      <p:sp>
+        <p:nvSpPr>
+          <p:cNvPr id="17" name="Espace réservé du pied de page 2"/>
+          <p:cNvSpPr>
+            <a:spLocks noGrp="1"/>
+          </p:cNvSpPr>
+          <p:nvPr>
+            <p:ph type="ftr" sz="quarter" idx="11"/>
           </p:nvPr>
         </p:nvSpPr>
         <p:spPr>
           <a:xfrm>
-            <a:off x="457200" y="1600201"/>
-            <a:ext cx="8229600" cy="1350108"/>
+            <a:off x="1473393" y="6305550"/>
+            <a:ext cx="6456848" cy="476250"/>
           </a:xfrm>
         </p:spPr>
         <p:txBody>
           <a:bodyPr/>
           <a:lstStyle/>
           <a:p>
-            <a:r>
-              <a:rPr lang="fr-FR" dirty="0"/>
-              <a:t>Une fonction permet de transformer </a:t>
-            </a:r>
-            <a:r>
-              <a:rPr lang="fr-FR" dirty="0" smtClean="0"/>
-              <a:t>des arguments </a:t>
-            </a:r>
-            <a:r>
-              <a:rPr lang="fr-FR" dirty="0"/>
-              <a:t>(inputs) en résultats (outputs).</a:t>
-            </a:r>
+            <a:pPr algn="ctr"/>
+            <a:r>
+              <a:rPr lang="fr-FR" dirty="0" smtClean="0"/>
+              <a:t>Initiation à R – </a:t>
+            </a:r>
+            <a:r>
+              <a:rPr lang="fr-FR" dirty="0" err="1" smtClean="0"/>
+              <a:t>CentraleSupelec</a:t>
+            </a:r>
+            <a:r>
+              <a:rPr lang="fr-FR" dirty="0" smtClean="0"/>
+              <a:t> – </a:t>
+            </a:r>
+            <a:r>
+              <a:rPr lang="fr-FR" dirty="0" err="1" smtClean="0"/>
+              <a:t>J.Guégan</a:t>
+            </a:r>
+            <a:r>
+              <a:rPr lang="fr-FR" dirty="0" smtClean="0"/>
+              <a:t> – </a:t>
+            </a:r>
+            <a:r>
+              <a:rPr lang="fr-FR" dirty="0" err="1" smtClean="0"/>
+              <a:t>G.Meurice</a:t>
+            </a:r>
+            <a:endParaRPr lang="fr-FR" dirty="0"/>
           </a:p>
         </p:txBody>
       </p:sp>
@@ -4855,6 +7133,13 @@
   <p:clrMapOvr>
     <a:masterClrMapping/>
   </p:clrMapOvr>
+  <p:timing>
+    <p:tnLst>
+      <p:par>
+        <p:cTn id="1" dur="indefinite" restart="never" nodeType="tmRoot"/>
+      </p:par>
+    </p:tnLst>
+  </p:timing>
 </p:sld>
 </file>
 
@@ -4898,36 +7183,1291 @@
           </a:p>
         </p:txBody>
       </p:sp>
-      <p:pic>
-        <p:nvPicPr>
-          <p:cNvPr id="5" name="Image 4" descr="Capture d’écran 2016-10-17 à 21.53.00.png"/>
-          <p:cNvPicPr>
-            <a:picLocks noChangeAspect="1"/>
-          </p:cNvPicPr>
-          <p:nvPr/>
-        </p:nvPicPr>
-        <p:blipFill>
-          <a:blip r:embed="rId2">
-            <a:extLst>
-              <a:ext uri="{28A0092B-C50C-407E-A947-70E740481C1C}">
-                <a14:useLocalDpi xmlns:a14="http://schemas.microsoft.com/office/drawing/2010/main" val="0"/>
-              </a:ext>
-            </a:extLst>
-          </a:blip>
-          <a:stretch>
-            <a:fillRect/>
-          </a:stretch>
-        </p:blipFill>
+      <p:sp>
+        <p:nvSpPr>
+          <p:cNvPr id="4" name="Espace réservé du numéro de diapositive 3"/>
+          <p:cNvSpPr>
+            <a:spLocks noGrp="1"/>
+          </p:cNvSpPr>
+          <p:nvPr>
+            <p:ph type="sldNum" sz="quarter" idx="12"/>
+          </p:nvPr>
+        </p:nvSpPr>
+        <p:spPr/>
+        <p:txBody>
+          <a:bodyPr/>
+          <a:lstStyle/>
+          <a:p>
+            <a:fld id="{056E17D1-6463-6D4A-A6B9-487EB10F22E4}" type="slidenum">
+              <a:rPr lang="fr-FR" smtClean="0"/>
+              <a:t>18</a:t>
+            </a:fld>
+            <a:endParaRPr lang="fr-FR"/>
+          </a:p>
+        </p:txBody>
+      </p:sp>
+      <p:sp>
+        <p:nvSpPr>
+          <p:cNvPr id="6" name="Espace réservé du pied de page 2"/>
+          <p:cNvSpPr>
+            <a:spLocks noGrp="1"/>
+          </p:cNvSpPr>
+          <p:nvPr>
+            <p:ph type="ftr" sz="quarter" idx="11"/>
+          </p:nvPr>
+        </p:nvSpPr>
         <p:spPr>
           <a:xfrm>
-            <a:off x="1078035" y="2059354"/>
-            <a:ext cx="6616700" cy="3149600"/>
+            <a:off x="1473393" y="6305550"/>
+            <a:ext cx="6456848" cy="476250"/>
           </a:xfrm>
-          <a:prstGeom prst="rect">
-            <a:avLst/>
-          </a:prstGeom>
         </p:spPr>
-      </p:pic>
+        <p:txBody>
+          <a:bodyPr/>
+          <a:lstStyle/>
+          <a:p>
+            <a:pPr algn="ctr"/>
+            <a:r>
+              <a:rPr lang="fr-FR" dirty="0" smtClean="0"/>
+              <a:t>Initiation à R – </a:t>
+            </a:r>
+            <a:r>
+              <a:rPr lang="fr-FR" dirty="0" err="1" smtClean="0"/>
+              <a:t>CentraleSupelec</a:t>
+            </a:r>
+            <a:r>
+              <a:rPr lang="fr-FR" dirty="0" smtClean="0"/>
+              <a:t> – </a:t>
+            </a:r>
+            <a:r>
+              <a:rPr lang="fr-FR" dirty="0" err="1" smtClean="0"/>
+              <a:t>J.Guégan</a:t>
+            </a:r>
+            <a:r>
+              <a:rPr lang="fr-FR" dirty="0" smtClean="0"/>
+              <a:t> – </a:t>
+            </a:r>
+            <a:r>
+              <a:rPr lang="fr-FR" dirty="0" err="1" smtClean="0"/>
+              <a:t>G.Meurice</a:t>
+            </a:r>
+            <a:endParaRPr lang="fr-FR" dirty="0"/>
+          </a:p>
+        </p:txBody>
+      </p:sp>
+      <p:graphicFrame>
+        <p:nvGraphicFramePr>
+          <p:cNvPr id="7" name="Tableau 6"/>
+          <p:cNvGraphicFramePr>
+            <a:graphicFrameLocks noGrp="1"/>
+          </p:cNvGraphicFramePr>
+          <p:nvPr>
+            <p:extLst>
+              <p:ext uri="{D42A27DB-BD31-4B8C-83A1-F6EECF244321}">
+                <p14:modId xmlns:p14="http://schemas.microsoft.com/office/powerpoint/2010/main" val="4092588551"/>
+              </p:ext>
+            </p:extLst>
+          </p:nvPr>
+        </p:nvGraphicFramePr>
+        <p:xfrm>
+          <a:off x="1157285" y="1948180"/>
+          <a:ext cx="7913563" cy="2961640"/>
+        </p:xfrm>
+        <a:graphic>
+          <a:graphicData uri="http://schemas.openxmlformats.org/drawingml/2006/table">
+            <a:tbl>
+              <a:tblPr firstRow="1" bandRow="1">
+                <a:tableStyleId>{5C22544A-7EE6-4342-B048-85BDC9FD1C3A}</a:tableStyleId>
+              </a:tblPr>
+              <a:tblGrid>
+                <a:gridCol w="714376"/>
+                <a:gridCol w="1923479"/>
+                <a:gridCol w="655414"/>
+                <a:gridCol w="1982440"/>
+                <a:gridCol w="1025079"/>
+                <a:gridCol w="1612775"/>
+              </a:tblGrid>
+              <a:tr h="0">
+                <a:tc gridSpan="2">
+                  <a:txBody>
+                    <a:bodyPr/>
+                    <a:lstStyle/>
+                    <a:p>
+                      <a:pPr algn="ctr"/>
+                      <a:r>
+                        <a:rPr lang="en-US" dirty="0" err="1" smtClean="0">
+                          <a:ln>
+                            <a:solidFill>
+                              <a:schemeClr val="bg1"/>
+                            </a:solidFill>
+                          </a:ln>
+                        </a:rPr>
+                        <a:t>Arithmétique</a:t>
+                      </a:r>
+                      <a:endParaRPr lang="en-US" dirty="0">
+                        <a:ln>
+                          <a:solidFill>
+                            <a:schemeClr val="bg1"/>
+                          </a:solidFill>
+                        </a:ln>
+                      </a:endParaRPr>
+                    </a:p>
+                  </a:txBody>
+                  <a:tcPr>
+                    <a:lnR w="28575" cap="flat" cmpd="sng" algn="ctr">
+                      <a:solidFill>
+                        <a:schemeClr val="bg1"/>
+                      </a:solidFill>
+                      <a:prstDash val="solid"/>
+                      <a:round/>
+                      <a:headEnd type="none" w="med" len="med"/>
+                      <a:tailEnd type="none" w="med" len="med"/>
+                    </a:lnR>
+                  </a:tcPr>
+                </a:tc>
+                <a:tc hMerge="1">
+                  <a:txBody>
+                    <a:bodyPr/>
+                    <a:lstStyle/>
+                    <a:p>
+                      <a:endParaRPr lang="en-US" dirty="0"/>
+                    </a:p>
+                  </a:txBody>
+                  <a:tcPr/>
+                </a:tc>
+                <a:tc gridSpan="2">
+                  <a:txBody>
+                    <a:bodyPr/>
+                    <a:lstStyle/>
+                    <a:p>
+                      <a:pPr algn="ctr"/>
+                      <a:r>
+                        <a:rPr lang="en-US" dirty="0" err="1" smtClean="0"/>
+                        <a:t>Comparaison</a:t>
+                      </a:r>
+                      <a:endParaRPr lang="en-US" dirty="0"/>
+                    </a:p>
+                  </a:txBody>
+                  <a:tcPr>
+                    <a:lnL w="28575" cap="flat" cmpd="sng" algn="ctr">
+                      <a:solidFill>
+                        <a:schemeClr val="bg1"/>
+                      </a:solidFill>
+                      <a:prstDash val="solid"/>
+                      <a:round/>
+                      <a:headEnd type="none" w="med" len="med"/>
+                      <a:tailEnd type="none" w="med" len="med"/>
+                    </a:lnL>
+                    <a:lnR w="28575" cap="flat" cmpd="sng" algn="ctr">
+                      <a:solidFill>
+                        <a:schemeClr val="bg1"/>
+                      </a:solidFill>
+                      <a:prstDash val="solid"/>
+                      <a:round/>
+                      <a:headEnd type="none" w="med" len="med"/>
+                      <a:tailEnd type="none" w="med" len="med"/>
+                    </a:lnR>
+                  </a:tcPr>
+                </a:tc>
+                <a:tc hMerge="1">
+                  <a:txBody>
+                    <a:bodyPr/>
+                    <a:lstStyle/>
+                    <a:p>
+                      <a:endParaRPr lang="en-US" dirty="0"/>
+                    </a:p>
+                  </a:txBody>
+                  <a:tcPr/>
+                </a:tc>
+                <a:tc gridSpan="2">
+                  <a:txBody>
+                    <a:bodyPr/>
+                    <a:lstStyle/>
+                    <a:p>
+                      <a:pPr algn="ctr"/>
+                      <a:r>
+                        <a:rPr lang="en-US" dirty="0" err="1" smtClean="0"/>
+                        <a:t>Logique</a:t>
+                      </a:r>
+                      <a:endParaRPr lang="en-US" dirty="0"/>
+                    </a:p>
+                  </a:txBody>
+                  <a:tcPr>
+                    <a:lnL w="28575" cap="flat" cmpd="sng" algn="ctr">
+                      <a:solidFill>
+                        <a:schemeClr val="bg1"/>
+                      </a:solidFill>
+                      <a:prstDash val="solid"/>
+                      <a:round/>
+                      <a:headEnd type="none" w="med" len="med"/>
+                      <a:tailEnd type="none" w="med" len="med"/>
+                    </a:lnL>
+                  </a:tcPr>
+                </a:tc>
+                <a:tc hMerge="1">
+                  <a:txBody>
+                    <a:bodyPr/>
+                    <a:lstStyle/>
+                    <a:p>
+                      <a:endParaRPr lang="en-US" dirty="0"/>
+                    </a:p>
+                  </a:txBody>
+                  <a:tcPr/>
+                </a:tc>
+              </a:tr>
+              <a:tr h="370840">
+                <a:tc>
+                  <a:txBody>
+                    <a:bodyPr/>
+                    <a:lstStyle/>
+                    <a:p>
+                      <a:r>
+                        <a:rPr lang="en-US" dirty="0" smtClean="0"/>
+                        <a:t>+</a:t>
+                      </a:r>
+                    </a:p>
+                  </a:txBody>
+                  <a:tcPr/>
+                </a:tc>
+                <a:tc>
+                  <a:txBody>
+                    <a:bodyPr/>
+                    <a:lstStyle/>
+                    <a:p>
+                      <a:pPr marL="0" algn="l" rtl="0" eaLnBrk="1" latinLnBrk="0" hangingPunct="1"/>
+                      <a:r>
+                        <a:rPr kumimoji="0" lang="en-US" kern="1200" dirty="0" smtClean="0">
+                          <a:solidFill>
+                            <a:schemeClr val="dk1"/>
+                          </a:solidFill>
+                          <a:latin typeface="+mn-lt"/>
+                          <a:ea typeface="+mn-ea"/>
+                          <a:cs typeface="+mn-cs"/>
+                        </a:rPr>
+                        <a:t>Addition</a:t>
+                      </a:r>
+                      <a:endParaRPr kumimoji="0" lang="en-US" kern="1200" dirty="0">
+                        <a:solidFill>
+                          <a:schemeClr val="dk1"/>
+                        </a:solidFill>
+                        <a:latin typeface="+mn-lt"/>
+                        <a:ea typeface="+mn-ea"/>
+                        <a:cs typeface="+mn-cs"/>
+                      </a:endParaRPr>
+                    </a:p>
+                  </a:txBody>
+                  <a:tcPr>
+                    <a:lnR w="28575" cap="flat" cmpd="sng" algn="ctr">
+                      <a:solidFill>
+                        <a:schemeClr val="bg1"/>
+                      </a:solidFill>
+                      <a:prstDash val="solid"/>
+                      <a:round/>
+                      <a:headEnd type="none" w="med" len="med"/>
+                      <a:tailEnd type="none" w="med" len="med"/>
+                    </a:lnR>
+                  </a:tcPr>
+                </a:tc>
+                <a:tc>
+                  <a:txBody>
+                    <a:bodyPr/>
+                    <a:lstStyle/>
+                    <a:p>
+                      <a:r>
+                        <a:rPr lang="en-US" dirty="0" smtClean="0"/>
+                        <a:t>&lt;</a:t>
+                      </a:r>
+                      <a:endParaRPr lang="en-US" dirty="0"/>
+                    </a:p>
+                  </a:txBody>
+                  <a:tcPr>
+                    <a:lnL w="28575" cap="flat" cmpd="sng" algn="ctr">
+                      <a:solidFill>
+                        <a:schemeClr val="bg1"/>
+                      </a:solidFill>
+                      <a:prstDash val="solid"/>
+                      <a:round/>
+                      <a:headEnd type="none" w="med" len="med"/>
+                      <a:tailEnd type="none" w="med" len="med"/>
+                    </a:lnL>
+                  </a:tcPr>
+                </a:tc>
+                <a:tc>
+                  <a:txBody>
+                    <a:bodyPr/>
+                    <a:lstStyle/>
+                    <a:p>
+                      <a:r>
+                        <a:rPr lang="en-US" dirty="0" err="1" smtClean="0"/>
+                        <a:t>Inférieur</a:t>
+                      </a:r>
+                      <a:r>
+                        <a:rPr lang="en-US" dirty="0" smtClean="0"/>
+                        <a:t> à</a:t>
+                      </a:r>
+                      <a:endParaRPr lang="en-US" dirty="0"/>
+                    </a:p>
+                  </a:txBody>
+                  <a:tcPr>
+                    <a:lnR w="28575" cap="flat" cmpd="sng" algn="ctr">
+                      <a:solidFill>
+                        <a:schemeClr val="bg1"/>
+                      </a:solidFill>
+                      <a:prstDash val="solid"/>
+                      <a:round/>
+                      <a:headEnd type="none" w="med" len="med"/>
+                      <a:tailEnd type="none" w="med" len="med"/>
+                    </a:lnR>
+                  </a:tcPr>
+                </a:tc>
+                <a:tc>
+                  <a:txBody>
+                    <a:bodyPr/>
+                    <a:lstStyle/>
+                    <a:p>
+                      <a:r>
+                        <a:rPr lang="en-US" dirty="0" smtClean="0"/>
+                        <a:t>!x</a:t>
+                      </a:r>
+                      <a:endParaRPr lang="en-US" dirty="0"/>
+                    </a:p>
+                  </a:txBody>
+                  <a:tcPr>
+                    <a:lnL w="28575" cap="flat" cmpd="sng" algn="ctr">
+                      <a:solidFill>
+                        <a:schemeClr val="bg1"/>
+                      </a:solidFill>
+                      <a:prstDash val="solid"/>
+                      <a:round/>
+                      <a:headEnd type="none" w="med" len="med"/>
+                      <a:tailEnd type="none" w="med" len="med"/>
+                    </a:lnL>
+                  </a:tcPr>
+                </a:tc>
+                <a:tc>
+                  <a:txBody>
+                    <a:bodyPr/>
+                    <a:lstStyle/>
+                    <a:p>
+                      <a:r>
+                        <a:rPr lang="en-US" dirty="0" smtClean="0"/>
+                        <a:t>NON </a:t>
+                      </a:r>
+                      <a:r>
+                        <a:rPr lang="en-US" dirty="0" err="1" smtClean="0"/>
+                        <a:t>logique</a:t>
+                      </a:r>
+                      <a:endParaRPr lang="en-US" dirty="0"/>
+                    </a:p>
+                  </a:txBody>
+                  <a:tcPr/>
+                </a:tc>
+              </a:tr>
+              <a:tr h="370840">
+                <a:tc>
+                  <a:txBody>
+                    <a:bodyPr/>
+                    <a:lstStyle/>
+                    <a:p>
+                      <a:r>
+                        <a:rPr lang="en-US" dirty="0" smtClean="0"/>
+                        <a:t>-</a:t>
+                      </a:r>
+                      <a:endParaRPr lang="en-US" dirty="0"/>
+                    </a:p>
+                  </a:txBody>
+                  <a:tcPr/>
+                </a:tc>
+                <a:tc>
+                  <a:txBody>
+                    <a:bodyPr/>
+                    <a:lstStyle/>
+                    <a:p>
+                      <a:pPr marL="0" algn="l" rtl="0" eaLnBrk="1" latinLnBrk="0" hangingPunct="1"/>
+                      <a:r>
+                        <a:rPr kumimoji="0" lang="en-US" kern="1200" dirty="0" err="1" smtClean="0">
+                          <a:solidFill>
+                            <a:schemeClr val="dk1"/>
+                          </a:solidFill>
+                          <a:latin typeface="+mn-lt"/>
+                          <a:ea typeface="+mn-ea"/>
+                          <a:cs typeface="+mn-cs"/>
+                        </a:rPr>
+                        <a:t>Soustraction</a:t>
+                      </a:r>
+                      <a:endParaRPr kumimoji="0" lang="en-US" kern="1200" dirty="0">
+                        <a:solidFill>
+                          <a:schemeClr val="dk1"/>
+                        </a:solidFill>
+                        <a:latin typeface="+mn-lt"/>
+                        <a:ea typeface="+mn-ea"/>
+                        <a:cs typeface="+mn-cs"/>
+                      </a:endParaRPr>
+                    </a:p>
+                  </a:txBody>
+                  <a:tcPr>
+                    <a:lnR w="28575" cap="flat" cmpd="sng" algn="ctr">
+                      <a:solidFill>
+                        <a:schemeClr val="bg1"/>
+                      </a:solidFill>
+                      <a:prstDash val="solid"/>
+                      <a:round/>
+                      <a:headEnd type="none" w="med" len="med"/>
+                      <a:tailEnd type="none" w="med" len="med"/>
+                    </a:lnR>
+                  </a:tcPr>
+                </a:tc>
+                <a:tc>
+                  <a:txBody>
+                    <a:bodyPr/>
+                    <a:lstStyle/>
+                    <a:p>
+                      <a:r>
+                        <a:rPr lang="en-US" dirty="0" smtClean="0"/>
+                        <a:t>&gt;</a:t>
+                      </a:r>
+                      <a:endParaRPr lang="en-US" dirty="0"/>
+                    </a:p>
+                  </a:txBody>
+                  <a:tcPr>
+                    <a:lnL w="28575" cap="flat" cmpd="sng" algn="ctr">
+                      <a:solidFill>
+                        <a:schemeClr val="bg1"/>
+                      </a:solidFill>
+                      <a:prstDash val="solid"/>
+                      <a:round/>
+                      <a:headEnd type="none" w="med" len="med"/>
+                      <a:tailEnd type="none" w="med" len="med"/>
+                    </a:lnL>
+                  </a:tcPr>
+                </a:tc>
+                <a:tc>
+                  <a:txBody>
+                    <a:bodyPr/>
+                    <a:lstStyle/>
+                    <a:p>
+                      <a:r>
+                        <a:rPr lang="en-US" dirty="0" err="1" smtClean="0"/>
+                        <a:t>Supérieur</a:t>
+                      </a:r>
+                      <a:r>
+                        <a:rPr lang="en-US" dirty="0" smtClean="0"/>
+                        <a:t> à</a:t>
+                      </a:r>
+                      <a:endParaRPr lang="en-US" dirty="0"/>
+                    </a:p>
+                  </a:txBody>
+                  <a:tcPr>
+                    <a:lnR w="28575" cap="flat" cmpd="sng" algn="ctr">
+                      <a:solidFill>
+                        <a:schemeClr val="bg1"/>
+                      </a:solidFill>
+                      <a:prstDash val="solid"/>
+                      <a:round/>
+                      <a:headEnd type="none" w="med" len="med"/>
+                      <a:tailEnd type="none" w="med" len="med"/>
+                    </a:lnR>
+                  </a:tcPr>
+                </a:tc>
+                <a:tc>
+                  <a:txBody>
+                    <a:bodyPr/>
+                    <a:lstStyle/>
+                    <a:p>
+                      <a:r>
+                        <a:rPr lang="en-US" dirty="0" smtClean="0"/>
+                        <a:t>x &amp; y</a:t>
+                      </a:r>
+                      <a:endParaRPr lang="en-US" dirty="0"/>
+                    </a:p>
+                  </a:txBody>
+                  <a:tcPr>
+                    <a:lnL w="28575" cap="flat" cmpd="sng" algn="ctr">
+                      <a:solidFill>
+                        <a:schemeClr val="bg1"/>
+                      </a:solidFill>
+                      <a:prstDash val="solid"/>
+                      <a:round/>
+                      <a:headEnd type="none" w="med" len="med"/>
+                      <a:tailEnd type="none" w="med" len="med"/>
+                    </a:lnL>
+                  </a:tcPr>
+                </a:tc>
+                <a:tc>
+                  <a:txBody>
+                    <a:bodyPr/>
+                    <a:lstStyle/>
+                    <a:p>
+                      <a:r>
+                        <a:rPr lang="en-US" dirty="0" smtClean="0"/>
+                        <a:t>ET </a:t>
+                      </a:r>
+                      <a:r>
+                        <a:rPr lang="en-US" dirty="0" err="1" smtClean="0"/>
+                        <a:t>logique</a:t>
+                      </a:r>
+                      <a:endParaRPr lang="en-US" dirty="0"/>
+                    </a:p>
+                  </a:txBody>
+                  <a:tcPr/>
+                </a:tc>
+              </a:tr>
+              <a:tr h="370840">
+                <a:tc>
+                  <a:txBody>
+                    <a:bodyPr/>
+                    <a:lstStyle/>
+                    <a:p>
+                      <a:r>
+                        <a:rPr lang="en-US" dirty="0" smtClean="0"/>
+                        <a:t>*</a:t>
+                      </a:r>
+                      <a:endParaRPr lang="en-US" dirty="0"/>
+                    </a:p>
+                  </a:txBody>
+                  <a:tcPr/>
+                </a:tc>
+                <a:tc>
+                  <a:txBody>
+                    <a:bodyPr/>
+                    <a:lstStyle/>
+                    <a:p>
+                      <a:pPr marL="0" algn="l" rtl="0" eaLnBrk="1" latinLnBrk="0" hangingPunct="1"/>
+                      <a:r>
+                        <a:rPr kumimoji="0" lang="en-US" kern="1200" dirty="0" smtClean="0">
+                          <a:solidFill>
+                            <a:schemeClr val="dk1"/>
+                          </a:solidFill>
+                          <a:latin typeface="+mn-lt"/>
+                          <a:ea typeface="+mn-ea"/>
+                          <a:cs typeface="+mn-cs"/>
+                        </a:rPr>
+                        <a:t>Multiplication</a:t>
+                      </a:r>
+                      <a:endParaRPr kumimoji="0" lang="en-US" kern="1200" dirty="0">
+                        <a:solidFill>
+                          <a:schemeClr val="dk1"/>
+                        </a:solidFill>
+                        <a:latin typeface="+mn-lt"/>
+                        <a:ea typeface="+mn-ea"/>
+                        <a:cs typeface="+mn-cs"/>
+                      </a:endParaRPr>
+                    </a:p>
+                  </a:txBody>
+                  <a:tcPr>
+                    <a:lnR w="28575" cap="flat" cmpd="sng" algn="ctr">
+                      <a:solidFill>
+                        <a:schemeClr val="bg1"/>
+                      </a:solidFill>
+                      <a:prstDash val="solid"/>
+                      <a:round/>
+                      <a:headEnd type="none" w="med" len="med"/>
+                      <a:tailEnd type="none" w="med" len="med"/>
+                    </a:lnR>
+                  </a:tcPr>
+                </a:tc>
+                <a:tc>
+                  <a:txBody>
+                    <a:bodyPr/>
+                    <a:lstStyle/>
+                    <a:p>
+                      <a:r>
+                        <a:rPr lang="en-US" dirty="0" smtClean="0"/>
+                        <a:t>&lt;=</a:t>
+                      </a:r>
+                      <a:endParaRPr lang="en-US" dirty="0"/>
+                    </a:p>
+                  </a:txBody>
+                  <a:tcPr>
+                    <a:lnL w="28575" cap="flat" cmpd="sng" algn="ctr">
+                      <a:solidFill>
+                        <a:schemeClr val="bg1"/>
+                      </a:solidFill>
+                      <a:prstDash val="solid"/>
+                      <a:round/>
+                      <a:headEnd type="none" w="med" len="med"/>
+                      <a:tailEnd type="none" w="med" len="med"/>
+                    </a:lnL>
+                  </a:tcPr>
+                </a:tc>
+                <a:tc>
+                  <a:txBody>
+                    <a:bodyPr/>
+                    <a:lstStyle/>
+                    <a:p>
+                      <a:r>
+                        <a:rPr lang="en-US" dirty="0" err="1" smtClean="0"/>
+                        <a:t>Inférieur</a:t>
+                      </a:r>
+                      <a:r>
+                        <a:rPr lang="en-US" baseline="0" dirty="0" smtClean="0"/>
+                        <a:t> </a:t>
+                      </a:r>
+                      <a:r>
+                        <a:rPr lang="en-US" baseline="0" dirty="0" err="1" smtClean="0"/>
+                        <a:t>ou</a:t>
+                      </a:r>
+                      <a:r>
+                        <a:rPr lang="en-US" baseline="0" dirty="0" smtClean="0"/>
+                        <a:t> </a:t>
+                      </a:r>
+                      <a:r>
+                        <a:rPr lang="en-US" baseline="0" dirty="0" err="1" smtClean="0"/>
+                        <a:t>égal</a:t>
+                      </a:r>
+                      <a:endParaRPr lang="en-US" dirty="0"/>
+                    </a:p>
+                  </a:txBody>
+                  <a:tcPr>
+                    <a:lnR w="28575" cap="flat" cmpd="sng" algn="ctr">
+                      <a:solidFill>
+                        <a:schemeClr val="bg1"/>
+                      </a:solidFill>
+                      <a:prstDash val="solid"/>
+                      <a:round/>
+                      <a:headEnd type="none" w="med" len="med"/>
+                      <a:tailEnd type="none" w="med" len="med"/>
+                    </a:lnR>
+                  </a:tcPr>
+                </a:tc>
+                <a:tc>
+                  <a:txBody>
+                    <a:bodyPr/>
+                    <a:lstStyle/>
+                    <a:p>
+                      <a:r>
+                        <a:rPr lang="en-US" dirty="0" smtClean="0"/>
+                        <a:t>x &amp;&amp; y</a:t>
+                      </a:r>
+                      <a:endParaRPr lang="en-US" dirty="0"/>
+                    </a:p>
+                  </a:txBody>
+                  <a:tcPr>
+                    <a:lnL w="28575" cap="flat" cmpd="sng" algn="ctr">
+                      <a:solidFill>
+                        <a:schemeClr val="bg1"/>
+                      </a:solidFill>
+                      <a:prstDash val="solid"/>
+                      <a:round/>
+                      <a:headEnd type="none" w="med" len="med"/>
+                      <a:tailEnd type="none" w="med" len="med"/>
+                    </a:lnL>
+                  </a:tcPr>
+                </a:tc>
+                <a:tc>
+                  <a:txBody>
+                    <a:bodyPr/>
+                    <a:lstStyle/>
+                    <a:p>
+                      <a:r>
+                        <a:rPr lang="en-US" dirty="0" smtClean="0"/>
+                        <a:t>Idem</a:t>
+                      </a:r>
+                      <a:endParaRPr lang="en-US" dirty="0"/>
+                    </a:p>
+                  </a:txBody>
+                  <a:tcPr/>
+                </a:tc>
+              </a:tr>
+              <a:tr h="370840">
+                <a:tc>
+                  <a:txBody>
+                    <a:bodyPr/>
+                    <a:lstStyle/>
+                    <a:p>
+                      <a:r>
+                        <a:rPr lang="en-US" dirty="0" smtClean="0"/>
+                        <a:t>/</a:t>
+                      </a:r>
+                      <a:endParaRPr lang="en-US" dirty="0"/>
+                    </a:p>
+                  </a:txBody>
+                  <a:tcPr/>
+                </a:tc>
+                <a:tc>
+                  <a:txBody>
+                    <a:bodyPr/>
+                    <a:lstStyle/>
+                    <a:p>
+                      <a:pPr marL="0" algn="l" rtl="0" eaLnBrk="1" latinLnBrk="0" hangingPunct="1"/>
+                      <a:r>
+                        <a:rPr kumimoji="0" lang="en-US" kern="1200" dirty="0" smtClean="0">
+                          <a:solidFill>
+                            <a:schemeClr val="dk1"/>
+                          </a:solidFill>
+                          <a:latin typeface="+mn-lt"/>
+                          <a:ea typeface="+mn-ea"/>
+                          <a:cs typeface="+mn-cs"/>
+                        </a:rPr>
+                        <a:t>Division</a:t>
+                      </a:r>
+                      <a:endParaRPr kumimoji="0" lang="en-US" kern="1200" dirty="0">
+                        <a:solidFill>
+                          <a:schemeClr val="dk1"/>
+                        </a:solidFill>
+                        <a:latin typeface="+mn-lt"/>
+                        <a:ea typeface="+mn-ea"/>
+                        <a:cs typeface="+mn-cs"/>
+                      </a:endParaRPr>
+                    </a:p>
+                  </a:txBody>
+                  <a:tcPr>
+                    <a:lnR w="28575" cap="flat" cmpd="sng" algn="ctr">
+                      <a:solidFill>
+                        <a:schemeClr val="bg1"/>
+                      </a:solidFill>
+                      <a:prstDash val="solid"/>
+                      <a:round/>
+                      <a:headEnd type="none" w="med" len="med"/>
+                      <a:tailEnd type="none" w="med" len="med"/>
+                    </a:lnR>
+                  </a:tcPr>
+                </a:tc>
+                <a:tc>
+                  <a:txBody>
+                    <a:bodyPr/>
+                    <a:lstStyle/>
+                    <a:p>
+                      <a:r>
+                        <a:rPr lang="en-US" dirty="0" smtClean="0"/>
+                        <a:t>&gt;=</a:t>
+                      </a:r>
+                      <a:endParaRPr lang="en-US" dirty="0"/>
+                    </a:p>
+                  </a:txBody>
+                  <a:tcPr>
+                    <a:lnL w="28575" cap="flat" cmpd="sng" algn="ctr">
+                      <a:solidFill>
+                        <a:schemeClr val="bg1"/>
+                      </a:solidFill>
+                      <a:prstDash val="solid"/>
+                      <a:round/>
+                      <a:headEnd type="none" w="med" len="med"/>
+                      <a:tailEnd type="none" w="med" len="med"/>
+                    </a:lnL>
+                  </a:tcPr>
+                </a:tc>
+                <a:tc>
+                  <a:txBody>
+                    <a:bodyPr/>
+                    <a:lstStyle/>
+                    <a:p>
+                      <a:r>
+                        <a:rPr lang="en-US" dirty="0" err="1" smtClean="0"/>
+                        <a:t>Supérieur</a:t>
+                      </a:r>
+                      <a:r>
+                        <a:rPr lang="en-US" dirty="0" smtClean="0"/>
+                        <a:t> </a:t>
+                      </a:r>
+                      <a:r>
+                        <a:rPr lang="en-US" dirty="0" err="1" smtClean="0"/>
+                        <a:t>ou</a:t>
+                      </a:r>
+                      <a:r>
+                        <a:rPr lang="en-US" dirty="0" smtClean="0"/>
+                        <a:t> </a:t>
+                      </a:r>
+                      <a:r>
+                        <a:rPr lang="en-US" dirty="0" err="1" smtClean="0"/>
+                        <a:t>égal</a:t>
+                      </a:r>
+                      <a:endParaRPr lang="en-US" dirty="0"/>
+                    </a:p>
+                  </a:txBody>
+                  <a:tcPr>
+                    <a:lnR w="28575" cap="flat" cmpd="sng" algn="ctr">
+                      <a:solidFill>
+                        <a:schemeClr val="bg1"/>
+                      </a:solidFill>
+                      <a:prstDash val="solid"/>
+                      <a:round/>
+                      <a:headEnd type="none" w="med" len="med"/>
+                      <a:tailEnd type="none" w="med" len="med"/>
+                    </a:lnR>
+                  </a:tcPr>
+                </a:tc>
+                <a:tc>
+                  <a:txBody>
+                    <a:bodyPr/>
+                    <a:lstStyle/>
+                    <a:p>
+                      <a:r>
+                        <a:rPr lang="en-US" dirty="0" smtClean="0"/>
+                        <a:t>x | y</a:t>
+                      </a:r>
+                      <a:endParaRPr lang="en-US" dirty="0"/>
+                    </a:p>
+                  </a:txBody>
+                  <a:tcPr>
+                    <a:lnL w="28575" cap="flat" cmpd="sng" algn="ctr">
+                      <a:solidFill>
+                        <a:schemeClr val="bg1"/>
+                      </a:solidFill>
+                      <a:prstDash val="solid"/>
+                      <a:round/>
+                      <a:headEnd type="none" w="med" len="med"/>
+                      <a:tailEnd type="none" w="med" len="med"/>
+                    </a:lnL>
+                  </a:tcPr>
+                </a:tc>
+                <a:tc>
+                  <a:txBody>
+                    <a:bodyPr/>
+                    <a:lstStyle/>
+                    <a:p>
+                      <a:r>
+                        <a:rPr lang="en-US" dirty="0" smtClean="0"/>
+                        <a:t>OU </a:t>
+                      </a:r>
+                      <a:r>
+                        <a:rPr lang="en-US" dirty="0" err="1" smtClean="0"/>
+                        <a:t>logique</a:t>
+                      </a:r>
+                      <a:endParaRPr lang="en-US" dirty="0"/>
+                    </a:p>
+                  </a:txBody>
+                  <a:tcPr/>
+                </a:tc>
+              </a:tr>
+              <a:tr h="370840">
+                <a:tc>
+                  <a:txBody>
+                    <a:bodyPr/>
+                    <a:lstStyle/>
+                    <a:p>
+                      <a:r>
+                        <a:rPr lang="en-US" dirty="0" smtClean="0"/>
+                        <a:t>^</a:t>
+                      </a:r>
+                      <a:endParaRPr lang="en-US" dirty="0"/>
+                    </a:p>
+                  </a:txBody>
+                  <a:tcPr/>
+                </a:tc>
+                <a:tc>
+                  <a:txBody>
+                    <a:bodyPr/>
+                    <a:lstStyle/>
+                    <a:p>
+                      <a:pPr marL="0" algn="l" rtl="0" eaLnBrk="1" latinLnBrk="0" hangingPunct="1"/>
+                      <a:r>
+                        <a:rPr kumimoji="0" lang="en-US" kern="1200" dirty="0" smtClean="0">
+                          <a:solidFill>
+                            <a:schemeClr val="dk1"/>
+                          </a:solidFill>
+                          <a:latin typeface="+mn-lt"/>
+                          <a:ea typeface="+mn-ea"/>
+                          <a:cs typeface="+mn-cs"/>
+                        </a:rPr>
+                        <a:t>Puissance</a:t>
+                      </a:r>
+                      <a:endParaRPr kumimoji="0" lang="en-US" kern="1200" dirty="0">
+                        <a:solidFill>
+                          <a:schemeClr val="dk1"/>
+                        </a:solidFill>
+                        <a:latin typeface="+mn-lt"/>
+                        <a:ea typeface="+mn-ea"/>
+                        <a:cs typeface="+mn-cs"/>
+                      </a:endParaRPr>
+                    </a:p>
+                  </a:txBody>
+                  <a:tcPr>
+                    <a:lnR w="28575" cap="flat" cmpd="sng" algn="ctr">
+                      <a:solidFill>
+                        <a:schemeClr val="bg1"/>
+                      </a:solidFill>
+                      <a:prstDash val="solid"/>
+                      <a:round/>
+                      <a:headEnd type="none" w="med" len="med"/>
+                      <a:tailEnd type="none" w="med" len="med"/>
+                    </a:lnR>
+                  </a:tcPr>
+                </a:tc>
+                <a:tc>
+                  <a:txBody>
+                    <a:bodyPr/>
+                    <a:lstStyle/>
+                    <a:p>
+                      <a:r>
+                        <a:rPr lang="en-US" dirty="0" smtClean="0"/>
+                        <a:t>==</a:t>
+                      </a:r>
+                      <a:endParaRPr lang="en-US" dirty="0"/>
+                    </a:p>
+                  </a:txBody>
+                  <a:tcPr>
+                    <a:lnL w="28575" cap="flat" cmpd="sng" algn="ctr">
+                      <a:solidFill>
+                        <a:schemeClr val="bg1"/>
+                      </a:solidFill>
+                      <a:prstDash val="solid"/>
+                      <a:round/>
+                      <a:headEnd type="none" w="med" len="med"/>
+                      <a:tailEnd type="none" w="med" len="med"/>
+                    </a:lnL>
+                  </a:tcPr>
+                </a:tc>
+                <a:tc>
+                  <a:txBody>
+                    <a:bodyPr/>
+                    <a:lstStyle/>
+                    <a:p>
+                      <a:r>
+                        <a:rPr lang="en-US" dirty="0" err="1" smtClean="0"/>
+                        <a:t>égal</a:t>
+                      </a:r>
+                      <a:endParaRPr lang="en-US" dirty="0"/>
+                    </a:p>
+                  </a:txBody>
+                  <a:tcPr>
+                    <a:lnR w="28575" cap="flat" cmpd="sng" algn="ctr">
+                      <a:solidFill>
+                        <a:schemeClr val="bg1"/>
+                      </a:solidFill>
+                      <a:prstDash val="solid"/>
+                      <a:round/>
+                      <a:headEnd type="none" w="med" len="med"/>
+                      <a:tailEnd type="none" w="med" len="med"/>
+                    </a:lnR>
+                  </a:tcPr>
+                </a:tc>
+                <a:tc>
+                  <a:txBody>
+                    <a:bodyPr/>
+                    <a:lstStyle/>
+                    <a:p>
+                      <a:r>
+                        <a:rPr lang="en-US" dirty="0" smtClean="0"/>
+                        <a:t>x || y</a:t>
+                      </a:r>
+                      <a:endParaRPr lang="en-US" dirty="0"/>
+                    </a:p>
+                  </a:txBody>
+                  <a:tcPr>
+                    <a:lnL w="28575" cap="flat" cmpd="sng" algn="ctr">
+                      <a:solidFill>
+                        <a:schemeClr val="bg1"/>
+                      </a:solidFill>
+                      <a:prstDash val="solid"/>
+                      <a:round/>
+                      <a:headEnd type="none" w="med" len="med"/>
+                      <a:tailEnd type="none" w="med" len="med"/>
+                    </a:lnL>
+                  </a:tcPr>
+                </a:tc>
+                <a:tc>
+                  <a:txBody>
+                    <a:bodyPr/>
+                    <a:lstStyle/>
+                    <a:p>
+                      <a:r>
+                        <a:rPr lang="en-US" dirty="0" smtClean="0"/>
+                        <a:t>Idem</a:t>
+                      </a:r>
+                      <a:endParaRPr lang="en-US" dirty="0"/>
+                    </a:p>
+                  </a:txBody>
+                  <a:tcPr/>
+                </a:tc>
+              </a:tr>
+              <a:tr h="370840">
+                <a:tc>
+                  <a:txBody>
+                    <a:bodyPr/>
+                    <a:lstStyle/>
+                    <a:p>
+                      <a:r>
+                        <a:rPr lang="en-US" dirty="0" smtClean="0"/>
+                        <a:t>%%</a:t>
+                      </a:r>
+                      <a:endParaRPr lang="en-US" dirty="0"/>
+                    </a:p>
+                  </a:txBody>
+                  <a:tcPr/>
+                </a:tc>
+                <a:tc>
+                  <a:txBody>
+                    <a:bodyPr/>
+                    <a:lstStyle/>
+                    <a:p>
+                      <a:pPr marL="0" algn="l" rtl="0" eaLnBrk="1" latinLnBrk="0" hangingPunct="1"/>
+                      <a:r>
+                        <a:rPr kumimoji="0" lang="en-US" kern="1200" dirty="0" smtClean="0">
+                          <a:solidFill>
+                            <a:schemeClr val="dk1"/>
+                          </a:solidFill>
+                          <a:latin typeface="+mn-lt"/>
+                          <a:ea typeface="+mn-ea"/>
+                          <a:cs typeface="+mn-cs"/>
+                        </a:rPr>
+                        <a:t>Modulo</a:t>
+                      </a:r>
+                      <a:endParaRPr kumimoji="0" lang="en-US" kern="1200" dirty="0">
+                        <a:solidFill>
+                          <a:schemeClr val="dk1"/>
+                        </a:solidFill>
+                        <a:latin typeface="+mn-lt"/>
+                        <a:ea typeface="+mn-ea"/>
+                        <a:cs typeface="+mn-cs"/>
+                      </a:endParaRPr>
+                    </a:p>
+                  </a:txBody>
+                  <a:tcPr>
+                    <a:lnR w="28575" cap="flat" cmpd="sng" algn="ctr">
+                      <a:solidFill>
+                        <a:schemeClr val="bg1"/>
+                      </a:solidFill>
+                      <a:prstDash val="solid"/>
+                      <a:round/>
+                      <a:headEnd type="none" w="med" len="med"/>
+                      <a:tailEnd type="none" w="med" len="med"/>
+                    </a:lnR>
+                  </a:tcPr>
+                </a:tc>
+                <a:tc>
+                  <a:txBody>
+                    <a:bodyPr/>
+                    <a:lstStyle/>
+                    <a:p>
+                      <a:r>
+                        <a:rPr lang="en-US" dirty="0" smtClean="0"/>
+                        <a:t>!=</a:t>
+                      </a:r>
+                      <a:endParaRPr lang="en-US" dirty="0"/>
+                    </a:p>
+                  </a:txBody>
+                  <a:tcPr>
+                    <a:lnL w="28575" cap="flat" cmpd="sng" algn="ctr">
+                      <a:solidFill>
+                        <a:schemeClr val="bg1"/>
+                      </a:solidFill>
+                      <a:prstDash val="solid"/>
+                      <a:round/>
+                      <a:headEnd type="none" w="med" len="med"/>
+                      <a:tailEnd type="none" w="med" len="med"/>
+                    </a:lnL>
+                  </a:tcPr>
+                </a:tc>
+                <a:tc>
+                  <a:txBody>
+                    <a:bodyPr/>
+                    <a:lstStyle/>
+                    <a:p>
+                      <a:r>
+                        <a:rPr lang="en-US" dirty="0" err="1" smtClean="0"/>
+                        <a:t>différent</a:t>
+                      </a:r>
+                      <a:endParaRPr lang="en-US" dirty="0"/>
+                    </a:p>
+                  </a:txBody>
+                  <a:tcPr>
+                    <a:lnR w="28575" cap="flat" cmpd="sng" algn="ctr">
+                      <a:solidFill>
+                        <a:schemeClr val="bg1"/>
+                      </a:solidFill>
+                      <a:prstDash val="solid"/>
+                      <a:round/>
+                      <a:headEnd type="none" w="med" len="med"/>
+                      <a:tailEnd type="none" w="med" len="med"/>
+                    </a:lnR>
+                  </a:tcPr>
+                </a:tc>
+                <a:tc>
+                  <a:txBody>
+                    <a:bodyPr/>
+                    <a:lstStyle/>
+                    <a:p>
+                      <a:r>
+                        <a:rPr lang="en-US" dirty="0" err="1" smtClean="0"/>
+                        <a:t>xor</a:t>
+                      </a:r>
+                      <a:r>
+                        <a:rPr lang="en-US" dirty="0" smtClean="0"/>
+                        <a:t>(</a:t>
+                      </a:r>
+                      <a:r>
+                        <a:rPr lang="en-US" dirty="0" err="1" smtClean="0"/>
+                        <a:t>x,y</a:t>
+                      </a:r>
+                      <a:r>
+                        <a:rPr lang="en-US" dirty="0" smtClean="0"/>
+                        <a:t>)</a:t>
+                      </a:r>
+                      <a:endParaRPr lang="en-US" dirty="0"/>
+                    </a:p>
+                  </a:txBody>
+                  <a:tcPr>
+                    <a:lnL w="28575" cap="flat" cmpd="sng" algn="ctr">
+                      <a:solidFill>
+                        <a:schemeClr val="bg1"/>
+                      </a:solidFill>
+                      <a:prstDash val="solid"/>
+                      <a:round/>
+                      <a:headEnd type="none" w="med" len="med"/>
+                      <a:tailEnd type="none" w="med" len="med"/>
+                    </a:lnL>
+                  </a:tcPr>
+                </a:tc>
+                <a:tc>
+                  <a:txBody>
+                    <a:bodyPr/>
+                    <a:lstStyle/>
+                    <a:p>
+                      <a:r>
+                        <a:rPr lang="en-US" dirty="0" smtClean="0"/>
+                        <a:t>OU </a:t>
+                      </a:r>
+                      <a:r>
+                        <a:rPr lang="en-US" dirty="0" err="1" smtClean="0"/>
+                        <a:t>exclusif</a:t>
+                      </a:r>
+                      <a:endParaRPr lang="en-US" dirty="0"/>
+                    </a:p>
+                  </a:txBody>
+                  <a:tcPr/>
+                </a:tc>
+              </a:tr>
+              <a:tr h="370840">
+                <a:tc>
+                  <a:txBody>
+                    <a:bodyPr/>
+                    <a:lstStyle/>
+                    <a:p>
+                      <a:r>
+                        <a:rPr lang="en-US" dirty="0" smtClean="0"/>
+                        <a:t>%/%</a:t>
+                      </a:r>
+                      <a:endParaRPr lang="en-US" dirty="0"/>
+                    </a:p>
+                  </a:txBody>
+                  <a:tcPr/>
+                </a:tc>
+                <a:tc>
+                  <a:txBody>
+                    <a:bodyPr/>
+                    <a:lstStyle/>
+                    <a:p>
+                      <a:pPr marL="0" algn="l" rtl="0" eaLnBrk="1" latinLnBrk="0" hangingPunct="1"/>
+                      <a:r>
+                        <a:rPr kumimoji="0" lang="en-US" kern="1200" dirty="0" smtClean="0">
+                          <a:solidFill>
+                            <a:schemeClr val="dk1"/>
+                          </a:solidFill>
+                          <a:latin typeface="+mn-lt"/>
+                          <a:ea typeface="+mn-ea"/>
+                          <a:cs typeface="+mn-cs"/>
+                        </a:rPr>
+                        <a:t>Division </a:t>
+                      </a:r>
+                      <a:r>
+                        <a:rPr kumimoji="0" lang="en-US" kern="1200" dirty="0" err="1" smtClean="0">
+                          <a:solidFill>
+                            <a:schemeClr val="dk1"/>
+                          </a:solidFill>
+                          <a:latin typeface="+mn-lt"/>
+                          <a:ea typeface="+mn-ea"/>
+                          <a:cs typeface="+mn-cs"/>
+                        </a:rPr>
+                        <a:t>entière</a:t>
+                      </a:r>
+                      <a:endParaRPr kumimoji="0" lang="en-US" kern="1200" dirty="0">
+                        <a:solidFill>
+                          <a:schemeClr val="dk1"/>
+                        </a:solidFill>
+                        <a:latin typeface="+mn-lt"/>
+                        <a:ea typeface="+mn-ea"/>
+                        <a:cs typeface="+mn-cs"/>
+                      </a:endParaRPr>
+                    </a:p>
+                  </a:txBody>
+                  <a:tcPr>
+                    <a:lnR w="28575" cap="flat" cmpd="sng" algn="ctr">
+                      <a:solidFill>
+                        <a:schemeClr val="bg1"/>
+                      </a:solidFill>
+                      <a:prstDash val="solid"/>
+                      <a:round/>
+                      <a:headEnd type="none" w="med" len="med"/>
+                      <a:tailEnd type="none" w="med" len="med"/>
+                    </a:lnR>
+                  </a:tcPr>
+                </a:tc>
+                <a:tc>
+                  <a:txBody>
+                    <a:bodyPr/>
+                    <a:lstStyle/>
+                    <a:p>
+                      <a:endParaRPr lang="en-US"/>
+                    </a:p>
+                  </a:txBody>
+                  <a:tcPr>
+                    <a:lnL w="28575" cap="flat" cmpd="sng" algn="ctr">
+                      <a:solidFill>
+                        <a:schemeClr val="bg1"/>
+                      </a:solidFill>
+                      <a:prstDash val="solid"/>
+                      <a:round/>
+                      <a:headEnd type="none" w="med" len="med"/>
+                      <a:tailEnd type="none" w="med" len="med"/>
+                    </a:lnL>
+                  </a:tcPr>
+                </a:tc>
+                <a:tc>
+                  <a:txBody>
+                    <a:bodyPr/>
+                    <a:lstStyle/>
+                    <a:p>
+                      <a:endParaRPr lang="en-US"/>
+                    </a:p>
+                  </a:txBody>
+                  <a:tcPr>
+                    <a:lnR w="28575" cap="flat" cmpd="sng" algn="ctr">
+                      <a:solidFill>
+                        <a:schemeClr val="bg1"/>
+                      </a:solidFill>
+                      <a:prstDash val="solid"/>
+                      <a:round/>
+                      <a:headEnd type="none" w="med" len="med"/>
+                      <a:tailEnd type="none" w="med" len="med"/>
+                    </a:lnR>
+                  </a:tcPr>
+                </a:tc>
+                <a:tc>
+                  <a:txBody>
+                    <a:bodyPr/>
+                    <a:lstStyle/>
+                    <a:p>
+                      <a:endParaRPr lang="en-US"/>
+                    </a:p>
+                  </a:txBody>
+                  <a:tcPr>
+                    <a:lnL w="28575" cap="flat" cmpd="sng" algn="ctr">
+                      <a:solidFill>
+                        <a:schemeClr val="bg1"/>
+                      </a:solidFill>
+                      <a:prstDash val="solid"/>
+                      <a:round/>
+                      <a:headEnd type="none" w="med" len="med"/>
+                      <a:tailEnd type="none" w="med" len="med"/>
+                    </a:lnL>
+                  </a:tcPr>
+                </a:tc>
+                <a:tc>
+                  <a:txBody>
+                    <a:bodyPr/>
+                    <a:lstStyle/>
+                    <a:p>
+                      <a:endParaRPr lang="en-US" dirty="0"/>
+                    </a:p>
+                  </a:txBody>
+                  <a:tcPr/>
+                </a:tc>
+              </a:tr>
+            </a:tbl>
+          </a:graphicData>
+        </a:graphic>
+      </p:graphicFrame>
     </p:spTree>
     <p:extLst>
       <p:ext uri="{BB962C8B-B14F-4D97-AF65-F5344CB8AC3E}">
@@ -4938,6 +8478,13 @@
   <p:clrMapOvr>
     <a:masterClrMapping/>
   </p:clrMapOvr>
+  <p:timing>
+    <p:tnLst>
+      <p:par>
+        <p:cTn id="1" dur="indefinite" restart="never" nodeType="tmRoot"/>
+      </p:par>
+    </p:tnLst>
+  </p:timing>
 </p:sld>
 </file>
 
@@ -4997,7 +8544,7 @@
           </p:cNvPicPr>
           <p:nvPr/>
         </p:nvPicPr>
-        <p:blipFill>
+        <p:blipFill rotWithShape="1">
           <a:blip r:embed="rId2">
             <a:extLst>
               <a:ext uri="{28A0092B-C50C-407E-A947-70E740481C1C}">
@@ -5005,20 +8552,91 @@
               </a:ext>
             </a:extLst>
           </a:blip>
-          <a:stretch>
-            <a:fillRect/>
-          </a:stretch>
+          <a:srcRect r="3650"/>
+          <a:stretch/>
         </p:blipFill>
         <p:spPr>
           <a:xfrm>
-            <a:off x="752230" y="1417638"/>
-            <a:ext cx="7683500" cy="4025900"/>
+            <a:off x="1288779" y="1576335"/>
+            <a:ext cx="7403085" cy="4025900"/>
           </a:xfrm>
           <a:prstGeom prst="rect">
             <a:avLst/>
           </a:prstGeom>
         </p:spPr>
       </p:pic>
+      <p:sp>
+        <p:nvSpPr>
+          <p:cNvPr id="5" name="Espace réservé du numéro de diapositive 4"/>
+          <p:cNvSpPr>
+            <a:spLocks noGrp="1"/>
+          </p:cNvSpPr>
+          <p:nvPr>
+            <p:ph type="sldNum" sz="quarter" idx="12"/>
+          </p:nvPr>
+        </p:nvSpPr>
+        <p:spPr/>
+        <p:txBody>
+          <a:bodyPr/>
+          <a:lstStyle/>
+          <a:p>
+            <a:fld id="{056E17D1-6463-6D4A-A6B9-487EB10F22E4}" type="slidenum">
+              <a:rPr lang="fr-FR" smtClean="0"/>
+              <a:t>19</a:t>
+            </a:fld>
+            <a:endParaRPr lang="fr-FR"/>
+          </a:p>
+        </p:txBody>
+      </p:sp>
+      <p:sp>
+        <p:nvSpPr>
+          <p:cNvPr id="6" name="Espace réservé du pied de page 2"/>
+          <p:cNvSpPr>
+            <a:spLocks noGrp="1"/>
+          </p:cNvSpPr>
+          <p:nvPr>
+            <p:ph type="ftr" sz="quarter" idx="11"/>
+          </p:nvPr>
+        </p:nvSpPr>
+        <p:spPr>
+          <a:xfrm>
+            <a:off x="1473393" y="6305550"/>
+            <a:ext cx="6456848" cy="476250"/>
+          </a:xfrm>
+        </p:spPr>
+        <p:txBody>
+          <a:bodyPr/>
+          <a:lstStyle/>
+          <a:p>
+            <a:pPr algn="ctr"/>
+            <a:r>
+              <a:rPr lang="fr-FR" dirty="0" smtClean="0"/>
+              <a:t>Initiation à R – </a:t>
+            </a:r>
+            <a:r>
+              <a:rPr lang="fr-FR" dirty="0" err="1" smtClean="0"/>
+              <a:t>CentraleSupelec</a:t>
+            </a:r>
+            <a:r>
+              <a:rPr lang="fr-FR" dirty="0" smtClean="0"/>
+              <a:t> – </a:t>
+            </a:r>
+            <a:r>
+              <a:rPr lang="fr-FR" dirty="0" err="1" smtClean="0"/>
+              <a:t>J.Guégan</a:t>
+            </a:r>
+            <a:r>
+              <a:rPr lang="fr-FR" dirty="0" smtClean="0"/>
+              <a:t> – </a:t>
+            </a:r>
+            <a:r>
+              <a:rPr lang="fr-FR" dirty="0" err="1" smtClean="0"/>
+              <a:t>G.Meurice</a:t>
+            </a:r>
+            <a:endParaRPr lang="fr-FR" dirty="0"/>
+          </a:p>
+        </p:txBody>
+      </p:sp>
     </p:spTree>
     <p:extLst>
       <p:ext uri="{BB962C8B-B14F-4D97-AF65-F5344CB8AC3E}">
@@ -5029,6 +8647,13 @@
   <p:clrMapOvr>
     <a:masterClrMapping/>
   </p:clrMapOvr>
+  <p:timing>
+    <p:tnLst>
+      <p:par>
+        <p:cTn id="1" dur="indefinite" restart="never" nodeType="tmRoot"/>
+      </p:par>
+    </p:tnLst>
+  </p:timing>
 </p:sld>
 </file>
 
@@ -5080,8 +8705,8 @@
         </p:nvSpPr>
         <p:spPr>
           <a:xfrm>
-            <a:off x="849924" y="2021955"/>
-            <a:ext cx="7729415" cy="3693319"/>
+            <a:off x="1204273" y="2003513"/>
+            <a:ext cx="7841486" cy="3693319"/>
           </a:xfrm>
           <a:prstGeom prst="rect">
             <a:avLst/>
@@ -5098,6 +8723,7 @@
           </a:bodyPr>
           <a:lstStyle/>
           <a:p>
+            <a:pPr algn="just"/>
             <a:r>
               <a:rPr lang="fr-FR" dirty="0"/>
               <a:t>R est à la fois un logiciel de statistique et un langage de </a:t>
@@ -5108,9 +8734,11 @@
             </a:r>
           </a:p>
           <a:p>
+            <a:pPr algn="just"/>
             <a:endParaRPr lang="fr-FR" dirty="0" smtClean="0"/>
           </a:p>
           <a:p>
+            <a:pPr algn="just"/>
             <a:r>
               <a:rPr lang="fr-FR" b="1" dirty="0"/>
               <a:t>R est un langage de programmation </a:t>
@@ -5145,11 +8773,12 @@
             </a:r>
             <a:r>
               <a:rPr lang="fr-FR" dirty="0" smtClean="0"/>
-              <a:t>S:</a:t>
-            </a:r>
-          </a:p>
-          <a:p>
-            <a:pPr marL="285750" indent="-285750">
+              <a:t>S :</a:t>
+            </a:r>
+            <a:endParaRPr lang="fr-FR" dirty="0" smtClean="0"/>
+          </a:p>
+          <a:p>
+            <a:pPr marL="285750" indent="-285750" algn="just">
               <a:buFontTx/>
               <a:buChar char="-"/>
             </a:pPr>
@@ -5168,7 +8797,7 @@
             <a:endParaRPr lang="fr-FR" dirty="0"/>
           </a:p>
           <a:p>
-            <a:pPr marL="285750" indent="-285750">
+            <a:pPr marL="285750" indent="-285750" algn="just">
               <a:buFontTx/>
               <a:buChar char="-"/>
             </a:pPr>
@@ -5183,13 +8812,14 @@
             <a:endParaRPr lang="fr-FR" dirty="0" smtClean="0"/>
           </a:p>
           <a:p>
-            <a:pPr marL="285750" indent="-285750">
+            <a:pPr marL="285750" indent="-285750" algn="just">
               <a:buFontTx/>
               <a:buChar char="-"/>
             </a:pPr>
             <a:endParaRPr lang="fr-FR" dirty="0"/>
           </a:p>
           <a:p>
+            <a:pPr algn="just"/>
             <a:r>
               <a:rPr lang="fr-FR" b="1" dirty="0"/>
               <a:t>R est un logiciel de traitement statistique des </a:t>
@@ -5204,12 +8834,16 @@
             </a:r>
           </a:p>
           <a:p>
-            <a:pPr marL="285750" indent="-285750">
+            <a:pPr marL="285750" indent="-285750" algn="just">
               <a:buFontTx/>
               <a:buChar char="-"/>
             </a:pPr>
             <a:r>
               <a:rPr lang="fr-FR" dirty="0" smtClean="0"/>
+              <a:t>d’un </a:t>
+            </a:r>
+            <a:r>
+              <a:rPr lang="fr-FR" dirty="0" smtClean="0"/>
               <a:t>interpréteur </a:t>
             </a:r>
             <a:r>
@@ -5222,13 +8856,17 @@
             </a:r>
           </a:p>
           <a:p>
-            <a:pPr marL="285750" indent="-285750">
+            <a:pPr marL="285750" indent="-285750" algn="just">
               <a:buFontTx/>
               <a:buChar char="-"/>
             </a:pPr>
             <a:r>
-              <a:rPr lang="fr-FR" dirty="0" smtClean="0"/>
-              <a:t>bibliothèque </a:t>
+              <a:rPr lang="fr-FR" dirty="0"/>
+              <a:t>d</a:t>
+            </a:r>
+            <a:r>
+              <a:rPr lang="fr-FR" dirty="0" smtClean="0"/>
+              <a:t>’une bibliothèque </a:t>
             </a:r>
             <a:r>
               <a:rPr lang="fr-FR" dirty="0"/>
@@ -5252,7 +8890,11 @@
             </a:r>
             <a:r>
               <a:rPr lang="fr-FR" dirty="0" smtClean="0"/>
-              <a:t>compilés téléchargeable </a:t>
+              <a:t>compilés </a:t>
+            </a:r>
+            <a:r>
+              <a:rPr lang="fr-FR" dirty="0" smtClean="0"/>
+              <a:t>téléchargeables </a:t>
             </a:r>
             <a:r>
               <a:rPr lang="fr-FR" dirty="0"/>
@@ -5264,13 +8906,17 @@
             </a:r>
           </a:p>
           <a:p>
-            <a:pPr marL="285750" indent="-285750">
+            <a:pPr marL="285750" indent="-285750" algn="just">
               <a:buFontTx/>
               <a:buChar char="-"/>
             </a:pPr>
             <a:r>
-              <a:rPr lang="fr-FR" dirty="0" smtClean="0"/>
-              <a:t>palette </a:t>
+              <a:rPr lang="fr-FR" dirty="0"/>
+              <a:t>d</a:t>
+            </a:r>
+            <a:r>
+              <a:rPr lang="fr-FR" dirty="0" smtClean="0"/>
+              <a:t>’une palette </a:t>
             </a:r>
             <a:r>
               <a:rPr lang="fr-FR" dirty="0"/>
@@ -5282,17 +8928,17 @@
             </a:r>
           </a:p>
           <a:p>
-            <a:pPr marL="285750" indent="-285750">
+            <a:pPr marL="285750" indent="-285750" algn="just">
               <a:buFontTx/>
               <a:buChar char="-"/>
             </a:pPr>
             <a:r>
-              <a:rPr lang="fr-FR" dirty="0" smtClean="0"/>
-              <a:t>Il </a:t>
-            </a:r>
-            <a:r>
               <a:rPr lang="fr-FR" dirty="0"/>
-              <a:t>est possible d'utiliser R en mode </a:t>
+              <a:t>d</a:t>
+            </a:r>
+            <a:r>
+              <a:rPr lang="fr-FR" dirty="0" smtClean="0"/>
+              <a:t>’un mode </a:t>
             </a:r>
             <a:r>
               <a:rPr lang="fr-FR" dirty="0" smtClean="0"/>
@@ -5300,13 +8946,12 @@
             </a:r>
             <a:r>
               <a:rPr lang="fr-FR" dirty="0"/>
-              <a:t>sans jamais avoir à programmer</a:t>
-            </a:r>
-            <a:r>
-              <a:rPr lang="fr-FR" dirty="0" smtClean="0"/>
-              <a:t>.</a:t>
-            </a:r>
-            <a:endParaRPr lang="fr-FR" dirty="0"/>
+              <a:t>sans jamais avoir à </a:t>
+            </a:r>
+            <a:r>
+              <a:rPr lang="fr-FR" dirty="0" smtClean="0"/>
+              <a:t>programmer</a:t>
+            </a:r>
           </a:p>
         </p:txBody>
       </p:sp>
@@ -5326,7 +8971,7 @@
         </p:blipFill>
         <p:spPr>
           <a:xfrm>
-            <a:off x="6476024" y="274638"/>
+            <a:off x="5152938" y="209210"/>
             <a:ext cx="1663700" cy="1295400"/>
           </a:xfrm>
           <a:prstGeom prst="rect">
@@ -5334,6 +8979,78 @@
           </a:prstGeom>
         </p:spPr>
       </p:pic>
+      <p:sp>
+        <p:nvSpPr>
+          <p:cNvPr id="3" name="Espace réservé du pied de page 2"/>
+          <p:cNvSpPr>
+            <a:spLocks noGrp="1"/>
+          </p:cNvSpPr>
+          <p:nvPr>
+            <p:ph type="ftr" sz="quarter" idx="11"/>
+          </p:nvPr>
+        </p:nvSpPr>
+        <p:spPr>
+          <a:xfrm>
+            <a:off x="1473393" y="6305550"/>
+            <a:ext cx="6456848" cy="476250"/>
+          </a:xfrm>
+        </p:spPr>
+        <p:txBody>
+          <a:bodyPr/>
+          <a:lstStyle/>
+          <a:p>
+            <a:pPr algn="ctr"/>
+            <a:r>
+              <a:rPr lang="fr-FR" dirty="0" smtClean="0"/>
+              <a:t>Initiation à R – </a:t>
+            </a:r>
+            <a:r>
+              <a:rPr lang="fr-FR" dirty="0" err="1" smtClean="0"/>
+              <a:t>CentraleSupelec</a:t>
+            </a:r>
+            <a:r>
+              <a:rPr lang="fr-FR" dirty="0" smtClean="0"/>
+              <a:t> – </a:t>
+            </a:r>
+            <a:r>
+              <a:rPr lang="fr-FR" dirty="0" err="1" smtClean="0"/>
+              <a:t>J.Guégan</a:t>
+            </a:r>
+            <a:r>
+              <a:rPr lang="fr-FR" dirty="0" smtClean="0"/>
+              <a:t> – </a:t>
+            </a:r>
+            <a:r>
+              <a:rPr lang="fr-FR" dirty="0" err="1" smtClean="0"/>
+              <a:t>G.Meurice</a:t>
+            </a:r>
+            <a:endParaRPr lang="fr-FR" dirty="0"/>
+          </a:p>
+        </p:txBody>
+      </p:sp>
+      <p:sp>
+        <p:nvSpPr>
+          <p:cNvPr id="6" name="Espace réservé du numéro de diapositive 5"/>
+          <p:cNvSpPr>
+            <a:spLocks noGrp="1"/>
+          </p:cNvSpPr>
+          <p:nvPr>
+            <p:ph type="sldNum" sz="quarter" idx="12"/>
+          </p:nvPr>
+        </p:nvSpPr>
+        <p:spPr/>
+        <p:txBody>
+          <a:bodyPr/>
+          <a:lstStyle/>
+          <a:p>
+            <a:fld id="{056E17D1-6463-6D4A-A6B9-487EB10F22E4}" type="slidenum">
+              <a:rPr lang="fr-FR" smtClean="0"/>
+              <a:t>2</a:t>
+            </a:fld>
+            <a:endParaRPr lang="fr-FR"/>
+          </a:p>
+        </p:txBody>
+      </p:sp>
     </p:spTree>
     <p:extLst>
       <p:ext uri="{BB962C8B-B14F-4D97-AF65-F5344CB8AC3E}">
@@ -5344,6 +9061,13 @@
   <p:clrMapOvr>
     <a:masterClrMapping/>
   </p:clrMapOvr>
+  <p:timing>
+    <p:tnLst>
+      <p:par>
+        <p:cTn id="1" dur="indefinite" restart="never" nodeType="tmRoot"/>
+      </p:par>
+    </p:tnLst>
+  </p:timing>
 </p:sld>
 </file>
 
@@ -5386,8 +9110,8 @@
         </p:blipFill>
         <p:spPr>
           <a:xfrm>
-            <a:off x="0" y="1225368"/>
-            <a:ext cx="9144000" cy="5632632"/>
+            <a:off x="657461" y="1231351"/>
+            <a:ext cx="8864390" cy="5460394"/>
           </a:xfrm>
           <a:prstGeom prst="rect">
             <a:avLst/>
@@ -5404,25 +9128,92 @@
             <p:ph type="title"/>
           </p:nvPr>
         </p:nvSpPr>
+        <p:spPr/>
+        <p:txBody>
+          <a:bodyPr/>
+          <a:lstStyle/>
+          <a:p>
+            <a:r>
+              <a:rPr lang="fr-FR" dirty="0" smtClean="0"/>
+              <a:t>Utilisation avec un </a:t>
+            </a:r>
+            <a:r>
+              <a:rPr lang="fr-FR" dirty="0" err="1" smtClean="0"/>
+              <a:t>teRminal</a:t>
+            </a:r>
+            <a:endParaRPr lang="fr-FR" dirty="0" smtClean="0"/>
+          </a:p>
+        </p:txBody>
+      </p:sp>
+      <p:sp>
+        <p:nvSpPr>
+          <p:cNvPr id="3" name="Espace réservé du numéro de diapositive 2"/>
+          <p:cNvSpPr>
+            <a:spLocks noGrp="1"/>
+          </p:cNvSpPr>
+          <p:nvPr>
+            <p:ph type="sldNum" sz="quarter" idx="12"/>
+          </p:nvPr>
+        </p:nvSpPr>
+        <p:spPr/>
+        <p:txBody>
+          <a:bodyPr/>
+          <a:lstStyle/>
+          <a:p>
+            <a:fld id="{056E17D1-6463-6D4A-A6B9-487EB10F22E4}" type="slidenum">
+              <a:rPr lang="fr-FR" smtClean="0"/>
+              <a:t>3</a:t>
+            </a:fld>
+            <a:endParaRPr lang="fr-FR"/>
+          </a:p>
+        </p:txBody>
+      </p:sp>
+      <p:sp>
+        <p:nvSpPr>
+          <p:cNvPr id="7" name="Espace réservé du pied de page 2"/>
+          <p:cNvSpPr>
+            <a:spLocks noGrp="1"/>
+          </p:cNvSpPr>
+          <p:nvPr>
+            <p:ph type="ftr" sz="quarter" idx="11"/>
+          </p:nvPr>
+        </p:nvSpPr>
         <p:spPr>
           <a:xfrm>
-            <a:off x="457200" y="274638"/>
-            <a:ext cx="8229600" cy="1143000"/>
+            <a:off x="1473393" y="6305550"/>
+            <a:ext cx="6456848" cy="476250"/>
           </a:xfrm>
         </p:spPr>
         <p:txBody>
           <a:bodyPr/>
           <a:lstStyle/>
           <a:p>
-            <a:r>
-              <a:rPr lang="fr-FR" dirty="0" smtClean="0"/>
-              <a:t>Utilisation avec un </a:t>
+            <a:pPr algn="ctr"/>
+            <a:r>
+              <a:rPr lang="fr-FR" dirty="0" smtClean="0"/>
+              <a:t>Initiation à R – </a:t>
             </a:r>
             <a:r>
               <a:rPr lang="fr-FR" dirty="0" err="1" smtClean="0"/>
-              <a:t>teRminal</a:t>
-            </a:r>
-            <a:endParaRPr lang="fr-FR" dirty="0" smtClean="0"/>
+              <a:t>CentraleSupelec</a:t>
+            </a:r>
+            <a:r>
+              <a:rPr lang="fr-FR" dirty="0" smtClean="0"/>
+              <a:t> – </a:t>
+            </a:r>
+            <a:r>
+              <a:rPr lang="fr-FR" dirty="0" err="1" smtClean="0"/>
+              <a:t>J.Guégan</a:t>
+            </a:r>
+            <a:r>
+              <a:rPr lang="fr-FR" dirty="0" smtClean="0"/>
+              <a:t> – </a:t>
+            </a:r>
+            <a:r>
+              <a:rPr lang="fr-FR" dirty="0" err="1" smtClean="0"/>
+              <a:t>G.Meurice</a:t>
+            </a:r>
+            <a:endParaRPr lang="fr-FR" dirty="0"/>
           </a:p>
         </p:txBody>
       </p:sp>
@@ -5436,6 +9227,13 @@
   <p:clrMapOvr>
     <a:masterClrMapping/>
   </p:clrMapOvr>
+  <p:timing>
+    <p:tnLst>
+      <p:par>
+        <p:cTn id="1" dur="indefinite" restart="never" nodeType="tmRoot"/>
+      </p:par>
+    </p:tnLst>
+  </p:timing>
 </p:sld>
 </file>
 
@@ -5478,7 +9276,7 @@
         </p:blipFill>
         <p:spPr>
           <a:xfrm>
-            <a:off x="547076" y="1417638"/>
+            <a:off x="887142" y="1334511"/>
             <a:ext cx="7756769" cy="5780204"/>
           </a:xfrm>
           <a:prstGeom prst="rect">
@@ -5504,6 +9302,78 @@
             <a:r>
               <a:rPr lang="fr-FR" dirty="0" smtClean="0"/>
               <a:t>Utilisation avec une GUI</a:t>
+            </a:r>
+            <a:endParaRPr lang="fr-FR" dirty="0"/>
+          </a:p>
+        </p:txBody>
+      </p:sp>
+      <p:sp>
+        <p:nvSpPr>
+          <p:cNvPr id="5" name="Espace réservé du numéro de diapositive 4"/>
+          <p:cNvSpPr>
+            <a:spLocks noGrp="1"/>
+          </p:cNvSpPr>
+          <p:nvPr>
+            <p:ph type="sldNum" sz="quarter" idx="12"/>
+          </p:nvPr>
+        </p:nvSpPr>
+        <p:spPr/>
+        <p:txBody>
+          <a:bodyPr/>
+          <a:lstStyle/>
+          <a:p>
+            <a:fld id="{056E17D1-6463-6D4A-A6B9-487EB10F22E4}" type="slidenum">
+              <a:rPr lang="fr-FR" smtClean="0"/>
+              <a:t>4</a:t>
+            </a:fld>
+            <a:endParaRPr lang="fr-FR"/>
+          </a:p>
+        </p:txBody>
+      </p:sp>
+      <p:sp>
+        <p:nvSpPr>
+          <p:cNvPr id="6" name="Espace réservé du pied de page 2"/>
+          <p:cNvSpPr>
+            <a:spLocks noGrp="1"/>
+          </p:cNvSpPr>
+          <p:nvPr>
+            <p:ph type="ftr" sz="quarter" idx="11"/>
+          </p:nvPr>
+        </p:nvSpPr>
+        <p:spPr>
+          <a:xfrm>
+            <a:off x="1473393" y="6305550"/>
+            <a:ext cx="6456848" cy="476250"/>
+          </a:xfrm>
+        </p:spPr>
+        <p:txBody>
+          <a:bodyPr/>
+          <a:lstStyle/>
+          <a:p>
+            <a:pPr algn="ctr"/>
+            <a:r>
+              <a:rPr lang="fr-FR" dirty="0" smtClean="0"/>
+              <a:t>Initiation à R – </a:t>
+            </a:r>
+            <a:r>
+              <a:rPr lang="fr-FR" dirty="0" err="1" smtClean="0"/>
+              <a:t>CentraleSupelec</a:t>
+            </a:r>
+            <a:r>
+              <a:rPr lang="fr-FR" dirty="0" smtClean="0"/>
+              <a:t> – </a:t>
+            </a:r>
+            <a:r>
+              <a:rPr lang="fr-FR" dirty="0" err="1" smtClean="0"/>
+              <a:t>J.Guégan</a:t>
+            </a:r>
+            <a:r>
+              <a:rPr lang="fr-FR" dirty="0" smtClean="0"/>
+              <a:t> – </a:t>
+            </a:r>
+            <a:r>
+              <a:rPr lang="fr-FR" dirty="0" err="1" smtClean="0"/>
+              <a:t>G.Meurice</a:t>
             </a:r>
             <a:endParaRPr lang="fr-FR" dirty="0"/>
           </a:p>
@@ -5519,6 +9389,13 @@
   <p:clrMapOvr>
     <a:masterClrMapping/>
   </p:clrMapOvr>
+  <p:timing>
+    <p:tnLst>
+      <p:par>
+        <p:cTn id="1" dur="indefinite" restart="never" nodeType="tmRoot"/>
+      </p:par>
+    </p:tnLst>
+  </p:timing>
 </p:sld>
 </file>
 
@@ -5549,12 +9426,7 @@
             <p:ph type="title"/>
           </p:nvPr>
         </p:nvSpPr>
-        <p:spPr>
-          <a:xfrm>
-            <a:off x="457200" y="274638"/>
-            <a:ext cx="8229600" cy="1143000"/>
-          </a:xfrm>
-        </p:spPr>
+        <p:spPr/>
         <p:txBody>
           <a:bodyPr>
             <a:normAutofit fontScale="90000"/>
@@ -5566,12 +9438,8 @@
               <a:t>Un outil aux </a:t>
             </a:r>
             <a:r>
-              <a:rPr lang="fr-FR" dirty="0" err="1" smtClean="0"/>
-              <a:t>fonctionnalitées</a:t>
-            </a:r>
-            <a:r>
-              <a:rPr lang="fr-FR" dirty="0" smtClean="0"/>
-              <a:t> </a:t>
+              <a:rPr lang="fr-FR" dirty="0" smtClean="0"/>
+              <a:t>fonctionnalités </a:t>
             </a:r>
             <a:r>
               <a:rPr lang="fr-FR" dirty="0" smtClean="0"/>
@@ -5597,7 +9465,7 @@
         </p:blipFill>
         <p:spPr>
           <a:xfrm>
-            <a:off x="520003" y="1417638"/>
+            <a:off x="1101893" y="1417638"/>
             <a:ext cx="1587500" cy="558800"/>
           </a:xfrm>
           <a:prstGeom prst="rect">
@@ -5613,7 +9481,7 @@
         </p:nvSpPr>
         <p:spPr>
           <a:xfrm>
-            <a:off x="2302766" y="1489346"/>
+            <a:off x="2967783" y="1512372"/>
             <a:ext cx="2584624" cy="369332"/>
           </a:xfrm>
           <a:prstGeom prst="rect">
@@ -5664,7 +9532,7 @@
         </p:blipFill>
         <p:spPr>
           <a:xfrm>
-            <a:off x="785726" y="1920875"/>
+            <a:off x="1367616" y="1830191"/>
             <a:ext cx="7625582" cy="5154695"/>
           </a:xfrm>
           <a:prstGeom prst="rect">
@@ -5672,6 +9540,78 @@
           </a:prstGeom>
         </p:spPr>
       </p:pic>
+      <p:sp>
+        <p:nvSpPr>
+          <p:cNvPr id="6" name="Espace réservé du numéro de diapositive 5"/>
+          <p:cNvSpPr>
+            <a:spLocks noGrp="1"/>
+          </p:cNvSpPr>
+          <p:nvPr>
+            <p:ph type="sldNum" sz="quarter" idx="12"/>
+          </p:nvPr>
+        </p:nvSpPr>
+        <p:spPr/>
+        <p:txBody>
+          <a:bodyPr/>
+          <a:lstStyle/>
+          <a:p>
+            <a:fld id="{056E17D1-6463-6D4A-A6B9-487EB10F22E4}" type="slidenum">
+              <a:rPr lang="fr-FR" smtClean="0"/>
+              <a:t>5</a:t>
+            </a:fld>
+            <a:endParaRPr lang="fr-FR"/>
+          </a:p>
+        </p:txBody>
+      </p:sp>
+      <p:sp>
+        <p:nvSpPr>
+          <p:cNvPr id="8" name="Espace réservé du pied de page 2"/>
+          <p:cNvSpPr>
+            <a:spLocks noGrp="1"/>
+          </p:cNvSpPr>
+          <p:nvPr>
+            <p:ph type="ftr" sz="quarter" idx="11"/>
+          </p:nvPr>
+        </p:nvSpPr>
+        <p:spPr>
+          <a:xfrm>
+            <a:off x="1473393" y="6305550"/>
+            <a:ext cx="6456848" cy="476250"/>
+          </a:xfrm>
+        </p:spPr>
+        <p:txBody>
+          <a:bodyPr/>
+          <a:lstStyle/>
+          <a:p>
+            <a:pPr algn="ctr"/>
+            <a:r>
+              <a:rPr lang="fr-FR" dirty="0" smtClean="0"/>
+              <a:t>Initiation à R – </a:t>
+            </a:r>
+            <a:r>
+              <a:rPr lang="fr-FR" dirty="0" err="1" smtClean="0"/>
+              <a:t>CentraleSupelec</a:t>
+            </a:r>
+            <a:r>
+              <a:rPr lang="fr-FR" dirty="0" smtClean="0"/>
+              <a:t> – </a:t>
+            </a:r>
+            <a:r>
+              <a:rPr lang="fr-FR" dirty="0" err="1" smtClean="0"/>
+              <a:t>J.Guégan</a:t>
+            </a:r>
+            <a:r>
+              <a:rPr lang="fr-FR" dirty="0" smtClean="0"/>
+              <a:t> – </a:t>
+            </a:r>
+            <a:r>
+              <a:rPr lang="fr-FR" dirty="0" err="1" smtClean="0"/>
+              <a:t>G.Meurice</a:t>
+            </a:r>
+            <a:endParaRPr lang="fr-FR" dirty="0"/>
+          </a:p>
+        </p:txBody>
+      </p:sp>
     </p:spTree>
     <p:extLst>
       <p:ext uri="{BB962C8B-B14F-4D97-AF65-F5344CB8AC3E}">
@@ -5682,6 +9622,13 @@
   <p:clrMapOvr>
     <a:masterClrMapping/>
   </p:clrMapOvr>
+  <p:timing>
+    <p:tnLst>
+      <p:par>
+        <p:cTn id="1" dur="indefinite" restart="never" nodeType="tmRoot"/>
+      </p:par>
+    </p:tnLst>
+  </p:timing>
 </p:sld>
 </file>
 
@@ -5746,14 +9693,86 @@
         </p:blipFill>
         <p:spPr>
           <a:xfrm>
-            <a:off x="106400" y="1368792"/>
-            <a:ext cx="8773829" cy="5424195"/>
+            <a:off x="1138473" y="1417638"/>
+            <a:ext cx="8005300" cy="4949072"/>
           </a:xfrm>
           <a:prstGeom prst="rect">
             <a:avLst/>
           </a:prstGeom>
         </p:spPr>
       </p:pic>
+      <p:sp>
+        <p:nvSpPr>
+          <p:cNvPr id="4" name="Espace réservé du numéro de diapositive 3"/>
+          <p:cNvSpPr>
+            <a:spLocks noGrp="1"/>
+          </p:cNvSpPr>
+          <p:nvPr>
+            <p:ph type="sldNum" sz="quarter" idx="12"/>
+          </p:nvPr>
+        </p:nvSpPr>
+        <p:spPr/>
+        <p:txBody>
+          <a:bodyPr/>
+          <a:lstStyle/>
+          <a:p>
+            <a:fld id="{056E17D1-6463-6D4A-A6B9-487EB10F22E4}" type="slidenum">
+              <a:rPr lang="fr-FR" smtClean="0"/>
+              <a:t>6</a:t>
+            </a:fld>
+            <a:endParaRPr lang="fr-FR"/>
+          </a:p>
+        </p:txBody>
+      </p:sp>
+      <p:sp>
+        <p:nvSpPr>
+          <p:cNvPr id="6" name="Espace réservé du pied de page 2"/>
+          <p:cNvSpPr>
+            <a:spLocks noGrp="1"/>
+          </p:cNvSpPr>
+          <p:nvPr>
+            <p:ph type="ftr" sz="quarter" idx="11"/>
+          </p:nvPr>
+        </p:nvSpPr>
+        <p:spPr>
+          <a:xfrm>
+            <a:off x="1473393" y="6305550"/>
+            <a:ext cx="6456848" cy="476250"/>
+          </a:xfrm>
+        </p:spPr>
+        <p:txBody>
+          <a:bodyPr/>
+          <a:lstStyle/>
+          <a:p>
+            <a:pPr algn="ctr"/>
+            <a:r>
+              <a:rPr lang="fr-FR" dirty="0" smtClean="0"/>
+              <a:t>Initiation à R – </a:t>
+            </a:r>
+            <a:r>
+              <a:rPr lang="fr-FR" dirty="0" err="1" smtClean="0"/>
+              <a:t>CentraleSupelec</a:t>
+            </a:r>
+            <a:r>
+              <a:rPr lang="fr-FR" dirty="0" smtClean="0"/>
+              <a:t> – </a:t>
+            </a:r>
+            <a:r>
+              <a:rPr lang="fr-FR" dirty="0" err="1" smtClean="0"/>
+              <a:t>J.Guégan</a:t>
+            </a:r>
+            <a:r>
+              <a:rPr lang="fr-FR" dirty="0" smtClean="0"/>
+              <a:t> – </a:t>
+            </a:r>
+            <a:r>
+              <a:rPr lang="fr-FR" dirty="0" err="1" smtClean="0"/>
+              <a:t>G.Meurice</a:t>
+            </a:r>
+            <a:endParaRPr lang="fr-FR" dirty="0"/>
+          </a:p>
+        </p:txBody>
+      </p:sp>
     </p:spTree>
     <p:extLst>
       <p:ext uri="{BB962C8B-B14F-4D97-AF65-F5344CB8AC3E}">
@@ -5764,6 +9783,13 @@
   <p:clrMapOvr>
     <a:masterClrMapping/>
   </p:clrMapOvr>
+  <p:timing>
+    <p:tnLst>
+      <p:par>
+        <p:cTn id="1" dur="indefinite" restart="never" nodeType="tmRoot"/>
+      </p:par>
+    </p:tnLst>
+  </p:timing>
 </p:sld>
 </file>
 
@@ -5819,7 +9845,7 @@
         </p:nvSpPr>
         <p:spPr>
           <a:xfrm>
-            <a:off x="310665" y="1600200"/>
+            <a:off x="1126823" y="1600200"/>
             <a:ext cx="8559800" cy="4349262"/>
           </a:xfrm>
         </p:spPr>
@@ -5927,6 +9953,78 @@
             <a:r>
               <a:rPr lang="fr-FR" dirty="0" smtClean="0"/>
               <a:t>« un code bien aéré est plus facile à debugger »</a:t>
+            </a:r>
+            <a:endParaRPr lang="fr-FR" dirty="0"/>
+          </a:p>
+        </p:txBody>
+      </p:sp>
+      <p:sp>
+        <p:nvSpPr>
+          <p:cNvPr id="5" name="Espace réservé du numéro de diapositive 4"/>
+          <p:cNvSpPr>
+            <a:spLocks noGrp="1"/>
+          </p:cNvSpPr>
+          <p:nvPr>
+            <p:ph type="sldNum" sz="quarter" idx="12"/>
+          </p:nvPr>
+        </p:nvSpPr>
+        <p:spPr/>
+        <p:txBody>
+          <a:bodyPr/>
+          <a:lstStyle/>
+          <a:p>
+            <a:fld id="{056E17D1-6463-6D4A-A6B9-487EB10F22E4}" type="slidenum">
+              <a:rPr lang="fr-FR" smtClean="0"/>
+              <a:t>7</a:t>
+            </a:fld>
+            <a:endParaRPr lang="fr-FR"/>
+          </a:p>
+        </p:txBody>
+      </p:sp>
+      <p:sp>
+        <p:nvSpPr>
+          <p:cNvPr id="6" name="Espace réservé du pied de page 2"/>
+          <p:cNvSpPr>
+            <a:spLocks noGrp="1"/>
+          </p:cNvSpPr>
+          <p:nvPr>
+            <p:ph type="ftr" sz="quarter" idx="11"/>
+          </p:nvPr>
+        </p:nvSpPr>
+        <p:spPr>
+          <a:xfrm>
+            <a:off x="1473393" y="6305550"/>
+            <a:ext cx="6456848" cy="476250"/>
+          </a:xfrm>
+        </p:spPr>
+        <p:txBody>
+          <a:bodyPr/>
+          <a:lstStyle/>
+          <a:p>
+            <a:pPr algn="ctr"/>
+            <a:r>
+              <a:rPr lang="fr-FR" dirty="0" smtClean="0"/>
+              <a:t>Initiation à R – </a:t>
+            </a:r>
+            <a:r>
+              <a:rPr lang="fr-FR" dirty="0" err="1" smtClean="0"/>
+              <a:t>CentraleSupelec</a:t>
+            </a:r>
+            <a:r>
+              <a:rPr lang="fr-FR" dirty="0" smtClean="0"/>
+              <a:t> – </a:t>
+            </a:r>
+            <a:r>
+              <a:rPr lang="fr-FR" dirty="0" err="1" smtClean="0"/>
+              <a:t>J.Guégan</a:t>
+            </a:r>
+            <a:r>
+              <a:rPr lang="fr-FR" dirty="0" smtClean="0"/>
+              <a:t> – </a:t>
+            </a:r>
+            <a:r>
+              <a:rPr lang="fr-FR" dirty="0" err="1" smtClean="0"/>
+              <a:t>G.Meurice</a:t>
             </a:r>
             <a:endParaRPr lang="fr-FR" dirty="0"/>
           </a:p>
@@ -5942,6 +10040,13 @@
   <p:clrMapOvr>
     <a:masterClrMapping/>
   </p:clrMapOvr>
+  <p:timing>
+    <p:tnLst>
+      <p:par>
+        <p:cTn id="1" dur="indefinite" restart="never" nodeType="tmRoot"/>
+      </p:par>
+    </p:tnLst>
+  </p:timing>
 </p:sld>
 </file>
 
@@ -5997,7 +10102,7 @@
         </p:nvSpPr>
         <p:spPr>
           <a:xfrm>
-            <a:off x="457200" y="1600200"/>
+            <a:off x="895506" y="1600200"/>
             <a:ext cx="8229600" cy="676031"/>
           </a:xfrm>
         </p:spPr>
@@ -6034,7 +10139,7 @@
         </p:blipFill>
         <p:spPr>
           <a:xfrm>
-            <a:off x="908536" y="2276231"/>
+            <a:off x="1346842" y="2276231"/>
             <a:ext cx="7317153" cy="3774501"/>
           </a:xfrm>
           <a:prstGeom prst="rect">
@@ -6042,6 +10147,78 @@
           </a:prstGeom>
         </p:spPr>
       </p:pic>
+      <p:sp>
+        <p:nvSpPr>
+          <p:cNvPr id="6" name="Espace réservé du numéro de diapositive 5"/>
+          <p:cNvSpPr>
+            <a:spLocks noGrp="1"/>
+          </p:cNvSpPr>
+          <p:nvPr>
+            <p:ph type="sldNum" sz="quarter" idx="12"/>
+          </p:nvPr>
+        </p:nvSpPr>
+        <p:spPr/>
+        <p:txBody>
+          <a:bodyPr/>
+          <a:lstStyle/>
+          <a:p>
+            <a:fld id="{056E17D1-6463-6D4A-A6B9-487EB10F22E4}" type="slidenum">
+              <a:rPr lang="fr-FR" smtClean="0"/>
+              <a:t>8</a:t>
+            </a:fld>
+            <a:endParaRPr lang="fr-FR"/>
+          </a:p>
+        </p:txBody>
+      </p:sp>
+      <p:sp>
+        <p:nvSpPr>
+          <p:cNvPr id="7" name="Espace réservé du pied de page 2"/>
+          <p:cNvSpPr>
+            <a:spLocks noGrp="1"/>
+          </p:cNvSpPr>
+          <p:nvPr>
+            <p:ph type="ftr" sz="quarter" idx="11"/>
+          </p:nvPr>
+        </p:nvSpPr>
+        <p:spPr>
+          <a:xfrm>
+            <a:off x="1473393" y="6305550"/>
+            <a:ext cx="6456848" cy="476250"/>
+          </a:xfrm>
+        </p:spPr>
+        <p:txBody>
+          <a:bodyPr/>
+          <a:lstStyle/>
+          <a:p>
+            <a:pPr algn="ctr"/>
+            <a:r>
+              <a:rPr lang="fr-FR" dirty="0" smtClean="0"/>
+              <a:t>Initiation à R – </a:t>
+            </a:r>
+            <a:r>
+              <a:rPr lang="fr-FR" dirty="0" err="1" smtClean="0"/>
+              <a:t>CentraleSupelec</a:t>
+            </a:r>
+            <a:r>
+              <a:rPr lang="fr-FR" dirty="0" smtClean="0"/>
+              <a:t> – </a:t>
+            </a:r>
+            <a:r>
+              <a:rPr lang="fr-FR" dirty="0" err="1" smtClean="0"/>
+              <a:t>J.Guégan</a:t>
+            </a:r>
+            <a:r>
+              <a:rPr lang="fr-FR" dirty="0" smtClean="0"/>
+              <a:t> – </a:t>
+            </a:r>
+            <a:r>
+              <a:rPr lang="fr-FR" dirty="0" err="1" smtClean="0"/>
+              <a:t>G.Meurice</a:t>
+            </a:r>
+            <a:endParaRPr lang="fr-FR" dirty="0"/>
+          </a:p>
+        </p:txBody>
+      </p:sp>
     </p:spTree>
     <p:extLst>
       <p:ext uri="{BB962C8B-B14F-4D97-AF65-F5344CB8AC3E}">
@@ -6052,6 +10229,13 @@
   <p:clrMapOvr>
     <a:masterClrMapping/>
   </p:clrMapOvr>
+  <p:timing>
+    <p:tnLst>
+      <p:par>
+        <p:cTn id="1" dur="indefinite" restart="never" nodeType="tmRoot"/>
+      </p:par>
+    </p:tnLst>
+  </p:timing>
 </p:sld>
 </file>
 
@@ -6107,7 +10291,7 @@
         </p:nvSpPr>
         <p:spPr>
           <a:xfrm>
-            <a:off x="457200" y="1600200"/>
+            <a:off x="903063" y="1607757"/>
             <a:ext cx="8229600" cy="3313723"/>
           </a:xfrm>
         </p:spPr>
@@ -6176,6 +10360,78 @@
             <a:r>
               <a:rPr lang="fr-FR" dirty="0" smtClean="0"/>
               <a:t> …</a:t>
+            </a:r>
+            <a:endParaRPr lang="fr-FR" dirty="0"/>
+          </a:p>
+        </p:txBody>
+      </p:sp>
+      <p:sp>
+        <p:nvSpPr>
+          <p:cNvPr id="5" name="Espace réservé du numéro de diapositive 4"/>
+          <p:cNvSpPr>
+            <a:spLocks noGrp="1"/>
+          </p:cNvSpPr>
+          <p:nvPr>
+            <p:ph type="sldNum" sz="quarter" idx="12"/>
+          </p:nvPr>
+        </p:nvSpPr>
+        <p:spPr/>
+        <p:txBody>
+          <a:bodyPr/>
+          <a:lstStyle/>
+          <a:p>
+            <a:fld id="{056E17D1-6463-6D4A-A6B9-487EB10F22E4}" type="slidenum">
+              <a:rPr lang="fr-FR" smtClean="0"/>
+              <a:t>9</a:t>
+            </a:fld>
+            <a:endParaRPr lang="fr-FR"/>
+          </a:p>
+        </p:txBody>
+      </p:sp>
+      <p:sp>
+        <p:nvSpPr>
+          <p:cNvPr id="6" name="Espace réservé du pied de page 2"/>
+          <p:cNvSpPr>
+            <a:spLocks noGrp="1"/>
+          </p:cNvSpPr>
+          <p:nvPr>
+            <p:ph type="ftr" sz="quarter" idx="11"/>
+          </p:nvPr>
+        </p:nvSpPr>
+        <p:spPr>
+          <a:xfrm>
+            <a:off x="1473393" y="6305550"/>
+            <a:ext cx="6456848" cy="476250"/>
+          </a:xfrm>
+        </p:spPr>
+        <p:txBody>
+          <a:bodyPr/>
+          <a:lstStyle/>
+          <a:p>
+            <a:pPr algn="ctr"/>
+            <a:r>
+              <a:rPr lang="fr-FR" dirty="0" smtClean="0"/>
+              <a:t>Initiation à R – </a:t>
+            </a:r>
+            <a:r>
+              <a:rPr lang="fr-FR" dirty="0" err="1" smtClean="0"/>
+              <a:t>CentraleSupelec</a:t>
+            </a:r>
+            <a:r>
+              <a:rPr lang="fr-FR" dirty="0" smtClean="0"/>
+              <a:t> – </a:t>
+            </a:r>
+            <a:r>
+              <a:rPr lang="fr-FR" dirty="0" err="1" smtClean="0"/>
+              <a:t>J.Guégan</a:t>
+            </a:r>
+            <a:r>
+              <a:rPr lang="fr-FR" dirty="0" smtClean="0"/>
+              <a:t> – </a:t>
+            </a:r>
+            <a:r>
+              <a:rPr lang="fr-FR" dirty="0" err="1" smtClean="0"/>
+              <a:t>G.Meurice</a:t>
             </a:r>
             <a:endParaRPr lang="fr-FR" dirty="0"/>
           </a:p>
@@ -6191,13 +10447,345 @@
   <p:clrMapOvr>
     <a:masterClrMapping/>
   </p:clrMapOvr>
+  <p:timing>
+    <p:tnLst>
+      <p:par>
+        <p:cTn id="1" dur="indefinite" restart="never" nodeType="tmRoot"/>
+      </p:par>
+    </p:tnLst>
+  </p:timing>
 </p:sld>
 </file>
 
 <file path=ppt/theme/theme1.xml><?xml version="1.0" encoding="utf-8"?>
+<a:theme xmlns:a="http://schemas.openxmlformats.org/drawingml/2006/main" name="Solstice">
+  <a:themeElements>
+    <a:clrScheme name="Solstice">
+      <a:dk1>
+        <a:sysClr val="windowText" lastClr="000000"/>
+      </a:dk1>
+      <a:lt1>
+        <a:sysClr val="window" lastClr="FFFFFF"/>
+      </a:lt1>
+      <a:dk2>
+        <a:srgbClr val="4F271C"/>
+      </a:dk2>
+      <a:lt2>
+        <a:srgbClr val="E7DEC9"/>
+      </a:lt2>
+      <a:accent1>
+        <a:srgbClr val="3891A7"/>
+      </a:accent1>
+      <a:accent2>
+        <a:srgbClr val="FEB80A"/>
+      </a:accent2>
+      <a:accent3>
+        <a:srgbClr val="C32D2E"/>
+      </a:accent3>
+      <a:accent4>
+        <a:srgbClr val="84AA33"/>
+      </a:accent4>
+      <a:accent5>
+        <a:srgbClr val="964305"/>
+      </a:accent5>
+      <a:accent6>
+        <a:srgbClr val="475A8D"/>
+      </a:accent6>
+      <a:hlink>
+        <a:srgbClr val="8DC765"/>
+      </a:hlink>
+      <a:folHlink>
+        <a:srgbClr val="AA8A14"/>
+      </a:folHlink>
+    </a:clrScheme>
+    <a:fontScheme name="Solstice">
+      <a:majorFont>
+        <a:latin typeface="Gill Sans MT"/>
+        <a:ea typeface=""/>
+        <a:cs typeface=""/>
+        <a:font script="Grek" typeface="Corbel"/>
+        <a:font script="Cyrl" typeface="Corbel"/>
+        <a:font script="Jpan" typeface="HGｺﾞｼｯｸE"/>
+        <a:font script="Hang" typeface="휴먼매직체"/>
+        <a:font script="Hans" typeface="华文中宋"/>
+        <a:font script="Hant" typeface="微軟正黑體"/>
+        <a:font script="Arab" typeface="Majalla UI"/>
+        <a:font script="Hebr" typeface="Arial"/>
+        <a:font script="Thai" typeface="Cordia New"/>
+        <a:font script="Ethi" typeface="Nyala"/>
+        <a:font script="Beng" typeface="Vrinda"/>
+        <a:font script="Gujr" typeface="Shruti"/>
+        <a:font script="Khmr" typeface="DaunPenh"/>
+        <a:font script="Knda" typeface="Tunga"/>
+        <a:font script="Guru" typeface="Raavi"/>
+        <a:font script="Cans" typeface="Euphemia"/>
+        <a:font script="Cher" typeface="Plantagenet Cherokee"/>
+        <a:font script="Yiii" typeface="Microsoft Yi Baiti"/>
+        <a:font script="Tibt" typeface="Microsoft Himalaya"/>
+        <a:font script="Thaa" typeface="MV Boli"/>
+        <a:font script="Deva" typeface="Mangal"/>
+        <a:font script="Telu" typeface="Gautami"/>
+        <a:font script="Taml" typeface="Latha"/>
+        <a:font script="Syrc" typeface="Estrangelo Edessa"/>
+        <a:font script="Orya" typeface="Kalinga"/>
+        <a:font script="Mlym" typeface="Kartika"/>
+        <a:font script="Laoo" typeface="DokChampa"/>
+        <a:font script="Sinh" typeface="Iskoola Pota"/>
+        <a:font script="Mong" typeface="Mongolian Baiti"/>
+        <a:font script="Viet" typeface="Tahoma"/>
+        <a:font script="Uigh" typeface="Microsoft Uighur"/>
+        <a:font script="Geor" typeface="Sylfaen"/>
+      </a:majorFont>
+      <a:minorFont>
+        <a:latin typeface="Gill Sans MT"/>
+        <a:ea typeface=""/>
+        <a:cs typeface=""/>
+        <a:font script="Grek" typeface="Corbel"/>
+        <a:font script="Cyrl" typeface="Corbel"/>
+        <a:font script="Jpan" typeface="HGｺﾞｼｯｸE"/>
+        <a:font script="Hang" typeface="HY엽서L"/>
+        <a:font script="Hans" typeface="华文中宋"/>
+        <a:font script="Hant" typeface="微軟正黑體"/>
+        <a:font script="Arab" typeface="Majalla UI"/>
+        <a:font script="Hebr" typeface="Arial"/>
+        <a:font script="Thai" typeface="Cordia New"/>
+        <a:font script="Ethi" typeface="Nyala"/>
+        <a:font script="Beng" typeface="Vrinda"/>
+        <a:font script="Gujr" typeface="Shruti"/>
+        <a:font script="Khmr" typeface="DaunPenh"/>
+        <a:font script="Knda" typeface="Tunga"/>
+        <a:font script="Guru" typeface="Raavi"/>
+        <a:font script="Cans" typeface="Euphemia"/>
+        <a:font script="Cher" typeface="Plantagenet Cherokee"/>
+        <a:font script="Yiii" typeface="Microsoft Yi Baiti"/>
+        <a:font script="Tibt" typeface="Microsoft Himalaya"/>
+        <a:font script="Thaa" typeface="MV Boli"/>
+        <a:font script="Deva" typeface="Mangal"/>
+        <a:font script="Telu" typeface="Gautami"/>
+        <a:font script="Taml" typeface="Latha"/>
+        <a:font script="Syrc" typeface="Estrangelo Edessa"/>
+        <a:font script="Orya" typeface="Kalinga"/>
+        <a:font script="Mlym" typeface="Kartika"/>
+        <a:font script="Laoo" typeface="DokChampa"/>
+        <a:font script="Sinh" typeface="Iskoola Pota"/>
+        <a:font script="Mong" typeface="Mongolian Baiti"/>
+        <a:font script="Viet" typeface="Tahoma"/>
+        <a:font script="Uigh" typeface="Microsoft Uighur"/>
+        <a:font script="Geor" typeface="Sylfaen"/>
+      </a:minorFont>
+    </a:fontScheme>
+    <a:fmtScheme name="Solstice">
+      <a:fillStyleLst>
+        <a:solidFill>
+          <a:schemeClr val="phClr"/>
+        </a:solidFill>
+        <a:gradFill rotWithShape="1">
+          <a:gsLst>
+            <a:gs pos="0">
+              <a:schemeClr val="phClr">
+                <a:tint val="35000"/>
+                <a:satMod val="253000"/>
+              </a:schemeClr>
+            </a:gs>
+            <a:gs pos="50000">
+              <a:schemeClr val="phClr">
+                <a:tint val="42000"/>
+                <a:satMod val="255000"/>
+              </a:schemeClr>
+            </a:gs>
+            <a:gs pos="97000">
+              <a:schemeClr val="phClr">
+                <a:tint val="53000"/>
+                <a:satMod val="260000"/>
+              </a:schemeClr>
+            </a:gs>
+            <a:gs pos="100000">
+              <a:schemeClr val="phClr">
+                <a:tint val="56000"/>
+                <a:satMod val="275000"/>
+              </a:schemeClr>
+            </a:gs>
+          </a:gsLst>
+          <a:path path="circle">
+            <a:fillToRect l="50000" t="50000" r="50000" b="50000"/>
+          </a:path>
+        </a:gradFill>
+        <a:gradFill rotWithShape="1">
+          <a:gsLst>
+            <a:gs pos="0">
+              <a:schemeClr val="phClr">
+                <a:tint val="92000"/>
+                <a:satMod val="170000"/>
+              </a:schemeClr>
+            </a:gs>
+            <a:gs pos="15000">
+              <a:schemeClr val="phClr">
+                <a:tint val="92000"/>
+                <a:shade val="99000"/>
+                <a:satMod val="170000"/>
+              </a:schemeClr>
+            </a:gs>
+            <a:gs pos="62000">
+              <a:schemeClr val="phClr">
+                <a:tint val="96000"/>
+                <a:shade val="80000"/>
+                <a:satMod val="170000"/>
+              </a:schemeClr>
+            </a:gs>
+            <a:gs pos="97000">
+              <a:schemeClr val="phClr">
+                <a:tint val="98000"/>
+                <a:shade val="63000"/>
+                <a:satMod val="170000"/>
+              </a:schemeClr>
+            </a:gs>
+            <a:gs pos="100000">
+              <a:schemeClr val="phClr">
+                <a:shade val="62000"/>
+                <a:satMod val="170000"/>
+              </a:schemeClr>
+            </a:gs>
+          </a:gsLst>
+          <a:path path="circle">
+            <a:fillToRect l="50000" t="50000" r="50000" b="50000"/>
+          </a:path>
+        </a:gradFill>
+      </a:fillStyleLst>
+      <a:lnStyleLst>
+        <a:ln w="9525" cap="flat" cmpd="sng" algn="ctr">
+          <a:solidFill>
+            <a:schemeClr val="phClr"/>
+          </a:solidFill>
+          <a:prstDash val="solid"/>
+        </a:ln>
+        <a:ln w="25400" cap="flat" cmpd="sng" algn="ctr">
+          <a:solidFill>
+            <a:schemeClr val="phClr"/>
+          </a:solidFill>
+          <a:prstDash val="solid"/>
+        </a:ln>
+        <a:ln w="25400" cap="flat" cmpd="sng" algn="ctr">
+          <a:solidFill>
+            <a:schemeClr val="phClr"/>
+          </a:solidFill>
+          <a:prstDash val="solid"/>
+        </a:ln>
+      </a:lnStyleLst>
+      <a:effectStyleLst>
+        <a:effectStyle>
+          <a:effectLst>
+            <a:outerShdw blurRad="63500" dist="25400" dir="5400000" rotWithShape="0">
+              <a:srgbClr val="000000">
+                <a:alpha val="43137"/>
+              </a:srgbClr>
+            </a:outerShdw>
+          </a:effectLst>
+        </a:effectStyle>
+        <a:effectStyle>
+          <a:effectLst>
+            <a:outerShdw blurRad="63500" dist="25400" dir="5400000" rotWithShape="0">
+              <a:srgbClr val="000000">
+                <a:alpha val="43137"/>
+              </a:srgbClr>
+            </a:outerShdw>
+          </a:effectLst>
+          <a:scene3d>
+            <a:camera prst="orthographicFront" fov="0">
+              <a:rot lat="0" lon="0" rev="0"/>
+            </a:camera>
+            <a:lightRig rig="brightRoom" dir="tl">
+              <a:rot lat="0" lon="0" rev="8700000"/>
+            </a:lightRig>
+          </a:scene3d>
+          <a:sp3d contourW="12700">
+            <a:bevelT w="0" h="0"/>
+            <a:contourClr>
+              <a:schemeClr val="phClr">
+                <a:shade val="80000"/>
+              </a:schemeClr>
+            </a:contourClr>
+          </a:sp3d>
+        </a:effectStyle>
+        <a:effectStyle>
+          <a:effectLst>
+            <a:outerShdw blurRad="63500" dist="25400" dir="5400000" rotWithShape="0">
+              <a:srgbClr val="000000">
+                <a:alpha val="43137"/>
+              </a:srgbClr>
+            </a:outerShdw>
+          </a:effectLst>
+          <a:scene3d>
+            <a:camera prst="orthographicFront" fov="0">
+              <a:rot lat="0" lon="0" rev="0"/>
+            </a:camera>
+            <a:lightRig rig="brightRoom" dir="tl">
+              <a:rot lat="0" lon="0" rev="5400000"/>
+            </a:lightRig>
+          </a:scene3d>
+          <a:sp3d contourW="12700">
+            <a:bevelT w="25400" h="50800" prst="angle"/>
+            <a:contourClr>
+              <a:schemeClr val="phClr"/>
+            </a:contourClr>
+          </a:sp3d>
+        </a:effectStyle>
+      </a:effectStyleLst>
+      <a:bgFillStyleLst>
+        <a:solidFill>
+          <a:schemeClr val="phClr"/>
+        </a:solidFill>
+        <a:gradFill rotWithShape="1">
+          <a:gsLst>
+            <a:gs pos="0">
+              <a:schemeClr val="phClr">
+                <a:tint val="60000"/>
+                <a:satMod val="355000"/>
+              </a:schemeClr>
+            </a:gs>
+            <a:gs pos="40000">
+              <a:schemeClr val="phClr">
+                <a:tint val="85000"/>
+                <a:satMod val="320000"/>
+              </a:schemeClr>
+            </a:gs>
+            <a:gs pos="100000">
+              <a:schemeClr val="phClr">
+                <a:shade val="55000"/>
+                <a:satMod val="300000"/>
+              </a:schemeClr>
+            </a:gs>
+          </a:gsLst>
+          <a:path path="circle">
+            <a:fillToRect l="-24500" t="-20000" r="124500" b="120000"/>
+          </a:path>
+        </a:gradFill>
+        <a:blipFill>
+          <a:blip xmlns:r="http://schemas.openxmlformats.org/officeDocument/2006/relationships" r:embed="rId1">
+            <a:duotone>
+              <a:schemeClr val="phClr">
+                <a:shade val="9000"/>
+                <a:satMod val="300000"/>
+              </a:schemeClr>
+              <a:schemeClr val="phClr">
+                <a:tint val="90000"/>
+                <a:satMod val="225000"/>
+              </a:schemeClr>
+            </a:duotone>
+          </a:blip>
+          <a:tile tx="0" ty="0" sx="90000" sy="90000" flip="xy" algn="tl"/>
+        </a:blipFill>
+      </a:bgFillStyleLst>
+    </a:fmtScheme>
+  </a:themeElements>
+  <a:objectDefaults/>
+  <a:extraClrSchemeLst/>
+</a:theme>
+</file>
+
+<file path=ppt/theme/theme2.xml><?xml version="1.0" encoding="utf-8"?>
 <a:theme xmlns:a="http://schemas.openxmlformats.org/drawingml/2006/main" name="Thème Office">
   <a:themeElements>
-    <a:clrScheme name="Bureau">
+    <a:clrScheme name="Office">
       <a:dk1>
         <a:sysClr val="windowText" lastClr="000000"/>
       </a:dk1>
@@ -6235,7 +10823,7 @@
         <a:srgbClr val="800080"/>
       </a:folHlink>
     </a:clrScheme>
-    <a:fontScheme name="Bureau">
+    <a:fontScheme name="Office">
       <a:majorFont>
         <a:latin typeface="Calibri"/>
         <a:ea typeface=""/>
@@ -6307,7 +10895,7 @@
         <a:font script="Geor" typeface="Sylfaen"/>
       </a:minorFont>
     </a:fontScheme>
-    <a:fmtScheme name="Bureau">
+    <a:fmtScheme name="Office">
       <a:fillStyleLst>
         <a:solidFill>
           <a:schemeClr val="phClr"/>
@@ -6339,16 +10927,20 @@
           <a:gsLst>
             <a:gs pos="0">
               <a:schemeClr val="phClr">
-                <a:tint val="100000"/>
-                <a:shade val="100000"/>
+                <a:shade val="51000"/>
+                <a:satMod val="130000"/>
+              </a:schemeClr>
+            </a:gs>
+            <a:gs pos="80000">
+              <a:schemeClr val="phClr">
+                <a:shade val="93000"/>
                 <a:satMod val="130000"/>
               </a:schemeClr>
             </a:gs>
             <a:gs pos="100000">
               <a:schemeClr val="phClr">
-                <a:tint val="50000"/>
-                <a:shade val="100000"/>
-                <a:satMod val="350000"/>
+                <a:shade val="94000"/>
+                <a:satMod val="135000"/>
               </a:schemeClr>
             </a:gs>
           </a:gsLst>
@@ -6470,46 +11062,7 @@
       </a:bgFillStyleLst>
     </a:fmtScheme>
   </a:themeElements>
-  <a:objectDefaults>
-    <a:spDef>
-      <a:spPr/>
-      <a:bodyPr/>
-      <a:lstStyle/>
-      <a:style>
-        <a:lnRef idx="1">
-          <a:schemeClr val="accent1"/>
-        </a:lnRef>
-        <a:fillRef idx="3">
-          <a:schemeClr val="accent1"/>
-        </a:fillRef>
-        <a:effectRef idx="2">
-          <a:schemeClr val="accent1"/>
-        </a:effectRef>
-        <a:fontRef idx="minor">
-          <a:schemeClr val="lt1"/>
-        </a:fontRef>
-      </a:style>
-    </a:spDef>
-    <a:lnDef>
-      <a:spPr/>
-      <a:bodyPr/>
-      <a:lstStyle/>
-      <a:style>
-        <a:lnRef idx="2">
-          <a:schemeClr val="accent1"/>
-        </a:lnRef>
-        <a:fillRef idx="0">
-          <a:schemeClr val="accent1"/>
-        </a:fillRef>
-        <a:effectRef idx="1">
-          <a:schemeClr val="accent1"/>
-        </a:effectRef>
-        <a:fontRef idx="minor">
-          <a:schemeClr val="tx1"/>
-        </a:fontRef>
-      </a:style>
-    </a:lnDef>
-  </a:objectDefaults>
+  <a:objectDefaults/>
   <a:extraClrSchemeLst/>
 </a:theme>
 </file>
--- a/docs/source/TP1/TP1_20161027_introR.pptx
+++ b/docs/source/TP1/TP1_20161027_introR.pptx
@@ -5,7 +5,7 @@
     <p:sldMasterId id="2147483684" r:id="rId1"/>
   </p:sldMasterIdLst>
   <p:notesMasterIdLst>
-    <p:notesMasterId r:id="rId21"/>
+    <p:notesMasterId r:id="rId23"/>
   </p:notesMasterIdLst>
   <p:sldIdLst>
     <p:sldId id="256" r:id="rId2"/>
@@ -27,6 +27,8 @@
     <p:sldId id="269" r:id="rId18"/>
     <p:sldId id="284" r:id="rId19"/>
     <p:sldId id="273" r:id="rId20"/>
+    <p:sldId id="292" r:id="rId21"/>
+    <p:sldId id="293" r:id="rId22"/>
   </p:sldIdLst>
   <p:sldSz cx="9144000" cy="6858000" type="screen4x3"/>
   <p:notesSz cx="6858000" cy="9144000"/>
@@ -210,7 +212,7 @@
           <a:p>
             <a:fld id="{14CA3DB2-CD61-4D43-90C7-07D4860D25E6}" type="datetimeFigureOut">
               <a:rPr lang="en-US" smtClean="0"/>
-              <a:t>10/18/2016</a:t>
+              <a:t>03/11/2016</a:t>
             </a:fld>
             <a:endParaRPr lang="en-US"/>
           </a:p>
@@ -369,7 +371,7 @@
           <a:p>
             <a:fld id="{5FD45560-6E19-4C14-8F14-95FD8AEBCD9E}" type="slidenum">
               <a:rPr lang="en-US" smtClean="0"/>
-              <a:t>‹N°›</a:t>
+              <a:t>‹#›</a:t>
             </a:fld>
             <a:endParaRPr lang="en-US"/>
           </a:p>
@@ -612,7 +614,7 @@
           <a:p>
             <a:fld id="{77E1785E-86A1-4968-BEFA-2620FBAACD83}" type="datetime1">
               <a:rPr lang="fr-FR" smtClean="0"/>
-              <a:t>18/10/2016</a:t>
+              <a:t>03/11/2016</a:t>
             </a:fld>
             <a:endParaRPr lang="fr-FR"/>
           </a:p>
@@ -658,7 +660,7 @@
           <a:p>
             <a:fld id="{056E17D1-6463-6D4A-A6B9-487EB10F22E4}" type="slidenum">
               <a:rPr lang="fr-FR" smtClean="0"/>
-              <a:t>‹N°›</a:t>
+              <a:t>‹#›</a:t>
             </a:fld>
             <a:endParaRPr lang="fr-FR"/>
           </a:p>
@@ -810,7 +812,7 @@
   <p:timing>
     <p:tnLst>
       <p:par>
-        <p:cTn id="1" dur="indefinite" restart="never" nodeType="tmRoot"/>
+        <p:cTn xmlns:p14="http://schemas.microsoft.com/office/powerpoint/2010/main" id="1" dur="indefinite" restart="never" nodeType="tmRoot"/>
       </p:par>
     </p:tnLst>
   </p:timing>
@@ -932,7 +934,7 @@
           <a:p>
             <a:fld id="{323E60E4-CC5D-47B2-9BB7-2DC9B001C945}" type="datetime1">
               <a:rPr lang="fr-FR" smtClean="0"/>
-              <a:t>18/10/2016</a:t>
+              <a:t>03/11/2016</a:t>
             </a:fld>
             <a:endParaRPr lang="fr-FR"/>
           </a:p>
@@ -978,7 +980,7 @@
           <a:p>
             <a:fld id="{056E17D1-6463-6D4A-A6B9-487EB10F22E4}" type="slidenum">
               <a:rPr lang="fr-FR" smtClean="0"/>
-              <a:t>‹N°›</a:t>
+              <a:t>‹#›</a:t>
             </a:fld>
             <a:endParaRPr lang="fr-FR"/>
           </a:p>
@@ -1117,7 +1119,7 @@
           <a:p>
             <a:fld id="{4DB31260-1937-47E1-BCE8-5D9984F2A6EF}" type="datetime1">
               <a:rPr lang="fr-FR" smtClean="0"/>
-              <a:t>18/10/2016</a:t>
+              <a:t>03/11/2016</a:t>
             </a:fld>
             <a:endParaRPr lang="fr-FR"/>
           </a:p>
@@ -1163,7 +1165,7 @@
           <a:p>
             <a:fld id="{056E17D1-6463-6D4A-A6B9-487EB10F22E4}" type="slidenum">
               <a:rPr lang="fr-FR" smtClean="0"/>
-              <a:t>‹N°›</a:t>
+              <a:t>‹#›</a:t>
             </a:fld>
             <a:endParaRPr lang="fr-FR"/>
           </a:p>
@@ -1342,7 +1344,7 @@
           <a:p>
             <a:fld id="{056E17D1-6463-6D4A-A6B9-487EB10F22E4}" type="slidenum">
               <a:rPr lang="fr-FR" smtClean="0"/>
-              <a:t>‹N°›</a:t>
+              <a:t>‹#›</a:t>
             </a:fld>
             <a:endParaRPr lang="fr-FR"/>
           </a:p>
@@ -1356,7 +1358,7 @@
   <p:timing>
     <p:tnLst>
       <p:par>
-        <p:cTn id="1" dur="indefinite" restart="never" nodeType="tmRoot"/>
+        <p:cTn xmlns:p14="http://schemas.microsoft.com/office/powerpoint/2010/main" id="1" dur="indefinite" restart="never" nodeType="tmRoot"/>
       </p:par>
     </p:tnLst>
   </p:timing>
@@ -1571,7 +1573,7 @@
           <a:p>
             <a:fld id="{B2366E87-4E4D-410B-AE09-7C2BDD1C13DD}" type="datetime1">
               <a:rPr lang="fr-FR" smtClean="0"/>
-              <a:t>18/10/2016</a:t>
+              <a:t>03/11/2016</a:t>
             </a:fld>
             <a:endParaRPr lang="fr-FR"/>
           </a:p>
@@ -1617,7 +1619,7 @@
           <a:p>
             <a:fld id="{056E17D1-6463-6D4A-A6B9-487EB10F22E4}" type="slidenum">
               <a:rPr lang="fr-FR" smtClean="0"/>
-              <a:t>‹N°›</a:t>
+              <a:t>‹#›</a:t>
             </a:fld>
             <a:endParaRPr lang="fr-FR"/>
           </a:p>
@@ -2039,7 +2041,7 @@
           <a:p>
             <a:fld id="{3E0BAD1E-3BDC-4EF9-91E3-53F2617BBE39}" type="datetime1">
               <a:rPr lang="fr-FR" smtClean="0"/>
-              <a:t>18/10/2016</a:t>
+              <a:t>03/11/2016</a:t>
             </a:fld>
             <a:endParaRPr lang="fr-FR"/>
           </a:p>
@@ -2085,7 +2087,7 @@
           <a:p>
             <a:fld id="{056E17D1-6463-6D4A-A6B9-487EB10F22E4}" type="slidenum">
               <a:rPr lang="fr-FR" smtClean="0"/>
-              <a:t>‹N°›</a:t>
+              <a:t>‹#›</a:t>
             </a:fld>
             <a:endParaRPr lang="fr-FR"/>
           </a:p>
@@ -2528,7 +2530,7 @@
           <a:p>
             <a:fld id="{35F4A7F8-4AAB-49D6-95BD-C2E5D957D63D}" type="datetime1">
               <a:rPr lang="fr-FR" smtClean="0"/>
-              <a:t>18/10/2016</a:t>
+              <a:t>03/11/2016</a:t>
             </a:fld>
             <a:endParaRPr lang="fr-FR"/>
           </a:p>
@@ -2574,7 +2576,7 @@
           <a:p>
             <a:fld id="{056E17D1-6463-6D4A-A6B9-487EB10F22E4}" type="slidenum">
               <a:rPr lang="fr-FR" smtClean="0"/>
-              <a:t>‹N°›</a:t>
+              <a:t>‹#›</a:t>
             </a:fld>
             <a:endParaRPr lang="fr-FR"/>
           </a:p>
@@ -2654,7 +2656,7 @@
           <a:p>
             <a:fld id="{2CAD87A8-A548-4E65-B7B6-173FC78ED59A}" type="datetime1">
               <a:rPr lang="fr-FR" smtClean="0"/>
-              <a:t>18/10/2016</a:t>
+              <a:t>03/11/2016</a:t>
             </a:fld>
             <a:endParaRPr lang="fr-FR"/>
           </a:p>
@@ -2700,7 +2702,7 @@
           <a:p>
             <a:fld id="{056E17D1-6463-6D4A-A6B9-487EB10F22E4}" type="slidenum">
               <a:rPr lang="fr-FR" smtClean="0"/>
-              <a:t>‹N°›</a:t>
+              <a:t>‹#›</a:t>
             </a:fld>
             <a:endParaRPr lang="fr-FR"/>
           </a:p>
@@ -2798,7 +2800,7 @@
           <a:p>
             <a:fld id="{64C6B6F9-87A4-4863-95AB-8CB6E442ED90}" type="datetime1">
               <a:rPr lang="fr-FR" smtClean="0"/>
-              <a:t>18/10/2016</a:t>
+              <a:t>03/11/2016</a:t>
             </a:fld>
             <a:endParaRPr lang="fr-FR"/>
           </a:p>
@@ -2844,7 +2846,7 @@
           <a:p>
             <a:fld id="{056E17D1-6463-6D4A-A6B9-487EB10F22E4}" type="slidenum">
               <a:rPr lang="fr-FR" smtClean="0"/>
-              <a:t>‹N°›</a:t>
+              <a:t>‹#›</a:t>
             </a:fld>
             <a:endParaRPr lang="fr-FR"/>
           </a:p>
@@ -3120,7 +3122,7 @@
           <a:p>
             <a:fld id="{A210B356-2980-42E4-99E4-2FB03FC08CEC}" type="datetime1">
               <a:rPr lang="fr-FR" smtClean="0"/>
-              <a:t>18/10/2016</a:t>
+              <a:t>03/11/2016</a:t>
             </a:fld>
             <a:endParaRPr lang="fr-FR"/>
           </a:p>
@@ -3166,7 +3168,7 @@
           <a:p>
             <a:fld id="{056E17D1-6463-6D4A-A6B9-487EB10F22E4}" type="slidenum">
               <a:rPr lang="fr-FR" smtClean="0"/>
-              <a:t>‹N°›</a:t>
+              <a:t>‹#›</a:t>
             </a:fld>
             <a:endParaRPr lang="fr-FR"/>
           </a:p>
@@ -3254,7 +3256,7 @@
           <a:p>
             <a:fld id="{A5FE3268-0EEB-4C3F-A260-B25F428BD511}" type="datetime1">
               <a:rPr lang="fr-FR" smtClean="0"/>
-              <a:t>18/10/2016</a:t>
+              <a:t>03/11/2016</a:t>
             </a:fld>
             <a:endParaRPr lang="fr-FR"/>
           </a:p>
@@ -3300,7 +3302,7 @@
           <a:p>
             <a:fld id="{056E17D1-6463-6D4A-A6B9-487EB10F22E4}" type="slidenum">
               <a:rPr lang="fr-FR" smtClean="0"/>
-              <a:t>‹N°›</a:t>
+              <a:t>‹#›</a:t>
             </a:fld>
             <a:endParaRPr lang="fr-FR"/>
           </a:p>
@@ -4035,7 +4037,7 @@
           <a:p>
             <a:fld id="{D1AC76F2-91CD-48BB-95DD-90487D5A142F}" type="datetime1">
               <a:rPr lang="fr-FR" smtClean="0"/>
-              <a:t>18/10/2016</a:t>
+              <a:t>03/11/2016</a:t>
             </a:fld>
             <a:endParaRPr lang="fr-FR"/>
           </a:p>
@@ -4119,7 +4121,7 @@
           <a:p>
             <a:fld id="{056E17D1-6463-6D4A-A6B9-487EB10F22E4}" type="slidenum">
               <a:rPr lang="fr-FR" smtClean="0"/>
-              <a:t>‹N°›</a:t>
+              <a:t>‹#›</a:t>
             </a:fld>
             <a:endParaRPr lang="fr-FR"/>
           </a:p>
@@ -4698,14 +4700,14 @@
           </a:ln>
           <a:effectLst/>
           <a:extLst>
-            <a:ext uri="{909E8E84-426E-40DD-AFC4-6F175D3DCCD1}">
+            <a:ext uri="{909E8E84-426E-40dd-AFC4-6F175D3DCCD1}">
               <a14:hiddenFill xmlns:a14="http://schemas.microsoft.com/office/drawing/2010/main">
                 <a:solidFill>
                   <a:schemeClr val="accent1"/>
                 </a:solidFill>
               </a14:hiddenFill>
             </a:ext>
-            <a:ext uri="{91240B29-F687-4F45-9708-019B960494DF}">
+            <a:ext uri="{91240B29-F687-4f45-9708-019B960494DF}">
               <a14:hiddenLine xmlns:a14="http://schemas.microsoft.com/office/drawing/2010/main" w="9525">
                 <a:solidFill>
                   <a:schemeClr val="tx1"/>
@@ -4715,7 +4717,7 @@
                 <a:tailEnd/>
               </a14:hiddenLine>
             </a:ext>
-            <a:ext uri="{AF507438-7753-43E0-B8FC-AC1667EBCBE1}">
+            <a:ext uri="{AF507438-7753-43e0-B8FC-AC1667EBCBE1}">
               <a14:hiddenEffects xmlns:a14="http://schemas.microsoft.com/office/drawing/2010/main">
                 <a:effectLst>
                   <a:outerShdw dist="35921" dir="2700000" algn="ctr" rotWithShape="0">
@@ -4762,14 +4764,14 @@
           </a:ln>
           <a:effectLst/>
           <a:extLst>
-            <a:ext uri="{909E8E84-426E-40DD-AFC4-6F175D3DCCD1}">
+            <a:ext uri="{909E8E84-426E-40dd-AFC4-6F175D3DCCD1}">
               <a14:hiddenFill xmlns:a14="http://schemas.microsoft.com/office/drawing/2010/main">
                 <a:solidFill>
                   <a:schemeClr val="accent1"/>
                 </a:solidFill>
               </a14:hiddenFill>
             </a:ext>
-            <a:ext uri="{91240B29-F687-4F45-9708-019B960494DF}">
+            <a:ext uri="{91240B29-F687-4f45-9708-019B960494DF}">
               <a14:hiddenLine xmlns:a14="http://schemas.microsoft.com/office/drawing/2010/main" w="9525">
                 <a:solidFill>
                   <a:schemeClr val="tx1"/>
@@ -4779,7 +4781,7 @@
                 <a:tailEnd/>
               </a14:hiddenLine>
             </a:ext>
-            <a:ext uri="{AF507438-7753-43E0-B8FC-AC1667EBCBE1}">
+            <a:ext uri="{AF507438-7753-43e0-B8FC-AC1667EBCBE1}">
               <a14:hiddenEffects xmlns:a14="http://schemas.microsoft.com/office/drawing/2010/main">
                 <a:effectLst>
                   <a:outerShdw dist="35921" dir="2700000" algn="ctr" rotWithShape="0">
@@ -4826,14 +4828,14 @@
           </a:ln>
           <a:effectLst/>
           <a:extLst>
-            <a:ext uri="{909E8E84-426E-40DD-AFC4-6F175D3DCCD1}">
+            <a:ext uri="{909E8E84-426E-40dd-AFC4-6F175D3DCCD1}">
               <a14:hiddenFill xmlns:a14="http://schemas.microsoft.com/office/drawing/2010/main">
                 <a:solidFill>
                   <a:schemeClr val="accent1"/>
                 </a:solidFill>
               </a14:hiddenFill>
             </a:ext>
-            <a:ext uri="{91240B29-F687-4F45-9708-019B960494DF}">
+            <a:ext uri="{91240B29-F687-4f45-9708-019B960494DF}">
               <a14:hiddenLine xmlns:a14="http://schemas.microsoft.com/office/drawing/2010/main" w="9525">
                 <a:solidFill>
                   <a:schemeClr val="tx1"/>
@@ -4843,7 +4845,7 @@
                 <a:tailEnd/>
               </a14:hiddenLine>
             </a:ext>
-            <a:ext uri="{AF507438-7753-43E0-B8FC-AC1667EBCBE1}">
+            <a:ext uri="{AF507438-7753-43e0-B8FC-AC1667EBCBE1}">
               <a14:hiddenEffects xmlns:a14="http://schemas.microsoft.com/office/drawing/2010/main">
                 <a:effectLst>
                   <a:outerShdw dist="35921" dir="2700000" algn="ctr" rotWithShape="0">
@@ -4868,7 +4870,7 @@
   <p:timing>
     <p:tnLst>
       <p:par>
-        <p:cTn id="1" dur="indefinite" restart="never" nodeType="tmRoot"/>
+        <p:cTn xmlns:p14="http://schemas.microsoft.com/office/powerpoint/2010/main" id="1" dur="indefinite" restart="never" nodeType="tmRoot"/>
       </p:par>
     </p:tnLst>
   </p:timing>
@@ -5117,7 +5119,7 @@
   <p:timing>
     <p:tnLst>
       <p:par>
-        <p:cTn id="1" dur="indefinite" restart="never" nodeType="tmRoot"/>
+        <p:cTn xmlns:p14="http://schemas.microsoft.com/office/powerpoint/2010/main" id="1" dur="indefinite" restart="never" nodeType="tmRoot"/>
       </p:par>
     </p:tnLst>
   </p:timing>
@@ -5158,11 +5160,7 @@
           <a:p>
             <a:r>
               <a:rPr lang="fr-FR" dirty="0" smtClean="0"/>
-              <a:t>Les classes </a:t>
-            </a:r>
-            <a:r>
-              <a:rPr lang="fr-FR" dirty="0" smtClean="0"/>
-              <a:t>d’objets</a:t>
+              <a:t>Les classes d’objets</a:t>
             </a:r>
             <a:endParaRPr lang="fr-FR" dirty="0"/>
           </a:p>
@@ -5192,11 +5190,7 @@
             <a:pPr lvl="1"/>
             <a:r>
               <a:rPr lang="fr-FR" dirty="0" smtClean="0"/>
-              <a:t>tous </a:t>
-            </a:r>
-            <a:r>
-              <a:rPr lang="fr-FR" dirty="0" smtClean="0"/>
-              <a:t>les éléments sont de même nature</a:t>
+              <a:t>tous les éléments sont de même nature</a:t>
             </a:r>
           </a:p>
           <a:p>
@@ -5320,7 +5314,7 @@
   <p:timing>
     <p:tnLst>
       <p:par>
-        <p:cTn id="1" dur="indefinite" restart="never" nodeType="tmRoot"/>
+        <p:cTn xmlns:p14="http://schemas.microsoft.com/office/powerpoint/2010/main" id="1" dur="indefinite" restart="never" nodeType="tmRoot"/>
       </p:par>
     </p:tnLst>
   </p:timing>
@@ -5361,11 +5355,7 @@
           <a:p>
             <a:r>
               <a:rPr lang="fr-FR" dirty="0" smtClean="0"/>
-              <a:t>Les classes </a:t>
-            </a:r>
-            <a:r>
-              <a:rPr lang="fr-FR" dirty="0" smtClean="0"/>
-              <a:t>d’objets</a:t>
+              <a:t>Les classes d’objets</a:t>
             </a:r>
             <a:endParaRPr lang="fr-FR" dirty="0"/>
           </a:p>
@@ -5519,7 +5509,7 @@
   <p:timing>
     <p:tnLst>
       <p:par>
-        <p:cTn id="1" dur="indefinite" restart="never" nodeType="tmRoot"/>
+        <p:cTn xmlns:p14="http://schemas.microsoft.com/office/powerpoint/2010/main" id="1" dur="indefinite" restart="never" nodeType="tmRoot"/>
       </p:par>
     </p:tnLst>
   </p:timing>
@@ -5560,11 +5550,7 @@
           <a:p>
             <a:r>
               <a:rPr lang="fr-FR" dirty="0" smtClean="0"/>
-              <a:t>Les classes </a:t>
-            </a:r>
-            <a:r>
-              <a:rPr lang="fr-FR" dirty="0" smtClean="0"/>
-              <a:t>d’objets</a:t>
+              <a:t>Les classes d’objets</a:t>
             </a:r>
             <a:endParaRPr lang="fr-FR" dirty="0"/>
           </a:p>
@@ -5760,7 +5746,7 @@
   <p:timing>
     <p:tnLst>
       <p:par>
-        <p:cTn id="1" dur="indefinite" restart="never" nodeType="tmRoot"/>
+        <p:cTn xmlns:p14="http://schemas.microsoft.com/office/powerpoint/2010/main" id="1" dur="indefinite" restart="never" nodeType="tmRoot"/>
       </p:par>
     </p:tnLst>
   </p:timing>
@@ -5801,11 +5787,7 @@
           <a:p>
             <a:r>
               <a:rPr lang="fr-FR" dirty="0" smtClean="0"/>
-              <a:t>Les classes </a:t>
-            </a:r>
-            <a:r>
-              <a:rPr lang="fr-FR" dirty="0" smtClean="0"/>
-              <a:t>d’objets</a:t>
+              <a:t>Les classes d’objets</a:t>
             </a:r>
             <a:endParaRPr lang="fr-FR" dirty="0"/>
           </a:p>
@@ -5852,11 +5834,7 @@
             </a:r>
             <a:r>
               <a:rPr lang="fr-FR" dirty="0" smtClean="0"/>
-              <a:t>tructure </a:t>
-            </a:r>
-            <a:r>
-              <a:rPr lang="fr-FR" dirty="0" smtClean="0"/>
-              <a:t>spéciale </a:t>
+              <a:t>tructure spéciale </a:t>
             </a:r>
             <a:r>
               <a:rPr lang="fr-FR" dirty="0"/>
@@ -6018,7 +5996,7 @@
   <p:timing>
     <p:tnLst>
       <p:par>
-        <p:cTn id="1" dur="indefinite" restart="never" nodeType="tmRoot"/>
+        <p:cTn xmlns:p14="http://schemas.microsoft.com/office/powerpoint/2010/main" id="1" dur="indefinite" restart="never" nodeType="tmRoot"/>
       </p:par>
     </p:tnLst>
   </p:timing>
@@ -6059,11 +6037,7 @@
           <a:p>
             <a:r>
               <a:rPr lang="fr-FR" dirty="0" smtClean="0"/>
-              <a:t>Les classes </a:t>
-            </a:r>
-            <a:r>
-              <a:rPr lang="fr-FR" dirty="0" smtClean="0"/>
-              <a:t>d’objets</a:t>
+              <a:t>Les classes d’objets</a:t>
             </a:r>
             <a:endParaRPr lang="fr-FR" dirty="0"/>
           </a:p>
@@ -6086,15 +6060,7 @@
           <a:p>
             <a:r>
               <a:rPr lang="fr-FR" dirty="0" smtClean="0"/>
-              <a:t>Liste : </a:t>
-            </a:r>
-            <a:r>
-              <a:rPr lang="fr-FR" dirty="0" smtClean="0"/>
-              <a:t>objet </a:t>
-            </a:r>
-            <a:r>
-              <a:rPr lang="fr-FR" dirty="0" smtClean="0"/>
-              <a:t>« fourre-tout » :  </a:t>
+              <a:t>Liste : objet « fourre-tout » :  </a:t>
             </a:r>
           </a:p>
         </p:txBody>
@@ -6214,7 +6180,7 @@
   <p:timing>
     <p:tnLst>
       <p:par>
-        <p:cTn id="1" dur="indefinite" restart="never" nodeType="tmRoot"/>
+        <p:cTn xmlns:p14="http://schemas.microsoft.com/office/powerpoint/2010/main" id="1" dur="indefinite" restart="never" nodeType="tmRoot"/>
       </p:par>
     </p:tnLst>
   </p:timing>
@@ -6255,11 +6221,7 @@
           <a:p>
             <a:r>
               <a:rPr lang="fr-FR" dirty="0" smtClean="0"/>
-              <a:t>Structures </a:t>
-            </a:r>
-            <a:r>
-              <a:rPr lang="fr-FR" dirty="0" smtClean="0"/>
-              <a:t>algorithmiques</a:t>
+              <a:t>Structures algorithmiques</a:t>
             </a:r>
             <a:endParaRPr lang="fr-FR" dirty="0"/>
           </a:p>
@@ -6293,11 +6255,7 @@
             </a:r>
             <a:r>
               <a:rPr lang="fr-FR" dirty="0" smtClean="0"/>
-              <a:t>f </a:t>
-            </a:r>
-            <a:r>
-              <a:rPr lang="fr-FR" dirty="0" smtClean="0"/>
-              <a:t>/ </a:t>
+              <a:t>f / </a:t>
             </a:r>
             <a:r>
               <a:rPr lang="fr-FR" dirty="0" err="1" smtClean="0"/>
@@ -6433,7 +6391,7 @@
   <p:timing>
     <p:tnLst>
       <p:par>
-        <p:cTn id="1" dur="indefinite" restart="never" nodeType="tmRoot"/>
+        <p:cTn xmlns:p14="http://schemas.microsoft.com/office/powerpoint/2010/main" id="1" dur="indefinite" restart="never" nodeType="tmRoot"/>
       </p:par>
     </p:tnLst>
   </p:timing>
@@ -7136,7 +7094,7 @@
   <p:timing>
     <p:tnLst>
       <p:par>
-        <p:cTn id="1" dur="indefinite" restart="never" nodeType="tmRoot"/>
+        <p:cTn xmlns:p14="http://schemas.microsoft.com/office/powerpoint/2010/main" id="1" dur="indefinite" restart="never" nodeType="tmRoot"/>
       </p:par>
     </p:tnLst>
   </p:timing>
@@ -8481,7 +8439,7 @@
   <p:timing>
     <p:tnLst>
       <p:par>
-        <p:cTn id="1" dur="indefinite" restart="never" nodeType="tmRoot"/>
+        <p:cTn xmlns:p14="http://schemas.microsoft.com/office/powerpoint/2010/main" id="1" dur="indefinite" restart="never" nodeType="tmRoot"/>
       </p:par>
     </p:tnLst>
   </p:timing>
@@ -8650,7 +8608,7 @@
   <p:timing>
     <p:tnLst>
       <p:par>
-        <p:cTn id="1" dur="indefinite" restart="never" nodeType="tmRoot"/>
+        <p:cTn xmlns:p14="http://schemas.microsoft.com/office/powerpoint/2010/main" id="1" dur="indefinite" restart="never" nodeType="tmRoot"/>
       </p:par>
     </p:tnLst>
   </p:timing>
@@ -8775,7 +8733,6 @@
               <a:rPr lang="fr-FR" dirty="0" smtClean="0"/>
               <a:t>S :</a:t>
             </a:r>
-            <a:endParaRPr lang="fr-FR" dirty="0" smtClean="0"/>
           </a:p>
           <a:p>
             <a:pPr marL="285750" indent="-285750" algn="just">
@@ -8840,11 +8797,7 @@
             </a:pPr>
             <a:r>
               <a:rPr lang="fr-FR" dirty="0" smtClean="0"/>
-              <a:t>d’un </a:t>
-            </a:r>
-            <a:r>
-              <a:rPr lang="fr-FR" dirty="0" smtClean="0"/>
-              <a:t>interpréteur </a:t>
+              <a:t>d’un interpréteur </a:t>
             </a:r>
             <a:r>
               <a:rPr lang="fr-FR" dirty="0"/>
@@ -8890,11 +8843,7 @@
             </a:r>
             <a:r>
               <a:rPr lang="fr-FR" dirty="0" smtClean="0"/>
-              <a:t>compilés </a:t>
-            </a:r>
-            <a:r>
-              <a:rPr lang="fr-FR" dirty="0" smtClean="0"/>
-              <a:t>téléchargeables </a:t>
+              <a:t>compilés téléchargeables </a:t>
             </a:r>
             <a:r>
               <a:rPr lang="fr-FR" dirty="0"/>
@@ -8938,11 +8887,7 @@
             </a:r>
             <a:r>
               <a:rPr lang="fr-FR" dirty="0" smtClean="0"/>
-              <a:t>’un mode </a:t>
-            </a:r>
-            <a:r>
-              <a:rPr lang="fr-FR" dirty="0" smtClean="0"/>
-              <a:t>interactif </a:t>
+              <a:t>’un mode interactif </a:t>
             </a:r>
             <a:r>
               <a:rPr lang="fr-FR" dirty="0"/>
@@ -9064,7 +9009,305 @@
   <p:timing>
     <p:tnLst>
       <p:par>
-        <p:cTn id="1" dur="indefinite" restart="never" nodeType="tmRoot"/>
+        <p:cTn xmlns:p14="http://schemas.microsoft.com/office/powerpoint/2010/main" id="1" dur="indefinite" restart="never" nodeType="tmRoot"/>
+      </p:par>
+    </p:tnLst>
+  </p:timing>
+</p:sld>
+</file>
+
+<file path=ppt/slides/slide20.xml><?xml version="1.0" encoding="utf-8"?>
+<p:sld xmlns:a="http://schemas.openxmlformats.org/drawingml/2006/main" xmlns:r="http://schemas.openxmlformats.org/officeDocument/2006/relationships" xmlns:p="http://schemas.openxmlformats.org/presentationml/2006/main">
+  <p:cSld>
+    <p:spTree>
+      <p:nvGrpSpPr>
+        <p:cNvPr id="1" name=""/>
+        <p:cNvGrpSpPr/>
+        <p:nvPr/>
+      </p:nvGrpSpPr>
+      <p:grpSpPr>
+        <a:xfrm>
+          <a:off x="0" y="0"/>
+          <a:ext cx="0" cy="0"/>
+          <a:chOff x="0" y="0"/>
+          <a:chExt cx="0" cy="0"/>
+        </a:xfrm>
+      </p:grpSpPr>
+      <p:sp>
+        <p:nvSpPr>
+          <p:cNvPr id="2" name="Titre 1"/>
+          <p:cNvSpPr>
+            <a:spLocks noGrp="1"/>
+          </p:cNvSpPr>
+          <p:nvPr>
+            <p:ph type="ctrTitle"/>
+          </p:nvPr>
+        </p:nvSpPr>
+        <p:spPr>
+          <a:xfrm>
+            <a:off x="0" y="2130425"/>
+            <a:ext cx="9144000" cy="1470025"/>
+          </a:xfrm>
+        </p:spPr>
+        <p:txBody>
+          <a:bodyPr/>
+          <a:lstStyle/>
+          <a:p>
+            <a:r>
+              <a:rPr lang="fr-FR" dirty="0" err="1" smtClean="0"/>
+              <a:t>https</a:t>
+            </a:r>
+            <a:r>
+              <a:rPr lang="fr-FR" dirty="0" smtClean="0"/>
+              <a:t>://pf-</a:t>
+            </a:r>
+            <a:r>
+              <a:rPr lang="fr-FR" dirty="0" err="1" smtClean="0"/>
+              <a:t>bb.github.io</a:t>
+            </a:r>
+            <a:r>
+              <a:rPr lang="fr-FR" dirty="0" smtClean="0"/>
+              <a:t>/</a:t>
+            </a:r>
+            <a:r>
+              <a:rPr lang="fr-FR" dirty="0" err="1" smtClean="0"/>
+              <a:t>CentraleSupelec</a:t>
+            </a:r>
+            <a:r>
+              <a:rPr lang="fr-FR" dirty="0" smtClean="0"/>
+              <a:t>-R-</a:t>
+            </a:r>
+            <a:r>
+              <a:rPr lang="fr-FR" dirty="0" err="1" smtClean="0"/>
+              <a:t>genomics</a:t>
+            </a:r>
+            <a:r>
+              <a:rPr lang="fr-FR" dirty="0" smtClean="0"/>
+              <a:t>/</a:t>
+            </a:r>
+            <a:endParaRPr lang="fr-FR" dirty="0"/>
+          </a:p>
+        </p:txBody>
+      </p:sp>
+      <p:sp>
+        <p:nvSpPr>
+          <p:cNvPr id="3" name="Sous-titre 2"/>
+          <p:cNvSpPr>
+            <a:spLocks noGrp="1"/>
+          </p:cNvSpPr>
+          <p:nvPr>
+            <p:ph type="subTitle" idx="1"/>
+          </p:nvPr>
+        </p:nvSpPr>
+        <p:spPr/>
+        <p:txBody>
+          <a:bodyPr/>
+          <a:lstStyle/>
+          <a:p>
+            <a:endParaRPr lang="fr-FR"/>
+          </a:p>
+        </p:txBody>
+      </p:sp>
+    </p:spTree>
+    <p:extLst>
+      <p:ext uri="{BB962C8B-B14F-4D97-AF65-F5344CB8AC3E}">
+        <p14:creationId xmlns:p14="http://schemas.microsoft.com/office/powerpoint/2010/main" val="1570781735"/>
+      </p:ext>
+    </p:extLst>
+  </p:cSld>
+  <p:clrMapOvr>
+    <a:masterClrMapping/>
+  </p:clrMapOvr>
+  <p:timing>
+    <p:tnLst>
+      <p:par>
+        <p:cTn xmlns:p14="http://schemas.microsoft.com/office/powerpoint/2010/main" id="1" dur="indefinite" restart="never" nodeType="tmRoot"/>
+      </p:par>
+    </p:tnLst>
+  </p:timing>
+</p:sld>
+</file>
+
+<file path=ppt/slides/slide21.xml><?xml version="1.0" encoding="utf-8"?>
+<p:sld xmlns:a="http://schemas.openxmlformats.org/drawingml/2006/main" xmlns:r="http://schemas.openxmlformats.org/officeDocument/2006/relationships" xmlns:p="http://schemas.openxmlformats.org/presentationml/2006/main">
+  <p:cSld>
+    <p:spTree>
+      <p:nvGrpSpPr>
+        <p:cNvPr id="1" name=""/>
+        <p:cNvGrpSpPr/>
+        <p:nvPr/>
+      </p:nvGrpSpPr>
+      <p:grpSpPr>
+        <a:xfrm>
+          <a:off x="0" y="0"/>
+          <a:ext cx="0" cy="0"/>
+          <a:chOff x="0" y="0"/>
+          <a:chExt cx="0" cy="0"/>
+        </a:xfrm>
+      </p:grpSpPr>
+      <p:sp>
+        <p:nvSpPr>
+          <p:cNvPr id="2" name="Titre 1"/>
+          <p:cNvSpPr>
+            <a:spLocks noGrp="1"/>
+          </p:cNvSpPr>
+          <p:nvPr>
+            <p:ph type="title"/>
+          </p:nvPr>
+        </p:nvSpPr>
+        <p:spPr/>
+        <p:txBody>
+          <a:bodyPr/>
+          <a:lstStyle/>
+          <a:p>
+            <a:r>
+              <a:rPr lang="fr-FR" dirty="0" smtClean="0"/>
+              <a:t>Exos prioritaires</a:t>
+            </a:r>
+            <a:endParaRPr lang="fr-FR" dirty="0"/>
+          </a:p>
+        </p:txBody>
+      </p:sp>
+      <p:sp>
+        <p:nvSpPr>
+          <p:cNvPr id="3" name="Espace réservé du contenu 2"/>
+          <p:cNvSpPr>
+            <a:spLocks noGrp="1"/>
+          </p:cNvSpPr>
+          <p:nvPr>
+            <p:ph idx="1"/>
+          </p:nvPr>
+        </p:nvSpPr>
+        <p:spPr/>
+        <p:txBody>
+          <a:bodyPr>
+            <a:normAutofit lnSpcReduction="10000"/>
+          </a:bodyPr>
+          <a:lstStyle/>
+          <a:p>
+            <a:r>
+              <a:rPr lang="fr-FR" sz="4000" dirty="0" smtClean="0"/>
+              <a:t>Exo 9</a:t>
+            </a:r>
+          </a:p>
+          <a:p>
+            <a:r>
+              <a:rPr lang="fr-FR" sz="4000" dirty="0" smtClean="0"/>
+              <a:t>Exo 11</a:t>
+            </a:r>
+          </a:p>
+          <a:p>
+            <a:r>
+              <a:rPr lang="fr-FR" sz="4000" dirty="0" smtClean="0"/>
+              <a:t>Exo 13</a:t>
+            </a:r>
+          </a:p>
+          <a:p>
+            <a:r>
+              <a:rPr lang="fr-FR" sz="4000" dirty="0" smtClean="0"/>
+              <a:t>Exo 14</a:t>
+            </a:r>
+          </a:p>
+          <a:p>
+            <a:r>
+              <a:rPr lang="fr-FR" sz="4000" dirty="0" smtClean="0"/>
+              <a:t>Exo 16</a:t>
+            </a:r>
+          </a:p>
+          <a:p>
+            <a:r>
+              <a:rPr lang="fr-FR" sz="4000" dirty="0" smtClean="0"/>
+              <a:t>Exo 19</a:t>
+            </a:r>
+          </a:p>
+          <a:p>
+            <a:r>
+              <a:rPr lang="fr-FR" sz="4000" dirty="0" smtClean="0"/>
+              <a:t>Exo 21</a:t>
+            </a:r>
+            <a:endParaRPr lang="fr-FR" sz="4000" dirty="0"/>
+          </a:p>
+        </p:txBody>
+      </p:sp>
+      <p:sp>
+        <p:nvSpPr>
+          <p:cNvPr id="4" name="ZoneTexte 3"/>
+          <p:cNvSpPr txBox="1"/>
+          <p:nvPr/>
+        </p:nvSpPr>
+        <p:spPr>
+          <a:xfrm>
+            <a:off x="3111820" y="2132900"/>
+            <a:ext cx="5903733" cy="3416320"/>
+          </a:xfrm>
+          <a:prstGeom prst="rect">
+            <a:avLst/>
+          </a:prstGeom>
+          <a:noFill/>
+          <a:ln>
+            <a:solidFill>
+              <a:srgbClr val="FF0000"/>
+            </a:solidFill>
+          </a:ln>
+        </p:spPr>
+        <p:txBody>
+          <a:bodyPr wrap="square" rtlCol="0">
+            <a:spAutoFit/>
+          </a:bodyPr>
+          <a:lstStyle/>
+          <a:p>
+            <a:r>
+              <a:rPr lang="fr-FR" sz="3600" dirty="0" smtClean="0">
+                <a:solidFill>
+                  <a:srgbClr val="FF0000"/>
+                </a:solidFill>
+              </a:rPr>
+              <a:t>Rendre le TP (tous les exos sauf 25 et 26 optionnels) sous la forme : </a:t>
+            </a:r>
+          </a:p>
+          <a:p>
+            <a:pPr marL="285750" indent="-285750">
+              <a:buFontTx/>
+              <a:buChar char="-"/>
+            </a:pPr>
+            <a:r>
+              <a:rPr lang="fr-FR" sz="3600" dirty="0" smtClean="0"/>
+              <a:t>TP1_votrenom.rmd</a:t>
+            </a:r>
+          </a:p>
+          <a:p>
+            <a:pPr marL="285750" indent="-285750">
+              <a:buFontTx/>
+              <a:buChar char="-"/>
+            </a:pPr>
+            <a:r>
+              <a:rPr lang="fr-FR" sz="3600" dirty="0" smtClean="0"/>
+              <a:t>TP1_votrenom.html</a:t>
+            </a:r>
+          </a:p>
+          <a:p>
+            <a:r>
+              <a:rPr lang="fr-FR" sz="3600" dirty="0" smtClean="0"/>
+              <a:t>(avant le 18 novembre)</a:t>
+            </a:r>
+            <a:endParaRPr lang="fr-FR" sz="3600" dirty="0"/>
+          </a:p>
+        </p:txBody>
+      </p:sp>
+    </p:spTree>
+    <p:extLst>
+      <p:ext uri="{BB962C8B-B14F-4D97-AF65-F5344CB8AC3E}">
+        <p14:creationId xmlns:p14="http://schemas.microsoft.com/office/powerpoint/2010/main" val="4176790722"/>
+      </p:ext>
+    </p:extLst>
+  </p:cSld>
+  <p:clrMapOvr>
+    <a:masterClrMapping/>
+  </p:clrMapOvr>
+  <p:timing>
+    <p:tnLst>
+      <p:par>
+        <p:cTn xmlns:p14="http://schemas.microsoft.com/office/powerpoint/2010/main" id="1" dur="indefinite" restart="never" nodeType="tmRoot"/>
       </p:par>
     </p:tnLst>
   </p:timing>
@@ -9230,7 +9473,7 @@
   <p:timing>
     <p:tnLst>
       <p:par>
-        <p:cTn id="1" dur="indefinite" restart="never" nodeType="tmRoot"/>
+        <p:cTn xmlns:p14="http://schemas.microsoft.com/office/powerpoint/2010/main" id="1" dur="indefinite" restart="never" nodeType="tmRoot"/>
       </p:par>
     </p:tnLst>
   </p:timing>
@@ -9392,7 +9635,7 @@
   <p:timing>
     <p:tnLst>
       <p:par>
-        <p:cTn id="1" dur="indefinite" restart="never" nodeType="tmRoot"/>
+        <p:cTn xmlns:p14="http://schemas.microsoft.com/office/powerpoint/2010/main" id="1" dur="indefinite" restart="never" nodeType="tmRoot"/>
       </p:par>
     </p:tnLst>
   </p:timing>
@@ -9435,15 +9678,7 @@
           <a:p>
             <a:r>
               <a:rPr lang="fr-FR" dirty="0" smtClean="0"/>
-              <a:t>Un outil aux </a:t>
-            </a:r>
-            <a:r>
-              <a:rPr lang="fr-FR" dirty="0" smtClean="0"/>
-              <a:t>fonctionnalités </a:t>
-            </a:r>
-            <a:r>
-              <a:rPr lang="fr-FR" dirty="0" smtClean="0"/>
-              <a:t>avancées</a:t>
+              <a:t>Un outil aux fonctionnalités avancées</a:t>
             </a:r>
             <a:endParaRPr lang="fr-FR" dirty="0"/>
           </a:p>
@@ -9625,7 +9860,7 @@
   <p:timing>
     <p:tnLst>
       <p:par>
-        <p:cTn id="1" dur="indefinite" restart="never" nodeType="tmRoot"/>
+        <p:cTn xmlns:p14="http://schemas.microsoft.com/office/powerpoint/2010/main" id="1" dur="indefinite" restart="never" nodeType="tmRoot"/>
       </p:par>
     </p:tnLst>
   </p:timing>
@@ -9786,7 +10021,7 @@
   <p:timing>
     <p:tnLst>
       <p:par>
-        <p:cTn id="1" dur="indefinite" restart="never" nodeType="tmRoot"/>
+        <p:cTn xmlns:p14="http://schemas.microsoft.com/office/powerpoint/2010/main" id="1" dur="indefinite" restart="never" nodeType="tmRoot"/>
       </p:par>
     </p:tnLst>
   </p:timing>
@@ -10043,7 +10278,7 @@
   <p:timing>
     <p:tnLst>
       <p:par>
-        <p:cTn id="1" dur="indefinite" restart="never" nodeType="tmRoot"/>
+        <p:cTn xmlns:p14="http://schemas.microsoft.com/office/powerpoint/2010/main" id="1" dur="indefinite" restart="never" nodeType="tmRoot"/>
       </p:par>
     </p:tnLst>
   </p:timing>
@@ -10232,7 +10467,7 @@
   <p:timing>
     <p:tnLst>
       <p:par>
-        <p:cTn id="1" dur="indefinite" restart="never" nodeType="tmRoot"/>
+        <p:cTn xmlns:p14="http://schemas.microsoft.com/office/powerpoint/2010/main" id="1" dur="indefinite" restart="never" nodeType="tmRoot"/>
       </p:par>
     </p:tnLst>
   </p:timing>
@@ -10450,7 +10685,7 @@
   <p:timing>
     <p:tnLst>
       <p:par>
-        <p:cTn id="1" dur="indefinite" restart="never" nodeType="tmRoot"/>
+        <p:cTn xmlns:p14="http://schemas.microsoft.com/office/powerpoint/2010/main" id="1" dur="indefinite" restart="never" nodeType="tmRoot"/>
       </p:par>
     </p:tnLst>
   </p:timing>
